--- a/Docs/HighLevelArchitecture.pptx
+++ b/Docs/HighLevelArchitecture.pptx
@@ -4308,31 +4308,32 @@
             </a:avLst>
           </a:prstGeom>
           <a:solidFill>
-            <a:schemeClr val="bg1">
-              <a:lumMod val="95000"/>
+            <a:schemeClr val="accent6">
+              <a:lumMod val="20000"/>
+              <a:lumOff val="80000"/>
             </a:schemeClr>
           </a:solidFill>
           <a:ln>
             <a:solidFill>
-              <a:schemeClr val="bg1">
-                <a:lumMod val="85000"/>
+              <a:schemeClr val="accent6">
+                <a:lumMod val="40000"/>
+                <a:lumOff val="60000"/>
               </a:schemeClr>
             </a:solidFill>
-            <a:prstDash val="sysDash"/>
           </a:ln>
         </p:spPr>
         <p:style>
-          <a:lnRef idx="3">
-            <a:schemeClr val="lt1"/>
+          <a:lnRef idx="2">
+            <a:schemeClr val="accent6"/>
           </a:lnRef>
           <a:fillRef idx="1">
-            <a:schemeClr val="accent4"/>
+            <a:schemeClr val="lt1"/>
           </a:fillRef>
-          <a:effectRef idx="1">
-            <a:schemeClr val="accent4"/>
+          <a:effectRef idx="0">
+            <a:schemeClr val="accent6"/>
           </a:effectRef>
           <a:fontRef idx="minor">
-            <a:schemeClr val="lt1"/>
+            <a:schemeClr val="dk1"/>
           </a:fontRef>
         </p:style>
         <p:txBody>
@@ -4348,7 +4349,17 @@
                   </a:schemeClr>
                 </a:solidFill>
               </a:rPr>
-              <a:t>Business tier – server side processes</a:t>
+              <a:t>Application </a:t>
+            </a:r>
+            <a:r>
+              <a:rPr lang="en-US" sz="1600" dirty="0" smtClean="0">
+                <a:solidFill>
+                  <a:schemeClr val="bg1">
+                    <a:lumMod val="50000"/>
+                  </a:schemeClr>
+                </a:solidFill>
+              </a:rPr>
+              <a:t>tier – server side processes</a:t>
             </a:r>
             <a:endParaRPr lang="en-US" sz="1600" dirty="0">
               <a:solidFill>
@@ -4368,7 +4379,7 @@
         </p:nvSpPr>
         <p:spPr>
           <a:xfrm>
-            <a:off x="2648946" y="3422890"/>
+            <a:off x="2648946" y="3375265"/>
             <a:ext cx="858383" cy="565477"/>
           </a:xfrm>
           <a:prstGeom prst="roundRect">
@@ -4376,27 +4387,20 @@
               <a:gd name="adj" fmla="val 0"/>
             </a:avLst>
           </a:prstGeom>
-          <a:solidFill>
-            <a:schemeClr val="bg1">
-              <a:lumMod val="85000"/>
-            </a:schemeClr>
-          </a:solidFill>
-          <a:ln>
-            <a:noFill/>
-          </a:ln>
+          <a:ln/>
         </p:spPr>
         <p:style>
-          <a:lnRef idx="3">
-            <a:schemeClr val="lt1"/>
+          <a:lnRef idx="1">
+            <a:schemeClr val="accent6"/>
           </a:lnRef>
-          <a:fillRef idx="1">
-            <a:schemeClr val="accent2"/>
+          <a:fillRef idx="2">
+            <a:schemeClr val="accent6"/>
           </a:fillRef>
           <a:effectRef idx="1">
-            <a:schemeClr val="accent2"/>
+            <a:schemeClr val="accent6"/>
           </a:effectRef>
           <a:fontRef idx="minor">
-            <a:schemeClr val="lt1"/>
+            <a:schemeClr val="dk1"/>
           </a:fontRef>
         </p:style>
         <p:txBody>
@@ -4423,7 +4427,7 @@
         </p:nvSpPr>
         <p:spPr>
           <a:xfrm>
-            <a:off x="3704586" y="3432592"/>
+            <a:off x="3704586" y="3384967"/>
             <a:ext cx="858383" cy="565477"/>
           </a:xfrm>
           <a:prstGeom prst="roundRect">
@@ -4431,27 +4435,20 @@
               <a:gd name="adj" fmla="val 0"/>
             </a:avLst>
           </a:prstGeom>
-          <a:solidFill>
-            <a:schemeClr val="bg1">
-              <a:lumMod val="85000"/>
-            </a:schemeClr>
-          </a:solidFill>
-          <a:ln>
-            <a:noFill/>
-          </a:ln>
+          <a:ln/>
         </p:spPr>
         <p:style>
-          <a:lnRef idx="3">
-            <a:schemeClr val="lt1"/>
+          <a:lnRef idx="1">
+            <a:schemeClr val="accent6"/>
           </a:lnRef>
-          <a:fillRef idx="1">
-            <a:schemeClr val="accent2"/>
+          <a:fillRef idx="2">
+            <a:schemeClr val="accent6"/>
           </a:fillRef>
           <a:effectRef idx="1">
-            <a:schemeClr val="accent2"/>
+            <a:schemeClr val="accent6"/>
           </a:effectRef>
           <a:fontRef idx="minor">
-            <a:schemeClr val="lt1"/>
+            <a:schemeClr val="dk1"/>
           </a:fontRef>
         </p:style>
         <p:txBody>
@@ -4478,7 +4475,7 @@
         </p:nvSpPr>
         <p:spPr>
           <a:xfrm>
-            <a:off x="2643183" y="4158393"/>
+            <a:off x="2643183" y="4110768"/>
             <a:ext cx="858383" cy="568849"/>
           </a:xfrm>
           <a:prstGeom prst="roundRect">
@@ -4486,27 +4483,20 @@
               <a:gd name="adj" fmla="val 0"/>
             </a:avLst>
           </a:prstGeom>
-          <a:solidFill>
-            <a:schemeClr val="bg1">
-              <a:lumMod val="85000"/>
-            </a:schemeClr>
-          </a:solidFill>
-          <a:ln>
-            <a:noFill/>
-          </a:ln>
+          <a:ln/>
         </p:spPr>
         <p:style>
-          <a:lnRef idx="3">
-            <a:schemeClr val="lt1"/>
+          <a:lnRef idx="1">
+            <a:schemeClr val="accent6"/>
           </a:lnRef>
-          <a:fillRef idx="1">
-            <a:schemeClr val="accent2"/>
+          <a:fillRef idx="2">
+            <a:schemeClr val="accent6"/>
           </a:fillRef>
           <a:effectRef idx="1">
-            <a:schemeClr val="accent2"/>
+            <a:schemeClr val="accent6"/>
           </a:effectRef>
           <a:fontRef idx="minor">
-            <a:schemeClr val="lt1"/>
+            <a:schemeClr val="dk1"/>
           </a:fontRef>
         </p:style>
         <p:txBody>
@@ -4533,7 +4523,7 @@
         </p:nvSpPr>
         <p:spPr>
           <a:xfrm>
-            <a:off x="3704586" y="4174426"/>
+            <a:off x="3704586" y="4126801"/>
             <a:ext cx="858383" cy="552816"/>
           </a:xfrm>
           <a:prstGeom prst="roundRect">
@@ -4541,27 +4531,20 @@
               <a:gd name="adj" fmla="val 0"/>
             </a:avLst>
           </a:prstGeom>
-          <a:solidFill>
-            <a:schemeClr val="bg1">
-              <a:lumMod val="85000"/>
-            </a:schemeClr>
-          </a:solidFill>
-          <a:ln>
-            <a:noFill/>
-          </a:ln>
+          <a:ln/>
         </p:spPr>
         <p:style>
-          <a:lnRef idx="3">
-            <a:schemeClr val="lt1"/>
+          <a:lnRef idx="1">
+            <a:schemeClr val="accent6"/>
           </a:lnRef>
-          <a:fillRef idx="1">
-            <a:schemeClr val="accent2"/>
+          <a:fillRef idx="2">
+            <a:schemeClr val="accent6"/>
           </a:fillRef>
           <a:effectRef idx="1">
-            <a:schemeClr val="accent2"/>
+            <a:schemeClr val="accent6"/>
           </a:effectRef>
           <a:fontRef idx="minor">
-            <a:schemeClr val="lt1"/>
+            <a:schemeClr val="dk1"/>
           </a:fontRef>
         </p:style>
         <p:txBody>
@@ -4588,7 +4571,7 @@
         </p:nvSpPr>
         <p:spPr>
           <a:xfrm>
-            <a:off x="4774708" y="3432592"/>
+            <a:off x="4774708" y="3384967"/>
             <a:ext cx="858383" cy="565477"/>
           </a:xfrm>
           <a:prstGeom prst="roundRect">
@@ -4596,27 +4579,20 @@
               <a:gd name="adj" fmla="val 0"/>
             </a:avLst>
           </a:prstGeom>
-          <a:solidFill>
-            <a:schemeClr val="bg1">
-              <a:lumMod val="85000"/>
-            </a:schemeClr>
-          </a:solidFill>
-          <a:ln>
-            <a:noFill/>
-          </a:ln>
+          <a:ln/>
         </p:spPr>
         <p:style>
-          <a:lnRef idx="3">
-            <a:schemeClr val="lt1"/>
+          <a:lnRef idx="1">
+            <a:schemeClr val="accent6"/>
           </a:lnRef>
-          <a:fillRef idx="1">
-            <a:schemeClr val="accent2"/>
+          <a:fillRef idx="2">
+            <a:schemeClr val="accent6"/>
           </a:fillRef>
           <a:effectRef idx="1">
-            <a:schemeClr val="accent2"/>
+            <a:schemeClr val="accent6"/>
           </a:effectRef>
           <a:fontRef idx="minor">
-            <a:schemeClr val="lt1"/>
+            <a:schemeClr val="dk1"/>
           </a:fontRef>
         </p:style>
         <p:txBody>
@@ -4643,7 +4619,7 @@
         </p:nvSpPr>
         <p:spPr>
           <a:xfrm>
-            <a:off x="4765989" y="4174426"/>
+            <a:off x="4765989" y="4126801"/>
             <a:ext cx="858383" cy="552816"/>
           </a:xfrm>
           <a:prstGeom prst="roundRect">
@@ -4651,27 +4627,20 @@
               <a:gd name="adj" fmla="val 0"/>
             </a:avLst>
           </a:prstGeom>
-          <a:solidFill>
-            <a:schemeClr val="bg1">
-              <a:lumMod val="85000"/>
-            </a:schemeClr>
-          </a:solidFill>
-          <a:ln>
-            <a:noFill/>
-          </a:ln>
+          <a:ln/>
         </p:spPr>
         <p:style>
-          <a:lnRef idx="3">
-            <a:schemeClr val="lt1"/>
+          <a:lnRef idx="1">
+            <a:schemeClr val="accent6"/>
           </a:lnRef>
-          <a:fillRef idx="1">
-            <a:schemeClr val="accent2"/>
+          <a:fillRef idx="2">
+            <a:schemeClr val="accent6"/>
           </a:fillRef>
           <a:effectRef idx="1">
-            <a:schemeClr val="accent2"/>
+            <a:schemeClr val="accent6"/>
           </a:effectRef>
           <a:fontRef idx="minor">
-            <a:schemeClr val="lt1"/>
+            <a:schemeClr val="dk1"/>
           </a:fontRef>
         </p:style>
         <p:txBody>
@@ -4698,7 +4667,7 @@
         </p:nvSpPr>
         <p:spPr>
           <a:xfrm>
-            <a:off x="2790581" y="2527666"/>
+            <a:off x="2988285" y="2527666"/>
             <a:ext cx="157163" cy="147637"/>
           </a:xfrm>
           <a:prstGeom prst="ellipse">
@@ -4738,7 +4707,7 @@
         </p:nvCxnSpPr>
         <p:spPr>
           <a:xfrm flipV="1">
-            <a:off x="2869163" y="2675303"/>
+            <a:off x="3066867" y="2675303"/>
             <a:ext cx="0" cy="216667"/>
           </a:xfrm>
           <a:prstGeom prst="line">
@@ -4787,7 +4756,7 @@
         </p:blipFill>
         <p:spPr>
           <a:xfrm>
-            <a:off x="2084673" y="1324307"/>
+            <a:off x="1542604" y="1070968"/>
             <a:ext cx="1568978" cy="831558"/>
           </a:xfrm>
           <a:prstGeom prst="rect">
@@ -4805,12 +4774,14 @@
           <p:nvPr/>
         </p:nvCxnSpPr>
         <p:spPr>
-          <a:xfrm>
-            <a:off x="2869162" y="2155865"/>
-            <a:ext cx="1" cy="371801"/>
-          </a:xfrm>
-          <a:prstGeom prst="straightConnector1">
-            <a:avLst/>
+          <a:xfrm rot="16200000" flipH="1">
+            <a:off x="2384410" y="1845209"/>
+            <a:ext cx="625140" cy="739774"/>
+          </a:xfrm>
+          <a:prstGeom prst="bentConnector3">
+            <a:avLst>
+              <a:gd name="adj1" fmla="val 50000"/>
+            </a:avLst>
           </a:prstGeom>
           <a:ln>
             <a:tailEnd type="triangle" w="lg" len="lg"/>
@@ -4853,8 +4824,8 @@
         </p:blipFill>
         <p:spPr>
           <a:xfrm>
-            <a:off x="3947424" y="198677"/>
-            <a:ext cx="2315454" cy="1406219"/>
+            <a:off x="3190164" y="198677"/>
+            <a:ext cx="2693771" cy="1406219"/>
           </a:xfrm>
           <a:prstGeom prst="rect">
             <a:avLst/>
@@ -4883,7 +4854,7 @@
         </p:blipFill>
         <p:spPr>
           <a:xfrm>
-            <a:off x="5034559" y="1525901"/>
+            <a:off x="4917811" y="1742351"/>
             <a:ext cx="513071" cy="513071"/>
           </a:xfrm>
           <a:prstGeom prst="rect">
@@ -4913,7 +4884,7 @@
         </p:blipFill>
         <p:spPr>
           <a:xfrm>
-            <a:off x="5082341" y="1590760"/>
+            <a:off x="4965593" y="1807210"/>
             <a:ext cx="513071" cy="513071"/>
           </a:xfrm>
           <a:prstGeom prst="rect">
@@ -4943,7 +4914,7 @@
         </p:blipFill>
         <p:spPr>
           <a:xfrm>
-            <a:off x="5136752" y="1655053"/>
+            <a:off x="5020004" y="1871503"/>
             <a:ext cx="513071" cy="513071"/>
           </a:xfrm>
           <a:prstGeom prst="rect">
@@ -4961,13 +4932,14 @@
         </p:nvCxnSpPr>
         <p:spPr>
           <a:xfrm>
-            <a:off x="4643933" y="1615898"/>
-            <a:ext cx="1" cy="900766"/>
+            <a:off x="4457700" y="1569720"/>
+            <a:ext cx="3756" cy="946944"/>
           </a:xfrm>
           <a:prstGeom prst="straightConnector1">
             <a:avLst/>
           </a:prstGeom>
           <a:ln>
+            <a:headEnd type="triangle" w="lg" len="lg"/>
             <a:tailEnd type="triangle" w="lg" len="lg"/>
           </a:ln>
         </p:spPr>
@@ -4990,20 +4962,20 @@
         <p:nvCxnSpPr>
           <p:cNvPr id="64" name="Straight Arrow Connector 63"/>
           <p:cNvCxnSpPr>
-            <a:stCxn id="51" idx="2"/>
             <a:endCxn id="80" idx="0"/>
           </p:cNvCxnSpPr>
           <p:nvPr/>
         </p:nvCxnSpPr>
         <p:spPr>
           <a:xfrm>
-            <a:off x="5393288" y="2168124"/>
-            <a:ext cx="0" cy="359542"/>
+            <a:off x="5194300" y="2292350"/>
+            <a:ext cx="1276" cy="235316"/>
           </a:xfrm>
           <a:prstGeom prst="straightConnector1">
             <a:avLst/>
           </a:prstGeom>
           <a:ln>
+            <a:headEnd type="none" w="lg" len="lg"/>
             <a:tailEnd type="triangle" w="lg" len="lg"/>
           </a:ln>
         </p:spPr>
@@ -5030,7 +5002,7 @@
         </p:nvSpPr>
         <p:spPr>
           <a:xfrm>
-            <a:off x="2364816" y="5160142"/>
+            <a:off x="2364816" y="4960117"/>
             <a:ext cx="3534206" cy="1150605"/>
           </a:xfrm>
           <a:prstGeom prst="roundRect">
@@ -5039,31 +5011,32 @@
             </a:avLst>
           </a:prstGeom>
           <a:solidFill>
-            <a:schemeClr val="bg1">
-              <a:lumMod val="95000"/>
+            <a:schemeClr val="accent2">
+              <a:lumMod val="20000"/>
+              <a:lumOff val="80000"/>
             </a:schemeClr>
           </a:solidFill>
           <a:ln>
             <a:solidFill>
-              <a:schemeClr val="bg1">
-                <a:lumMod val="85000"/>
+              <a:schemeClr val="accent2">
+                <a:lumMod val="40000"/>
+                <a:lumOff val="60000"/>
               </a:schemeClr>
             </a:solidFill>
-            <a:prstDash val="sysDash"/>
           </a:ln>
         </p:spPr>
         <p:style>
-          <a:lnRef idx="3">
-            <a:schemeClr val="lt1"/>
+          <a:lnRef idx="2">
+            <a:schemeClr val="accent2"/>
           </a:lnRef>
           <a:fillRef idx="1">
-            <a:schemeClr val="accent4"/>
+            <a:schemeClr val="lt1"/>
           </a:fillRef>
-          <a:effectRef idx="1">
-            <a:schemeClr val="accent4"/>
+          <a:effectRef idx="0">
+            <a:schemeClr val="accent2"/>
           </a:effectRef>
           <a:fontRef idx="minor">
-            <a:schemeClr val="lt1"/>
+            <a:schemeClr val="dk1"/>
           </a:fontRef>
         </p:style>
         <p:txBody>
@@ -5079,17 +5052,7 @@
                   </a:schemeClr>
                 </a:solidFill>
               </a:rPr>
-              <a:t>Data </a:t>
-            </a:r>
-            <a:r>
-              <a:rPr lang="en-US" sz="1600" dirty="0" smtClean="0">
-                <a:solidFill>
-                  <a:schemeClr val="bg1">
-                    <a:lumMod val="50000"/>
-                  </a:schemeClr>
-                </a:solidFill>
-              </a:rPr>
-              <a:t>tier – databases</a:t>
+              <a:t>Data tier – databases</a:t>
             </a:r>
             <a:endParaRPr lang="en-US" sz="1600" dirty="0">
               <a:solidFill>
@@ -5109,7 +5072,7 @@
         </p:nvSpPr>
         <p:spPr>
           <a:xfrm>
-            <a:off x="2986282" y="5431561"/>
+            <a:off x="2986282" y="5231536"/>
             <a:ext cx="980436" cy="504825"/>
           </a:xfrm>
           <a:prstGeom prst="flowChartMagneticDisk">
@@ -5118,13 +5081,13 @@
         </p:spPr>
         <p:style>
           <a:lnRef idx="1">
-            <a:schemeClr val="accent3"/>
+            <a:schemeClr val="accent2"/>
           </a:lnRef>
           <a:fillRef idx="2">
-            <a:schemeClr val="accent3"/>
+            <a:schemeClr val="accent2"/>
           </a:fillRef>
           <a:effectRef idx="1">
-            <a:schemeClr val="accent3"/>
+            <a:schemeClr val="accent2"/>
           </a:effectRef>
           <a:fontRef idx="minor">
             <a:schemeClr val="dk1"/>
@@ -5147,7 +5110,7 @@
         </p:nvSpPr>
         <p:spPr>
           <a:xfrm>
-            <a:off x="4251913" y="5324476"/>
+            <a:off x="4251913" y="5124451"/>
             <a:ext cx="980436" cy="611912"/>
           </a:xfrm>
           <a:prstGeom prst="flowChartMagneticDisk">
@@ -5156,13 +5119,13 @@
         </p:spPr>
         <p:style>
           <a:lnRef idx="1">
-            <a:schemeClr val="accent3"/>
+            <a:schemeClr val="accent2"/>
           </a:lnRef>
           <a:fillRef idx="2">
-            <a:schemeClr val="accent3"/>
+            <a:schemeClr val="accent2"/>
           </a:fillRef>
           <a:effectRef idx="1">
-            <a:schemeClr val="accent3"/>
+            <a:schemeClr val="accent2"/>
           </a:effectRef>
           <a:fontRef idx="minor">
             <a:schemeClr val="dk1"/>
@@ -5185,7 +5148,7 @@
         </p:nvSpPr>
         <p:spPr>
           <a:xfrm>
-            <a:off x="4565352" y="2516664"/>
+            <a:off x="4382874" y="2516664"/>
             <a:ext cx="157163" cy="147637"/>
           </a:xfrm>
           <a:prstGeom prst="ellipse">
@@ -5225,7 +5188,7 @@
         </p:nvCxnSpPr>
         <p:spPr>
           <a:xfrm flipV="1">
-            <a:off x="4643934" y="2664301"/>
+            <a:off x="4461456" y="2664301"/>
             <a:ext cx="0" cy="216667"/>
           </a:xfrm>
           <a:prstGeom prst="line">
@@ -5260,7 +5223,7 @@
         </p:nvSpPr>
         <p:spPr>
           <a:xfrm>
-            <a:off x="5314706" y="2527666"/>
+            <a:off x="5116994" y="2527666"/>
             <a:ext cx="157163" cy="147637"/>
           </a:xfrm>
           <a:prstGeom prst="ellipse">
@@ -5300,7 +5263,7 @@
         </p:nvCxnSpPr>
         <p:spPr>
           <a:xfrm flipV="1">
-            <a:off x="5393288" y="2675303"/>
+            <a:off x="5195576" y="2675303"/>
             <a:ext cx="0" cy="216667"/>
           </a:xfrm>
           <a:prstGeom prst="line">
@@ -5327,6 +5290,238 @@
           </a:fontRef>
         </p:style>
       </p:cxnSp>
+      <p:sp>
+        <p:nvSpPr>
+          <p:cNvPr id="14" name="TextBox 13"/>
+          <p:cNvSpPr txBox="1"/>
+          <p:nvPr/>
+        </p:nvSpPr>
+        <p:spPr>
+          <a:xfrm>
+            <a:off x="3949713" y="876208"/>
+            <a:ext cx="1552989" cy="338554"/>
+          </a:xfrm>
+          <a:prstGeom prst="rect">
+            <a:avLst/>
+          </a:prstGeom>
+          <a:noFill/>
+        </p:spPr>
+        <p:txBody>
+          <a:bodyPr wrap="none" rtlCol="0">
+            <a:spAutoFit/>
+          </a:bodyPr>
+          <a:lstStyle/>
+          <a:p>
+            <a:r>
+              <a:rPr lang="en-US" sz="1600" dirty="0" smtClean="0"/>
+              <a:t>B2B integrations</a:t>
+            </a:r>
+            <a:endParaRPr lang="en-US" sz="1600" dirty="0"/>
+          </a:p>
+        </p:txBody>
+      </p:sp>
+      <p:sp>
+        <p:nvSpPr>
+          <p:cNvPr id="33" name="TextBox 32"/>
+          <p:cNvSpPr txBox="1"/>
+          <p:nvPr/>
+        </p:nvSpPr>
+        <p:spPr>
+          <a:xfrm>
+            <a:off x="1542604" y="445828"/>
+            <a:ext cx="1777025" cy="584775"/>
+          </a:xfrm>
+          <a:prstGeom prst="rect">
+            <a:avLst/>
+          </a:prstGeom>
+          <a:noFill/>
+        </p:spPr>
+        <p:txBody>
+          <a:bodyPr wrap="none" rtlCol="0">
+            <a:spAutoFit/>
+          </a:bodyPr>
+          <a:lstStyle/>
+          <a:p>
+            <a:pPr algn="ctr"/>
+            <a:r>
+              <a:rPr lang="en-US" sz="1600" dirty="0" smtClean="0"/>
+              <a:t>Presentation tier – </a:t>
+            </a:r>
+            <a:br>
+              <a:rPr lang="en-US" sz="1600" dirty="0" smtClean="0"/>
+            </a:br>
+            <a:r>
+              <a:rPr lang="en-US" sz="1600" dirty="0" smtClean="0"/>
+              <a:t>client apps</a:t>
+            </a:r>
+            <a:endParaRPr lang="en-US" sz="1600" dirty="0"/>
+          </a:p>
+        </p:txBody>
+      </p:sp>
+      <p:cxnSp>
+        <p:nvCxnSpPr>
+          <p:cNvPr id="29" name="Straight Arrow Connector 36"/>
+          <p:cNvCxnSpPr>
+            <a:endCxn id="16" idx="0"/>
+          </p:cNvCxnSpPr>
+          <p:nvPr/>
+        </p:nvCxnSpPr>
+        <p:spPr>
+          <a:xfrm rot="5400000">
+            <a:off x="2957922" y="1634848"/>
+            <a:ext cx="1001763" cy="783872"/>
+          </a:xfrm>
+          <a:prstGeom prst="bentConnector3">
+            <a:avLst>
+              <a:gd name="adj1" fmla="val 69017"/>
+            </a:avLst>
+          </a:prstGeom>
+          <a:ln>
+            <a:tailEnd type="triangle" w="lg" len="lg"/>
+          </a:ln>
+        </p:spPr>
+        <p:style>
+          <a:lnRef idx="3">
+            <a:schemeClr val="accent1"/>
+          </a:lnRef>
+          <a:fillRef idx="0">
+            <a:schemeClr val="accent1"/>
+          </a:fillRef>
+          <a:effectRef idx="2">
+            <a:schemeClr val="accent1"/>
+          </a:effectRef>
+          <a:fontRef idx="minor">
+            <a:schemeClr val="tx1"/>
+          </a:fontRef>
+        </p:style>
+      </p:cxnSp>
+      <p:cxnSp>
+        <p:nvCxnSpPr>
+          <p:cNvPr id="42" name="Straight Arrow Connector 41"/>
+          <p:cNvCxnSpPr/>
+          <p:nvPr/>
+        </p:nvCxnSpPr>
+        <p:spPr>
+          <a:xfrm flipH="1" flipV="1">
+            <a:off x="5190699" y="1580500"/>
+            <a:ext cx="3601" cy="280050"/>
+          </a:xfrm>
+          <a:prstGeom prst="straightConnector1">
+            <a:avLst/>
+          </a:prstGeom>
+          <a:ln>
+            <a:headEnd type="none" w="lg" len="lg"/>
+            <a:tailEnd type="triangle" w="lg" len="lg"/>
+          </a:ln>
+        </p:spPr>
+        <p:style>
+          <a:lnRef idx="3">
+            <a:schemeClr val="accent1"/>
+          </a:lnRef>
+          <a:fillRef idx="0">
+            <a:schemeClr val="accent1"/>
+          </a:fillRef>
+          <a:effectRef idx="2">
+            <a:schemeClr val="accent1"/>
+          </a:effectRef>
+          <a:fontRef idx="minor">
+            <a:schemeClr val="tx1"/>
+          </a:fontRef>
+        </p:style>
+      </p:cxnSp>
+      <p:sp>
+        <p:nvSpPr>
+          <p:cNvPr id="52" name="TextBox 51"/>
+          <p:cNvSpPr txBox="1"/>
+          <p:nvPr/>
+        </p:nvSpPr>
+        <p:spPr>
+          <a:xfrm>
+            <a:off x="2434390" y="2430759"/>
+            <a:ext cx="588431" cy="338554"/>
+          </a:xfrm>
+          <a:prstGeom prst="rect">
+            <a:avLst/>
+          </a:prstGeom>
+          <a:noFill/>
+        </p:spPr>
+        <p:txBody>
+          <a:bodyPr wrap="none" rtlCol="0">
+            <a:spAutoFit/>
+          </a:bodyPr>
+          <a:lstStyle/>
+          <a:p>
+            <a:pPr algn="ctr"/>
+            <a:r>
+              <a:rPr lang="en-US" sz="1600" dirty="0" smtClean="0"/>
+              <a:t>REST</a:t>
+            </a:r>
+            <a:endParaRPr lang="en-US" sz="1600" dirty="0"/>
+          </a:p>
+        </p:txBody>
+      </p:sp>
+      <p:sp>
+        <p:nvSpPr>
+          <p:cNvPr id="53" name="TextBox 52"/>
+          <p:cNvSpPr txBox="1"/>
+          <p:nvPr/>
+        </p:nvSpPr>
+        <p:spPr>
+          <a:xfrm>
+            <a:off x="3581567" y="2430759"/>
+            <a:ext cx="818365" cy="338554"/>
+          </a:xfrm>
+          <a:prstGeom prst="rect">
+            <a:avLst/>
+          </a:prstGeom>
+          <a:noFill/>
+        </p:spPr>
+        <p:txBody>
+          <a:bodyPr wrap="none" rtlCol="0">
+            <a:spAutoFit/>
+          </a:bodyPr>
+          <a:lstStyle/>
+          <a:p>
+            <a:pPr algn="ctr"/>
+            <a:r>
+              <a:rPr lang="en-US" sz="1600" dirty="0" smtClean="0"/>
+              <a:t>Custom</a:t>
+            </a:r>
+            <a:endParaRPr lang="en-US" sz="1600" dirty="0"/>
+          </a:p>
+        </p:txBody>
+      </p:sp>
+      <p:sp>
+        <p:nvSpPr>
+          <p:cNvPr id="55" name="TextBox 54"/>
+          <p:cNvSpPr txBox="1"/>
+          <p:nvPr/>
+        </p:nvSpPr>
+        <p:spPr>
+          <a:xfrm>
+            <a:off x="5255325" y="2428998"/>
+            <a:ext cx="497251" cy="338554"/>
+          </a:xfrm>
+          <a:prstGeom prst="rect">
+            <a:avLst/>
+          </a:prstGeom>
+          <a:noFill/>
+        </p:spPr>
+        <p:txBody>
+          <a:bodyPr wrap="none" rtlCol="0">
+            <a:spAutoFit/>
+          </a:bodyPr>
+          <a:lstStyle/>
+          <a:p>
+            <a:pPr algn="ctr"/>
+            <a:r>
+              <a:rPr lang="en-US" sz="1600" dirty="0" smtClean="0"/>
+              <a:t>MQ</a:t>
+            </a:r>
+            <a:endParaRPr lang="en-US" sz="1600" dirty="0"/>
+          </a:p>
+        </p:txBody>
+      </p:sp>
     </p:spTree>
     <p:extLst>
       <p:ext uri="{BB962C8B-B14F-4D97-AF65-F5344CB8AC3E}">

--- a/Docs/HighLevelArchitecture.pptx
+++ b/Docs/HighLevelArchitecture.pptx
@@ -8,9 +8,10 @@
     <p:sldId id="257" r:id="rId2"/>
     <p:sldId id="256" r:id="rId3"/>
     <p:sldId id="261" r:id="rId4"/>
-    <p:sldId id="258" r:id="rId5"/>
-    <p:sldId id="259" r:id="rId6"/>
-    <p:sldId id="260" r:id="rId7"/>
+    <p:sldId id="262" r:id="rId5"/>
+    <p:sldId id="258" r:id="rId6"/>
+    <p:sldId id="259" r:id="rId7"/>
+    <p:sldId id="260" r:id="rId8"/>
   </p:sldIdLst>
   <p:sldSz cx="12192000" cy="6858000"/>
   <p:notesSz cx="6858000" cy="9144000"/>
@@ -246,7 +247,7 @@
           <a:p>
             <a:fld id="{BC09DC50-E35C-4067-872A-09A9CC66B9DA}" type="datetimeFigureOut">
               <a:rPr lang="en-US" smtClean="0"/>
-              <a:t>10/12/2016</a:t>
+              <a:t>2/23/2017</a:t>
             </a:fld>
             <a:endParaRPr lang="en-US"/>
           </a:p>
@@ -414,7 +415,7 @@
           <a:p>
             <a:fld id="{BC09DC50-E35C-4067-872A-09A9CC66B9DA}" type="datetimeFigureOut">
               <a:rPr lang="en-US" smtClean="0"/>
-              <a:t>10/12/2016</a:t>
+              <a:t>2/23/2017</a:t>
             </a:fld>
             <a:endParaRPr lang="en-US"/>
           </a:p>
@@ -592,7 +593,7 @@
           <a:p>
             <a:fld id="{BC09DC50-E35C-4067-872A-09A9CC66B9DA}" type="datetimeFigureOut">
               <a:rPr lang="en-US" smtClean="0"/>
-              <a:t>10/12/2016</a:t>
+              <a:t>2/23/2017</a:t>
             </a:fld>
             <a:endParaRPr lang="en-US"/>
           </a:p>
@@ -760,7 +761,7 @@
           <a:p>
             <a:fld id="{BC09DC50-E35C-4067-872A-09A9CC66B9DA}" type="datetimeFigureOut">
               <a:rPr lang="en-US" smtClean="0"/>
-              <a:t>10/12/2016</a:t>
+              <a:t>2/23/2017</a:t>
             </a:fld>
             <a:endParaRPr lang="en-US"/>
           </a:p>
@@ -1005,7 +1006,7 @@
           <a:p>
             <a:fld id="{BC09DC50-E35C-4067-872A-09A9CC66B9DA}" type="datetimeFigureOut">
               <a:rPr lang="en-US" smtClean="0"/>
-              <a:t>10/12/2016</a:t>
+              <a:t>2/23/2017</a:t>
             </a:fld>
             <a:endParaRPr lang="en-US"/>
           </a:p>
@@ -1234,7 +1235,7 @@
           <a:p>
             <a:fld id="{BC09DC50-E35C-4067-872A-09A9CC66B9DA}" type="datetimeFigureOut">
               <a:rPr lang="en-US" smtClean="0"/>
-              <a:t>10/12/2016</a:t>
+              <a:t>2/23/2017</a:t>
             </a:fld>
             <a:endParaRPr lang="en-US"/>
           </a:p>
@@ -1598,7 +1599,7 @@
           <a:p>
             <a:fld id="{BC09DC50-E35C-4067-872A-09A9CC66B9DA}" type="datetimeFigureOut">
               <a:rPr lang="en-US" smtClean="0"/>
-              <a:t>10/12/2016</a:t>
+              <a:t>2/23/2017</a:t>
             </a:fld>
             <a:endParaRPr lang="en-US"/>
           </a:p>
@@ -1715,7 +1716,7 @@
           <a:p>
             <a:fld id="{BC09DC50-E35C-4067-872A-09A9CC66B9DA}" type="datetimeFigureOut">
               <a:rPr lang="en-US" smtClean="0"/>
-              <a:t>10/12/2016</a:t>
+              <a:t>2/23/2017</a:t>
             </a:fld>
             <a:endParaRPr lang="en-US"/>
           </a:p>
@@ -1810,7 +1811,7 @@
           <a:p>
             <a:fld id="{BC09DC50-E35C-4067-872A-09A9CC66B9DA}" type="datetimeFigureOut">
               <a:rPr lang="en-US" smtClean="0"/>
-              <a:t>10/12/2016</a:t>
+              <a:t>2/23/2017</a:t>
             </a:fld>
             <a:endParaRPr lang="en-US"/>
           </a:p>
@@ -2085,7 +2086,7 @@
           <a:p>
             <a:fld id="{BC09DC50-E35C-4067-872A-09A9CC66B9DA}" type="datetimeFigureOut">
               <a:rPr lang="en-US" smtClean="0"/>
-              <a:t>10/12/2016</a:t>
+              <a:t>2/23/2017</a:t>
             </a:fld>
             <a:endParaRPr lang="en-US"/>
           </a:p>
@@ -2337,7 +2338,7 @@
           <a:p>
             <a:fld id="{BC09DC50-E35C-4067-872A-09A9CC66B9DA}" type="datetimeFigureOut">
               <a:rPr lang="en-US" smtClean="0"/>
-              <a:t>10/12/2016</a:t>
+              <a:t>2/23/2017</a:t>
             </a:fld>
             <a:endParaRPr lang="en-US"/>
           </a:p>
@@ -2548,7 +2549,7 @@
           <a:p>
             <a:fld id="{BC09DC50-E35C-4067-872A-09A9CC66B9DA}" type="datetimeFigureOut">
               <a:rPr lang="en-US" smtClean="0"/>
-              <a:t>10/12/2016</a:t>
+              <a:t>2/23/2017</a:t>
             </a:fld>
             <a:endParaRPr lang="en-US"/>
           </a:p>
@@ -11471,35 +11472,582 @@
           <a:chExt cx="0" cy="0"/>
         </a:xfrm>
       </p:grpSpPr>
+      <p:sp>
+        <p:nvSpPr>
+          <p:cNvPr id="2" name="Oval 1"/>
+          <p:cNvSpPr/>
+          <p:nvPr/>
+        </p:nvSpPr>
+        <p:spPr>
+          <a:xfrm>
+            <a:off x="4494872" y="373289"/>
+            <a:ext cx="922948" cy="633105"/>
+          </a:xfrm>
+          <a:prstGeom prst="ellipse">
+            <a:avLst/>
+          </a:prstGeom>
+          <a:solidFill>
+            <a:schemeClr val="tx1"/>
+          </a:solidFill>
+          <a:ln>
+            <a:noFill/>
+          </a:ln>
+        </p:spPr>
+        <p:style>
+          <a:lnRef idx="2">
+            <a:schemeClr val="dk1">
+              <a:shade val="50000"/>
+            </a:schemeClr>
+          </a:lnRef>
+          <a:fillRef idx="1">
+            <a:schemeClr val="dk1"/>
+          </a:fillRef>
+          <a:effectRef idx="0">
+            <a:schemeClr val="dk1"/>
+          </a:effectRef>
+          <a:fontRef idx="minor">
+            <a:schemeClr val="lt1"/>
+          </a:fontRef>
+        </p:style>
+        <p:txBody>
+          <a:bodyPr lIns="0" tIns="0" rIns="0" bIns="0" rtlCol="1" anchor="ctr"/>
+          <a:lstStyle/>
+          <a:p>
+            <a:pPr algn="ctr"/>
+            <a:r>
+              <a:rPr lang="en-US" sz="1100" b="1" dirty="0"/>
+              <a:t>Down</a:t>
+            </a:r>
+            <a:endParaRPr lang="he-IL" sz="1100" b="1" dirty="0"/>
+          </a:p>
+        </p:txBody>
+      </p:sp>
+      <p:sp>
+        <p:nvSpPr>
+          <p:cNvPr id="146" name="Oval 145"/>
+          <p:cNvSpPr/>
+          <p:nvPr/>
+        </p:nvSpPr>
+        <p:spPr>
+          <a:xfrm>
+            <a:off x="4494872" y="3632285"/>
+            <a:ext cx="922948" cy="633105"/>
+          </a:xfrm>
+          <a:prstGeom prst="ellipse">
+            <a:avLst/>
+          </a:prstGeom>
+          <a:solidFill>
+            <a:srgbClr val="59C795"/>
+          </a:solidFill>
+          <a:ln>
+            <a:noFill/>
+          </a:ln>
+        </p:spPr>
+        <p:style>
+          <a:lnRef idx="2">
+            <a:schemeClr val="dk1">
+              <a:shade val="50000"/>
+            </a:schemeClr>
+          </a:lnRef>
+          <a:fillRef idx="1">
+            <a:schemeClr val="dk1"/>
+          </a:fillRef>
+          <a:effectRef idx="0">
+            <a:schemeClr val="dk1"/>
+          </a:effectRef>
+          <a:fontRef idx="minor">
+            <a:schemeClr val="lt1"/>
+          </a:fontRef>
+        </p:style>
+        <p:txBody>
+          <a:bodyPr lIns="0" tIns="0" rIns="0" bIns="0" rtlCol="1" anchor="ctr"/>
+          <a:lstStyle/>
+          <a:p>
+            <a:pPr algn="ctr"/>
+            <a:r>
+              <a:rPr lang="en-US" sz="1100" b="1" dirty="0" err="1">
+                <a:solidFill>
+                  <a:srgbClr val="005828"/>
+                </a:solidFill>
+              </a:rPr>
+              <a:t>StandBy</a:t>
+            </a:r>
+            <a:br>
+              <a:rPr lang="en-US" sz="1100" b="1" dirty="0">
+                <a:solidFill>
+                  <a:srgbClr val="005828"/>
+                </a:solidFill>
+              </a:rPr>
+            </a:br>
+            <a:r>
+              <a:rPr lang="en-US" sz="1100" b="1" dirty="0">
+                <a:solidFill>
+                  <a:srgbClr val="005828"/>
+                </a:solidFill>
+              </a:rPr>
+              <a:t>(follower)</a:t>
+            </a:r>
+            <a:endParaRPr lang="he-IL" sz="1100" b="1" dirty="0">
+              <a:solidFill>
+                <a:srgbClr val="005828"/>
+              </a:solidFill>
+            </a:endParaRPr>
+          </a:p>
+        </p:txBody>
+      </p:sp>
+      <p:sp>
+        <p:nvSpPr>
+          <p:cNvPr id="150" name="Oval 149"/>
+          <p:cNvSpPr/>
+          <p:nvPr/>
+        </p:nvSpPr>
+        <p:spPr>
+          <a:xfrm>
+            <a:off x="4521726" y="5702620"/>
+            <a:ext cx="922948" cy="633105"/>
+          </a:xfrm>
+          <a:prstGeom prst="ellipse">
+            <a:avLst/>
+          </a:prstGeom>
+          <a:solidFill>
+            <a:srgbClr val="00B050"/>
+          </a:solidFill>
+          <a:ln>
+            <a:noFill/>
+          </a:ln>
+        </p:spPr>
+        <p:style>
+          <a:lnRef idx="2">
+            <a:schemeClr val="dk1">
+              <a:shade val="50000"/>
+            </a:schemeClr>
+          </a:lnRef>
+          <a:fillRef idx="1">
+            <a:schemeClr val="dk1"/>
+          </a:fillRef>
+          <a:effectRef idx="0">
+            <a:schemeClr val="dk1"/>
+          </a:effectRef>
+          <a:fontRef idx="minor">
+            <a:schemeClr val="lt1"/>
+          </a:fontRef>
+        </p:style>
+        <p:txBody>
+          <a:bodyPr lIns="0" tIns="0" rIns="0" bIns="0" rtlCol="1" anchor="ctr"/>
+          <a:lstStyle/>
+          <a:p>
+            <a:pPr algn="ctr"/>
+            <a:r>
+              <a:rPr lang="en-US" sz="1100" b="1" dirty="0"/>
+              <a:t>Active</a:t>
+            </a:r>
+            <a:br>
+              <a:rPr lang="en-US" sz="1100" b="1" dirty="0"/>
+            </a:br>
+            <a:r>
+              <a:rPr lang="en-US" sz="1100" b="1" dirty="0"/>
+              <a:t>(leader)</a:t>
+            </a:r>
+            <a:endParaRPr lang="he-IL" sz="1100" b="1" dirty="0"/>
+          </a:p>
+        </p:txBody>
+      </p:sp>
+      <p:sp>
+        <p:nvSpPr>
+          <p:cNvPr id="157" name="Oval 156"/>
+          <p:cNvSpPr/>
+          <p:nvPr/>
+        </p:nvSpPr>
+        <p:spPr>
+          <a:xfrm>
+            <a:off x="7287883" y="1930991"/>
+            <a:ext cx="922948" cy="633105"/>
+          </a:xfrm>
+          <a:prstGeom prst="ellipse">
+            <a:avLst/>
+          </a:prstGeom>
+          <a:solidFill>
+            <a:srgbClr val="FFC000"/>
+          </a:solidFill>
+          <a:ln>
+            <a:noFill/>
+          </a:ln>
+        </p:spPr>
+        <p:style>
+          <a:lnRef idx="2">
+            <a:schemeClr val="dk1">
+              <a:shade val="50000"/>
+            </a:schemeClr>
+          </a:lnRef>
+          <a:fillRef idx="1">
+            <a:schemeClr val="dk1"/>
+          </a:fillRef>
+          <a:effectRef idx="0">
+            <a:schemeClr val="dk1"/>
+          </a:effectRef>
+          <a:fontRef idx="minor">
+            <a:schemeClr val="lt1"/>
+          </a:fontRef>
+        </p:style>
+        <p:txBody>
+          <a:bodyPr lIns="0" tIns="0" rIns="0" bIns="0" rtlCol="1" anchor="ctr"/>
+          <a:lstStyle/>
+          <a:p>
+            <a:pPr algn="ctr"/>
+            <a:r>
+              <a:rPr lang="en-US" sz="1100" b="1" dirty="0">
+                <a:solidFill>
+                  <a:schemeClr val="accent2">
+                    <a:lumMod val="50000"/>
+                  </a:schemeClr>
+                </a:solidFill>
+              </a:rPr>
+              <a:t>Configured</a:t>
+            </a:r>
+            <a:endParaRPr lang="he-IL" sz="1100" b="1" dirty="0">
+              <a:solidFill>
+                <a:schemeClr val="accent2">
+                  <a:lumMod val="50000"/>
+                </a:schemeClr>
+              </a:solidFill>
+            </a:endParaRPr>
+          </a:p>
+        </p:txBody>
+      </p:sp>
+      <p:sp>
+        <p:nvSpPr>
+          <p:cNvPr id="158" name="Oval 157"/>
+          <p:cNvSpPr/>
+          <p:nvPr/>
+        </p:nvSpPr>
+        <p:spPr>
+          <a:xfrm>
+            <a:off x="6215283" y="1176626"/>
+            <a:ext cx="998220" cy="633105"/>
+          </a:xfrm>
+          <a:prstGeom prst="ellipse">
+            <a:avLst/>
+          </a:prstGeom>
+          <a:solidFill>
+            <a:schemeClr val="bg1">
+              <a:lumMod val="85000"/>
+            </a:schemeClr>
+          </a:solidFill>
+          <a:ln>
+            <a:noFill/>
+          </a:ln>
+        </p:spPr>
+        <p:style>
+          <a:lnRef idx="2">
+            <a:schemeClr val="dk1">
+              <a:shade val="50000"/>
+            </a:schemeClr>
+          </a:lnRef>
+          <a:fillRef idx="1">
+            <a:schemeClr val="dk1"/>
+          </a:fillRef>
+          <a:effectRef idx="0">
+            <a:schemeClr val="dk1"/>
+          </a:effectRef>
+          <a:fontRef idx="minor">
+            <a:schemeClr val="lt1"/>
+          </a:fontRef>
+        </p:style>
+        <p:txBody>
+          <a:bodyPr lIns="0" tIns="0" rIns="0" bIns="0" rtlCol="1" anchor="ctr"/>
+          <a:lstStyle/>
+          <a:p>
+            <a:pPr algn="ctr"/>
+            <a:r>
+              <a:rPr lang="en-US" sz="1100" b="1" dirty="0">
+                <a:solidFill>
+                  <a:srgbClr val="00B050"/>
+                </a:solidFill>
+              </a:rPr>
+              <a:t>Configuring</a:t>
+            </a:r>
+            <a:endParaRPr lang="he-IL" sz="1100" b="1" dirty="0">
+              <a:solidFill>
+                <a:srgbClr val="00B050"/>
+              </a:solidFill>
+            </a:endParaRPr>
+          </a:p>
+        </p:txBody>
+      </p:sp>
+      <p:sp>
+        <p:nvSpPr>
+          <p:cNvPr id="159" name="Oval 158"/>
+          <p:cNvSpPr/>
+          <p:nvPr/>
+        </p:nvSpPr>
+        <p:spPr>
+          <a:xfrm>
+            <a:off x="6215283" y="2769413"/>
+            <a:ext cx="998220" cy="633105"/>
+          </a:xfrm>
+          <a:prstGeom prst="ellipse">
+            <a:avLst/>
+          </a:prstGeom>
+          <a:solidFill>
+            <a:schemeClr val="bg1">
+              <a:lumMod val="85000"/>
+            </a:schemeClr>
+          </a:solidFill>
+          <a:ln>
+            <a:noFill/>
+          </a:ln>
+        </p:spPr>
+        <p:style>
+          <a:lnRef idx="2">
+            <a:schemeClr val="dk1">
+              <a:shade val="50000"/>
+            </a:schemeClr>
+          </a:lnRef>
+          <a:fillRef idx="1">
+            <a:schemeClr val="dk1"/>
+          </a:fillRef>
+          <a:effectRef idx="0">
+            <a:schemeClr val="dk1"/>
+          </a:effectRef>
+          <a:fontRef idx="minor">
+            <a:schemeClr val="lt1"/>
+          </a:fontRef>
+        </p:style>
+        <p:txBody>
+          <a:bodyPr lIns="0" tIns="0" rIns="0" bIns="0" rtlCol="1" anchor="ctr"/>
+          <a:lstStyle/>
+          <a:p>
+            <a:pPr algn="ctr"/>
+            <a:r>
+              <a:rPr lang="en-US" sz="1100" b="1" dirty="0">
+                <a:solidFill>
+                  <a:srgbClr val="00B050"/>
+                </a:solidFill>
+              </a:rPr>
+              <a:t>Loading</a:t>
+            </a:r>
+            <a:endParaRPr lang="he-IL" sz="1100" b="1" dirty="0">
+              <a:solidFill>
+                <a:srgbClr val="00B050"/>
+              </a:solidFill>
+            </a:endParaRPr>
+          </a:p>
+        </p:txBody>
+      </p:sp>
+      <p:sp>
+        <p:nvSpPr>
+          <p:cNvPr id="160" name="Oval 159"/>
+          <p:cNvSpPr/>
+          <p:nvPr/>
+        </p:nvSpPr>
+        <p:spPr>
+          <a:xfrm>
+            <a:off x="6215283" y="4658929"/>
+            <a:ext cx="998220" cy="633105"/>
+          </a:xfrm>
+          <a:prstGeom prst="ellipse">
+            <a:avLst/>
+          </a:prstGeom>
+          <a:solidFill>
+            <a:schemeClr val="bg1">
+              <a:lumMod val="85000"/>
+            </a:schemeClr>
+          </a:solidFill>
+          <a:ln>
+            <a:noFill/>
+          </a:ln>
+        </p:spPr>
+        <p:style>
+          <a:lnRef idx="2">
+            <a:schemeClr val="dk1">
+              <a:shade val="50000"/>
+            </a:schemeClr>
+          </a:lnRef>
+          <a:fillRef idx="1">
+            <a:schemeClr val="dk1"/>
+          </a:fillRef>
+          <a:effectRef idx="0">
+            <a:schemeClr val="dk1"/>
+          </a:effectRef>
+          <a:fontRef idx="minor">
+            <a:schemeClr val="lt1"/>
+          </a:fontRef>
+        </p:style>
+        <p:txBody>
+          <a:bodyPr lIns="0" tIns="0" rIns="0" bIns="0" rtlCol="1" anchor="ctr"/>
+          <a:lstStyle/>
+          <a:p>
+            <a:pPr algn="ctr"/>
+            <a:r>
+              <a:rPr lang="en-US" sz="1100" b="1" dirty="0">
+                <a:solidFill>
+                  <a:srgbClr val="00B050"/>
+                </a:solidFill>
+              </a:rPr>
+              <a:t>Activating</a:t>
+            </a:r>
+            <a:endParaRPr lang="he-IL" sz="1100" b="1" dirty="0">
+              <a:solidFill>
+                <a:srgbClr val="00B050"/>
+              </a:solidFill>
+            </a:endParaRPr>
+          </a:p>
+        </p:txBody>
+      </p:sp>
+      <p:sp>
+        <p:nvSpPr>
+          <p:cNvPr id="161" name="Oval 160"/>
+          <p:cNvSpPr/>
+          <p:nvPr/>
+        </p:nvSpPr>
+        <p:spPr>
+          <a:xfrm>
+            <a:off x="2590800" y="4657896"/>
+            <a:ext cx="1036320" cy="633105"/>
+          </a:xfrm>
+          <a:prstGeom prst="ellipse">
+            <a:avLst/>
+          </a:prstGeom>
+          <a:solidFill>
+            <a:schemeClr val="bg1">
+              <a:lumMod val="85000"/>
+            </a:schemeClr>
+          </a:solidFill>
+          <a:ln>
+            <a:noFill/>
+          </a:ln>
+        </p:spPr>
+        <p:style>
+          <a:lnRef idx="2">
+            <a:schemeClr val="dk1">
+              <a:shade val="50000"/>
+            </a:schemeClr>
+          </a:lnRef>
+          <a:fillRef idx="1">
+            <a:schemeClr val="dk1"/>
+          </a:fillRef>
+          <a:effectRef idx="0">
+            <a:schemeClr val="dk1"/>
+          </a:effectRef>
+          <a:fontRef idx="minor">
+            <a:schemeClr val="lt1"/>
+          </a:fontRef>
+        </p:style>
+        <p:txBody>
+          <a:bodyPr lIns="0" tIns="0" rIns="0" bIns="0" rtlCol="1" anchor="ctr"/>
+          <a:lstStyle/>
+          <a:p>
+            <a:pPr algn="ctr"/>
+            <a:r>
+              <a:rPr lang="en-US" sz="1100" b="1" dirty="0">
+                <a:solidFill>
+                  <a:srgbClr val="F63D0A"/>
+                </a:solidFill>
+              </a:rPr>
+              <a:t>Deactivating</a:t>
+            </a:r>
+            <a:endParaRPr lang="he-IL" sz="1100" b="1" dirty="0">
+              <a:solidFill>
+                <a:srgbClr val="F63D0A"/>
+              </a:solidFill>
+            </a:endParaRPr>
+          </a:p>
+        </p:txBody>
+      </p:sp>
+      <p:sp>
+        <p:nvSpPr>
+          <p:cNvPr id="162" name="Oval 161"/>
+          <p:cNvSpPr/>
+          <p:nvPr/>
+        </p:nvSpPr>
+        <p:spPr>
+          <a:xfrm>
+            <a:off x="2590800" y="2769413"/>
+            <a:ext cx="1036320" cy="633105"/>
+          </a:xfrm>
+          <a:prstGeom prst="ellipse">
+            <a:avLst/>
+          </a:prstGeom>
+          <a:solidFill>
+            <a:schemeClr val="bg1">
+              <a:lumMod val="85000"/>
+            </a:schemeClr>
+          </a:solidFill>
+          <a:ln>
+            <a:noFill/>
+          </a:ln>
+        </p:spPr>
+        <p:style>
+          <a:lnRef idx="2">
+            <a:schemeClr val="dk1">
+              <a:shade val="50000"/>
+            </a:schemeClr>
+          </a:lnRef>
+          <a:fillRef idx="1">
+            <a:schemeClr val="dk1"/>
+          </a:fillRef>
+          <a:effectRef idx="0">
+            <a:schemeClr val="dk1"/>
+          </a:effectRef>
+          <a:fontRef idx="minor">
+            <a:schemeClr val="lt1"/>
+          </a:fontRef>
+        </p:style>
+        <p:txBody>
+          <a:bodyPr lIns="0" tIns="0" rIns="0" bIns="0" rtlCol="1" anchor="ctr"/>
+          <a:lstStyle/>
+          <a:p>
+            <a:pPr algn="ctr"/>
+            <a:r>
+              <a:rPr lang="en-US" sz="1100" b="1" dirty="0">
+                <a:solidFill>
+                  <a:srgbClr val="F63D0A"/>
+                </a:solidFill>
+              </a:rPr>
+              <a:t>Unloading</a:t>
+            </a:r>
+            <a:endParaRPr lang="he-IL" sz="1100" b="1" dirty="0">
+              <a:solidFill>
+                <a:srgbClr val="F63D0A"/>
+              </a:solidFill>
+            </a:endParaRPr>
+          </a:p>
+        </p:txBody>
+      </p:sp>
       <p:cxnSp>
         <p:nvCxnSpPr>
-          <p:cNvPr id="88" name="Straight Connector 87"/>
-          <p:cNvCxnSpPr/>
+          <p:cNvPr id="4" name="Connector: Curved 3"/>
+          <p:cNvCxnSpPr>
+            <a:cxnSpLocks/>
+            <a:stCxn id="2" idx="6"/>
+            <a:endCxn id="158" idx="0"/>
+          </p:cNvCxnSpPr>
           <p:nvPr/>
         </p:nvCxnSpPr>
         <p:spPr>
           <a:xfrm>
-            <a:off x="8892540" y="4163391"/>
-            <a:ext cx="0" cy="1008183"/>
-          </a:xfrm>
-          <a:prstGeom prst="line">
-            <a:avLst/>
-          </a:prstGeom>
-          <a:ln w="19050">
+            <a:off x="5417820" y="689842"/>
+            <a:ext cx="1296573" cy="486784"/>
+          </a:xfrm>
+          <a:prstGeom prst="curvedConnector2">
+            <a:avLst/>
+          </a:prstGeom>
+          <a:ln w="28575">
             <a:solidFill>
               <a:srgbClr val="00B050"/>
             </a:solidFill>
+            <a:tailEnd type="triangle" w="lg" len="lg"/>
           </a:ln>
         </p:spPr>
         <p:style>
           <a:lnRef idx="1">
-            <a:schemeClr val="accent1"/>
+            <a:schemeClr val="dk1"/>
           </a:lnRef>
           <a:fillRef idx="0">
-            <a:schemeClr val="accent1"/>
-          </a:fillRef>
-          <a:effectRef idx="0">
-            <a:schemeClr val="accent1"/>
+            <a:schemeClr val="dk1"/>
+          </a:fillRef>
+          <a:effectRef idx="0">
+            <a:schemeClr val="dk1"/>
           </a:effectRef>
           <a:fontRef idx="minor">
             <a:schemeClr val="tx1"/>
@@ -11508,33 +12056,38 @@
       </p:cxnSp>
       <p:cxnSp>
         <p:nvCxnSpPr>
-          <p:cNvPr id="87" name="Straight Connector 86"/>
-          <p:cNvCxnSpPr/>
+          <p:cNvPr id="164" name="Connector: Curved 163"/>
+          <p:cNvCxnSpPr>
+            <a:cxnSpLocks/>
+            <a:stCxn id="158" idx="6"/>
+            <a:endCxn id="157" idx="0"/>
+          </p:cNvCxnSpPr>
           <p:nvPr/>
         </p:nvCxnSpPr>
         <p:spPr>
           <a:xfrm>
-            <a:off x="7818120" y="5166360"/>
-            <a:ext cx="0" cy="1348740"/>
-          </a:xfrm>
-          <a:prstGeom prst="line">
-            <a:avLst/>
-          </a:prstGeom>
-          <a:ln w="19050">
+            <a:off x="7213503" y="1493179"/>
+            <a:ext cx="535854" cy="437812"/>
+          </a:xfrm>
+          <a:prstGeom prst="curvedConnector2">
+            <a:avLst/>
+          </a:prstGeom>
+          <a:ln w="28575">
             <a:solidFill>
               <a:srgbClr val="00B050"/>
             </a:solidFill>
+            <a:tailEnd type="triangle" w="lg" len="lg"/>
           </a:ln>
         </p:spPr>
         <p:style>
           <a:lnRef idx="1">
-            <a:schemeClr val="accent1"/>
+            <a:schemeClr val="dk1"/>
           </a:lnRef>
           <a:fillRef idx="0">
-            <a:schemeClr val="accent1"/>
-          </a:fillRef>
-          <a:effectRef idx="0">
-            <a:schemeClr val="accent1"/>
+            <a:schemeClr val="dk1"/>
+          </a:fillRef>
+          <a:effectRef idx="0">
+            <a:schemeClr val="dk1"/>
           </a:effectRef>
           <a:fontRef idx="minor">
             <a:schemeClr val="tx1"/>
@@ -11543,37 +12096,78 @@
       </p:cxnSp>
       <p:cxnSp>
         <p:nvCxnSpPr>
-          <p:cNvPr id="3" name="Straight Connector 2"/>
+          <p:cNvPr id="165" name="Connector: Curved 164"/>
           <p:cNvCxnSpPr>
-            <a:stCxn id="61" idx="2"/>
+            <a:cxnSpLocks/>
+            <a:stCxn id="158" idx="2"/>
+            <a:endCxn id="2" idx="5"/>
           </p:cNvCxnSpPr>
           <p:nvPr/>
         </p:nvCxnSpPr>
         <p:spPr>
-          <a:xfrm>
-            <a:off x="5043255" y="300172"/>
-            <a:ext cx="20389" cy="4871402"/>
-          </a:xfrm>
-          <a:prstGeom prst="line">
-            <a:avLst/>
-          </a:prstGeom>
-          <a:ln w="41275">
+          <a:xfrm rot="10800000">
+            <a:off x="5282657" y="913679"/>
+            <a:ext cx="932626" cy="579501"/>
+          </a:xfrm>
+          <a:prstGeom prst="curvedConnector2">
+            <a:avLst/>
+          </a:prstGeom>
+          <a:ln w="12700">
+            <a:solidFill>
+              <a:srgbClr val="F63D0A"/>
+            </a:solidFill>
+            <a:tailEnd type="triangle" w="lg" len="lg"/>
+          </a:ln>
+        </p:spPr>
+        <p:style>
+          <a:lnRef idx="1">
+            <a:schemeClr val="dk1"/>
+          </a:lnRef>
+          <a:fillRef idx="0">
+            <a:schemeClr val="dk1"/>
+          </a:fillRef>
+          <a:effectRef idx="0">
+            <a:schemeClr val="dk1"/>
+          </a:effectRef>
+          <a:fontRef idx="minor">
+            <a:schemeClr val="tx1"/>
+          </a:fontRef>
+        </p:style>
+      </p:cxnSp>
+      <p:cxnSp>
+        <p:nvCxnSpPr>
+          <p:cNvPr id="167" name="Connector: Curved 166"/>
+          <p:cNvCxnSpPr>
+            <a:cxnSpLocks/>
+            <a:stCxn id="157" idx="2"/>
+            <a:endCxn id="159" idx="0"/>
+          </p:cNvCxnSpPr>
+          <p:nvPr/>
+        </p:nvCxnSpPr>
+        <p:spPr>
+          <a:xfrm rot="10800000" flipV="1">
+            <a:off x="6714393" y="2247543"/>
+            <a:ext cx="573490" cy="521869"/>
+          </a:xfrm>
+          <a:prstGeom prst="curvedConnector2">
+            <a:avLst/>
+          </a:prstGeom>
+          <a:ln w="28575">
             <a:solidFill>
               <a:srgbClr val="00B050"/>
             </a:solidFill>
-            <a:headEnd type="stealth" w="lg" len="lg"/>
-            <a:tailEnd type="none" w="lg" len="lg"/>
+            <a:tailEnd type="triangle" w="lg" len="lg"/>
           </a:ln>
         </p:spPr>
         <p:style>
           <a:lnRef idx="1">
-            <a:schemeClr val="accent1"/>
+            <a:schemeClr val="dk1"/>
           </a:lnRef>
           <a:fillRef idx="0">
-            <a:schemeClr val="accent1"/>
-          </a:fillRef>
-          <a:effectRef idx="0">
-            <a:schemeClr val="accent1"/>
+            <a:schemeClr val="dk1"/>
+          </a:fillRef>
+          <a:effectRef idx="0">
+            <a:schemeClr val="dk1"/>
           </a:effectRef>
           <a:fontRef idx="minor">
             <a:schemeClr val="tx1"/>
@@ -11582,1117 +12176,38 @@
       </p:cxnSp>
       <p:cxnSp>
         <p:nvCxnSpPr>
-          <p:cNvPr id="44" name="Straight Connector 43"/>
+          <p:cNvPr id="192" name="Connector: Curved 191"/>
           <p:cNvCxnSpPr>
-            <a:endCxn id="63" idx="1"/>
+            <a:cxnSpLocks/>
+            <a:stCxn id="159" idx="2"/>
+            <a:endCxn id="146" idx="0"/>
           </p:cNvCxnSpPr>
           <p:nvPr/>
         </p:nvCxnSpPr>
         <p:spPr>
-          <a:xfrm>
-            <a:off x="5059978" y="5171574"/>
-            <a:ext cx="5318462" cy="0"/>
-          </a:xfrm>
-          <a:prstGeom prst="line">
-            <a:avLst/>
-          </a:prstGeom>
-          <a:ln w="41275">
+          <a:xfrm rot="10800000" flipV="1">
+            <a:off x="4956347" y="3085965"/>
+            <a:ext cx="1258937" cy="546319"/>
+          </a:xfrm>
+          <a:prstGeom prst="curvedConnector2">
+            <a:avLst/>
+          </a:prstGeom>
+          <a:ln w="28575">
             <a:solidFill>
               <a:srgbClr val="00B050"/>
             </a:solidFill>
-            <a:tailEnd type="stealth" w="lg" len="lg"/>
+            <a:tailEnd type="triangle" w="lg" len="lg"/>
           </a:ln>
         </p:spPr>
         <p:style>
           <a:lnRef idx="1">
-            <a:schemeClr val="accent1"/>
+            <a:schemeClr val="dk1"/>
           </a:lnRef>
           <a:fillRef idx="0">
-            <a:schemeClr val="accent1"/>
-          </a:fillRef>
-          <a:effectRef idx="0">
-            <a:schemeClr val="accent1"/>
-          </a:effectRef>
-          <a:fontRef idx="minor">
-            <a:schemeClr val="tx1"/>
-          </a:fontRef>
-        </p:style>
-      </p:cxnSp>
-      <p:sp>
-        <p:nvSpPr>
-          <p:cNvPr id="20" name="Flowchart: Process 19"/>
-          <p:cNvSpPr/>
-          <p:nvPr/>
-        </p:nvSpPr>
-        <p:spPr>
-          <a:xfrm>
-            <a:off x="2669950" y="3514643"/>
-            <a:ext cx="2362273" cy="268606"/>
-          </a:xfrm>
-          <a:prstGeom prst="flowChartProcess">
-            <a:avLst/>
-          </a:prstGeom>
-          <a:solidFill>
-            <a:schemeClr val="accent4">
-              <a:lumMod val="60000"/>
-              <a:lumOff val="40000"/>
-            </a:schemeClr>
-          </a:solidFill>
-          <a:ln>
-            <a:noFill/>
-          </a:ln>
-        </p:spPr>
-        <p:style>
-          <a:lnRef idx="0">
-            <a:scrgbClr r="0" g="0" b="0"/>
-          </a:lnRef>
-          <a:fillRef idx="0">
-            <a:scrgbClr r="0" g="0" b="0"/>
-          </a:fillRef>
-          <a:effectRef idx="0">
-            <a:scrgbClr r="0" g="0" b="0"/>
-          </a:effectRef>
-          <a:fontRef idx="minor">
-            <a:schemeClr val="lt1"/>
-          </a:fontRef>
-        </p:style>
-        <p:txBody>
-          <a:bodyPr rtlCol="1" anchor="ctr"/>
-          <a:lstStyle/>
-          <a:p>
-            <a:r>
-              <a:rPr lang="en-US" sz="1100" dirty="0" err="1">
-                <a:solidFill>
-                  <a:schemeClr val="tx1"/>
-                </a:solidFill>
-                <a:latin typeface="Consolas" panose="020B0609020204030204" pitchFamily="49" charset="0"/>
-              </a:rPr>
-              <a:t>NWheels.Domains.Security</a:t>
-            </a:r>
-            <a:endParaRPr lang="he-IL" sz="1100" dirty="0">
-              <a:solidFill>
-                <a:schemeClr val="tx1"/>
-              </a:solidFill>
-              <a:latin typeface="Consolas" panose="020B0609020204030204" pitchFamily="49" charset="0"/>
-            </a:endParaRPr>
-          </a:p>
-        </p:txBody>
-      </p:sp>
-      <p:cxnSp>
-        <p:nvCxnSpPr>
-          <p:cNvPr id="60" name="Straight Connector 59"/>
-          <p:cNvCxnSpPr/>
-          <p:nvPr/>
-        </p:nvCxnSpPr>
-        <p:spPr>
-          <a:xfrm>
-            <a:off x="3976033" y="4754379"/>
-            <a:ext cx="26527" cy="2811780"/>
-          </a:xfrm>
-          <a:prstGeom prst="line">
-            <a:avLst/>
-          </a:prstGeom>
-          <a:ln w="41275">
-            <a:solidFill>
-              <a:schemeClr val="accent2">
-                <a:lumMod val="75000"/>
-              </a:schemeClr>
-            </a:solidFill>
-            <a:headEnd w="lg" len="lg"/>
-            <a:tailEnd type="stealth" w="lg" len="lg"/>
-          </a:ln>
-          <a:scene3d>
-            <a:camera prst="orthographicFront">
-              <a:rot lat="0" lon="0" rev="18900000"/>
-            </a:camera>
-            <a:lightRig rig="threePt" dir="t"/>
-          </a:scene3d>
-        </p:spPr>
-        <p:style>
-          <a:lnRef idx="1">
-            <a:schemeClr val="accent1"/>
-          </a:lnRef>
-          <a:fillRef idx="0">
-            <a:schemeClr val="accent1"/>
-          </a:fillRef>
-          <a:effectRef idx="0">
-            <a:schemeClr val="accent1"/>
-          </a:effectRef>
-          <a:fontRef idx="minor">
-            <a:schemeClr val="tx1"/>
-          </a:fontRef>
-        </p:style>
-      </p:cxnSp>
-      <p:sp>
-        <p:nvSpPr>
-          <p:cNvPr id="61" name="TextBox 60"/>
-          <p:cNvSpPr txBox="1"/>
-          <p:nvPr/>
-        </p:nvSpPr>
-        <p:spPr>
-          <a:xfrm>
-            <a:off x="4481467" y="-38382"/>
-            <a:ext cx="1123576" cy="338554"/>
-          </a:xfrm>
-          <a:prstGeom prst="rect">
-            <a:avLst/>
-          </a:prstGeom>
-          <a:noFill/>
-        </p:spPr>
-        <p:txBody>
-          <a:bodyPr wrap="none" rtlCol="0">
-            <a:spAutoFit/>
-          </a:bodyPr>
-          <a:lstStyle/>
-          <a:p>
-            <a:pPr algn="ctr"/>
-            <a:r>
-              <a:rPr lang="en-US" sz="1600" dirty="0"/>
-              <a:t>Application</a:t>
-            </a:r>
-          </a:p>
-        </p:txBody>
-      </p:sp>
-      <p:sp>
-        <p:nvSpPr>
-          <p:cNvPr id="62" name="TextBox 61"/>
-          <p:cNvSpPr txBox="1"/>
-          <p:nvPr/>
-        </p:nvSpPr>
-        <p:spPr>
-          <a:xfrm>
-            <a:off x="2468960" y="7193315"/>
-            <a:ext cx="1123448" cy="584775"/>
-          </a:xfrm>
-          <a:prstGeom prst="rect">
-            <a:avLst/>
-          </a:prstGeom>
-          <a:noFill/>
-        </p:spPr>
-        <p:txBody>
-          <a:bodyPr wrap="none" rtlCol="0">
-            <a:spAutoFit/>
-          </a:bodyPr>
-          <a:lstStyle/>
-          <a:p>
-            <a:pPr algn="ctr"/>
-            <a:r>
-              <a:rPr lang="en-US" sz="1600" dirty="0"/>
-              <a:t>Technology</a:t>
-            </a:r>
-            <a:br>
-              <a:rPr lang="en-US" sz="1600" dirty="0"/>
-            </a:br>
-            <a:r>
-              <a:rPr lang="en-US" sz="1600" dirty="0"/>
-              <a:t>stack</a:t>
-            </a:r>
-          </a:p>
-        </p:txBody>
-      </p:sp>
-      <p:sp>
-        <p:nvSpPr>
-          <p:cNvPr id="63" name="TextBox 62"/>
-          <p:cNvSpPr txBox="1"/>
-          <p:nvPr/>
-        </p:nvSpPr>
-        <p:spPr>
-          <a:xfrm>
-            <a:off x="10378440" y="4879186"/>
-            <a:ext cx="1447580" cy="584775"/>
-          </a:xfrm>
-          <a:prstGeom prst="rect">
-            <a:avLst/>
-          </a:prstGeom>
-          <a:noFill/>
-        </p:spPr>
-        <p:txBody>
-          <a:bodyPr wrap="square" rtlCol="0">
-            <a:spAutoFit/>
-          </a:bodyPr>
-          <a:lstStyle/>
-          <a:p>
-            <a:pPr algn="ctr"/>
-            <a:r>
-              <a:rPr lang="en-US" sz="1600" dirty="0"/>
-              <a:t>Adaptations &amp;</a:t>
-            </a:r>
-          </a:p>
-          <a:p>
-            <a:pPr algn="ctr"/>
-            <a:r>
-              <a:rPr lang="en-US" sz="1600" dirty="0"/>
-              <a:t>Customizations</a:t>
-            </a:r>
-          </a:p>
-        </p:txBody>
-      </p:sp>
-      <p:sp>
-        <p:nvSpPr>
-          <p:cNvPr id="67" name="Flowchart: Process 66"/>
-          <p:cNvSpPr/>
-          <p:nvPr/>
-        </p:nvSpPr>
-        <p:spPr>
-          <a:xfrm>
-            <a:off x="7984882" y="1725642"/>
-            <a:ext cx="1441936" cy="268606"/>
-          </a:xfrm>
-          <a:prstGeom prst="flowChartProcess">
-            <a:avLst/>
-          </a:prstGeom>
-          <a:solidFill>
-            <a:srgbClr val="00B050">
-              <a:alpha val="50000"/>
-            </a:srgbClr>
-          </a:solidFill>
-          <a:ln>
-            <a:noFill/>
-          </a:ln>
-        </p:spPr>
-        <p:style>
-          <a:lnRef idx="0">
-            <a:scrgbClr r="0" g="0" b="0"/>
-          </a:lnRef>
-          <a:fillRef idx="0">
-            <a:scrgbClr r="0" g="0" b="0"/>
-          </a:fillRef>
-          <a:effectRef idx="0">
-            <a:scrgbClr r="0" g="0" b="0"/>
-          </a:effectRef>
-          <a:fontRef idx="minor">
-            <a:schemeClr val="lt1"/>
-          </a:fontRef>
-        </p:style>
-        <p:txBody>
-          <a:bodyPr rtlCol="1" anchor="ctr"/>
-          <a:lstStyle/>
-          <a:p>
-            <a:pPr algn="ctr"/>
-            <a:endParaRPr lang="he-IL" sz="1400" dirty="0">
-              <a:solidFill>
-                <a:schemeClr val="tx1"/>
-              </a:solidFill>
-            </a:endParaRPr>
-          </a:p>
-        </p:txBody>
-      </p:sp>
-      <p:sp>
-        <p:nvSpPr>
-          <p:cNvPr id="70" name="Flowchart: Process 69"/>
-          <p:cNvSpPr/>
-          <p:nvPr/>
-        </p:nvSpPr>
-        <p:spPr>
-          <a:xfrm>
-            <a:off x="2669950" y="3825843"/>
-            <a:ext cx="2362273" cy="268606"/>
-          </a:xfrm>
-          <a:prstGeom prst="flowChartProcess">
-            <a:avLst/>
-          </a:prstGeom>
-          <a:solidFill>
-            <a:schemeClr val="accent4">
-              <a:lumMod val="60000"/>
-              <a:lumOff val="40000"/>
-            </a:schemeClr>
-          </a:solidFill>
-          <a:ln>
-            <a:noFill/>
-          </a:ln>
-        </p:spPr>
-        <p:style>
-          <a:lnRef idx="0">
-            <a:scrgbClr r="0" g="0" b="0"/>
-          </a:lnRef>
-          <a:fillRef idx="0">
-            <a:scrgbClr r="0" g="0" b="0"/>
-          </a:fillRef>
-          <a:effectRef idx="0">
-            <a:scrgbClr r="0" g="0" b="0"/>
-          </a:effectRef>
-          <a:fontRef idx="minor">
-            <a:schemeClr val="lt1"/>
-          </a:fontRef>
-        </p:style>
-        <p:txBody>
-          <a:bodyPr rtlCol="1" anchor="ctr"/>
-          <a:lstStyle/>
-          <a:p>
-            <a:r>
-              <a:rPr lang="en-US" sz="1100" dirty="0" err="1">
-                <a:solidFill>
-                  <a:schemeClr val="tx1"/>
-                </a:solidFill>
-                <a:latin typeface="Consolas" panose="020B0609020204030204" pitchFamily="49" charset="0"/>
-              </a:rPr>
-              <a:t>NWheels.Domains.DevOps</a:t>
-            </a:r>
-            <a:endParaRPr lang="he-IL" sz="1100" dirty="0">
-              <a:solidFill>
-                <a:schemeClr val="tx1"/>
-              </a:solidFill>
-              <a:latin typeface="Consolas" panose="020B0609020204030204" pitchFamily="49" charset="0"/>
-            </a:endParaRPr>
-          </a:p>
-        </p:txBody>
-      </p:sp>
-      <p:sp>
-        <p:nvSpPr>
-          <p:cNvPr id="71" name="Flowchart: Process 70"/>
-          <p:cNvSpPr/>
-          <p:nvPr/>
-        </p:nvSpPr>
-        <p:spPr>
-          <a:xfrm>
-            <a:off x="2671965" y="2899901"/>
-            <a:ext cx="2360257" cy="268606"/>
-          </a:xfrm>
-          <a:prstGeom prst="flowChartProcess">
-            <a:avLst/>
-          </a:prstGeom>
-          <a:solidFill>
-            <a:schemeClr val="accent4">
-              <a:lumMod val="60000"/>
-              <a:lumOff val="40000"/>
-            </a:schemeClr>
-          </a:solidFill>
-          <a:ln>
-            <a:noFill/>
-          </a:ln>
-        </p:spPr>
-        <p:style>
-          <a:lnRef idx="0">
-            <a:scrgbClr r="0" g="0" b="0"/>
-          </a:lnRef>
-          <a:fillRef idx="0">
-            <a:scrgbClr r="0" g="0" b="0"/>
-          </a:fillRef>
-          <a:effectRef idx="0">
-            <a:scrgbClr r="0" g="0" b="0"/>
-          </a:effectRef>
-          <a:fontRef idx="minor">
-            <a:schemeClr val="lt1"/>
-          </a:fontRef>
-        </p:style>
-        <p:txBody>
-          <a:bodyPr rtlCol="1" anchor="ctr"/>
-          <a:lstStyle/>
-          <a:p>
-            <a:r>
-              <a:rPr lang="en-US" sz="1100" dirty="0" err="1">
-                <a:solidFill>
-                  <a:schemeClr val="tx1"/>
-                </a:solidFill>
-                <a:latin typeface="Consolas" panose="020B0609020204030204" pitchFamily="49" charset="0"/>
-              </a:rPr>
-              <a:t>NWheels.Domains.Payments</a:t>
-            </a:r>
-            <a:endParaRPr lang="he-IL" sz="1100" dirty="0">
-              <a:solidFill>
-                <a:schemeClr val="tx1"/>
-              </a:solidFill>
-              <a:latin typeface="Consolas" panose="020B0609020204030204" pitchFamily="49" charset="0"/>
-            </a:endParaRPr>
-          </a:p>
-        </p:txBody>
-      </p:sp>
-      <p:sp>
-        <p:nvSpPr>
-          <p:cNvPr id="75" name="Flowchart: Process 74"/>
-          <p:cNvSpPr/>
-          <p:nvPr/>
-        </p:nvSpPr>
-        <p:spPr>
-          <a:xfrm>
-            <a:off x="2669950" y="3207267"/>
-            <a:ext cx="2362273" cy="268606"/>
-          </a:xfrm>
-          <a:prstGeom prst="flowChartProcess">
-            <a:avLst/>
-          </a:prstGeom>
-          <a:solidFill>
-            <a:schemeClr val="accent4">
-              <a:lumMod val="60000"/>
-              <a:lumOff val="40000"/>
-            </a:schemeClr>
-          </a:solidFill>
-          <a:ln>
-            <a:noFill/>
-          </a:ln>
-        </p:spPr>
-        <p:style>
-          <a:lnRef idx="0">
-            <a:scrgbClr r="0" g="0" b="0"/>
-          </a:lnRef>
-          <a:fillRef idx="0">
-            <a:scrgbClr r="0" g="0" b="0"/>
-          </a:fillRef>
-          <a:effectRef idx="0">
-            <a:scrgbClr r="0" g="0" b="0"/>
-          </a:effectRef>
-          <a:fontRef idx="minor">
-            <a:schemeClr val="lt1"/>
-          </a:fontRef>
-        </p:style>
-        <p:txBody>
-          <a:bodyPr rtlCol="1" anchor="ctr"/>
-          <a:lstStyle/>
-          <a:p>
-            <a:r>
-              <a:rPr lang="en-US" sz="1100" dirty="0" err="1">
-                <a:solidFill>
-                  <a:schemeClr val="tx1"/>
-                </a:solidFill>
-                <a:latin typeface="Consolas" panose="020B0609020204030204" pitchFamily="49" charset="0"/>
-              </a:rPr>
-              <a:t>NWheels.Domains.ShoppingCart</a:t>
-            </a:r>
-            <a:endParaRPr lang="he-IL" sz="1100" dirty="0">
-              <a:solidFill>
-                <a:schemeClr val="tx1"/>
-              </a:solidFill>
-              <a:latin typeface="Consolas" panose="020B0609020204030204" pitchFamily="49" charset="0"/>
-            </a:endParaRPr>
-          </a:p>
-        </p:txBody>
-      </p:sp>
-      <p:sp>
-        <p:nvSpPr>
-          <p:cNvPr id="82" name="Flowchart: Process 81"/>
-          <p:cNvSpPr/>
-          <p:nvPr/>
-        </p:nvSpPr>
-        <p:spPr>
-          <a:xfrm>
-            <a:off x="2671966" y="2587858"/>
-            <a:ext cx="2360257" cy="268606"/>
-          </a:xfrm>
-          <a:prstGeom prst="flowChartProcess">
-            <a:avLst/>
-          </a:prstGeom>
-          <a:solidFill>
-            <a:schemeClr val="accent4">
-              <a:lumMod val="60000"/>
-              <a:lumOff val="40000"/>
-            </a:schemeClr>
-          </a:solidFill>
-          <a:ln>
-            <a:noFill/>
-          </a:ln>
-        </p:spPr>
-        <p:style>
-          <a:lnRef idx="0">
-            <a:scrgbClr r="0" g="0" b="0"/>
-          </a:lnRef>
-          <a:fillRef idx="0">
-            <a:scrgbClr r="0" g="0" b="0"/>
-          </a:fillRef>
-          <a:effectRef idx="0">
-            <a:scrgbClr r="0" g="0" b="0"/>
-          </a:effectRef>
-          <a:fontRef idx="minor">
-            <a:schemeClr val="lt1"/>
-          </a:fontRef>
-        </p:style>
-        <p:txBody>
-          <a:bodyPr rtlCol="1" anchor="ctr"/>
-          <a:lstStyle/>
-          <a:p>
-            <a:r>
-              <a:rPr lang="en-US" sz="1100" dirty="0" err="1">
-                <a:solidFill>
-                  <a:schemeClr val="tx1"/>
-                </a:solidFill>
-                <a:latin typeface="Consolas" panose="020B0609020204030204" pitchFamily="49" charset="0"/>
-              </a:rPr>
-              <a:t>NWheels.Domains.Booking</a:t>
-            </a:r>
-            <a:endParaRPr lang="he-IL" sz="1100" dirty="0">
-              <a:solidFill>
-                <a:schemeClr val="tx1"/>
-              </a:solidFill>
-              <a:latin typeface="Consolas" panose="020B0609020204030204" pitchFamily="49" charset="0"/>
-            </a:endParaRPr>
-          </a:p>
-        </p:txBody>
-      </p:sp>
-      <p:sp>
-        <p:nvSpPr>
-          <p:cNvPr id="83" name="Flowchart: Process 82"/>
-          <p:cNvSpPr/>
-          <p:nvPr/>
-        </p:nvSpPr>
-        <p:spPr>
-          <a:xfrm>
-            <a:off x="2671967" y="2282387"/>
-            <a:ext cx="2360256" cy="268606"/>
-          </a:xfrm>
-          <a:prstGeom prst="flowChartProcess">
-            <a:avLst/>
-          </a:prstGeom>
-          <a:solidFill>
-            <a:schemeClr val="accent4">
-              <a:lumMod val="60000"/>
-              <a:lumOff val="40000"/>
-            </a:schemeClr>
-          </a:solidFill>
-          <a:ln>
-            <a:noFill/>
-          </a:ln>
-        </p:spPr>
-        <p:style>
-          <a:lnRef idx="0">
-            <a:scrgbClr r="0" g="0" b="0"/>
-          </a:lnRef>
-          <a:fillRef idx="0">
-            <a:scrgbClr r="0" g="0" b="0"/>
-          </a:fillRef>
-          <a:effectRef idx="0">
-            <a:scrgbClr r="0" g="0" b="0"/>
-          </a:effectRef>
-          <a:fontRef idx="minor">
-            <a:schemeClr val="lt1"/>
-          </a:fontRef>
-        </p:style>
-        <p:txBody>
-          <a:bodyPr rtlCol="1" anchor="ctr"/>
-          <a:lstStyle/>
-          <a:p>
-            <a:r>
-              <a:rPr lang="en-US" sz="1100" dirty="0" err="1">
-                <a:solidFill>
-                  <a:schemeClr val="tx1"/>
-                </a:solidFill>
-                <a:latin typeface="Consolas" panose="020B0609020204030204" pitchFamily="49" charset="0"/>
-              </a:rPr>
-              <a:t>NWheels.Domains.Crm</a:t>
-            </a:r>
-            <a:endParaRPr lang="he-IL" sz="1100" dirty="0">
-              <a:solidFill>
-                <a:schemeClr val="tx1"/>
-              </a:solidFill>
-              <a:latin typeface="Consolas" panose="020B0609020204030204" pitchFamily="49" charset="0"/>
-            </a:endParaRPr>
-          </a:p>
-        </p:txBody>
-      </p:sp>
-      <p:sp>
-        <p:nvSpPr>
-          <p:cNvPr id="84" name="Flowchart: Process 83"/>
-          <p:cNvSpPr/>
-          <p:nvPr/>
-        </p:nvSpPr>
-        <p:spPr>
-          <a:xfrm>
-            <a:off x="2671967" y="1968449"/>
-            <a:ext cx="2360257" cy="268606"/>
-          </a:xfrm>
-          <a:prstGeom prst="flowChartProcess">
-            <a:avLst/>
-          </a:prstGeom>
-          <a:solidFill>
-            <a:schemeClr val="accent4">
-              <a:lumMod val="60000"/>
-              <a:lumOff val="40000"/>
-            </a:schemeClr>
-          </a:solidFill>
-          <a:ln>
-            <a:noFill/>
-          </a:ln>
-        </p:spPr>
-        <p:style>
-          <a:lnRef idx="0">
-            <a:scrgbClr r="0" g="0" b="0"/>
-          </a:lnRef>
-          <a:fillRef idx="0">
-            <a:scrgbClr r="0" g="0" b="0"/>
-          </a:fillRef>
-          <a:effectRef idx="0">
-            <a:scrgbClr r="0" g="0" b="0"/>
-          </a:effectRef>
-          <a:fontRef idx="minor">
-            <a:schemeClr val="lt1"/>
-          </a:fontRef>
-        </p:style>
-        <p:txBody>
-          <a:bodyPr rtlCol="1" anchor="ctr"/>
-          <a:lstStyle/>
-          <a:p>
-            <a:r>
-              <a:rPr lang="en-US" sz="1100" dirty="0" err="1">
-                <a:solidFill>
-                  <a:schemeClr val="tx1"/>
-                </a:solidFill>
-                <a:latin typeface="Consolas" panose="020B0609020204030204" pitchFamily="49" charset="0"/>
-              </a:rPr>
-              <a:t>NWheels.Domains.Marketing</a:t>
-            </a:r>
-            <a:endParaRPr lang="he-IL" sz="1100" dirty="0">
-              <a:solidFill>
-                <a:schemeClr val="tx1"/>
-              </a:solidFill>
-              <a:latin typeface="Consolas" panose="020B0609020204030204" pitchFamily="49" charset="0"/>
-            </a:endParaRPr>
-          </a:p>
-        </p:txBody>
-      </p:sp>
-      <p:sp>
-        <p:nvSpPr>
-          <p:cNvPr id="85" name="Flowchart: Process 84"/>
-          <p:cNvSpPr/>
-          <p:nvPr/>
-        </p:nvSpPr>
-        <p:spPr>
-          <a:xfrm>
-            <a:off x="2667933" y="1599793"/>
-            <a:ext cx="2363115" cy="268606"/>
-          </a:xfrm>
-          <a:prstGeom prst="flowChartProcess">
-            <a:avLst/>
-          </a:prstGeom>
-          <a:solidFill>
-            <a:srgbClr val="00D661"/>
-          </a:solidFill>
-          <a:ln>
-            <a:noFill/>
-          </a:ln>
-        </p:spPr>
-        <p:style>
-          <a:lnRef idx="0">
-            <a:scrgbClr r="0" g="0" b="0"/>
-          </a:lnRef>
-          <a:fillRef idx="0">
-            <a:scrgbClr r="0" g="0" b="0"/>
-          </a:fillRef>
-          <a:effectRef idx="0">
-            <a:scrgbClr r="0" g="0" b="0"/>
-          </a:effectRef>
-          <a:fontRef idx="minor">
-            <a:schemeClr val="lt1"/>
-          </a:fontRef>
-        </p:style>
-        <p:txBody>
-          <a:bodyPr rtlCol="1" anchor="ctr"/>
-          <a:lstStyle/>
-          <a:p>
-            <a:r>
-              <a:rPr lang="en-US" sz="1100" dirty="0" err="1">
-                <a:solidFill>
-                  <a:schemeClr val="tx1"/>
-                </a:solidFill>
-                <a:latin typeface="Consolas" panose="020B0609020204030204" pitchFamily="49" charset="0"/>
-              </a:rPr>
-              <a:t>TixDown.Core</a:t>
-            </a:r>
-            <a:endParaRPr lang="he-IL" sz="1100" dirty="0">
-              <a:solidFill>
-                <a:schemeClr val="tx1"/>
-              </a:solidFill>
-              <a:latin typeface="Consolas" panose="020B0609020204030204" pitchFamily="49" charset="0"/>
-            </a:endParaRPr>
-          </a:p>
-        </p:txBody>
-      </p:sp>
-      <p:sp>
-        <p:nvSpPr>
-          <p:cNvPr id="86" name="Flowchart: Process 85"/>
-          <p:cNvSpPr/>
-          <p:nvPr/>
-        </p:nvSpPr>
-        <p:spPr>
-          <a:xfrm>
-            <a:off x="2667933" y="1285855"/>
-            <a:ext cx="2363116" cy="268606"/>
-          </a:xfrm>
-          <a:prstGeom prst="flowChartProcess">
-            <a:avLst/>
-          </a:prstGeom>
-          <a:solidFill>
-            <a:srgbClr val="00D661"/>
-          </a:solidFill>
-          <a:ln>
-            <a:noFill/>
-          </a:ln>
-        </p:spPr>
-        <p:style>
-          <a:lnRef idx="0">
-            <a:scrgbClr r="0" g="0" b="0"/>
-          </a:lnRef>
-          <a:fillRef idx="0">
-            <a:scrgbClr r="0" g="0" b="0"/>
-          </a:fillRef>
-          <a:effectRef idx="0">
-            <a:scrgbClr r="0" g="0" b="0"/>
-          </a:effectRef>
-          <a:fontRef idx="minor">
-            <a:schemeClr val="lt1"/>
-          </a:fontRef>
-        </p:style>
-        <p:txBody>
-          <a:bodyPr rtlCol="1" anchor="ctr"/>
-          <a:lstStyle/>
-          <a:p>
-            <a:r>
-              <a:rPr lang="en-US" sz="1100" dirty="0" err="1">
-                <a:solidFill>
-                  <a:schemeClr val="tx1"/>
-                </a:solidFill>
-                <a:latin typeface="Consolas" panose="020B0609020204030204" pitchFamily="49" charset="0"/>
-              </a:rPr>
-              <a:t>TixDown.Kiosk</a:t>
-            </a:r>
-            <a:endParaRPr lang="he-IL" sz="1100" dirty="0">
-              <a:solidFill>
-                <a:schemeClr val="tx1"/>
-              </a:solidFill>
-              <a:latin typeface="Consolas" panose="020B0609020204030204" pitchFamily="49" charset="0"/>
-            </a:endParaRPr>
-          </a:p>
-        </p:txBody>
-      </p:sp>
-      <p:sp>
-        <p:nvSpPr>
-          <p:cNvPr id="19" name="Flowchart: Process 18"/>
-          <p:cNvSpPr/>
-          <p:nvPr/>
-        </p:nvSpPr>
-        <p:spPr>
-          <a:xfrm>
-            <a:off x="2667933" y="971917"/>
-            <a:ext cx="2363116" cy="268606"/>
-          </a:xfrm>
-          <a:prstGeom prst="flowChartProcess">
-            <a:avLst/>
-          </a:prstGeom>
-          <a:solidFill>
-            <a:srgbClr val="00D661"/>
-          </a:solidFill>
-          <a:ln>
-            <a:noFill/>
-          </a:ln>
-        </p:spPr>
-        <p:style>
-          <a:lnRef idx="0">
-            <a:scrgbClr r="0" g="0" b="0"/>
-          </a:lnRef>
-          <a:fillRef idx="0">
-            <a:scrgbClr r="0" g="0" b="0"/>
-          </a:fillRef>
-          <a:effectRef idx="0">
-            <a:scrgbClr r="0" g="0" b="0"/>
-          </a:effectRef>
-          <a:fontRef idx="minor">
-            <a:schemeClr val="lt1"/>
-          </a:fontRef>
-        </p:style>
-        <p:txBody>
-          <a:bodyPr rtlCol="1" anchor="ctr"/>
-          <a:lstStyle/>
-          <a:p>
-            <a:r>
-              <a:rPr lang="en-US" sz="1100" dirty="0" err="1">
-                <a:solidFill>
-                  <a:schemeClr val="tx1"/>
-                </a:solidFill>
-                <a:latin typeface="Consolas" panose="020B0609020204030204" pitchFamily="49" charset="0"/>
-              </a:rPr>
-              <a:t>TixDown.Front</a:t>
-            </a:r>
-            <a:endParaRPr lang="he-IL" sz="1100" dirty="0">
-              <a:solidFill>
-                <a:schemeClr val="tx1"/>
-              </a:solidFill>
-              <a:latin typeface="Consolas" panose="020B0609020204030204" pitchFamily="49" charset="0"/>
-            </a:endParaRPr>
-          </a:p>
-        </p:txBody>
-      </p:sp>
-      <p:sp>
-        <p:nvSpPr>
-          <p:cNvPr id="21" name="Flowchart: Process 20"/>
-          <p:cNvSpPr/>
-          <p:nvPr/>
-        </p:nvSpPr>
-        <p:spPr>
-          <a:xfrm>
-            <a:off x="2667933" y="655895"/>
-            <a:ext cx="2363116" cy="268606"/>
-          </a:xfrm>
-          <a:prstGeom prst="flowChartProcess">
-            <a:avLst/>
-          </a:prstGeom>
-          <a:solidFill>
-            <a:srgbClr val="00D661"/>
-          </a:solidFill>
-          <a:ln>
-            <a:noFill/>
-          </a:ln>
-        </p:spPr>
-        <p:style>
-          <a:lnRef idx="0">
-            <a:scrgbClr r="0" g="0" b="0"/>
-          </a:lnRef>
-          <a:fillRef idx="0">
-            <a:scrgbClr r="0" g="0" b="0"/>
-          </a:fillRef>
-          <a:effectRef idx="0">
-            <a:scrgbClr r="0" g="0" b="0"/>
-          </a:effectRef>
-          <a:fontRef idx="minor">
-            <a:schemeClr val="lt1"/>
-          </a:fontRef>
-        </p:style>
-        <p:txBody>
-          <a:bodyPr rtlCol="1" anchor="ctr"/>
-          <a:lstStyle/>
-          <a:p>
-            <a:r>
-              <a:rPr lang="en-US" sz="1100" dirty="0" err="1">
-                <a:solidFill>
-                  <a:schemeClr val="tx1"/>
-                </a:solidFill>
-                <a:latin typeface="Consolas" panose="020B0609020204030204" pitchFamily="49" charset="0"/>
-              </a:rPr>
-              <a:t>TixDown.Gate</a:t>
-            </a:r>
-            <a:endParaRPr lang="he-IL" sz="1100" dirty="0">
-              <a:solidFill>
-                <a:schemeClr val="tx1"/>
-              </a:solidFill>
-              <a:latin typeface="Consolas" panose="020B0609020204030204" pitchFamily="49" charset="0"/>
-            </a:endParaRPr>
-          </a:p>
-        </p:txBody>
-      </p:sp>
-      <p:sp>
-        <p:nvSpPr>
-          <p:cNvPr id="24" name="Flowchart: Process 23"/>
-          <p:cNvSpPr/>
-          <p:nvPr/>
-        </p:nvSpPr>
-        <p:spPr>
-          <a:xfrm>
-            <a:off x="6810308" y="5378728"/>
-            <a:ext cx="2024029" cy="268606"/>
-          </a:xfrm>
-          <a:prstGeom prst="flowChartProcess">
-            <a:avLst/>
-          </a:prstGeom>
-          <a:solidFill>
-            <a:srgbClr val="00D661"/>
-          </a:solidFill>
-          <a:ln>
-            <a:noFill/>
-          </a:ln>
-        </p:spPr>
-        <p:style>
-          <a:lnRef idx="0">
-            <a:scrgbClr r="0" g="0" b="0"/>
-          </a:lnRef>
-          <a:fillRef idx="0">
-            <a:scrgbClr r="0" g="0" b="0"/>
-          </a:fillRef>
-          <a:effectRef idx="0">
-            <a:scrgbClr r="0" g="0" b="0"/>
-          </a:effectRef>
-          <a:fontRef idx="minor">
-            <a:schemeClr val="lt1"/>
-          </a:fontRef>
-        </p:style>
-        <p:txBody>
-          <a:bodyPr rtlCol="1" anchor="ctr"/>
-          <a:lstStyle/>
-          <a:p>
-            <a:r>
-              <a:rPr lang="en-US" sz="1100" dirty="0" err="1">
-                <a:solidFill>
-                  <a:schemeClr val="tx1"/>
-                </a:solidFill>
-                <a:latin typeface="Consolas" panose="020B0609020204030204" pitchFamily="49" charset="0"/>
-              </a:rPr>
-              <a:t>TixDown.Vertical.Sports</a:t>
-            </a:r>
-            <a:endParaRPr lang="he-IL" sz="1100" dirty="0">
-              <a:solidFill>
-                <a:schemeClr val="tx1"/>
-              </a:solidFill>
-              <a:latin typeface="Consolas" panose="020B0609020204030204" pitchFamily="49" charset="0"/>
-            </a:endParaRPr>
-          </a:p>
-        </p:txBody>
-      </p:sp>
-      <p:sp>
-        <p:nvSpPr>
-          <p:cNvPr id="25" name="Flowchart: Process 24"/>
-          <p:cNvSpPr/>
-          <p:nvPr/>
-        </p:nvSpPr>
-        <p:spPr>
-          <a:xfrm>
-            <a:off x="6810307" y="5725134"/>
-            <a:ext cx="2024029" cy="268606"/>
-          </a:xfrm>
-          <a:prstGeom prst="flowChartProcess">
-            <a:avLst/>
-          </a:prstGeom>
-          <a:solidFill>
-            <a:srgbClr val="00D661"/>
-          </a:solidFill>
-          <a:ln>
-            <a:noFill/>
-          </a:ln>
-        </p:spPr>
-        <p:style>
-          <a:lnRef idx="0">
-            <a:scrgbClr r="0" g="0" b="0"/>
-          </a:lnRef>
-          <a:fillRef idx="0">
-            <a:scrgbClr r="0" g="0" b="0"/>
-          </a:fillRef>
-          <a:effectRef idx="0">
-            <a:scrgbClr r="0" g="0" b="0"/>
-          </a:effectRef>
-          <a:fontRef idx="minor">
-            <a:schemeClr val="lt1"/>
-          </a:fontRef>
-        </p:style>
-        <p:txBody>
-          <a:bodyPr rtlCol="1" anchor="ctr"/>
-          <a:lstStyle/>
-          <a:p>
-            <a:r>
-              <a:rPr lang="en-US" sz="1100" dirty="0" err="1">
-                <a:solidFill>
-                  <a:schemeClr val="tx1"/>
-                </a:solidFill>
-                <a:latin typeface="Consolas" panose="020B0609020204030204" pitchFamily="49" charset="0"/>
-              </a:rPr>
-              <a:t>TixDown.Vertical.Theatre</a:t>
-            </a:r>
-            <a:endParaRPr lang="he-IL" sz="1100" dirty="0">
-              <a:solidFill>
-                <a:schemeClr val="tx1"/>
-              </a:solidFill>
-              <a:latin typeface="Consolas" panose="020B0609020204030204" pitchFamily="49" charset="0"/>
-            </a:endParaRPr>
-          </a:p>
-        </p:txBody>
-      </p:sp>
-      <p:sp>
-        <p:nvSpPr>
-          <p:cNvPr id="26" name="Flowchart: Process 25"/>
-          <p:cNvSpPr/>
-          <p:nvPr/>
-        </p:nvSpPr>
-        <p:spPr>
-          <a:xfrm>
-            <a:off x="6810307" y="6064822"/>
-            <a:ext cx="2024029" cy="268606"/>
-          </a:xfrm>
-          <a:prstGeom prst="flowChartProcess">
-            <a:avLst/>
-          </a:prstGeom>
-          <a:solidFill>
-            <a:srgbClr val="00D661"/>
-          </a:solidFill>
-          <a:ln>
-            <a:noFill/>
-          </a:ln>
-        </p:spPr>
-        <p:style>
-          <a:lnRef idx="0">
-            <a:scrgbClr r="0" g="0" b="0"/>
-          </a:lnRef>
-          <a:fillRef idx="0">
-            <a:scrgbClr r="0" g="0" b="0"/>
-          </a:fillRef>
-          <a:effectRef idx="0">
-            <a:scrgbClr r="0" g="0" b="0"/>
-          </a:effectRef>
-          <a:fontRef idx="minor">
-            <a:schemeClr val="lt1"/>
-          </a:fontRef>
-        </p:style>
-        <p:txBody>
-          <a:bodyPr rtlCol="1" anchor="ctr"/>
-          <a:lstStyle/>
-          <a:p>
-            <a:r>
-              <a:rPr lang="en-US" sz="1100" dirty="0" err="1">
-                <a:solidFill>
-                  <a:schemeClr val="tx1"/>
-                </a:solidFill>
-                <a:latin typeface="Consolas" panose="020B0609020204030204" pitchFamily="49" charset="0"/>
-              </a:rPr>
-              <a:t>TixDown.Vertical.Cinema</a:t>
-            </a:r>
-            <a:endParaRPr lang="he-IL" sz="1100" dirty="0">
-              <a:solidFill>
-                <a:schemeClr val="tx1"/>
-              </a:solidFill>
-              <a:latin typeface="Consolas" panose="020B0609020204030204" pitchFamily="49" charset="0"/>
-            </a:endParaRPr>
-          </a:p>
-        </p:txBody>
-      </p:sp>
-      <p:sp>
-        <p:nvSpPr>
-          <p:cNvPr id="27" name="TextBox 26"/>
-          <p:cNvSpPr txBox="1"/>
-          <p:nvPr/>
-        </p:nvSpPr>
-        <p:spPr>
-          <a:xfrm>
-            <a:off x="1636998" y="2557191"/>
-            <a:ext cx="938290" cy="738664"/>
-          </a:xfrm>
-          <a:prstGeom prst="rect">
-            <a:avLst/>
-          </a:prstGeom>
-          <a:noFill/>
-        </p:spPr>
-        <p:txBody>
-          <a:bodyPr wrap="square" rtlCol="0">
-            <a:spAutoFit/>
-          </a:bodyPr>
-          <a:lstStyle/>
-          <a:p>
-            <a:pPr algn="ctr"/>
-            <a:r>
-              <a:rPr lang="en-US" sz="1400" dirty="0"/>
-              <a:t>Building block domains</a:t>
-            </a:r>
-          </a:p>
-        </p:txBody>
-      </p:sp>
-      <p:cxnSp>
-        <p:nvCxnSpPr>
-          <p:cNvPr id="6" name="Straight Connector 5"/>
-          <p:cNvCxnSpPr/>
-          <p:nvPr/>
-        </p:nvCxnSpPr>
-        <p:spPr>
-          <a:xfrm>
-            <a:off x="1685888" y="4134783"/>
-            <a:ext cx="889400" cy="0"/>
-          </a:xfrm>
-          <a:prstGeom prst="line">
-            <a:avLst/>
-          </a:prstGeom>
-          <a:ln>
-            <a:prstDash val="lgDash"/>
-          </a:ln>
-        </p:spPr>
-        <p:style>
-          <a:lnRef idx="1">
-            <a:schemeClr val="accent1"/>
-          </a:lnRef>
-          <a:fillRef idx="0">
-            <a:schemeClr val="accent1"/>
-          </a:fillRef>
-          <a:effectRef idx="0">
-            <a:schemeClr val="accent1"/>
+            <a:schemeClr val="dk1"/>
+          </a:fillRef>
+          <a:effectRef idx="0">
+            <a:schemeClr val="dk1"/>
           </a:effectRef>
           <a:fontRef idx="minor">
             <a:schemeClr val="tx1"/>
@@ -12701,31 +12216,38 @@
       </p:cxnSp>
       <p:cxnSp>
         <p:nvCxnSpPr>
-          <p:cNvPr id="30" name="Straight Connector 29"/>
-          <p:cNvCxnSpPr/>
+          <p:cNvPr id="193" name="Connector: Curved 192"/>
+          <p:cNvCxnSpPr>
+            <a:cxnSpLocks/>
+            <a:stCxn id="146" idx="6"/>
+            <a:endCxn id="160" idx="0"/>
+          </p:cNvCxnSpPr>
           <p:nvPr/>
         </p:nvCxnSpPr>
         <p:spPr>
           <a:xfrm>
-            <a:off x="1685888" y="1951033"/>
-            <a:ext cx="889400" cy="0"/>
-          </a:xfrm>
-          <a:prstGeom prst="line">
-            <a:avLst/>
-          </a:prstGeom>
-          <a:ln>
-            <a:prstDash val="lgDash"/>
+            <a:off x="5417820" y="3948838"/>
+            <a:ext cx="1296573" cy="710091"/>
+          </a:xfrm>
+          <a:prstGeom prst="curvedConnector2">
+            <a:avLst/>
+          </a:prstGeom>
+          <a:ln w="28575">
+            <a:solidFill>
+              <a:srgbClr val="00B050"/>
+            </a:solidFill>
+            <a:tailEnd type="triangle" w="lg" len="lg"/>
           </a:ln>
         </p:spPr>
         <p:style>
           <a:lnRef idx="1">
-            <a:schemeClr val="accent1"/>
+            <a:schemeClr val="dk1"/>
           </a:lnRef>
           <a:fillRef idx="0">
-            <a:schemeClr val="accent1"/>
-          </a:fillRef>
-          <a:effectRef idx="0">
-            <a:schemeClr val="accent1"/>
+            <a:schemeClr val="dk1"/>
+          </a:fillRef>
+          <a:effectRef idx="0">
+            <a:schemeClr val="dk1"/>
           </a:effectRef>
           <a:fontRef idx="minor">
             <a:schemeClr val="tx1"/>
@@ -12734,32 +12256,38 @@
       </p:cxnSp>
       <p:cxnSp>
         <p:nvCxnSpPr>
-          <p:cNvPr id="31" name="Straight Connector 30"/>
-          <p:cNvCxnSpPr/>
+          <p:cNvPr id="194" name="Connector: Curved 193"/>
+          <p:cNvCxnSpPr>
+            <a:cxnSpLocks/>
+            <a:stCxn id="160" idx="2"/>
+            <a:endCxn id="162" idx="4"/>
+          </p:cNvCxnSpPr>
           <p:nvPr/>
         </p:nvCxnSpPr>
         <p:spPr>
-          <a:xfrm>
-            <a:off x="2110178" y="1988241"/>
-            <a:ext cx="1" cy="508610"/>
-          </a:xfrm>
-          <a:prstGeom prst="line">
-            <a:avLst/>
-          </a:prstGeom>
-          <a:ln>
-            <a:prstDash val="lgDash"/>
-            <a:headEnd type="arrow"/>
+          <a:xfrm rot="10800000">
+            <a:off x="3108961" y="3402518"/>
+            <a:ext cx="3106323" cy="1572964"/>
+          </a:xfrm>
+          <a:prstGeom prst="curvedConnector2">
+            <a:avLst/>
+          </a:prstGeom>
+          <a:ln w="12700">
+            <a:solidFill>
+              <a:srgbClr val="F63D0A"/>
+            </a:solidFill>
+            <a:tailEnd type="triangle" w="lg" len="lg"/>
           </a:ln>
         </p:spPr>
         <p:style>
           <a:lnRef idx="1">
-            <a:schemeClr val="accent1"/>
+            <a:schemeClr val="dk1"/>
           </a:lnRef>
           <a:fillRef idx="0">
-            <a:schemeClr val="accent1"/>
-          </a:fillRef>
-          <a:effectRef idx="0">
-            <a:schemeClr val="accent1"/>
+            <a:schemeClr val="dk1"/>
+          </a:fillRef>
+          <a:effectRef idx="0">
+            <a:schemeClr val="dk1"/>
           </a:effectRef>
           <a:fontRef idx="minor">
             <a:schemeClr val="tx1"/>
@@ -12768,35 +12296,38 @@
       </p:cxnSp>
       <p:cxnSp>
         <p:nvCxnSpPr>
-          <p:cNvPr id="38" name="Straight Connector 37"/>
+          <p:cNvPr id="195" name="Connector: Curved 194"/>
           <p:cNvCxnSpPr>
-            <a:stCxn id="27" idx="2"/>
+            <a:cxnSpLocks/>
+            <a:stCxn id="160" idx="2"/>
+            <a:endCxn id="150" idx="0"/>
           </p:cNvCxnSpPr>
           <p:nvPr/>
         </p:nvCxnSpPr>
         <p:spPr>
-          <a:xfrm>
-            <a:off x="2106143" y="3295855"/>
-            <a:ext cx="2019" cy="810053"/>
-          </a:xfrm>
-          <a:prstGeom prst="line">
-            <a:avLst/>
-          </a:prstGeom>
-          <a:ln>
-            <a:prstDash val="lgDash"/>
-            <a:headEnd w="lg" len="lg"/>
-            <a:tailEnd type="arrow"/>
+          <a:xfrm rot="10800000" flipV="1">
+            <a:off x="4983201" y="4975482"/>
+            <a:ext cx="1232083" cy="727138"/>
+          </a:xfrm>
+          <a:prstGeom prst="curvedConnector2">
+            <a:avLst/>
+          </a:prstGeom>
+          <a:ln w="28575">
+            <a:solidFill>
+              <a:srgbClr val="00B050"/>
+            </a:solidFill>
+            <a:tailEnd type="triangle" w="lg" len="lg"/>
           </a:ln>
         </p:spPr>
         <p:style>
           <a:lnRef idx="1">
-            <a:schemeClr val="accent1"/>
+            <a:schemeClr val="dk1"/>
           </a:lnRef>
           <a:fillRef idx="0">
-            <a:schemeClr val="accent1"/>
-          </a:fillRef>
-          <a:effectRef idx="0">
-            <a:schemeClr val="accent1"/>
+            <a:schemeClr val="dk1"/>
+          </a:fillRef>
+          <a:effectRef idx="0">
+            <a:schemeClr val="dk1"/>
           </a:effectRef>
           <a:fontRef idx="minor">
             <a:schemeClr val="tx1"/>
@@ -12805,31 +12336,38 @@
       </p:cxnSp>
       <p:cxnSp>
         <p:nvCxnSpPr>
-          <p:cNvPr id="42" name="Straight Connector 41"/>
-          <p:cNvCxnSpPr/>
+          <p:cNvPr id="196" name="Connector: Curved 195"/>
+          <p:cNvCxnSpPr>
+            <a:cxnSpLocks/>
+            <a:stCxn id="150" idx="2"/>
+            <a:endCxn id="161" idx="4"/>
+          </p:cNvCxnSpPr>
           <p:nvPr/>
         </p:nvCxnSpPr>
         <p:spPr>
-          <a:xfrm>
-            <a:off x="1683870" y="641569"/>
-            <a:ext cx="935505" cy="0"/>
-          </a:xfrm>
-          <a:prstGeom prst="line">
-            <a:avLst/>
-          </a:prstGeom>
-          <a:ln>
-            <a:prstDash val="lgDash"/>
+          <a:xfrm rot="10800000">
+            <a:off x="3108960" y="5291001"/>
+            <a:ext cx="1412766" cy="728172"/>
+          </a:xfrm>
+          <a:prstGeom prst="curvedConnector2">
+            <a:avLst/>
+          </a:prstGeom>
+          <a:ln w="28575">
+            <a:solidFill>
+              <a:srgbClr val="00B050"/>
+            </a:solidFill>
+            <a:tailEnd type="triangle" w="lg" len="lg"/>
           </a:ln>
         </p:spPr>
         <p:style>
           <a:lnRef idx="1">
-            <a:schemeClr val="accent1"/>
+            <a:schemeClr val="dk1"/>
           </a:lnRef>
           <a:fillRef idx="0">
-            <a:schemeClr val="accent1"/>
-          </a:fillRef>
-          <a:effectRef idx="0">
-            <a:schemeClr val="accent1"/>
+            <a:schemeClr val="dk1"/>
+          </a:fillRef>
+          <a:effectRef idx="0">
+            <a:schemeClr val="dk1"/>
           </a:effectRef>
           <a:fontRef idx="minor">
             <a:schemeClr val="tx1"/>
@@ -12838,32 +12376,38 @@
       </p:cxnSp>
       <p:cxnSp>
         <p:nvCxnSpPr>
-          <p:cNvPr id="43" name="Straight Connector 42"/>
-          <p:cNvCxnSpPr/>
+          <p:cNvPr id="203" name="Connector: Curved 202"/>
+          <p:cNvCxnSpPr>
+            <a:cxnSpLocks/>
+            <a:stCxn id="161" idx="6"/>
+            <a:endCxn id="146" idx="4"/>
+          </p:cNvCxnSpPr>
           <p:nvPr/>
         </p:nvCxnSpPr>
         <p:spPr>
-          <a:xfrm>
-            <a:off x="2108161" y="679450"/>
-            <a:ext cx="0" cy="431737"/>
-          </a:xfrm>
-          <a:prstGeom prst="line">
-            <a:avLst/>
-          </a:prstGeom>
-          <a:ln>
-            <a:prstDash val="lgDash"/>
-            <a:headEnd type="arrow"/>
+          <a:xfrm flipV="1">
+            <a:off x="3627120" y="4265390"/>
+            <a:ext cx="1329226" cy="709059"/>
+          </a:xfrm>
+          <a:prstGeom prst="curvedConnector2">
+            <a:avLst/>
+          </a:prstGeom>
+          <a:ln w="28575">
+            <a:solidFill>
+              <a:srgbClr val="00B050"/>
+            </a:solidFill>
+            <a:tailEnd type="triangle" w="lg" len="lg"/>
           </a:ln>
         </p:spPr>
         <p:style>
           <a:lnRef idx="1">
-            <a:schemeClr val="accent1"/>
+            <a:schemeClr val="dk1"/>
           </a:lnRef>
           <a:fillRef idx="0">
-            <a:schemeClr val="accent1"/>
-          </a:fillRef>
-          <a:effectRef idx="0">
-            <a:schemeClr val="accent1"/>
+            <a:schemeClr val="dk1"/>
+          </a:fillRef>
+          <a:effectRef idx="0">
+            <a:schemeClr val="dk1"/>
           </a:effectRef>
           <a:fontRef idx="minor">
             <a:schemeClr val="tx1"/>
@@ -12872,273 +12416,38 @@
       </p:cxnSp>
       <p:cxnSp>
         <p:nvCxnSpPr>
-          <p:cNvPr id="45" name="Straight Connector 44"/>
-          <p:cNvCxnSpPr/>
+          <p:cNvPr id="204" name="Connector: Curved 203"/>
+          <p:cNvCxnSpPr>
+            <a:cxnSpLocks/>
+            <a:stCxn id="146" idx="2"/>
+            <a:endCxn id="162" idx="5"/>
+          </p:cNvCxnSpPr>
           <p:nvPr/>
         </p:nvCxnSpPr>
         <p:spPr>
-          <a:xfrm>
-            <a:off x="2106144" y="1554461"/>
-            <a:ext cx="0" cy="383933"/>
-          </a:xfrm>
-          <a:prstGeom prst="line">
-            <a:avLst/>
-          </a:prstGeom>
-          <a:ln>
-            <a:prstDash val="lgDash"/>
-            <a:headEnd w="lg" len="lg"/>
-            <a:tailEnd type="arrow"/>
+          <a:xfrm rot="10800000">
+            <a:off x="3475354" y="3309802"/>
+            <a:ext cx="1019518" cy="639036"/>
+          </a:xfrm>
+          <a:prstGeom prst="curvedConnector2">
+            <a:avLst/>
+          </a:prstGeom>
+          <a:ln w="28575">
+            <a:solidFill>
+              <a:srgbClr val="00B050"/>
+            </a:solidFill>
+            <a:tailEnd type="triangle" w="lg" len="lg"/>
           </a:ln>
         </p:spPr>
         <p:style>
           <a:lnRef idx="1">
-            <a:schemeClr val="accent1"/>
+            <a:schemeClr val="dk1"/>
           </a:lnRef>
           <a:fillRef idx="0">
-            <a:schemeClr val="accent1"/>
-          </a:fillRef>
-          <a:effectRef idx="0">
-            <a:schemeClr val="accent1"/>
-          </a:effectRef>
-          <a:fontRef idx="minor">
-            <a:schemeClr val="tx1"/>
-          </a:fontRef>
-        </p:style>
-      </p:cxnSp>
-      <p:sp>
-        <p:nvSpPr>
-          <p:cNvPr id="46" name="TextBox 45"/>
-          <p:cNvSpPr txBox="1"/>
-          <p:nvPr/>
-        </p:nvSpPr>
-        <p:spPr>
-          <a:xfrm>
-            <a:off x="1517248" y="1079095"/>
-            <a:ext cx="1202205" cy="523220"/>
-          </a:xfrm>
-          <a:prstGeom prst="rect">
-            <a:avLst/>
-          </a:prstGeom>
-          <a:noFill/>
-        </p:spPr>
-        <p:txBody>
-          <a:bodyPr wrap="square" rtlCol="0">
-            <a:spAutoFit/>
-          </a:bodyPr>
-          <a:lstStyle/>
-          <a:p>
-            <a:pPr algn="ctr"/>
-            <a:r>
-              <a:rPr lang="en-US" sz="1400" dirty="0"/>
-              <a:t>Application modules</a:t>
-            </a:r>
-          </a:p>
-        </p:txBody>
-      </p:sp>
-      <p:sp>
-        <p:nvSpPr>
-          <p:cNvPr id="53" name="Flowchart: Process 52"/>
-          <p:cNvSpPr/>
-          <p:nvPr/>
-        </p:nvSpPr>
-        <p:spPr>
-          <a:xfrm>
-            <a:off x="2677558" y="4498672"/>
-            <a:ext cx="2362273" cy="268606"/>
-          </a:xfrm>
-          <a:prstGeom prst="flowChartProcess">
-            <a:avLst/>
-          </a:prstGeom>
-          <a:solidFill>
-            <a:schemeClr val="accent5">
-              <a:lumMod val="75000"/>
-            </a:schemeClr>
-          </a:solidFill>
-          <a:ln>
-            <a:noFill/>
-          </a:ln>
-        </p:spPr>
-        <p:style>
-          <a:lnRef idx="0">
-            <a:scrgbClr r="0" g="0" b="0"/>
-          </a:lnRef>
-          <a:fillRef idx="0">
-            <a:scrgbClr r="0" g="0" b="0"/>
-          </a:fillRef>
-          <a:effectRef idx="0">
-            <a:scrgbClr r="0" g="0" b="0"/>
-          </a:effectRef>
-          <a:fontRef idx="minor">
-            <a:schemeClr val="lt1"/>
-          </a:fontRef>
-        </p:style>
-        <p:txBody>
-          <a:bodyPr rtlCol="1" anchor="ctr"/>
-          <a:lstStyle/>
-          <a:p>
-            <a:r>
-              <a:rPr lang="en-US" sz="1100" dirty="0" err="1">
-                <a:solidFill>
-                  <a:schemeClr val="bg1"/>
-                </a:solidFill>
-                <a:latin typeface="Consolas" panose="020B0609020204030204" pitchFamily="49" charset="0"/>
-              </a:rPr>
-              <a:t>NWheels.Frameworks.Saga</a:t>
-            </a:r>
-            <a:endParaRPr lang="he-IL" sz="1100" dirty="0">
-              <a:solidFill>
-                <a:schemeClr val="bg1"/>
-              </a:solidFill>
-              <a:latin typeface="Consolas" panose="020B0609020204030204" pitchFamily="49" charset="0"/>
-            </a:endParaRPr>
-          </a:p>
-        </p:txBody>
-      </p:sp>
-      <p:sp>
-        <p:nvSpPr>
-          <p:cNvPr id="54" name="Flowchart: Process 53"/>
-          <p:cNvSpPr/>
-          <p:nvPr/>
-        </p:nvSpPr>
-        <p:spPr>
-          <a:xfrm>
-            <a:off x="2677558" y="4802252"/>
-            <a:ext cx="2362273" cy="268606"/>
-          </a:xfrm>
-          <a:prstGeom prst="flowChartProcess">
-            <a:avLst/>
-          </a:prstGeom>
-          <a:solidFill>
-            <a:schemeClr val="accent5">
-              <a:lumMod val="75000"/>
-            </a:schemeClr>
-          </a:solidFill>
-          <a:ln>
-            <a:noFill/>
-          </a:ln>
-        </p:spPr>
-        <p:style>
-          <a:lnRef idx="0">
-            <a:scrgbClr r="0" g="0" b="0"/>
-          </a:lnRef>
-          <a:fillRef idx="0">
-            <a:scrgbClr r="0" g="0" b="0"/>
-          </a:fillRef>
-          <a:effectRef idx="0">
-            <a:scrgbClr r="0" g="0" b="0"/>
-          </a:effectRef>
-          <a:fontRef idx="minor">
-            <a:schemeClr val="lt1"/>
-          </a:fontRef>
-        </p:style>
-        <p:txBody>
-          <a:bodyPr rtlCol="1" anchor="ctr"/>
-          <a:lstStyle/>
-          <a:p>
-            <a:r>
-              <a:rPr lang="en-US" sz="1100" dirty="0" err="1">
-                <a:solidFill>
-                  <a:schemeClr val="bg1"/>
-                </a:solidFill>
-                <a:latin typeface="Consolas" panose="020B0609020204030204" pitchFamily="49" charset="0"/>
-              </a:rPr>
-              <a:t>NWheels.Frameworks.Ddd</a:t>
-            </a:r>
-            <a:endParaRPr lang="he-IL" sz="1100" dirty="0">
-              <a:solidFill>
-                <a:schemeClr val="bg1"/>
-              </a:solidFill>
-              <a:latin typeface="Consolas" panose="020B0609020204030204" pitchFamily="49" charset="0"/>
-            </a:endParaRPr>
-          </a:p>
-        </p:txBody>
-      </p:sp>
-      <p:sp>
-        <p:nvSpPr>
-          <p:cNvPr id="55" name="Flowchart: Process 54"/>
-          <p:cNvSpPr/>
-          <p:nvPr/>
-        </p:nvSpPr>
-        <p:spPr>
-          <a:xfrm>
-            <a:off x="2677558" y="4183676"/>
-            <a:ext cx="2362273" cy="268606"/>
-          </a:xfrm>
-          <a:prstGeom prst="flowChartProcess">
-            <a:avLst/>
-          </a:prstGeom>
-          <a:solidFill>
-            <a:schemeClr val="accent5">
-              <a:lumMod val="75000"/>
-            </a:schemeClr>
-          </a:solidFill>
-          <a:ln>
-            <a:noFill/>
-          </a:ln>
-        </p:spPr>
-        <p:style>
-          <a:lnRef idx="0">
-            <a:scrgbClr r="0" g="0" b="0"/>
-          </a:lnRef>
-          <a:fillRef idx="0">
-            <a:scrgbClr r="0" g="0" b="0"/>
-          </a:fillRef>
-          <a:effectRef idx="0">
-            <a:scrgbClr r="0" g="0" b="0"/>
-          </a:effectRef>
-          <a:fontRef idx="minor">
-            <a:schemeClr val="lt1"/>
-          </a:fontRef>
-        </p:style>
-        <p:txBody>
-          <a:bodyPr rtlCol="1" anchor="ctr"/>
-          <a:lstStyle/>
-          <a:p>
-            <a:r>
-              <a:rPr lang="en-US" sz="1100" dirty="0" err="1">
-                <a:solidFill>
-                  <a:schemeClr val="bg1"/>
-                </a:solidFill>
-                <a:latin typeface="Consolas" panose="020B0609020204030204" pitchFamily="49" charset="0"/>
-              </a:rPr>
-              <a:t>NWheels.Frameworks.Uidl</a:t>
-            </a:r>
-            <a:endParaRPr lang="he-IL" sz="1100" dirty="0">
-              <a:solidFill>
-                <a:schemeClr val="bg1"/>
-              </a:solidFill>
-              <a:latin typeface="Consolas" panose="020B0609020204030204" pitchFamily="49" charset="0"/>
-            </a:endParaRPr>
-          </a:p>
-        </p:txBody>
-      </p:sp>
-      <p:cxnSp>
-        <p:nvCxnSpPr>
-          <p:cNvPr id="57" name="Straight Connector 56"/>
-          <p:cNvCxnSpPr/>
-          <p:nvPr/>
-        </p:nvCxnSpPr>
-        <p:spPr>
-          <a:xfrm>
-            <a:off x="1685888" y="5117784"/>
-            <a:ext cx="889400" cy="0"/>
-          </a:xfrm>
-          <a:prstGeom prst="line">
-            <a:avLst/>
-          </a:prstGeom>
-          <a:ln>
-            <a:prstDash val="lgDash"/>
-          </a:ln>
-        </p:spPr>
-        <p:style>
-          <a:lnRef idx="1">
-            <a:schemeClr val="accent1"/>
-          </a:lnRef>
-          <a:fillRef idx="0">
-            <a:schemeClr val="accent1"/>
-          </a:fillRef>
-          <a:effectRef idx="0">
-            <a:schemeClr val="accent1"/>
+            <a:schemeClr val="dk1"/>
+          </a:fillRef>
+          <a:effectRef idx="0">
+            <a:schemeClr val="dk1"/>
           </a:effectRef>
           <a:fontRef idx="minor">
             <a:schemeClr val="tx1"/>
@@ -13147,34 +12456,653 @@
       </p:cxnSp>
       <p:cxnSp>
         <p:nvCxnSpPr>
-          <p:cNvPr id="58" name="Straight Connector 57"/>
+          <p:cNvPr id="205" name="Connector: Curved 204"/>
           <p:cNvCxnSpPr>
-            <a:endCxn id="64" idx="0"/>
+            <a:cxnSpLocks/>
+            <a:stCxn id="162" idx="6"/>
+            <a:endCxn id="2" idx="3"/>
           </p:cNvCxnSpPr>
           <p:nvPr/>
         </p:nvCxnSpPr>
         <p:spPr>
-          <a:xfrm>
-            <a:off x="2108161" y="4163391"/>
-            <a:ext cx="10190" cy="311051"/>
-          </a:xfrm>
-          <a:prstGeom prst="line">
-            <a:avLst/>
-          </a:prstGeom>
-          <a:ln>
-            <a:prstDash val="lgDash"/>
-            <a:headEnd type="arrow"/>
+          <a:xfrm flipV="1">
+            <a:off x="3627120" y="913678"/>
+            <a:ext cx="1002915" cy="2172288"/>
+          </a:xfrm>
+          <a:prstGeom prst="curvedConnector2">
+            <a:avLst/>
+          </a:prstGeom>
+          <a:ln w="28575">
+            <a:solidFill>
+              <a:srgbClr val="00B050"/>
+            </a:solidFill>
+            <a:tailEnd type="triangle" w="lg" len="lg"/>
           </a:ln>
         </p:spPr>
         <p:style>
           <a:lnRef idx="1">
-            <a:schemeClr val="accent1"/>
+            <a:schemeClr val="dk1"/>
           </a:lnRef>
           <a:fillRef idx="0">
-            <a:schemeClr val="accent1"/>
-          </a:fillRef>
-          <a:effectRef idx="0">
-            <a:schemeClr val="accent1"/>
+            <a:schemeClr val="dk1"/>
+          </a:fillRef>
+          <a:effectRef idx="0">
+            <a:schemeClr val="dk1"/>
+          </a:effectRef>
+          <a:fontRef idx="minor">
+            <a:schemeClr val="tx1"/>
+          </a:fontRef>
+        </p:style>
+      </p:cxnSp>
+      <p:sp>
+        <p:nvSpPr>
+          <p:cNvPr id="49" name="TextBox 48"/>
+          <p:cNvSpPr txBox="1"/>
+          <p:nvPr/>
+        </p:nvSpPr>
+        <p:spPr>
+          <a:xfrm>
+            <a:off x="5507021" y="466318"/>
+            <a:ext cx="753732" cy="261610"/>
+          </a:xfrm>
+          <a:prstGeom prst="rect">
+            <a:avLst/>
+          </a:prstGeom>
+          <a:noFill/>
+        </p:spPr>
+        <p:txBody>
+          <a:bodyPr wrap="none" rtlCol="1">
+            <a:spAutoFit/>
+          </a:bodyPr>
+          <a:lstStyle/>
+          <a:p>
+            <a:r>
+              <a:rPr lang="en-US" sz="1100" b="1" dirty="0">
+                <a:solidFill>
+                  <a:srgbClr val="00B050"/>
+                </a:solidFill>
+              </a:rPr>
+              <a:t>Configure</a:t>
+            </a:r>
+            <a:endParaRPr lang="he-IL" sz="1100" b="1" dirty="0">
+              <a:solidFill>
+                <a:srgbClr val="00B050"/>
+              </a:solidFill>
+            </a:endParaRPr>
+          </a:p>
+        </p:txBody>
+      </p:sp>
+      <p:sp>
+        <p:nvSpPr>
+          <p:cNvPr id="209" name="TextBox 208"/>
+          <p:cNvSpPr txBox="1"/>
+          <p:nvPr/>
+        </p:nvSpPr>
+        <p:spPr>
+          <a:xfrm>
+            <a:off x="7519967" y="1402413"/>
+            <a:ext cx="357790" cy="261610"/>
+          </a:xfrm>
+          <a:prstGeom prst="rect">
+            <a:avLst/>
+          </a:prstGeom>
+          <a:noFill/>
+        </p:spPr>
+        <p:txBody>
+          <a:bodyPr wrap="none" rtlCol="1">
+            <a:spAutoFit/>
+          </a:bodyPr>
+          <a:lstStyle/>
+          <a:p>
+            <a:r>
+              <a:rPr lang="en-US" sz="1100" b="1" dirty="0">
+                <a:solidFill>
+                  <a:srgbClr val="00B050"/>
+                </a:solidFill>
+              </a:rPr>
+              <a:t>OK</a:t>
+            </a:r>
+            <a:endParaRPr lang="he-IL" sz="1100" b="1" dirty="0">
+              <a:solidFill>
+                <a:srgbClr val="00B050"/>
+              </a:solidFill>
+            </a:endParaRPr>
+          </a:p>
+        </p:txBody>
+      </p:sp>
+      <p:sp>
+        <p:nvSpPr>
+          <p:cNvPr id="210" name="TextBox 209"/>
+          <p:cNvSpPr txBox="1"/>
+          <p:nvPr/>
+        </p:nvSpPr>
+        <p:spPr>
+          <a:xfrm>
+            <a:off x="5400662" y="3713827"/>
+            <a:ext cx="670376" cy="261610"/>
+          </a:xfrm>
+          <a:prstGeom prst="rect">
+            <a:avLst/>
+          </a:prstGeom>
+          <a:noFill/>
+        </p:spPr>
+        <p:txBody>
+          <a:bodyPr wrap="none" rtlCol="1">
+            <a:spAutoFit/>
+          </a:bodyPr>
+          <a:lstStyle/>
+          <a:p>
+            <a:r>
+              <a:rPr lang="en-US" sz="1100" b="1" dirty="0">
+                <a:solidFill>
+                  <a:srgbClr val="00B050"/>
+                </a:solidFill>
+              </a:rPr>
+              <a:t>Activate</a:t>
+            </a:r>
+            <a:endParaRPr lang="he-IL" sz="1100" b="1" dirty="0">
+              <a:solidFill>
+                <a:srgbClr val="00B050"/>
+              </a:solidFill>
+            </a:endParaRPr>
+          </a:p>
+        </p:txBody>
+      </p:sp>
+      <p:sp>
+        <p:nvSpPr>
+          <p:cNvPr id="211" name="TextBox 210"/>
+          <p:cNvSpPr txBox="1"/>
+          <p:nvPr/>
+        </p:nvSpPr>
+        <p:spPr>
+          <a:xfrm>
+            <a:off x="3687958" y="6017130"/>
+            <a:ext cx="813043" cy="261610"/>
+          </a:xfrm>
+          <a:prstGeom prst="rect">
+            <a:avLst/>
+          </a:prstGeom>
+          <a:noFill/>
+        </p:spPr>
+        <p:txBody>
+          <a:bodyPr wrap="none" rtlCol="1">
+            <a:spAutoFit/>
+          </a:bodyPr>
+          <a:lstStyle/>
+          <a:p>
+            <a:r>
+              <a:rPr lang="en-US" sz="1100" b="1" dirty="0">
+                <a:solidFill>
+                  <a:srgbClr val="00B050"/>
+                </a:solidFill>
+              </a:rPr>
+              <a:t>Deactivate</a:t>
+            </a:r>
+            <a:endParaRPr lang="he-IL" sz="1100" b="1" dirty="0">
+              <a:solidFill>
+                <a:srgbClr val="00B050"/>
+              </a:solidFill>
+            </a:endParaRPr>
+          </a:p>
+        </p:txBody>
+      </p:sp>
+      <p:sp>
+        <p:nvSpPr>
+          <p:cNvPr id="215" name="TextBox 214"/>
+          <p:cNvSpPr txBox="1"/>
+          <p:nvPr/>
+        </p:nvSpPr>
+        <p:spPr>
+          <a:xfrm>
+            <a:off x="3785040" y="3929952"/>
+            <a:ext cx="606256" cy="261610"/>
+          </a:xfrm>
+          <a:prstGeom prst="rect">
+            <a:avLst/>
+          </a:prstGeom>
+          <a:noFill/>
+        </p:spPr>
+        <p:txBody>
+          <a:bodyPr wrap="none" rtlCol="1">
+            <a:spAutoFit/>
+          </a:bodyPr>
+          <a:lstStyle/>
+          <a:p>
+            <a:r>
+              <a:rPr lang="en-US" sz="1100" b="1" dirty="0">
+                <a:solidFill>
+                  <a:srgbClr val="00B050"/>
+                </a:solidFill>
+              </a:rPr>
+              <a:t>Unload</a:t>
+            </a:r>
+            <a:endParaRPr lang="he-IL" sz="1100" b="1" dirty="0">
+              <a:solidFill>
+                <a:srgbClr val="00B050"/>
+              </a:solidFill>
+            </a:endParaRPr>
+          </a:p>
+        </p:txBody>
+      </p:sp>
+      <p:sp>
+        <p:nvSpPr>
+          <p:cNvPr id="216" name="TextBox 215"/>
+          <p:cNvSpPr txBox="1"/>
+          <p:nvPr/>
+        </p:nvSpPr>
+        <p:spPr>
+          <a:xfrm>
+            <a:off x="6788774" y="2376998"/>
+            <a:ext cx="463588" cy="261610"/>
+          </a:xfrm>
+          <a:prstGeom prst="rect">
+            <a:avLst/>
+          </a:prstGeom>
+          <a:noFill/>
+        </p:spPr>
+        <p:txBody>
+          <a:bodyPr wrap="none" rtlCol="1">
+            <a:spAutoFit/>
+          </a:bodyPr>
+          <a:lstStyle/>
+          <a:p>
+            <a:r>
+              <a:rPr lang="en-US" sz="1100" b="1" dirty="0">
+                <a:solidFill>
+                  <a:srgbClr val="00B050"/>
+                </a:solidFill>
+              </a:rPr>
+              <a:t>Load</a:t>
+            </a:r>
+            <a:endParaRPr lang="he-IL" sz="1100" b="1" dirty="0">
+              <a:solidFill>
+                <a:srgbClr val="00B050"/>
+              </a:solidFill>
+            </a:endParaRPr>
+          </a:p>
+        </p:txBody>
+      </p:sp>
+      <p:sp>
+        <p:nvSpPr>
+          <p:cNvPr id="218" name="TextBox 217"/>
+          <p:cNvSpPr txBox="1"/>
+          <p:nvPr/>
+        </p:nvSpPr>
+        <p:spPr>
+          <a:xfrm>
+            <a:off x="4882809" y="3124152"/>
+            <a:ext cx="357790" cy="261610"/>
+          </a:xfrm>
+          <a:prstGeom prst="rect">
+            <a:avLst/>
+          </a:prstGeom>
+          <a:noFill/>
+        </p:spPr>
+        <p:txBody>
+          <a:bodyPr wrap="none" rtlCol="1">
+            <a:spAutoFit/>
+          </a:bodyPr>
+          <a:lstStyle/>
+          <a:p>
+            <a:r>
+              <a:rPr lang="en-US" sz="1100" b="1" dirty="0">
+                <a:solidFill>
+                  <a:srgbClr val="00B050"/>
+                </a:solidFill>
+              </a:rPr>
+              <a:t>OK</a:t>
+            </a:r>
+            <a:endParaRPr lang="he-IL" sz="1100" b="1" dirty="0">
+              <a:solidFill>
+                <a:srgbClr val="00B050"/>
+              </a:solidFill>
+            </a:endParaRPr>
+          </a:p>
+        </p:txBody>
+      </p:sp>
+      <p:sp>
+        <p:nvSpPr>
+          <p:cNvPr id="219" name="TextBox 218"/>
+          <p:cNvSpPr txBox="1"/>
+          <p:nvPr/>
+        </p:nvSpPr>
+        <p:spPr>
+          <a:xfrm>
+            <a:off x="4983199" y="5061996"/>
+            <a:ext cx="357790" cy="261610"/>
+          </a:xfrm>
+          <a:prstGeom prst="rect">
+            <a:avLst/>
+          </a:prstGeom>
+          <a:noFill/>
+        </p:spPr>
+        <p:txBody>
+          <a:bodyPr wrap="none" rtlCol="1">
+            <a:spAutoFit/>
+          </a:bodyPr>
+          <a:lstStyle/>
+          <a:p>
+            <a:r>
+              <a:rPr lang="en-US" sz="1100" b="1" dirty="0">
+                <a:solidFill>
+                  <a:srgbClr val="00B050"/>
+                </a:solidFill>
+              </a:rPr>
+              <a:t>OK</a:t>
+            </a:r>
+            <a:endParaRPr lang="he-IL" sz="1100" b="1" dirty="0">
+              <a:solidFill>
+                <a:srgbClr val="00B050"/>
+              </a:solidFill>
+            </a:endParaRPr>
+          </a:p>
+        </p:txBody>
+      </p:sp>
+      <p:sp>
+        <p:nvSpPr>
+          <p:cNvPr id="270" name="TextBox 269"/>
+          <p:cNvSpPr txBox="1"/>
+          <p:nvPr/>
+        </p:nvSpPr>
+        <p:spPr>
+          <a:xfrm>
+            <a:off x="5202530" y="4678081"/>
+            <a:ext cx="524503" cy="261610"/>
+          </a:xfrm>
+          <a:prstGeom prst="rect">
+            <a:avLst/>
+          </a:prstGeom>
+          <a:noFill/>
+        </p:spPr>
+        <p:txBody>
+          <a:bodyPr wrap="none" rtlCol="1">
+            <a:spAutoFit/>
+          </a:bodyPr>
+          <a:lstStyle/>
+          <a:p>
+            <a:r>
+              <a:rPr lang="en-US" sz="1100" dirty="0">
+                <a:solidFill>
+                  <a:srgbClr val="C00000"/>
+                </a:solidFill>
+              </a:rPr>
+              <a:t>Failed</a:t>
+            </a:r>
+            <a:endParaRPr lang="he-IL" sz="1100" dirty="0">
+              <a:solidFill>
+                <a:srgbClr val="C00000"/>
+              </a:solidFill>
+            </a:endParaRPr>
+          </a:p>
+        </p:txBody>
+      </p:sp>
+      <p:sp>
+        <p:nvSpPr>
+          <p:cNvPr id="271" name="TextBox 270"/>
+          <p:cNvSpPr txBox="1"/>
+          <p:nvPr/>
+        </p:nvSpPr>
+        <p:spPr>
+          <a:xfrm>
+            <a:off x="5020405" y="2618315"/>
+            <a:ext cx="524503" cy="261610"/>
+          </a:xfrm>
+          <a:prstGeom prst="rect">
+            <a:avLst/>
+          </a:prstGeom>
+          <a:noFill/>
+        </p:spPr>
+        <p:txBody>
+          <a:bodyPr wrap="none" rtlCol="1">
+            <a:spAutoFit/>
+          </a:bodyPr>
+          <a:lstStyle/>
+          <a:p>
+            <a:r>
+              <a:rPr lang="en-US" sz="1100" dirty="0">
+                <a:solidFill>
+                  <a:srgbClr val="C00000"/>
+                </a:solidFill>
+              </a:rPr>
+              <a:t>Failed</a:t>
+            </a:r>
+            <a:endParaRPr lang="he-IL" sz="1100" dirty="0">
+              <a:solidFill>
+                <a:srgbClr val="C00000"/>
+              </a:solidFill>
+            </a:endParaRPr>
+          </a:p>
+        </p:txBody>
+      </p:sp>
+      <p:sp>
+        <p:nvSpPr>
+          <p:cNvPr id="272" name="TextBox 271"/>
+          <p:cNvSpPr txBox="1"/>
+          <p:nvPr/>
+        </p:nvSpPr>
+        <p:spPr>
+          <a:xfrm>
+            <a:off x="5528902" y="1137512"/>
+            <a:ext cx="524503" cy="261610"/>
+          </a:xfrm>
+          <a:prstGeom prst="rect">
+            <a:avLst/>
+          </a:prstGeom>
+          <a:noFill/>
+        </p:spPr>
+        <p:txBody>
+          <a:bodyPr wrap="none" rtlCol="1">
+            <a:spAutoFit/>
+          </a:bodyPr>
+          <a:lstStyle/>
+          <a:p>
+            <a:r>
+              <a:rPr lang="en-US" sz="1100" dirty="0">
+                <a:solidFill>
+                  <a:srgbClr val="C00000"/>
+                </a:solidFill>
+              </a:rPr>
+              <a:t>Failed</a:t>
+            </a:r>
+            <a:endParaRPr lang="he-IL" sz="1100" dirty="0">
+              <a:solidFill>
+                <a:srgbClr val="C00000"/>
+              </a:solidFill>
+            </a:endParaRPr>
+          </a:p>
+        </p:txBody>
+      </p:sp>
+      <p:sp>
+        <p:nvSpPr>
+          <p:cNvPr id="275" name="TextBox 274"/>
+          <p:cNvSpPr txBox="1"/>
+          <p:nvPr/>
+        </p:nvSpPr>
+        <p:spPr>
+          <a:xfrm>
+            <a:off x="3793902" y="4922749"/>
+            <a:ext cx="357790" cy="261610"/>
+          </a:xfrm>
+          <a:prstGeom prst="rect">
+            <a:avLst/>
+          </a:prstGeom>
+          <a:noFill/>
+        </p:spPr>
+        <p:txBody>
+          <a:bodyPr wrap="none" rtlCol="1">
+            <a:spAutoFit/>
+          </a:bodyPr>
+          <a:lstStyle/>
+          <a:p>
+            <a:r>
+              <a:rPr lang="en-US" sz="1100" b="1" dirty="0">
+                <a:solidFill>
+                  <a:srgbClr val="00B050"/>
+                </a:solidFill>
+              </a:rPr>
+              <a:t>OK</a:t>
+            </a:r>
+            <a:endParaRPr lang="he-IL" sz="1100" b="1" dirty="0">
+              <a:solidFill>
+                <a:srgbClr val="00B050"/>
+              </a:solidFill>
+            </a:endParaRPr>
+          </a:p>
+        </p:txBody>
+      </p:sp>
+      <p:sp>
+        <p:nvSpPr>
+          <p:cNvPr id="276" name="TextBox 275"/>
+          <p:cNvSpPr txBox="1"/>
+          <p:nvPr/>
+        </p:nvSpPr>
+        <p:spPr>
+          <a:xfrm>
+            <a:off x="3539353" y="2695585"/>
+            <a:ext cx="494046" cy="261610"/>
+          </a:xfrm>
+          <a:prstGeom prst="rect">
+            <a:avLst/>
+          </a:prstGeom>
+          <a:noFill/>
+        </p:spPr>
+        <p:txBody>
+          <a:bodyPr wrap="none" rtlCol="1">
+            <a:spAutoFit/>
+          </a:bodyPr>
+          <a:lstStyle/>
+          <a:p>
+            <a:r>
+              <a:rPr lang="en-US" sz="1100" b="1" dirty="0">
+                <a:solidFill>
+                  <a:srgbClr val="00B050"/>
+                </a:solidFill>
+              </a:rPr>
+              <a:t>Done</a:t>
+            </a:r>
+            <a:endParaRPr lang="he-IL" sz="1100" b="1" dirty="0">
+              <a:solidFill>
+                <a:srgbClr val="00B050"/>
+              </a:solidFill>
+            </a:endParaRPr>
+          </a:p>
+        </p:txBody>
+      </p:sp>
+      <p:cxnSp>
+        <p:nvCxnSpPr>
+          <p:cNvPr id="288" name="Connector: Curved 287"/>
+          <p:cNvCxnSpPr>
+            <a:cxnSpLocks/>
+            <a:stCxn id="161" idx="2"/>
+            <a:endCxn id="162" idx="3"/>
+          </p:cNvCxnSpPr>
+          <p:nvPr/>
+        </p:nvCxnSpPr>
+        <p:spPr>
+          <a:xfrm rot="10800000" flipH="1">
+            <a:off x="2590800" y="3309803"/>
+            <a:ext cx="151766" cy="1664647"/>
+          </a:xfrm>
+          <a:prstGeom prst="curvedConnector4">
+            <a:avLst>
+              <a:gd name="adj1" fmla="val -341422"/>
+              <a:gd name="adj2" fmla="val 69540"/>
+            </a:avLst>
+          </a:prstGeom>
+          <a:ln w="12700">
+            <a:solidFill>
+              <a:srgbClr val="F63D0A"/>
+            </a:solidFill>
+            <a:tailEnd type="triangle" w="lg" len="lg"/>
+          </a:ln>
+        </p:spPr>
+        <p:style>
+          <a:lnRef idx="1">
+            <a:schemeClr val="dk1"/>
+          </a:lnRef>
+          <a:fillRef idx="0">
+            <a:schemeClr val="dk1"/>
+          </a:fillRef>
+          <a:effectRef idx="0">
+            <a:schemeClr val="dk1"/>
+          </a:effectRef>
+          <a:fontRef idx="minor">
+            <a:schemeClr val="tx1"/>
+          </a:fontRef>
+        </p:style>
+      </p:cxnSp>
+      <p:sp>
+        <p:nvSpPr>
+          <p:cNvPr id="290" name="TextBox 289"/>
+          <p:cNvSpPr txBox="1"/>
+          <p:nvPr/>
+        </p:nvSpPr>
+        <p:spPr>
+          <a:xfrm>
+            <a:off x="2060548" y="4303883"/>
+            <a:ext cx="524503" cy="261610"/>
+          </a:xfrm>
+          <a:prstGeom prst="rect">
+            <a:avLst/>
+          </a:prstGeom>
+          <a:noFill/>
+        </p:spPr>
+        <p:txBody>
+          <a:bodyPr wrap="none" rtlCol="1">
+            <a:spAutoFit/>
+          </a:bodyPr>
+          <a:lstStyle/>
+          <a:p>
+            <a:r>
+              <a:rPr lang="en-US" sz="1100" dirty="0">
+                <a:solidFill>
+                  <a:srgbClr val="C00000"/>
+                </a:solidFill>
+              </a:rPr>
+              <a:t>Failed</a:t>
+            </a:r>
+            <a:endParaRPr lang="he-IL" sz="1100" dirty="0">
+              <a:solidFill>
+                <a:srgbClr val="C00000"/>
+              </a:solidFill>
+            </a:endParaRPr>
+          </a:p>
+        </p:txBody>
+      </p:sp>
+      <p:cxnSp>
+        <p:nvCxnSpPr>
+          <p:cNvPr id="294" name="Connector: Curved 293"/>
+          <p:cNvCxnSpPr>
+            <a:cxnSpLocks/>
+            <a:stCxn id="157" idx="2"/>
+            <a:endCxn id="2" idx="4"/>
+          </p:cNvCxnSpPr>
+          <p:nvPr/>
+        </p:nvCxnSpPr>
+        <p:spPr>
+          <a:xfrm rot="10800000">
+            <a:off x="4956347" y="1006394"/>
+            <a:ext cx="2331537" cy="1241150"/>
+          </a:xfrm>
+          <a:prstGeom prst="curvedConnector2">
+            <a:avLst/>
+          </a:prstGeom>
+          <a:ln w="28575">
+            <a:solidFill>
+              <a:srgbClr val="00B050"/>
+            </a:solidFill>
+            <a:tailEnd type="triangle" w="lg" len="lg"/>
+          </a:ln>
+        </p:spPr>
+        <p:style>
+          <a:lnRef idx="1">
+            <a:schemeClr val="dk1"/>
+          </a:lnRef>
+          <a:fillRef idx="0">
+            <a:schemeClr val="dk1"/>
+          </a:fillRef>
+          <a:effectRef idx="0">
+            <a:schemeClr val="dk1"/>
           </a:effectRef>
           <a:fontRef idx="minor">
             <a:schemeClr val="tx1"/>
@@ -13183,33 +13111,38 @@
       </p:cxnSp>
       <p:cxnSp>
         <p:nvCxnSpPr>
-          <p:cNvPr id="59" name="Straight Connector 58"/>
-          <p:cNvCxnSpPr/>
+          <p:cNvPr id="191" name="Connector: Curved 190"/>
+          <p:cNvCxnSpPr>
+            <a:cxnSpLocks/>
+            <a:stCxn id="159" idx="2"/>
+            <a:endCxn id="2" idx="4"/>
+          </p:cNvCxnSpPr>
           <p:nvPr/>
         </p:nvCxnSpPr>
         <p:spPr>
-          <a:xfrm>
-            <a:off x="2118351" y="4754379"/>
-            <a:ext cx="0" cy="316241"/>
-          </a:xfrm>
-          <a:prstGeom prst="line">
-            <a:avLst/>
-          </a:prstGeom>
-          <a:ln>
-            <a:prstDash val="lgDash"/>
-            <a:headEnd w="lg" len="lg"/>
-            <a:tailEnd type="arrow"/>
+          <a:xfrm rot="10800000">
+            <a:off x="4956347" y="1006394"/>
+            <a:ext cx="1258937" cy="2079572"/>
+          </a:xfrm>
+          <a:prstGeom prst="curvedConnector2">
+            <a:avLst/>
+          </a:prstGeom>
+          <a:ln w="12700">
+            <a:solidFill>
+              <a:srgbClr val="F63D0A"/>
+            </a:solidFill>
+            <a:tailEnd type="triangle" w="lg" len="lg"/>
           </a:ln>
         </p:spPr>
         <p:style>
           <a:lnRef idx="1">
-            <a:schemeClr val="accent1"/>
+            <a:schemeClr val="dk1"/>
           </a:lnRef>
           <a:fillRef idx="0">
-            <a:schemeClr val="accent1"/>
-          </a:fillRef>
-          <a:effectRef idx="0">
-            <a:schemeClr val="accent1"/>
+            <a:schemeClr val="dk1"/>
+          </a:fillRef>
+          <a:effectRef idx="0">
+            <a:schemeClr val="dk1"/>
           </a:effectRef>
           <a:fontRef idx="minor">
             <a:schemeClr val="tx1"/>
@@ -13218,14 +13151,14 @@
       </p:cxnSp>
       <p:sp>
         <p:nvSpPr>
-          <p:cNvPr id="64" name="TextBox 63"/>
+          <p:cNvPr id="297" name="TextBox 296"/>
           <p:cNvSpPr txBox="1"/>
           <p:nvPr/>
         </p:nvSpPr>
         <p:spPr>
           <a:xfrm>
-            <a:off x="1517248" y="4474442"/>
-            <a:ext cx="1202205" cy="307777"/>
+            <a:off x="6661139" y="1966411"/>
+            <a:ext cx="606256" cy="261610"/>
           </a:xfrm>
           <a:prstGeom prst="rect">
             <a:avLst/>
@@ -13233,278 +13166,23 @@
           <a:noFill/>
         </p:spPr>
         <p:txBody>
-          <a:bodyPr wrap="square" rtlCol="0">
+          <a:bodyPr wrap="none" rtlCol="1">
             <a:spAutoFit/>
           </a:bodyPr>
           <a:lstStyle/>
           <a:p>
-            <a:pPr algn="ctr"/>
-            <a:r>
-              <a:rPr lang="en-US" sz="1400" dirty="0"/>
-              <a:t>Frameworks</a:t>
-            </a:r>
-          </a:p>
-        </p:txBody>
-      </p:sp>
-      <p:sp>
-        <p:nvSpPr>
-          <p:cNvPr id="76" name="Flowchart: Process 75"/>
-          <p:cNvSpPr/>
-          <p:nvPr/>
-        </p:nvSpPr>
-        <p:spPr>
-          <a:xfrm>
-            <a:off x="7962846" y="4698429"/>
-            <a:ext cx="1859333" cy="268606"/>
-          </a:xfrm>
-          <a:prstGeom prst="flowChartProcess">
-            <a:avLst/>
-          </a:prstGeom>
-          <a:solidFill>
-            <a:srgbClr val="00D661"/>
-          </a:solidFill>
-          <a:ln>
-            <a:noFill/>
-          </a:ln>
-        </p:spPr>
-        <p:style>
-          <a:lnRef idx="0">
-            <a:scrgbClr r="0" g="0" b="0"/>
-          </a:lnRef>
-          <a:fillRef idx="0">
-            <a:scrgbClr r="0" g="0" b="0"/>
-          </a:fillRef>
-          <a:effectRef idx="0">
-            <a:scrgbClr r="0" g="0" b="0"/>
-          </a:effectRef>
-          <a:fontRef idx="minor">
-            <a:schemeClr val="lt1"/>
-          </a:fontRef>
-        </p:style>
-        <p:txBody>
-          <a:bodyPr rtlCol="1" anchor="ctr"/>
-          <a:lstStyle/>
-          <a:p>
-            <a:r>
-              <a:rPr lang="en-US" sz="1100" dirty="0">
+            <a:r>
+              <a:rPr lang="en-US" sz="1100" b="1" dirty="0">
                 <a:solidFill>
-                  <a:schemeClr val="tx1"/>
+                  <a:srgbClr val="00B050"/>
                 </a:solidFill>
-                <a:latin typeface="Consolas" panose="020B0609020204030204" pitchFamily="49" charset="0"/>
               </a:rPr>
-              <a:t>TixDown.Regions.EU</a:t>
-            </a:r>
-            <a:endParaRPr lang="he-IL" sz="1100" dirty="0">
+              <a:t>Unload</a:t>
+            </a:r>
+            <a:endParaRPr lang="he-IL" sz="1100" b="1" dirty="0">
               <a:solidFill>
-                <a:schemeClr val="tx1"/>
+                <a:srgbClr val="00B050"/>
               </a:solidFill>
-              <a:latin typeface="Consolas" panose="020B0609020204030204" pitchFamily="49" charset="0"/>
-            </a:endParaRPr>
-          </a:p>
-        </p:txBody>
-      </p:sp>
-      <p:sp>
-        <p:nvSpPr>
-          <p:cNvPr id="77" name="Flowchart: Process 76"/>
-          <p:cNvSpPr/>
-          <p:nvPr/>
-        </p:nvSpPr>
-        <p:spPr>
-          <a:xfrm>
-            <a:off x="7962847" y="4359862"/>
-            <a:ext cx="1859332" cy="268606"/>
-          </a:xfrm>
-          <a:prstGeom prst="flowChartProcess">
-            <a:avLst/>
-          </a:prstGeom>
-          <a:solidFill>
-            <a:srgbClr val="00D661"/>
-          </a:solidFill>
-          <a:ln>
-            <a:noFill/>
-          </a:ln>
-        </p:spPr>
-        <p:style>
-          <a:lnRef idx="0">
-            <a:scrgbClr r="0" g="0" b="0"/>
-          </a:lnRef>
-          <a:fillRef idx="0">
-            <a:scrgbClr r="0" g="0" b="0"/>
-          </a:fillRef>
-          <a:effectRef idx="0">
-            <a:scrgbClr r="0" g="0" b="0"/>
-          </a:effectRef>
-          <a:fontRef idx="minor">
-            <a:schemeClr val="lt1"/>
-          </a:fontRef>
-        </p:style>
-        <p:txBody>
-          <a:bodyPr rtlCol="1" anchor="ctr"/>
-          <a:lstStyle/>
-          <a:p>
-            <a:r>
-              <a:rPr lang="en-US" sz="1100" dirty="0" err="1">
-                <a:solidFill>
-                  <a:schemeClr val="tx1"/>
-                </a:solidFill>
-                <a:latin typeface="Consolas" panose="020B0609020204030204" pitchFamily="49" charset="0"/>
-              </a:rPr>
-              <a:t>TixDown.Regions.Asia</a:t>
-            </a:r>
-            <a:endParaRPr lang="he-IL" sz="1100" dirty="0">
-              <a:solidFill>
-                <a:schemeClr val="tx1"/>
-              </a:solidFill>
-              <a:latin typeface="Consolas" panose="020B0609020204030204" pitchFamily="49" charset="0"/>
-            </a:endParaRPr>
-          </a:p>
-        </p:txBody>
-      </p:sp>
-      <p:cxnSp>
-        <p:nvCxnSpPr>
-          <p:cNvPr id="66" name="Straight Connector 65"/>
-          <p:cNvCxnSpPr/>
-          <p:nvPr/>
-        </p:nvCxnSpPr>
-        <p:spPr>
-          <a:xfrm>
-            <a:off x="6537960" y="4163391"/>
-            <a:ext cx="0" cy="1008183"/>
-          </a:xfrm>
-          <a:prstGeom prst="line">
-            <a:avLst/>
-          </a:prstGeom>
-          <a:ln w="19050">
-            <a:solidFill>
-              <a:srgbClr val="00B050"/>
-            </a:solidFill>
-          </a:ln>
-        </p:spPr>
-        <p:style>
-          <a:lnRef idx="1">
-            <a:schemeClr val="accent1"/>
-          </a:lnRef>
-          <a:fillRef idx="0">
-            <a:schemeClr val="accent1"/>
-          </a:fillRef>
-          <a:effectRef idx="0">
-            <a:schemeClr val="accent1"/>
-          </a:effectRef>
-          <a:fontRef idx="minor">
-            <a:schemeClr val="tx1"/>
-          </a:fontRef>
-        </p:style>
-      </p:cxnSp>
-      <p:sp>
-        <p:nvSpPr>
-          <p:cNvPr id="22" name="Flowchart: Process 21"/>
-          <p:cNvSpPr/>
-          <p:nvPr/>
-        </p:nvSpPr>
-        <p:spPr>
-          <a:xfrm>
-            <a:off x="5423456" y="4709835"/>
-            <a:ext cx="2238374" cy="268606"/>
-          </a:xfrm>
-          <a:prstGeom prst="flowChartProcess">
-            <a:avLst/>
-          </a:prstGeom>
-          <a:solidFill>
-            <a:srgbClr val="00D661"/>
-          </a:solidFill>
-          <a:ln>
-            <a:noFill/>
-          </a:ln>
-        </p:spPr>
-        <p:style>
-          <a:lnRef idx="0">
-            <a:scrgbClr r="0" g="0" b="0"/>
-          </a:lnRef>
-          <a:fillRef idx="0">
-            <a:scrgbClr r="0" g="0" b="0"/>
-          </a:fillRef>
-          <a:effectRef idx="0">
-            <a:scrgbClr r="0" g="0" b="0"/>
-          </a:effectRef>
-          <a:fontRef idx="minor">
-            <a:schemeClr val="lt1"/>
-          </a:fontRef>
-        </p:style>
-        <p:txBody>
-          <a:bodyPr rtlCol="1" anchor="ctr"/>
-          <a:lstStyle/>
-          <a:p>
-            <a:r>
-              <a:rPr lang="en-US" sz="1100" dirty="0" err="1">
-                <a:solidFill>
-                  <a:schemeClr val="tx1"/>
-                </a:solidFill>
-                <a:latin typeface="Consolas" panose="020B0609020204030204" pitchFamily="49" charset="0"/>
-              </a:rPr>
-              <a:t>TixDown.Vertical.Profit</a:t>
-            </a:r>
-            <a:endParaRPr lang="he-IL" sz="1100" dirty="0">
-              <a:solidFill>
-                <a:schemeClr val="tx1"/>
-              </a:solidFill>
-              <a:latin typeface="Consolas" panose="020B0609020204030204" pitchFamily="49" charset="0"/>
-            </a:endParaRPr>
-          </a:p>
-        </p:txBody>
-      </p:sp>
-      <p:sp>
-        <p:nvSpPr>
-          <p:cNvPr id="23" name="Flowchart: Process 22"/>
-          <p:cNvSpPr/>
-          <p:nvPr/>
-        </p:nvSpPr>
-        <p:spPr>
-          <a:xfrm>
-            <a:off x="5423456" y="4364369"/>
-            <a:ext cx="2238375" cy="268606"/>
-          </a:xfrm>
-          <a:prstGeom prst="flowChartProcess">
-            <a:avLst/>
-          </a:prstGeom>
-          <a:solidFill>
-            <a:srgbClr val="00D661"/>
-          </a:solidFill>
-          <a:ln>
-            <a:noFill/>
-          </a:ln>
-        </p:spPr>
-        <p:style>
-          <a:lnRef idx="0">
-            <a:scrgbClr r="0" g="0" b="0"/>
-          </a:lnRef>
-          <a:fillRef idx="0">
-            <a:scrgbClr r="0" g="0" b="0"/>
-          </a:fillRef>
-          <a:effectRef idx="0">
-            <a:scrgbClr r="0" g="0" b="0"/>
-          </a:effectRef>
-          <a:fontRef idx="minor">
-            <a:schemeClr val="lt1"/>
-          </a:fontRef>
-        </p:style>
-        <p:txBody>
-          <a:bodyPr rtlCol="1" anchor="ctr"/>
-          <a:lstStyle/>
-          <a:p>
-            <a:r>
-              <a:rPr lang="en-US" sz="1100" dirty="0" err="1">
-                <a:solidFill>
-                  <a:schemeClr val="tx1"/>
-                </a:solidFill>
-                <a:latin typeface="Consolas" panose="020B0609020204030204" pitchFamily="49" charset="0"/>
-              </a:rPr>
-              <a:t>TixDown.Vertical.NonProfit</a:t>
-            </a:r>
-            <a:endParaRPr lang="he-IL" sz="1100" dirty="0">
-              <a:solidFill>
-                <a:schemeClr val="tx1"/>
-              </a:solidFill>
-              <a:latin typeface="Consolas" panose="020B0609020204030204" pitchFamily="49" charset="0"/>
             </a:endParaRPr>
           </a:p>
         </p:txBody>
@@ -13512,7 +13190,7 @@
     </p:spTree>
     <p:extLst>
       <p:ext uri="{BB962C8B-B14F-4D97-AF65-F5344CB8AC3E}">
-        <p14:creationId xmlns:p14="http://schemas.microsoft.com/office/powerpoint/2010/main" val="182945506"/>
+        <p14:creationId xmlns:p14="http://schemas.microsoft.com/office/powerpoint/2010/main" val="371262272"/>
       </p:ext>
     </p:extLst>
   </p:cSld>
@@ -13539,6 +13217,2074 @@
           <a:chExt cx="0" cy="0"/>
         </a:xfrm>
       </p:grpSpPr>
+      <p:cxnSp>
+        <p:nvCxnSpPr>
+          <p:cNvPr id="88" name="Straight Connector 87"/>
+          <p:cNvCxnSpPr/>
+          <p:nvPr/>
+        </p:nvCxnSpPr>
+        <p:spPr>
+          <a:xfrm>
+            <a:off x="8892540" y="4163391"/>
+            <a:ext cx="0" cy="1008183"/>
+          </a:xfrm>
+          <a:prstGeom prst="line">
+            <a:avLst/>
+          </a:prstGeom>
+          <a:ln w="19050">
+            <a:solidFill>
+              <a:srgbClr val="00B050"/>
+            </a:solidFill>
+          </a:ln>
+        </p:spPr>
+        <p:style>
+          <a:lnRef idx="1">
+            <a:schemeClr val="accent1"/>
+          </a:lnRef>
+          <a:fillRef idx="0">
+            <a:schemeClr val="accent1"/>
+          </a:fillRef>
+          <a:effectRef idx="0">
+            <a:schemeClr val="accent1"/>
+          </a:effectRef>
+          <a:fontRef idx="minor">
+            <a:schemeClr val="tx1"/>
+          </a:fontRef>
+        </p:style>
+      </p:cxnSp>
+      <p:cxnSp>
+        <p:nvCxnSpPr>
+          <p:cNvPr id="87" name="Straight Connector 86"/>
+          <p:cNvCxnSpPr/>
+          <p:nvPr/>
+        </p:nvCxnSpPr>
+        <p:spPr>
+          <a:xfrm>
+            <a:off x="7818120" y="5166360"/>
+            <a:ext cx="0" cy="1348740"/>
+          </a:xfrm>
+          <a:prstGeom prst="line">
+            <a:avLst/>
+          </a:prstGeom>
+          <a:ln w="19050">
+            <a:solidFill>
+              <a:srgbClr val="00B050"/>
+            </a:solidFill>
+          </a:ln>
+        </p:spPr>
+        <p:style>
+          <a:lnRef idx="1">
+            <a:schemeClr val="accent1"/>
+          </a:lnRef>
+          <a:fillRef idx="0">
+            <a:schemeClr val="accent1"/>
+          </a:fillRef>
+          <a:effectRef idx="0">
+            <a:schemeClr val="accent1"/>
+          </a:effectRef>
+          <a:fontRef idx="minor">
+            <a:schemeClr val="tx1"/>
+          </a:fontRef>
+        </p:style>
+      </p:cxnSp>
+      <p:cxnSp>
+        <p:nvCxnSpPr>
+          <p:cNvPr id="3" name="Straight Connector 2"/>
+          <p:cNvCxnSpPr>
+            <a:stCxn id="61" idx="2"/>
+          </p:cNvCxnSpPr>
+          <p:nvPr/>
+        </p:nvCxnSpPr>
+        <p:spPr>
+          <a:xfrm>
+            <a:off x="5043255" y="300172"/>
+            <a:ext cx="20389" cy="4871402"/>
+          </a:xfrm>
+          <a:prstGeom prst="line">
+            <a:avLst/>
+          </a:prstGeom>
+          <a:ln w="41275">
+            <a:solidFill>
+              <a:srgbClr val="00B050"/>
+            </a:solidFill>
+            <a:headEnd type="stealth" w="lg" len="lg"/>
+            <a:tailEnd type="none" w="lg" len="lg"/>
+          </a:ln>
+        </p:spPr>
+        <p:style>
+          <a:lnRef idx="1">
+            <a:schemeClr val="accent1"/>
+          </a:lnRef>
+          <a:fillRef idx="0">
+            <a:schemeClr val="accent1"/>
+          </a:fillRef>
+          <a:effectRef idx="0">
+            <a:schemeClr val="accent1"/>
+          </a:effectRef>
+          <a:fontRef idx="minor">
+            <a:schemeClr val="tx1"/>
+          </a:fontRef>
+        </p:style>
+      </p:cxnSp>
+      <p:cxnSp>
+        <p:nvCxnSpPr>
+          <p:cNvPr id="44" name="Straight Connector 43"/>
+          <p:cNvCxnSpPr>
+            <a:endCxn id="63" idx="1"/>
+          </p:cNvCxnSpPr>
+          <p:nvPr/>
+        </p:nvCxnSpPr>
+        <p:spPr>
+          <a:xfrm>
+            <a:off x="5059978" y="5171574"/>
+            <a:ext cx="5318462" cy="0"/>
+          </a:xfrm>
+          <a:prstGeom prst="line">
+            <a:avLst/>
+          </a:prstGeom>
+          <a:ln w="41275">
+            <a:solidFill>
+              <a:srgbClr val="00B050"/>
+            </a:solidFill>
+            <a:tailEnd type="stealth" w="lg" len="lg"/>
+          </a:ln>
+        </p:spPr>
+        <p:style>
+          <a:lnRef idx="1">
+            <a:schemeClr val="accent1"/>
+          </a:lnRef>
+          <a:fillRef idx="0">
+            <a:schemeClr val="accent1"/>
+          </a:fillRef>
+          <a:effectRef idx="0">
+            <a:schemeClr val="accent1"/>
+          </a:effectRef>
+          <a:fontRef idx="minor">
+            <a:schemeClr val="tx1"/>
+          </a:fontRef>
+        </p:style>
+      </p:cxnSp>
+      <p:sp>
+        <p:nvSpPr>
+          <p:cNvPr id="20" name="Flowchart: Process 19"/>
+          <p:cNvSpPr/>
+          <p:nvPr/>
+        </p:nvSpPr>
+        <p:spPr>
+          <a:xfrm>
+            <a:off x="2669950" y="3514643"/>
+            <a:ext cx="2362273" cy="268606"/>
+          </a:xfrm>
+          <a:prstGeom prst="flowChartProcess">
+            <a:avLst/>
+          </a:prstGeom>
+          <a:solidFill>
+            <a:schemeClr val="accent4">
+              <a:lumMod val="60000"/>
+              <a:lumOff val="40000"/>
+            </a:schemeClr>
+          </a:solidFill>
+          <a:ln>
+            <a:noFill/>
+          </a:ln>
+        </p:spPr>
+        <p:style>
+          <a:lnRef idx="0">
+            <a:scrgbClr r="0" g="0" b="0"/>
+          </a:lnRef>
+          <a:fillRef idx="0">
+            <a:scrgbClr r="0" g="0" b="0"/>
+          </a:fillRef>
+          <a:effectRef idx="0">
+            <a:scrgbClr r="0" g="0" b="0"/>
+          </a:effectRef>
+          <a:fontRef idx="minor">
+            <a:schemeClr val="lt1"/>
+          </a:fontRef>
+        </p:style>
+        <p:txBody>
+          <a:bodyPr rtlCol="1" anchor="ctr"/>
+          <a:lstStyle/>
+          <a:p>
+            <a:r>
+              <a:rPr lang="en-US" sz="1100" dirty="0" err="1">
+                <a:solidFill>
+                  <a:schemeClr val="tx1"/>
+                </a:solidFill>
+                <a:latin typeface="Consolas" panose="020B0609020204030204" pitchFamily="49" charset="0"/>
+              </a:rPr>
+              <a:t>NWheels.Domains.Security</a:t>
+            </a:r>
+            <a:endParaRPr lang="he-IL" sz="1100" dirty="0">
+              <a:solidFill>
+                <a:schemeClr val="tx1"/>
+              </a:solidFill>
+              <a:latin typeface="Consolas" panose="020B0609020204030204" pitchFamily="49" charset="0"/>
+            </a:endParaRPr>
+          </a:p>
+        </p:txBody>
+      </p:sp>
+      <p:cxnSp>
+        <p:nvCxnSpPr>
+          <p:cNvPr id="60" name="Straight Connector 59"/>
+          <p:cNvCxnSpPr/>
+          <p:nvPr/>
+        </p:nvCxnSpPr>
+        <p:spPr>
+          <a:xfrm>
+            <a:off x="3976033" y="4754379"/>
+            <a:ext cx="26527" cy="2811780"/>
+          </a:xfrm>
+          <a:prstGeom prst="line">
+            <a:avLst/>
+          </a:prstGeom>
+          <a:ln w="41275">
+            <a:solidFill>
+              <a:schemeClr val="accent2">
+                <a:lumMod val="75000"/>
+              </a:schemeClr>
+            </a:solidFill>
+            <a:headEnd w="lg" len="lg"/>
+            <a:tailEnd type="stealth" w="lg" len="lg"/>
+          </a:ln>
+          <a:scene3d>
+            <a:camera prst="orthographicFront">
+              <a:rot lat="0" lon="0" rev="18900000"/>
+            </a:camera>
+            <a:lightRig rig="threePt" dir="t"/>
+          </a:scene3d>
+        </p:spPr>
+        <p:style>
+          <a:lnRef idx="1">
+            <a:schemeClr val="accent1"/>
+          </a:lnRef>
+          <a:fillRef idx="0">
+            <a:schemeClr val="accent1"/>
+          </a:fillRef>
+          <a:effectRef idx="0">
+            <a:schemeClr val="accent1"/>
+          </a:effectRef>
+          <a:fontRef idx="minor">
+            <a:schemeClr val="tx1"/>
+          </a:fontRef>
+        </p:style>
+      </p:cxnSp>
+      <p:sp>
+        <p:nvSpPr>
+          <p:cNvPr id="61" name="TextBox 60"/>
+          <p:cNvSpPr txBox="1"/>
+          <p:nvPr/>
+        </p:nvSpPr>
+        <p:spPr>
+          <a:xfrm>
+            <a:off x="4481467" y="-38382"/>
+            <a:ext cx="1123576" cy="338554"/>
+          </a:xfrm>
+          <a:prstGeom prst="rect">
+            <a:avLst/>
+          </a:prstGeom>
+          <a:noFill/>
+        </p:spPr>
+        <p:txBody>
+          <a:bodyPr wrap="none" rtlCol="0">
+            <a:spAutoFit/>
+          </a:bodyPr>
+          <a:lstStyle/>
+          <a:p>
+            <a:pPr algn="ctr"/>
+            <a:r>
+              <a:rPr lang="en-US" sz="1600" dirty="0"/>
+              <a:t>Application</a:t>
+            </a:r>
+          </a:p>
+        </p:txBody>
+      </p:sp>
+      <p:sp>
+        <p:nvSpPr>
+          <p:cNvPr id="62" name="TextBox 61"/>
+          <p:cNvSpPr txBox="1"/>
+          <p:nvPr/>
+        </p:nvSpPr>
+        <p:spPr>
+          <a:xfrm>
+            <a:off x="2468960" y="7193315"/>
+            <a:ext cx="1123448" cy="584775"/>
+          </a:xfrm>
+          <a:prstGeom prst="rect">
+            <a:avLst/>
+          </a:prstGeom>
+          <a:noFill/>
+        </p:spPr>
+        <p:txBody>
+          <a:bodyPr wrap="none" rtlCol="0">
+            <a:spAutoFit/>
+          </a:bodyPr>
+          <a:lstStyle/>
+          <a:p>
+            <a:pPr algn="ctr"/>
+            <a:r>
+              <a:rPr lang="en-US" sz="1600" dirty="0"/>
+              <a:t>Technology</a:t>
+            </a:r>
+            <a:br>
+              <a:rPr lang="en-US" sz="1600" dirty="0"/>
+            </a:br>
+            <a:r>
+              <a:rPr lang="en-US" sz="1600" dirty="0"/>
+              <a:t>stack</a:t>
+            </a:r>
+          </a:p>
+        </p:txBody>
+      </p:sp>
+      <p:sp>
+        <p:nvSpPr>
+          <p:cNvPr id="63" name="TextBox 62"/>
+          <p:cNvSpPr txBox="1"/>
+          <p:nvPr/>
+        </p:nvSpPr>
+        <p:spPr>
+          <a:xfrm>
+            <a:off x="10378440" y="4879186"/>
+            <a:ext cx="1447580" cy="584775"/>
+          </a:xfrm>
+          <a:prstGeom prst="rect">
+            <a:avLst/>
+          </a:prstGeom>
+          <a:noFill/>
+        </p:spPr>
+        <p:txBody>
+          <a:bodyPr wrap="square" rtlCol="0">
+            <a:spAutoFit/>
+          </a:bodyPr>
+          <a:lstStyle/>
+          <a:p>
+            <a:pPr algn="ctr"/>
+            <a:r>
+              <a:rPr lang="en-US" sz="1600" dirty="0"/>
+              <a:t>Adaptations &amp;</a:t>
+            </a:r>
+          </a:p>
+          <a:p>
+            <a:pPr algn="ctr"/>
+            <a:r>
+              <a:rPr lang="en-US" sz="1600" dirty="0"/>
+              <a:t>Customizations</a:t>
+            </a:r>
+          </a:p>
+        </p:txBody>
+      </p:sp>
+      <p:sp>
+        <p:nvSpPr>
+          <p:cNvPr id="67" name="Flowchart: Process 66"/>
+          <p:cNvSpPr/>
+          <p:nvPr/>
+        </p:nvSpPr>
+        <p:spPr>
+          <a:xfrm>
+            <a:off x="7984882" y="1725642"/>
+            <a:ext cx="1441936" cy="268606"/>
+          </a:xfrm>
+          <a:prstGeom prst="flowChartProcess">
+            <a:avLst/>
+          </a:prstGeom>
+          <a:solidFill>
+            <a:srgbClr val="00B050">
+              <a:alpha val="50000"/>
+            </a:srgbClr>
+          </a:solidFill>
+          <a:ln>
+            <a:noFill/>
+          </a:ln>
+        </p:spPr>
+        <p:style>
+          <a:lnRef idx="0">
+            <a:scrgbClr r="0" g="0" b="0"/>
+          </a:lnRef>
+          <a:fillRef idx="0">
+            <a:scrgbClr r="0" g="0" b="0"/>
+          </a:fillRef>
+          <a:effectRef idx="0">
+            <a:scrgbClr r="0" g="0" b="0"/>
+          </a:effectRef>
+          <a:fontRef idx="minor">
+            <a:schemeClr val="lt1"/>
+          </a:fontRef>
+        </p:style>
+        <p:txBody>
+          <a:bodyPr rtlCol="1" anchor="ctr"/>
+          <a:lstStyle/>
+          <a:p>
+            <a:pPr algn="ctr"/>
+            <a:endParaRPr lang="he-IL" sz="1400" dirty="0">
+              <a:solidFill>
+                <a:schemeClr val="tx1"/>
+              </a:solidFill>
+            </a:endParaRPr>
+          </a:p>
+        </p:txBody>
+      </p:sp>
+      <p:sp>
+        <p:nvSpPr>
+          <p:cNvPr id="70" name="Flowchart: Process 69"/>
+          <p:cNvSpPr/>
+          <p:nvPr/>
+        </p:nvSpPr>
+        <p:spPr>
+          <a:xfrm>
+            <a:off x="2669950" y="3825843"/>
+            <a:ext cx="2362273" cy="268606"/>
+          </a:xfrm>
+          <a:prstGeom prst="flowChartProcess">
+            <a:avLst/>
+          </a:prstGeom>
+          <a:solidFill>
+            <a:schemeClr val="accent4">
+              <a:lumMod val="60000"/>
+              <a:lumOff val="40000"/>
+            </a:schemeClr>
+          </a:solidFill>
+          <a:ln>
+            <a:noFill/>
+          </a:ln>
+        </p:spPr>
+        <p:style>
+          <a:lnRef idx="0">
+            <a:scrgbClr r="0" g="0" b="0"/>
+          </a:lnRef>
+          <a:fillRef idx="0">
+            <a:scrgbClr r="0" g="0" b="0"/>
+          </a:fillRef>
+          <a:effectRef idx="0">
+            <a:scrgbClr r="0" g="0" b="0"/>
+          </a:effectRef>
+          <a:fontRef idx="minor">
+            <a:schemeClr val="lt1"/>
+          </a:fontRef>
+        </p:style>
+        <p:txBody>
+          <a:bodyPr rtlCol="1" anchor="ctr"/>
+          <a:lstStyle/>
+          <a:p>
+            <a:r>
+              <a:rPr lang="en-US" sz="1100" dirty="0" err="1">
+                <a:solidFill>
+                  <a:schemeClr val="tx1"/>
+                </a:solidFill>
+                <a:latin typeface="Consolas" panose="020B0609020204030204" pitchFamily="49" charset="0"/>
+              </a:rPr>
+              <a:t>NWheels.Domains.DevOps</a:t>
+            </a:r>
+            <a:endParaRPr lang="he-IL" sz="1100" dirty="0">
+              <a:solidFill>
+                <a:schemeClr val="tx1"/>
+              </a:solidFill>
+              <a:latin typeface="Consolas" panose="020B0609020204030204" pitchFamily="49" charset="0"/>
+            </a:endParaRPr>
+          </a:p>
+        </p:txBody>
+      </p:sp>
+      <p:sp>
+        <p:nvSpPr>
+          <p:cNvPr id="71" name="Flowchart: Process 70"/>
+          <p:cNvSpPr/>
+          <p:nvPr/>
+        </p:nvSpPr>
+        <p:spPr>
+          <a:xfrm>
+            <a:off x="2671965" y="2899901"/>
+            <a:ext cx="2360257" cy="268606"/>
+          </a:xfrm>
+          <a:prstGeom prst="flowChartProcess">
+            <a:avLst/>
+          </a:prstGeom>
+          <a:solidFill>
+            <a:schemeClr val="accent4">
+              <a:lumMod val="60000"/>
+              <a:lumOff val="40000"/>
+            </a:schemeClr>
+          </a:solidFill>
+          <a:ln>
+            <a:noFill/>
+          </a:ln>
+        </p:spPr>
+        <p:style>
+          <a:lnRef idx="0">
+            <a:scrgbClr r="0" g="0" b="0"/>
+          </a:lnRef>
+          <a:fillRef idx="0">
+            <a:scrgbClr r="0" g="0" b="0"/>
+          </a:fillRef>
+          <a:effectRef idx="0">
+            <a:scrgbClr r="0" g="0" b="0"/>
+          </a:effectRef>
+          <a:fontRef idx="minor">
+            <a:schemeClr val="lt1"/>
+          </a:fontRef>
+        </p:style>
+        <p:txBody>
+          <a:bodyPr rtlCol="1" anchor="ctr"/>
+          <a:lstStyle/>
+          <a:p>
+            <a:r>
+              <a:rPr lang="en-US" sz="1100" dirty="0" err="1">
+                <a:solidFill>
+                  <a:schemeClr val="tx1"/>
+                </a:solidFill>
+                <a:latin typeface="Consolas" panose="020B0609020204030204" pitchFamily="49" charset="0"/>
+              </a:rPr>
+              <a:t>NWheels.Domains.Payments</a:t>
+            </a:r>
+            <a:endParaRPr lang="he-IL" sz="1100" dirty="0">
+              <a:solidFill>
+                <a:schemeClr val="tx1"/>
+              </a:solidFill>
+              <a:latin typeface="Consolas" panose="020B0609020204030204" pitchFamily="49" charset="0"/>
+            </a:endParaRPr>
+          </a:p>
+        </p:txBody>
+      </p:sp>
+      <p:sp>
+        <p:nvSpPr>
+          <p:cNvPr id="75" name="Flowchart: Process 74"/>
+          <p:cNvSpPr/>
+          <p:nvPr/>
+        </p:nvSpPr>
+        <p:spPr>
+          <a:xfrm>
+            <a:off x="2669950" y="3207267"/>
+            <a:ext cx="2362273" cy="268606"/>
+          </a:xfrm>
+          <a:prstGeom prst="flowChartProcess">
+            <a:avLst/>
+          </a:prstGeom>
+          <a:solidFill>
+            <a:schemeClr val="accent4">
+              <a:lumMod val="60000"/>
+              <a:lumOff val="40000"/>
+            </a:schemeClr>
+          </a:solidFill>
+          <a:ln>
+            <a:noFill/>
+          </a:ln>
+        </p:spPr>
+        <p:style>
+          <a:lnRef idx="0">
+            <a:scrgbClr r="0" g="0" b="0"/>
+          </a:lnRef>
+          <a:fillRef idx="0">
+            <a:scrgbClr r="0" g="0" b="0"/>
+          </a:fillRef>
+          <a:effectRef idx="0">
+            <a:scrgbClr r="0" g="0" b="0"/>
+          </a:effectRef>
+          <a:fontRef idx="minor">
+            <a:schemeClr val="lt1"/>
+          </a:fontRef>
+        </p:style>
+        <p:txBody>
+          <a:bodyPr rtlCol="1" anchor="ctr"/>
+          <a:lstStyle/>
+          <a:p>
+            <a:r>
+              <a:rPr lang="en-US" sz="1100" dirty="0" err="1">
+                <a:solidFill>
+                  <a:schemeClr val="tx1"/>
+                </a:solidFill>
+                <a:latin typeface="Consolas" panose="020B0609020204030204" pitchFamily="49" charset="0"/>
+              </a:rPr>
+              <a:t>NWheels.Domains.ShoppingCart</a:t>
+            </a:r>
+            <a:endParaRPr lang="he-IL" sz="1100" dirty="0">
+              <a:solidFill>
+                <a:schemeClr val="tx1"/>
+              </a:solidFill>
+              <a:latin typeface="Consolas" panose="020B0609020204030204" pitchFamily="49" charset="0"/>
+            </a:endParaRPr>
+          </a:p>
+        </p:txBody>
+      </p:sp>
+      <p:sp>
+        <p:nvSpPr>
+          <p:cNvPr id="82" name="Flowchart: Process 81"/>
+          <p:cNvSpPr/>
+          <p:nvPr/>
+        </p:nvSpPr>
+        <p:spPr>
+          <a:xfrm>
+            <a:off x="2671966" y="2587858"/>
+            <a:ext cx="2360257" cy="268606"/>
+          </a:xfrm>
+          <a:prstGeom prst="flowChartProcess">
+            <a:avLst/>
+          </a:prstGeom>
+          <a:solidFill>
+            <a:schemeClr val="accent4">
+              <a:lumMod val="60000"/>
+              <a:lumOff val="40000"/>
+            </a:schemeClr>
+          </a:solidFill>
+          <a:ln>
+            <a:noFill/>
+          </a:ln>
+        </p:spPr>
+        <p:style>
+          <a:lnRef idx="0">
+            <a:scrgbClr r="0" g="0" b="0"/>
+          </a:lnRef>
+          <a:fillRef idx="0">
+            <a:scrgbClr r="0" g="0" b="0"/>
+          </a:fillRef>
+          <a:effectRef idx="0">
+            <a:scrgbClr r="0" g="0" b="0"/>
+          </a:effectRef>
+          <a:fontRef idx="minor">
+            <a:schemeClr val="lt1"/>
+          </a:fontRef>
+        </p:style>
+        <p:txBody>
+          <a:bodyPr rtlCol="1" anchor="ctr"/>
+          <a:lstStyle/>
+          <a:p>
+            <a:r>
+              <a:rPr lang="en-US" sz="1100" dirty="0" err="1">
+                <a:solidFill>
+                  <a:schemeClr val="tx1"/>
+                </a:solidFill>
+                <a:latin typeface="Consolas" panose="020B0609020204030204" pitchFamily="49" charset="0"/>
+              </a:rPr>
+              <a:t>NWheels.Domains.Booking</a:t>
+            </a:r>
+            <a:endParaRPr lang="he-IL" sz="1100" dirty="0">
+              <a:solidFill>
+                <a:schemeClr val="tx1"/>
+              </a:solidFill>
+              <a:latin typeface="Consolas" panose="020B0609020204030204" pitchFamily="49" charset="0"/>
+            </a:endParaRPr>
+          </a:p>
+        </p:txBody>
+      </p:sp>
+      <p:sp>
+        <p:nvSpPr>
+          <p:cNvPr id="83" name="Flowchart: Process 82"/>
+          <p:cNvSpPr/>
+          <p:nvPr/>
+        </p:nvSpPr>
+        <p:spPr>
+          <a:xfrm>
+            <a:off x="2671967" y="2282387"/>
+            <a:ext cx="2360256" cy="268606"/>
+          </a:xfrm>
+          <a:prstGeom prst="flowChartProcess">
+            <a:avLst/>
+          </a:prstGeom>
+          <a:solidFill>
+            <a:schemeClr val="accent4">
+              <a:lumMod val="60000"/>
+              <a:lumOff val="40000"/>
+            </a:schemeClr>
+          </a:solidFill>
+          <a:ln>
+            <a:noFill/>
+          </a:ln>
+        </p:spPr>
+        <p:style>
+          <a:lnRef idx="0">
+            <a:scrgbClr r="0" g="0" b="0"/>
+          </a:lnRef>
+          <a:fillRef idx="0">
+            <a:scrgbClr r="0" g="0" b="0"/>
+          </a:fillRef>
+          <a:effectRef idx="0">
+            <a:scrgbClr r="0" g="0" b="0"/>
+          </a:effectRef>
+          <a:fontRef idx="minor">
+            <a:schemeClr val="lt1"/>
+          </a:fontRef>
+        </p:style>
+        <p:txBody>
+          <a:bodyPr rtlCol="1" anchor="ctr"/>
+          <a:lstStyle/>
+          <a:p>
+            <a:r>
+              <a:rPr lang="en-US" sz="1100" dirty="0" err="1">
+                <a:solidFill>
+                  <a:schemeClr val="tx1"/>
+                </a:solidFill>
+                <a:latin typeface="Consolas" panose="020B0609020204030204" pitchFamily="49" charset="0"/>
+              </a:rPr>
+              <a:t>NWheels.Domains.Crm</a:t>
+            </a:r>
+            <a:endParaRPr lang="he-IL" sz="1100" dirty="0">
+              <a:solidFill>
+                <a:schemeClr val="tx1"/>
+              </a:solidFill>
+              <a:latin typeface="Consolas" panose="020B0609020204030204" pitchFamily="49" charset="0"/>
+            </a:endParaRPr>
+          </a:p>
+        </p:txBody>
+      </p:sp>
+      <p:sp>
+        <p:nvSpPr>
+          <p:cNvPr id="84" name="Flowchart: Process 83"/>
+          <p:cNvSpPr/>
+          <p:nvPr/>
+        </p:nvSpPr>
+        <p:spPr>
+          <a:xfrm>
+            <a:off x="2671967" y="1968449"/>
+            <a:ext cx="2360257" cy="268606"/>
+          </a:xfrm>
+          <a:prstGeom prst="flowChartProcess">
+            <a:avLst/>
+          </a:prstGeom>
+          <a:solidFill>
+            <a:schemeClr val="accent4">
+              <a:lumMod val="60000"/>
+              <a:lumOff val="40000"/>
+            </a:schemeClr>
+          </a:solidFill>
+          <a:ln>
+            <a:noFill/>
+          </a:ln>
+        </p:spPr>
+        <p:style>
+          <a:lnRef idx="0">
+            <a:scrgbClr r="0" g="0" b="0"/>
+          </a:lnRef>
+          <a:fillRef idx="0">
+            <a:scrgbClr r="0" g="0" b="0"/>
+          </a:fillRef>
+          <a:effectRef idx="0">
+            <a:scrgbClr r="0" g="0" b="0"/>
+          </a:effectRef>
+          <a:fontRef idx="minor">
+            <a:schemeClr val="lt1"/>
+          </a:fontRef>
+        </p:style>
+        <p:txBody>
+          <a:bodyPr rtlCol="1" anchor="ctr"/>
+          <a:lstStyle/>
+          <a:p>
+            <a:r>
+              <a:rPr lang="en-US" sz="1100" dirty="0" err="1">
+                <a:solidFill>
+                  <a:schemeClr val="tx1"/>
+                </a:solidFill>
+                <a:latin typeface="Consolas" panose="020B0609020204030204" pitchFamily="49" charset="0"/>
+              </a:rPr>
+              <a:t>NWheels.Domains.Marketing</a:t>
+            </a:r>
+            <a:endParaRPr lang="he-IL" sz="1100" dirty="0">
+              <a:solidFill>
+                <a:schemeClr val="tx1"/>
+              </a:solidFill>
+              <a:latin typeface="Consolas" panose="020B0609020204030204" pitchFamily="49" charset="0"/>
+            </a:endParaRPr>
+          </a:p>
+        </p:txBody>
+      </p:sp>
+      <p:sp>
+        <p:nvSpPr>
+          <p:cNvPr id="85" name="Flowchart: Process 84"/>
+          <p:cNvSpPr/>
+          <p:nvPr/>
+        </p:nvSpPr>
+        <p:spPr>
+          <a:xfrm>
+            <a:off x="2667933" y="1599793"/>
+            <a:ext cx="2363115" cy="268606"/>
+          </a:xfrm>
+          <a:prstGeom prst="flowChartProcess">
+            <a:avLst/>
+          </a:prstGeom>
+          <a:solidFill>
+            <a:srgbClr val="00D661"/>
+          </a:solidFill>
+          <a:ln>
+            <a:noFill/>
+          </a:ln>
+        </p:spPr>
+        <p:style>
+          <a:lnRef idx="0">
+            <a:scrgbClr r="0" g="0" b="0"/>
+          </a:lnRef>
+          <a:fillRef idx="0">
+            <a:scrgbClr r="0" g="0" b="0"/>
+          </a:fillRef>
+          <a:effectRef idx="0">
+            <a:scrgbClr r="0" g="0" b="0"/>
+          </a:effectRef>
+          <a:fontRef idx="minor">
+            <a:schemeClr val="lt1"/>
+          </a:fontRef>
+        </p:style>
+        <p:txBody>
+          <a:bodyPr rtlCol="1" anchor="ctr"/>
+          <a:lstStyle/>
+          <a:p>
+            <a:r>
+              <a:rPr lang="en-US" sz="1100" dirty="0" err="1">
+                <a:solidFill>
+                  <a:schemeClr val="tx1"/>
+                </a:solidFill>
+                <a:latin typeface="Consolas" panose="020B0609020204030204" pitchFamily="49" charset="0"/>
+              </a:rPr>
+              <a:t>TixDown.Core</a:t>
+            </a:r>
+            <a:endParaRPr lang="he-IL" sz="1100" dirty="0">
+              <a:solidFill>
+                <a:schemeClr val="tx1"/>
+              </a:solidFill>
+              <a:latin typeface="Consolas" panose="020B0609020204030204" pitchFamily="49" charset="0"/>
+            </a:endParaRPr>
+          </a:p>
+        </p:txBody>
+      </p:sp>
+      <p:sp>
+        <p:nvSpPr>
+          <p:cNvPr id="86" name="Flowchart: Process 85"/>
+          <p:cNvSpPr/>
+          <p:nvPr/>
+        </p:nvSpPr>
+        <p:spPr>
+          <a:xfrm>
+            <a:off x="2667933" y="1285855"/>
+            <a:ext cx="2363116" cy="268606"/>
+          </a:xfrm>
+          <a:prstGeom prst="flowChartProcess">
+            <a:avLst/>
+          </a:prstGeom>
+          <a:solidFill>
+            <a:srgbClr val="00D661"/>
+          </a:solidFill>
+          <a:ln>
+            <a:noFill/>
+          </a:ln>
+        </p:spPr>
+        <p:style>
+          <a:lnRef idx="0">
+            <a:scrgbClr r="0" g="0" b="0"/>
+          </a:lnRef>
+          <a:fillRef idx="0">
+            <a:scrgbClr r="0" g="0" b="0"/>
+          </a:fillRef>
+          <a:effectRef idx="0">
+            <a:scrgbClr r="0" g="0" b="0"/>
+          </a:effectRef>
+          <a:fontRef idx="minor">
+            <a:schemeClr val="lt1"/>
+          </a:fontRef>
+        </p:style>
+        <p:txBody>
+          <a:bodyPr rtlCol="1" anchor="ctr"/>
+          <a:lstStyle/>
+          <a:p>
+            <a:r>
+              <a:rPr lang="en-US" sz="1100" dirty="0" err="1">
+                <a:solidFill>
+                  <a:schemeClr val="tx1"/>
+                </a:solidFill>
+                <a:latin typeface="Consolas" panose="020B0609020204030204" pitchFamily="49" charset="0"/>
+              </a:rPr>
+              <a:t>TixDown.Kiosk</a:t>
+            </a:r>
+            <a:endParaRPr lang="he-IL" sz="1100" dirty="0">
+              <a:solidFill>
+                <a:schemeClr val="tx1"/>
+              </a:solidFill>
+              <a:latin typeface="Consolas" panose="020B0609020204030204" pitchFamily="49" charset="0"/>
+            </a:endParaRPr>
+          </a:p>
+        </p:txBody>
+      </p:sp>
+      <p:sp>
+        <p:nvSpPr>
+          <p:cNvPr id="19" name="Flowchart: Process 18"/>
+          <p:cNvSpPr/>
+          <p:nvPr/>
+        </p:nvSpPr>
+        <p:spPr>
+          <a:xfrm>
+            <a:off x="2667933" y="971917"/>
+            <a:ext cx="2363116" cy="268606"/>
+          </a:xfrm>
+          <a:prstGeom prst="flowChartProcess">
+            <a:avLst/>
+          </a:prstGeom>
+          <a:solidFill>
+            <a:srgbClr val="00D661"/>
+          </a:solidFill>
+          <a:ln>
+            <a:noFill/>
+          </a:ln>
+        </p:spPr>
+        <p:style>
+          <a:lnRef idx="0">
+            <a:scrgbClr r="0" g="0" b="0"/>
+          </a:lnRef>
+          <a:fillRef idx="0">
+            <a:scrgbClr r="0" g="0" b="0"/>
+          </a:fillRef>
+          <a:effectRef idx="0">
+            <a:scrgbClr r="0" g="0" b="0"/>
+          </a:effectRef>
+          <a:fontRef idx="minor">
+            <a:schemeClr val="lt1"/>
+          </a:fontRef>
+        </p:style>
+        <p:txBody>
+          <a:bodyPr rtlCol="1" anchor="ctr"/>
+          <a:lstStyle/>
+          <a:p>
+            <a:r>
+              <a:rPr lang="en-US" sz="1100" dirty="0" err="1">
+                <a:solidFill>
+                  <a:schemeClr val="tx1"/>
+                </a:solidFill>
+                <a:latin typeface="Consolas" panose="020B0609020204030204" pitchFamily="49" charset="0"/>
+              </a:rPr>
+              <a:t>TixDown.Front</a:t>
+            </a:r>
+            <a:endParaRPr lang="he-IL" sz="1100" dirty="0">
+              <a:solidFill>
+                <a:schemeClr val="tx1"/>
+              </a:solidFill>
+              <a:latin typeface="Consolas" panose="020B0609020204030204" pitchFamily="49" charset="0"/>
+            </a:endParaRPr>
+          </a:p>
+        </p:txBody>
+      </p:sp>
+      <p:sp>
+        <p:nvSpPr>
+          <p:cNvPr id="21" name="Flowchart: Process 20"/>
+          <p:cNvSpPr/>
+          <p:nvPr/>
+        </p:nvSpPr>
+        <p:spPr>
+          <a:xfrm>
+            <a:off x="2667933" y="655895"/>
+            <a:ext cx="2363116" cy="268606"/>
+          </a:xfrm>
+          <a:prstGeom prst="flowChartProcess">
+            <a:avLst/>
+          </a:prstGeom>
+          <a:solidFill>
+            <a:srgbClr val="00D661"/>
+          </a:solidFill>
+          <a:ln>
+            <a:noFill/>
+          </a:ln>
+        </p:spPr>
+        <p:style>
+          <a:lnRef idx="0">
+            <a:scrgbClr r="0" g="0" b="0"/>
+          </a:lnRef>
+          <a:fillRef idx="0">
+            <a:scrgbClr r="0" g="0" b="0"/>
+          </a:fillRef>
+          <a:effectRef idx="0">
+            <a:scrgbClr r="0" g="0" b="0"/>
+          </a:effectRef>
+          <a:fontRef idx="minor">
+            <a:schemeClr val="lt1"/>
+          </a:fontRef>
+        </p:style>
+        <p:txBody>
+          <a:bodyPr rtlCol="1" anchor="ctr"/>
+          <a:lstStyle/>
+          <a:p>
+            <a:r>
+              <a:rPr lang="en-US" sz="1100" dirty="0" err="1">
+                <a:solidFill>
+                  <a:schemeClr val="tx1"/>
+                </a:solidFill>
+                <a:latin typeface="Consolas" panose="020B0609020204030204" pitchFamily="49" charset="0"/>
+              </a:rPr>
+              <a:t>TixDown.Gate</a:t>
+            </a:r>
+            <a:endParaRPr lang="he-IL" sz="1100" dirty="0">
+              <a:solidFill>
+                <a:schemeClr val="tx1"/>
+              </a:solidFill>
+              <a:latin typeface="Consolas" panose="020B0609020204030204" pitchFamily="49" charset="0"/>
+            </a:endParaRPr>
+          </a:p>
+        </p:txBody>
+      </p:sp>
+      <p:sp>
+        <p:nvSpPr>
+          <p:cNvPr id="24" name="Flowchart: Process 23"/>
+          <p:cNvSpPr/>
+          <p:nvPr/>
+        </p:nvSpPr>
+        <p:spPr>
+          <a:xfrm>
+            <a:off x="6810308" y="5378728"/>
+            <a:ext cx="2024029" cy="268606"/>
+          </a:xfrm>
+          <a:prstGeom prst="flowChartProcess">
+            <a:avLst/>
+          </a:prstGeom>
+          <a:solidFill>
+            <a:srgbClr val="00D661"/>
+          </a:solidFill>
+          <a:ln>
+            <a:noFill/>
+          </a:ln>
+        </p:spPr>
+        <p:style>
+          <a:lnRef idx="0">
+            <a:scrgbClr r="0" g="0" b="0"/>
+          </a:lnRef>
+          <a:fillRef idx="0">
+            <a:scrgbClr r="0" g="0" b="0"/>
+          </a:fillRef>
+          <a:effectRef idx="0">
+            <a:scrgbClr r="0" g="0" b="0"/>
+          </a:effectRef>
+          <a:fontRef idx="minor">
+            <a:schemeClr val="lt1"/>
+          </a:fontRef>
+        </p:style>
+        <p:txBody>
+          <a:bodyPr rtlCol="1" anchor="ctr"/>
+          <a:lstStyle/>
+          <a:p>
+            <a:r>
+              <a:rPr lang="en-US" sz="1100" dirty="0" err="1">
+                <a:solidFill>
+                  <a:schemeClr val="tx1"/>
+                </a:solidFill>
+                <a:latin typeface="Consolas" panose="020B0609020204030204" pitchFamily="49" charset="0"/>
+              </a:rPr>
+              <a:t>TixDown.Vertical.Sports</a:t>
+            </a:r>
+            <a:endParaRPr lang="he-IL" sz="1100" dirty="0">
+              <a:solidFill>
+                <a:schemeClr val="tx1"/>
+              </a:solidFill>
+              <a:latin typeface="Consolas" panose="020B0609020204030204" pitchFamily="49" charset="0"/>
+            </a:endParaRPr>
+          </a:p>
+        </p:txBody>
+      </p:sp>
+      <p:sp>
+        <p:nvSpPr>
+          <p:cNvPr id="25" name="Flowchart: Process 24"/>
+          <p:cNvSpPr/>
+          <p:nvPr/>
+        </p:nvSpPr>
+        <p:spPr>
+          <a:xfrm>
+            <a:off x="6810307" y="5725134"/>
+            <a:ext cx="2024029" cy="268606"/>
+          </a:xfrm>
+          <a:prstGeom prst="flowChartProcess">
+            <a:avLst/>
+          </a:prstGeom>
+          <a:solidFill>
+            <a:srgbClr val="00D661"/>
+          </a:solidFill>
+          <a:ln>
+            <a:noFill/>
+          </a:ln>
+        </p:spPr>
+        <p:style>
+          <a:lnRef idx="0">
+            <a:scrgbClr r="0" g="0" b="0"/>
+          </a:lnRef>
+          <a:fillRef idx="0">
+            <a:scrgbClr r="0" g="0" b="0"/>
+          </a:fillRef>
+          <a:effectRef idx="0">
+            <a:scrgbClr r="0" g="0" b="0"/>
+          </a:effectRef>
+          <a:fontRef idx="minor">
+            <a:schemeClr val="lt1"/>
+          </a:fontRef>
+        </p:style>
+        <p:txBody>
+          <a:bodyPr rtlCol="1" anchor="ctr"/>
+          <a:lstStyle/>
+          <a:p>
+            <a:r>
+              <a:rPr lang="en-US" sz="1100" dirty="0" err="1">
+                <a:solidFill>
+                  <a:schemeClr val="tx1"/>
+                </a:solidFill>
+                <a:latin typeface="Consolas" panose="020B0609020204030204" pitchFamily="49" charset="0"/>
+              </a:rPr>
+              <a:t>TixDown.Vertical.Theatre</a:t>
+            </a:r>
+            <a:endParaRPr lang="he-IL" sz="1100" dirty="0">
+              <a:solidFill>
+                <a:schemeClr val="tx1"/>
+              </a:solidFill>
+              <a:latin typeface="Consolas" panose="020B0609020204030204" pitchFamily="49" charset="0"/>
+            </a:endParaRPr>
+          </a:p>
+        </p:txBody>
+      </p:sp>
+      <p:sp>
+        <p:nvSpPr>
+          <p:cNvPr id="26" name="Flowchart: Process 25"/>
+          <p:cNvSpPr/>
+          <p:nvPr/>
+        </p:nvSpPr>
+        <p:spPr>
+          <a:xfrm>
+            <a:off x="6810307" y="6064822"/>
+            <a:ext cx="2024029" cy="268606"/>
+          </a:xfrm>
+          <a:prstGeom prst="flowChartProcess">
+            <a:avLst/>
+          </a:prstGeom>
+          <a:solidFill>
+            <a:srgbClr val="00D661"/>
+          </a:solidFill>
+          <a:ln>
+            <a:noFill/>
+          </a:ln>
+        </p:spPr>
+        <p:style>
+          <a:lnRef idx="0">
+            <a:scrgbClr r="0" g="0" b="0"/>
+          </a:lnRef>
+          <a:fillRef idx="0">
+            <a:scrgbClr r="0" g="0" b="0"/>
+          </a:fillRef>
+          <a:effectRef idx="0">
+            <a:scrgbClr r="0" g="0" b="0"/>
+          </a:effectRef>
+          <a:fontRef idx="minor">
+            <a:schemeClr val="lt1"/>
+          </a:fontRef>
+        </p:style>
+        <p:txBody>
+          <a:bodyPr rtlCol="1" anchor="ctr"/>
+          <a:lstStyle/>
+          <a:p>
+            <a:r>
+              <a:rPr lang="en-US" sz="1100" dirty="0" err="1">
+                <a:solidFill>
+                  <a:schemeClr val="tx1"/>
+                </a:solidFill>
+                <a:latin typeface="Consolas" panose="020B0609020204030204" pitchFamily="49" charset="0"/>
+              </a:rPr>
+              <a:t>TixDown.Vertical.Cinema</a:t>
+            </a:r>
+            <a:endParaRPr lang="he-IL" sz="1100" dirty="0">
+              <a:solidFill>
+                <a:schemeClr val="tx1"/>
+              </a:solidFill>
+              <a:latin typeface="Consolas" panose="020B0609020204030204" pitchFamily="49" charset="0"/>
+            </a:endParaRPr>
+          </a:p>
+        </p:txBody>
+      </p:sp>
+      <p:sp>
+        <p:nvSpPr>
+          <p:cNvPr id="27" name="TextBox 26"/>
+          <p:cNvSpPr txBox="1"/>
+          <p:nvPr/>
+        </p:nvSpPr>
+        <p:spPr>
+          <a:xfrm>
+            <a:off x="1636998" y="2557191"/>
+            <a:ext cx="938290" cy="738664"/>
+          </a:xfrm>
+          <a:prstGeom prst="rect">
+            <a:avLst/>
+          </a:prstGeom>
+          <a:noFill/>
+        </p:spPr>
+        <p:txBody>
+          <a:bodyPr wrap="square" rtlCol="0">
+            <a:spAutoFit/>
+          </a:bodyPr>
+          <a:lstStyle/>
+          <a:p>
+            <a:pPr algn="ctr"/>
+            <a:r>
+              <a:rPr lang="en-US" sz="1400" dirty="0"/>
+              <a:t>Building block domains</a:t>
+            </a:r>
+          </a:p>
+        </p:txBody>
+      </p:sp>
+      <p:cxnSp>
+        <p:nvCxnSpPr>
+          <p:cNvPr id="6" name="Straight Connector 5"/>
+          <p:cNvCxnSpPr/>
+          <p:nvPr/>
+        </p:nvCxnSpPr>
+        <p:spPr>
+          <a:xfrm>
+            <a:off x="1685888" y="4134783"/>
+            <a:ext cx="889400" cy="0"/>
+          </a:xfrm>
+          <a:prstGeom prst="line">
+            <a:avLst/>
+          </a:prstGeom>
+          <a:ln>
+            <a:prstDash val="lgDash"/>
+          </a:ln>
+        </p:spPr>
+        <p:style>
+          <a:lnRef idx="1">
+            <a:schemeClr val="accent1"/>
+          </a:lnRef>
+          <a:fillRef idx="0">
+            <a:schemeClr val="accent1"/>
+          </a:fillRef>
+          <a:effectRef idx="0">
+            <a:schemeClr val="accent1"/>
+          </a:effectRef>
+          <a:fontRef idx="minor">
+            <a:schemeClr val="tx1"/>
+          </a:fontRef>
+        </p:style>
+      </p:cxnSp>
+      <p:cxnSp>
+        <p:nvCxnSpPr>
+          <p:cNvPr id="30" name="Straight Connector 29"/>
+          <p:cNvCxnSpPr/>
+          <p:nvPr/>
+        </p:nvCxnSpPr>
+        <p:spPr>
+          <a:xfrm>
+            <a:off x="1685888" y="1951033"/>
+            <a:ext cx="889400" cy="0"/>
+          </a:xfrm>
+          <a:prstGeom prst="line">
+            <a:avLst/>
+          </a:prstGeom>
+          <a:ln>
+            <a:prstDash val="lgDash"/>
+          </a:ln>
+        </p:spPr>
+        <p:style>
+          <a:lnRef idx="1">
+            <a:schemeClr val="accent1"/>
+          </a:lnRef>
+          <a:fillRef idx="0">
+            <a:schemeClr val="accent1"/>
+          </a:fillRef>
+          <a:effectRef idx="0">
+            <a:schemeClr val="accent1"/>
+          </a:effectRef>
+          <a:fontRef idx="minor">
+            <a:schemeClr val="tx1"/>
+          </a:fontRef>
+        </p:style>
+      </p:cxnSp>
+      <p:cxnSp>
+        <p:nvCxnSpPr>
+          <p:cNvPr id="31" name="Straight Connector 30"/>
+          <p:cNvCxnSpPr/>
+          <p:nvPr/>
+        </p:nvCxnSpPr>
+        <p:spPr>
+          <a:xfrm>
+            <a:off x="2110178" y="1988241"/>
+            <a:ext cx="1" cy="508610"/>
+          </a:xfrm>
+          <a:prstGeom prst="line">
+            <a:avLst/>
+          </a:prstGeom>
+          <a:ln>
+            <a:prstDash val="lgDash"/>
+            <a:headEnd type="arrow"/>
+          </a:ln>
+        </p:spPr>
+        <p:style>
+          <a:lnRef idx="1">
+            <a:schemeClr val="accent1"/>
+          </a:lnRef>
+          <a:fillRef idx="0">
+            <a:schemeClr val="accent1"/>
+          </a:fillRef>
+          <a:effectRef idx="0">
+            <a:schemeClr val="accent1"/>
+          </a:effectRef>
+          <a:fontRef idx="minor">
+            <a:schemeClr val="tx1"/>
+          </a:fontRef>
+        </p:style>
+      </p:cxnSp>
+      <p:cxnSp>
+        <p:nvCxnSpPr>
+          <p:cNvPr id="38" name="Straight Connector 37"/>
+          <p:cNvCxnSpPr>
+            <a:stCxn id="27" idx="2"/>
+          </p:cNvCxnSpPr>
+          <p:nvPr/>
+        </p:nvCxnSpPr>
+        <p:spPr>
+          <a:xfrm>
+            <a:off x="2106143" y="3295855"/>
+            <a:ext cx="2019" cy="810053"/>
+          </a:xfrm>
+          <a:prstGeom prst="line">
+            <a:avLst/>
+          </a:prstGeom>
+          <a:ln>
+            <a:prstDash val="lgDash"/>
+            <a:headEnd w="lg" len="lg"/>
+            <a:tailEnd type="arrow"/>
+          </a:ln>
+        </p:spPr>
+        <p:style>
+          <a:lnRef idx="1">
+            <a:schemeClr val="accent1"/>
+          </a:lnRef>
+          <a:fillRef idx="0">
+            <a:schemeClr val="accent1"/>
+          </a:fillRef>
+          <a:effectRef idx="0">
+            <a:schemeClr val="accent1"/>
+          </a:effectRef>
+          <a:fontRef idx="minor">
+            <a:schemeClr val="tx1"/>
+          </a:fontRef>
+        </p:style>
+      </p:cxnSp>
+      <p:cxnSp>
+        <p:nvCxnSpPr>
+          <p:cNvPr id="42" name="Straight Connector 41"/>
+          <p:cNvCxnSpPr/>
+          <p:nvPr/>
+        </p:nvCxnSpPr>
+        <p:spPr>
+          <a:xfrm>
+            <a:off x="1683870" y="641569"/>
+            <a:ext cx="935505" cy="0"/>
+          </a:xfrm>
+          <a:prstGeom prst="line">
+            <a:avLst/>
+          </a:prstGeom>
+          <a:ln>
+            <a:prstDash val="lgDash"/>
+          </a:ln>
+        </p:spPr>
+        <p:style>
+          <a:lnRef idx="1">
+            <a:schemeClr val="accent1"/>
+          </a:lnRef>
+          <a:fillRef idx="0">
+            <a:schemeClr val="accent1"/>
+          </a:fillRef>
+          <a:effectRef idx="0">
+            <a:schemeClr val="accent1"/>
+          </a:effectRef>
+          <a:fontRef idx="minor">
+            <a:schemeClr val="tx1"/>
+          </a:fontRef>
+        </p:style>
+      </p:cxnSp>
+      <p:cxnSp>
+        <p:nvCxnSpPr>
+          <p:cNvPr id="43" name="Straight Connector 42"/>
+          <p:cNvCxnSpPr/>
+          <p:nvPr/>
+        </p:nvCxnSpPr>
+        <p:spPr>
+          <a:xfrm>
+            <a:off x="2108161" y="679450"/>
+            <a:ext cx="0" cy="431737"/>
+          </a:xfrm>
+          <a:prstGeom prst="line">
+            <a:avLst/>
+          </a:prstGeom>
+          <a:ln>
+            <a:prstDash val="lgDash"/>
+            <a:headEnd type="arrow"/>
+          </a:ln>
+        </p:spPr>
+        <p:style>
+          <a:lnRef idx="1">
+            <a:schemeClr val="accent1"/>
+          </a:lnRef>
+          <a:fillRef idx="0">
+            <a:schemeClr val="accent1"/>
+          </a:fillRef>
+          <a:effectRef idx="0">
+            <a:schemeClr val="accent1"/>
+          </a:effectRef>
+          <a:fontRef idx="minor">
+            <a:schemeClr val="tx1"/>
+          </a:fontRef>
+        </p:style>
+      </p:cxnSp>
+      <p:cxnSp>
+        <p:nvCxnSpPr>
+          <p:cNvPr id="45" name="Straight Connector 44"/>
+          <p:cNvCxnSpPr/>
+          <p:nvPr/>
+        </p:nvCxnSpPr>
+        <p:spPr>
+          <a:xfrm>
+            <a:off x="2106144" y="1554461"/>
+            <a:ext cx="0" cy="383933"/>
+          </a:xfrm>
+          <a:prstGeom prst="line">
+            <a:avLst/>
+          </a:prstGeom>
+          <a:ln>
+            <a:prstDash val="lgDash"/>
+            <a:headEnd w="lg" len="lg"/>
+            <a:tailEnd type="arrow"/>
+          </a:ln>
+        </p:spPr>
+        <p:style>
+          <a:lnRef idx="1">
+            <a:schemeClr val="accent1"/>
+          </a:lnRef>
+          <a:fillRef idx="0">
+            <a:schemeClr val="accent1"/>
+          </a:fillRef>
+          <a:effectRef idx="0">
+            <a:schemeClr val="accent1"/>
+          </a:effectRef>
+          <a:fontRef idx="minor">
+            <a:schemeClr val="tx1"/>
+          </a:fontRef>
+        </p:style>
+      </p:cxnSp>
+      <p:sp>
+        <p:nvSpPr>
+          <p:cNvPr id="46" name="TextBox 45"/>
+          <p:cNvSpPr txBox="1"/>
+          <p:nvPr/>
+        </p:nvSpPr>
+        <p:spPr>
+          <a:xfrm>
+            <a:off x="1517248" y="1079095"/>
+            <a:ext cx="1202205" cy="523220"/>
+          </a:xfrm>
+          <a:prstGeom prst="rect">
+            <a:avLst/>
+          </a:prstGeom>
+          <a:noFill/>
+        </p:spPr>
+        <p:txBody>
+          <a:bodyPr wrap="square" rtlCol="0">
+            <a:spAutoFit/>
+          </a:bodyPr>
+          <a:lstStyle/>
+          <a:p>
+            <a:pPr algn="ctr"/>
+            <a:r>
+              <a:rPr lang="en-US" sz="1400" dirty="0"/>
+              <a:t>Application modules</a:t>
+            </a:r>
+          </a:p>
+        </p:txBody>
+      </p:sp>
+      <p:sp>
+        <p:nvSpPr>
+          <p:cNvPr id="53" name="Flowchart: Process 52"/>
+          <p:cNvSpPr/>
+          <p:nvPr/>
+        </p:nvSpPr>
+        <p:spPr>
+          <a:xfrm>
+            <a:off x="2677558" y="4498672"/>
+            <a:ext cx="2362273" cy="268606"/>
+          </a:xfrm>
+          <a:prstGeom prst="flowChartProcess">
+            <a:avLst/>
+          </a:prstGeom>
+          <a:solidFill>
+            <a:schemeClr val="accent5">
+              <a:lumMod val="75000"/>
+            </a:schemeClr>
+          </a:solidFill>
+          <a:ln>
+            <a:noFill/>
+          </a:ln>
+        </p:spPr>
+        <p:style>
+          <a:lnRef idx="0">
+            <a:scrgbClr r="0" g="0" b="0"/>
+          </a:lnRef>
+          <a:fillRef idx="0">
+            <a:scrgbClr r="0" g="0" b="0"/>
+          </a:fillRef>
+          <a:effectRef idx="0">
+            <a:scrgbClr r="0" g="0" b="0"/>
+          </a:effectRef>
+          <a:fontRef idx="minor">
+            <a:schemeClr val="lt1"/>
+          </a:fontRef>
+        </p:style>
+        <p:txBody>
+          <a:bodyPr rtlCol="1" anchor="ctr"/>
+          <a:lstStyle/>
+          <a:p>
+            <a:r>
+              <a:rPr lang="en-US" sz="1100" dirty="0" err="1">
+                <a:solidFill>
+                  <a:schemeClr val="bg1"/>
+                </a:solidFill>
+                <a:latin typeface="Consolas" panose="020B0609020204030204" pitchFamily="49" charset="0"/>
+              </a:rPr>
+              <a:t>NWheels.Frameworks.Saga</a:t>
+            </a:r>
+            <a:endParaRPr lang="he-IL" sz="1100" dirty="0">
+              <a:solidFill>
+                <a:schemeClr val="bg1"/>
+              </a:solidFill>
+              <a:latin typeface="Consolas" panose="020B0609020204030204" pitchFamily="49" charset="0"/>
+            </a:endParaRPr>
+          </a:p>
+        </p:txBody>
+      </p:sp>
+      <p:sp>
+        <p:nvSpPr>
+          <p:cNvPr id="54" name="Flowchart: Process 53"/>
+          <p:cNvSpPr/>
+          <p:nvPr/>
+        </p:nvSpPr>
+        <p:spPr>
+          <a:xfrm>
+            <a:off x="2677558" y="4802252"/>
+            <a:ext cx="2362273" cy="268606"/>
+          </a:xfrm>
+          <a:prstGeom prst="flowChartProcess">
+            <a:avLst/>
+          </a:prstGeom>
+          <a:solidFill>
+            <a:schemeClr val="accent5">
+              <a:lumMod val="75000"/>
+            </a:schemeClr>
+          </a:solidFill>
+          <a:ln>
+            <a:noFill/>
+          </a:ln>
+        </p:spPr>
+        <p:style>
+          <a:lnRef idx="0">
+            <a:scrgbClr r="0" g="0" b="0"/>
+          </a:lnRef>
+          <a:fillRef idx="0">
+            <a:scrgbClr r="0" g="0" b="0"/>
+          </a:fillRef>
+          <a:effectRef idx="0">
+            <a:scrgbClr r="0" g="0" b="0"/>
+          </a:effectRef>
+          <a:fontRef idx="minor">
+            <a:schemeClr val="lt1"/>
+          </a:fontRef>
+        </p:style>
+        <p:txBody>
+          <a:bodyPr rtlCol="1" anchor="ctr"/>
+          <a:lstStyle/>
+          <a:p>
+            <a:r>
+              <a:rPr lang="en-US" sz="1100" dirty="0" err="1">
+                <a:solidFill>
+                  <a:schemeClr val="bg1"/>
+                </a:solidFill>
+                <a:latin typeface="Consolas" panose="020B0609020204030204" pitchFamily="49" charset="0"/>
+              </a:rPr>
+              <a:t>NWheels.Frameworks.Ddd</a:t>
+            </a:r>
+            <a:endParaRPr lang="he-IL" sz="1100" dirty="0">
+              <a:solidFill>
+                <a:schemeClr val="bg1"/>
+              </a:solidFill>
+              <a:latin typeface="Consolas" panose="020B0609020204030204" pitchFamily="49" charset="0"/>
+            </a:endParaRPr>
+          </a:p>
+        </p:txBody>
+      </p:sp>
+      <p:sp>
+        <p:nvSpPr>
+          <p:cNvPr id="55" name="Flowchart: Process 54"/>
+          <p:cNvSpPr/>
+          <p:nvPr/>
+        </p:nvSpPr>
+        <p:spPr>
+          <a:xfrm>
+            <a:off x="2677558" y="4183676"/>
+            <a:ext cx="2362273" cy="268606"/>
+          </a:xfrm>
+          <a:prstGeom prst="flowChartProcess">
+            <a:avLst/>
+          </a:prstGeom>
+          <a:solidFill>
+            <a:schemeClr val="accent5">
+              <a:lumMod val="75000"/>
+            </a:schemeClr>
+          </a:solidFill>
+          <a:ln>
+            <a:noFill/>
+          </a:ln>
+        </p:spPr>
+        <p:style>
+          <a:lnRef idx="0">
+            <a:scrgbClr r="0" g="0" b="0"/>
+          </a:lnRef>
+          <a:fillRef idx="0">
+            <a:scrgbClr r="0" g="0" b="0"/>
+          </a:fillRef>
+          <a:effectRef idx="0">
+            <a:scrgbClr r="0" g="0" b="0"/>
+          </a:effectRef>
+          <a:fontRef idx="minor">
+            <a:schemeClr val="lt1"/>
+          </a:fontRef>
+        </p:style>
+        <p:txBody>
+          <a:bodyPr rtlCol="1" anchor="ctr"/>
+          <a:lstStyle/>
+          <a:p>
+            <a:r>
+              <a:rPr lang="en-US" sz="1100" dirty="0" err="1">
+                <a:solidFill>
+                  <a:schemeClr val="bg1"/>
+                </a:solidFill>
+                <a:latin typeface="Consolas" panose="020B0609020204030204" pitchFamily="49" charset="0"/>
+              </a:rPr>
+              <a:t>NWheels.Frameworks.Uidl</a:t>
+            </a:r>
+            <a:endParaRPr lang="he-IL" sz="1100" dirty="0">
+              <a:solidFill>
+                <a:schemeClr val="bg1"/>
+              </a:solidFill>
+              <a:latin typeface="Consolas" panose="020B0609020204030204" pitchFamily="49" charset="0"/>
+            </a:endParaRPr>
+          </a:p>
+        </p:txBody>
+      </p:sp>
+      <p:cxnSp>
+        <p:nvCxnSpPr>
+          <p:cNvPr id="57" name="Straight Connector 56"/>
+          <p:cNvCxnSpPr/>
+          <p:nvPr/>
+        </p:nvCxnSpPr>
+        <p:spPr>
+          <a:xfrm>
+            <a:off x="1685888" y="5117784"/>
+            <a:ext cx="889400" cy="0"/>
+          </a:xfrm>
+          <a:prstGeom prst="line">
+            <a:avLst/>
+          </a:prstGeom>
+          <a:ln>
+            <a:prstDash val="lgDash"/>
+          </a:ln>
+        </p:spPr>
+        <p:style>
+          <a:lnRef idx="1">
+            <a:schemeClr val="accent1"/>
+          </a:lnRef>
+          <a:fillRef idx="0">
+            <a:schemeClr val="accent1"/>
+          </a:fillRef>
+          <a:effectRef idx="0">
+            <a:schemeClr val="accent1"/>
+          </a:effectRef>
+          <a:fontRef idx="minor">
+            <a:schemeClr val="tx1"/>
+          </a:fontRef>
+        </p:style>
+      </p:cxnSp>
+      <p:cxnSp>
+        <p:nvCxnSpPr>
+          <p:cNvPr id="58" name="Straight Connector 57"/>
+          <p:cNvCxnSpPr>
+            <a:endCxn id="64" idx="0"/>
+          </p:cNvCxnSpPr>
+          <p:nvPr/>
+        </p:nvCxnSpPr>
+        <p:spPr>
+          <a:xfrm>
+            <a:off x="2108161" y="4163391"/>
+            <a:ext cx="10190" cy="311051"/>
+          </a:xfrm>
+          <a:prstGeom prst="line">
+            <a:avLst/>
+          </a:prstGeom>
+          <a:ln>
+            <a:prstDash val="lgDash"/>
+            <a:headEnd type="arrow"/>
+          </a:ln>
+        </p:spPr>
+        <p:style>
+          <a:lnRef idx="1">
+            <a:schemeClr val="accent1"/>
+          </a:lnRef>
+          <a:fillRef idx="0">
+            <a:schemeClr val="accent1"/>
+          </a:fillRef>
+          <a:effectRef idx="0">
+            <a:schemeClr val="accent1"/>
+          </a:effectRef>
+          <a:fontRef idx="minor">
+            <a:schemeClr val="tx1"/>
+          </a:fontRef>
+        </p:style>
+      </p:cxnSp>
+      <p:cxnSp>
+        <p:nvCxnSpPr>
+          <p:cNvPr id="59" name="Straight Connector 58"/>
+          <p:cNvCxnSpPr/>
+          <p:nvPr/>
+        </p:nvCxnSpPr>
+        <p:spPr>
+          <a:xfrm>
+            <a:off x="2118351" y="4754379"/>
+            <a:ext cx="0" cy="316241"/>
+          </a:xfrm>
+          <a:prstGeom prst="line">
+            <a:avLst/>
+          </a:prstGeom>
+          <a:ln>
+            <a:prstDash val="lgDash"/>
+            <a:headEnd w="lg" len="lg"/>
+            <a:tailEnd type="arrow"/>
+          </a:ln>
+        </p:spPr>
+        <p:style>
+          <a:lnRef idx="1">
+            <a:schemeClr val="accent1"/>
+          </a:lnRef>
+          <a:fillRef idx="0">
+            <a:schemeClr val="accent1"/>
+          </a:fillRef>
+          <a:effectRef idx="0">
+            <a:schemeClr val="accent1"/>
+          </a:effectRef>
+          <a:fontRef idx="minor">
+            <a:schemeClr val="tx1"/>
+          </a:fontRef>
+        </p:style>
+      </p:cxnSp>
+      <p:sp>
+        <p:nvSpPr>
+          <p:cNvPr id="64" name="TextBox 63"/>
+          <p:cNvSpPr txBox="1"/>
+          <p:nvPr/>
+        </p:nvSpPr>
+        <p:spPr>
+          <a:xfrm>
+            <a:off x="1517248" y="4474442"/>
+            <a:ext cx="1202205" cy="307777"/>
+          </a:xfrm>
+          <a:prstGeom prst="rect">
+            <a:avLst/>
+          </a:prstGeom>
+          <a:noFill/>
+        </p:spPr>
+        <p:txBody>
+          <a:bodyPr wrap="square" rtlCol="0">
+            <a:spAutoFit/>
+          </a:bodyPr>
+          <a:lstStyle/>
+          <a:p>
+            <a:pPr algn="ctr"/>
+            <a:r>
+              <a:rPr lang="en-US" sz="1400" dirty="0"/>
+              <a:t>Frameworks</a:t>
+            </a:r>
+          </a:p>
+        </p:txBody>
+      </p:sp>
+      <p:sp>
+        <p:nvSpPr>
+          <p:cNvPr id="76" name="Flowchart: Process 75"/>
+          <p:cNvSpPr/>
+          <p:nvPr/>
+        </p:nvSpPr>
+        <p:spPr>
+          <a:xfrm>
+            <a:off x="7962846" y="4698429"/>
+            <a:ext cx="1859333" cy="268606"/>
+          </a:xfrm>
+          <a:prstGeom prst="flowChartProcess">
+            <a:avLst/>
+          </a:prstGeom>
+          <a:solidFill>
+            <a:srgbClr val="00D661"/>
+          </a:solidFill>
+          <a:ln>
+            <a:noFill/>
+          </a:ln>
+        </p:spPr>
+        <p:style>
+          <a:lnRef idx="0">
+            <a:scrgbClr r="0" g="0" b="0"/>
+          </a:lnRef>
+          <a:fillRef idx="0">
+            <a:scrgbClr r="0" g="0" b="0"/>
+          </a:fillRef>
+          <a:effectRef idx="0">
+            <a:scrgbClr r="0" g="0" b="0"/>
+          </a:effectRef>
+          <a:fontRef idx="minor">
+            <a:schemeClr val="lt1"/>
+          </a:fontRef>
+        </p:style>
+        <p:txBody>
+          <a:bodyPr rtlCol="1" anchor="ctr"/>
+          <a:lstStyle/>
+          <a:p>
+            <a:r>
+              <a:rPr lang="en-US" sz="1100" dirty="0">
+                <a:solidFill>
+                  <a:schemeClr val="tx1"/>
+                </a:solidFill>
+                <a:latin typeface="Consolas" panose="020B0609020204030204" pitchFamily="49" charset="0"/>
+              </a:rPr>
+              <a:t>TixDown.Regions.EU</a:t>
+            </a:r>
+            <a:endParaRPr lang="he-IL" sz="1100" dirty="0">
+              <a:solidFill>
+                <a:schemeClr val="tx1"/>
+              </a:solidFill>
+              <a:latin typeface="Consolas" panose="020B0609020204030204" pitchFamily="49" charset="0"/>
+            </a:endParaRPr>
+          </a:p>
+        </p:txBody>
+      </p:sp>
+      <p:sp>
+        <p:nvSpPr>
+          <p:cNvPr id="77" name="Flowchart: Process 76"/>
+          <p:cNvSpPr/>
+          <p:nvPr/>
+        </p:nvSpPr>
+        <p:spPr>
+          <a:xfrm>
+            <a:off x="7962847" y="4359862"/>
+            <a:ext cx="1859332" cy="268606"/>
+          </a:xfrm>
+          <a:prstGeom prst="flowChartProcess">
+            <a:avLst/>
+          </a:prstGeom>
+          <a:solidFill>
+            <a:srgbClr val="00D661"/>
+          </a:solidFill>
+          <a:ln>
+            <a:noFill/>
+          </a:ln>
+        </p:spPr>
+        <p:style>
+          <a:lnRef idx="0">
+            <a:scrgbClr r="0" g="0" b="0"/>
+          </a:lnRef>
+          <a:fillRef idx="0">
+            <a:scrgbClr r="0" g="0" b="0"/>
+          </a:fillRef>
+          <a:effectRef idx="0">
+            <a:scrgbClr r="0" g="0" b="0"/>
+          </a:effectRef>
+          <a:fontRef idx="minor">
+            <a:schemeClr val="lt1"/>
+          </a:fontRef>
+        </p:style>
+        <p:txBody>
+          <a:bodyPr rtlCol="1" anchor="ctr"/>
+          <a:lstStyle/>
+          <a:p>
+            <a:r>
+              <a:rPr lang="en-US" sz="1100" dirty="0" err="1">
+                <a:solidFill>
+                  <a:schemeClr val="tx1"/>
+                </a:solidFill>
+                <a:latin typeface="Consolas" panose="020B0609020204030204" pitchFamily="49" charset="0"/>
+              </a:rPr>
+              <a:t>TixDown.Regions.Asia</a:t>
+            </a:r>
+            <a:endParaRPr lang="he-IL" sz="1100" dirty="0">
+              <a:solidFill>
+                <a:schemeClr val="tx1"/>
+              </a:solidFill>
+              <a:latin typeface="Consolas" panose="020B0609020204030204" pitchFamily="49" charset="0"/>
+            </a:endParaRPr>
+          </a:p>
+        </p:txBody>
+      </p:sp>
+      <p:cxnSp>
+        <p:nvCxnSpPr>
+          <p:cNvPr id="66" name="Straight Connector 65"/>
+          <p:cNvCxnSpPr/>
+          <p:nvPr/>
+        </p:nvCxnSpPr>
+        <p:spPr>
+          <a:xfrm>
+            <a:off x="6537960" y="4163391"/>
+            <a:ext cx="0" cy="1008183"/>
+          </a:xfrm>
+          <a:prstGeom prst="line">
+            <a:avLst/>
+          </a:prstGeom>
+          <a:ln w="19050">
+            <a:solidFill>
+              <a:srgbClr val="00B050"/>
+            </a:solidFill>
+          </a:ln>
+        </p:spPr>
+        <p:style>
+          <a:lnRef idx="1">
+            <a:schemeClr val="accent1"/>
+          </a:lnRef>
+          <a:fillRef idx="0">
+            <a:schemeClr val="accent1"/>
+          </a:fillRef>
+          <a:effectRef idx="0">
+            <a:schemeClr val="accent1"/>
+          </a:effectRef>
+          <a:fontRef idx="minor">
+            <a:schemeClr val="tx1"/>
+          </a:fontRef>
+        </p:style>
+      </p:cxnSp>
+      <p:sp>
+        <p:nvSpPr>
+          <p:cNvPr id="22" name="Flowchart: Process 21"/>
+          <p:cNvSpPr/>
+          <p:nvPr/>
+        </p:nvSpPr>
+        <p:spPr>
+          <a:xfrm>
+            <a:off x="5423456" y="4709835"/>
+            <a:ext cx="2238374" cy="268606"/>
+          </a:xfrm>
+          <a:prstGeom prst="flowChartProcess">
+            <a:avLst/>
+          </a:prstGeom>
+          <a:solidFill>
+            <a:srgbClr val="00D661"/>
+          </a:solidFill>
+          <a:ln>
+            <a:noFill/>
+          </a:ln>
+        </p:spPr>
+        <p:style>
+          <a:lnRef idx="0">
+            <a:scrgbClr r="0" g="0" b="0"/>
+          </a:lnRef>
+          <a:fillRef idx="0">
+            <a:scrgbClr r="0" g="0" b="0"/>
+          </a:fillRef>
+          <a:effectRef idx="0">
+            <a:scrgbClr r="0" g="0" b="0"/>
+          </a:effectRef>
+          <a:fontRef idx="minor">
+            <a:schemeClr val="lt1"/>
+          </a:fontRef>
+        </p:style>
+        <p:txBody>
+          <a:bodyPr rtlCol="1" anchor="ctr"/>
+          <a:lstStyle/>
+          <a:p>
+            <a:r>
+              <a:rPr lang="en-US" sz="1100" dirty="0" err="1">
+                <a:solidFill>
+                  <a:schemeClr val="tx1"/>
+                </a:solidFill>
+                <a:latin typeface="Consolas" panose="020B0609020204030204" pitchFamily="49" charset="0"/>
+              </a:rPr>
+              <a:t>TixDown.Vertical.Profit</a:t>
+            </a:r>
+            <a:endParaRPr lang="he-IL" sz="1100" dirty="0">
+              <a:solidFill>
+                <a:schemeClr val="tx1"/>
+              </a:solidFill>
+              <a:latin typeface="Consolas" panose="020B0609020204030204" pitchFamily="49" charset="0"/>
+            </a:endParaRPr>
+          </a:p>
+        </p:txBody>
+      </p:sp>
+      <p:sp>
+        <p:nvSpPr>
+          <p:cNvPr id="23" name="Flowchart: Process 22"/>
+          <p:cNvSpPr/>
+          <p:nvPr/>
+        </p:nvSpPr>
+        <p:spPr>
+          <a:xfrm>
+            <a:off x="5423456" y="4364369"/>
+            <a:ext cx="2238375" cy="268606"/>
+          </a:xfrm>
+          <a:prstGeom prst="flowChartProcess">
+            <a:avLst/>
+          </a:prstGeom>
+          <a:solidFill>
+            <a:srgbClr val="00D661"/>
+          </a:solidFill>
+          <a:ln>
+            <a:noFill/>
+          </a:ln>
+        </p:spPr>
+        <p:style>
+          <a:lnRef idx="0">
+            <a:scrgbClr r="0" g="0" b="0"/>
+          </a:lnRef>
+          <a:fillRef idx="0">
+            <a:scrgbClr r="0" g="0" b="0"/>
+          </a:fillRef>
+          <a:effectRef idx="0">
+            <a:scrgbClr r="0" g="0" b="0"/>
+          </a:effectRef>
+          <a:fontRef idx="minor">
+            <a:schemeClr val="lt1"/>
+          </a:fontRef>
+        </p:style>
+        <p:txBody>
+          <a:bodyPr rtlCol="1" anchor="ctr"/>
+          <a:lstStyle/>
+          <a:p>
+            <a:r>
+              <a:rPr lang="en-US" sz="1100" dirty="0" err="1">
+                <a:solidFill>
+                  <a:schemeClr val="tx1"/>
+                </a:solidFill>
+                <a:latin typeface="Consolas" panose="020B0609020204030204" pitchFamily="49" charset="0"/>
+              </a:rPr>
+              <a:t>TixDown.Vertical.NonProfit</a:t>
+            </a:r>
+            <a:endParaRPr lang="he-IL" sz="1100" dirty="0">
+              <a:solidFill>
+                <a:schemeClr val="tx1"/>
+              </a:solidFill>
+              <a:latin typeface="Consolas" panose="020B0609020204030204" pitchFamily="49" charset="0"/>
+            </a:endParaRPr>
+          </a:p>
+        </p:txBody>
+      </p:sp>
+    </p:spTree>
+    <p:extLst>
+      <p:ext uri="{BB962C8B-B14F-4D97-AF65-F5344CB8AC3E}">
+        <p14:creationId xmlns:p14="http://schemas.microsoft.com/office/powerpoint/2010/main" val="182945506"/>
+      </p:ext>
+    </p:extLst>
+  </p:cSld>
+  <p:clrMapOvr>
+    <a:masterClrMapping/>
+  </p:clrMapOvr>
+</p:sld>
+</file>
+
+<file path=ppt/slides/slide6.xml><?xml version="1.0" encoding="utf-8"?>
+<p:sld xmlns:a="http://schemas.openxmlformats.org/drawingml/2006/main" xmlns:r="http://schemas.openxmlformats.org/officeDocument/2006/relationships" xmlns:p="http://schemas.openxmlformats.org/presentationml/2006/main">
+  <p:cSld>
+    <p:spTree>
+      <p:nvGrpSpPr>
+        <p:cNvPr id="1" name=""/>
+        <p:cNvGrpSpPr/>
+        <p:nvPr/>
+      </p:nvGrpSpPr>
+      <p:grpSpPr>
+        <a:xfrm>
+          <a:off x="0" y="0"/>
+          <a:ext cx="0" cy="0"/>
+          <a:chOff x="0" y="0"/>
+          <a:chExt cx="0" cy="0"/>
+        </a:xfrm>
+      </p:grpSpPr>
       <p:sp>
         <p:nvSpPr>
           <p:cNvPr id="5" name="Rectangle 4"/>
@@ -15233,7 +16979,7 @@
 </p:sld>
 </file>
 
-<file path=ppt/slides/slide6.xml><?xml version="1.0" encoding="utf-8"?>
+<file path=ppt/slides/slide7.xml><?xml version="1.0" encoding="utf-8"?>
 <p:sld xmlns:a="http://schemas.openxmlformats.org/drawingml/2006/main" xmlns:r="http://schemas.openxmlformats.org/officeDocument/2006/relationships" xmlns:p="http://schemas.openxmlformats.org/presentationml/2006/main">
   <p:cSld>
     <p:spTree>

--- a/Docs/HighLevelArchitecture.pptx
+++ b/Docs/HighLevelArchitecture.pptx
@@ -9,9 +9,10 @@
     <p:sldId id="256" r:id="rId3"/>
     <p:sldId id="261" r:id="rId4"/>
     <p:sldId id="262" r:id="rId5"/>
-    <p:sldId id="258" r:id="rId6"/>
-    <p:sldId id="259" r:id="rId7"/>
-    <p:sldId id="260" r:id="rId8"/>
+    <p:sldId id="263" r:id="rId6"/>
+    <p:sldId id="258" r:id="rId7"/>
+    <p:sldId id="259" r:id="rId8"/>
+    <p:sldId id="260" r:id="rId9"/>
   </p:sldIdLst>
   <p:sldSz cx="12192000" cy="6858000"/>
   <p:notesSz cx="6858000" cy="9144000"/>
@@ -247,7 +248,7 @@
           <a:p>
             <a:fld id="{BC09DC50-E35C-4067-872A-09A9CC66B9DA}" type="datetimeFigureOut">
               <a:rPr lang="en-US" smtClean="0"/>
-              <a:t>2/23/2017</a:t>
+              <a:t>3/6/2017</a:t>
             </a:fld>
             <a:endParaRPr lang="en-US"/>
           </a:p>
@@ -415,7 +416,7 @@
           <a:p>
             <a:fld id="{BC09DC50-E35C-4067-872A-09A9CC66B9DA}" type="datetimeFigureOut">
               <a:rPr lang="en-US" smtClean="0"/>
-              <a:t>2/23/2017</a:t>
+              <a:t>3/6/2017</a:t>
             </a:fld>
             <a:endParaRPr lang="en-US"/>
           </a:p>
@@ -593,7 +594,7 @@
           <a:p>
             <a:fld id="{BC09DC50-E35C-4067-872A-09A9CC66B9DA}" type="datetimeFigureOut">
               <a:rPr lang="en-US" smtClean="0"/>
-              <a:t>2/23/2017</a:t>
+              <a:t>3/6/2017</a:t>
             </a:fld>
             <a:endParaRPr lang="en-US"/>
           </a:p>
@@ -761,7 +762,7 @@
           <a:p>
             <a:fld id="{BC09DC50-E35C-4067-872A-09A9CC66B9DA}" type="datetimeFigureOut">
               <a:rPr lang="en-US" smtClean="0"/>
-              <a:t>2/23/2017</a:t>
+              <a:t>3/6/2017</a:t>
             </a:fld>
             <a:endParaRPr lang="en-US"/>
           </a:p>
@@ -1006,7 +1007,7 @@
           <a:p>
             <a:fld id="{BC09DC50-E35C-4067-872A-09A9CC66B9DA}" type="datetimeFigureOut">
               <a:rPr lang="en-US" smtClean="0"/>
-              <a:t>2/23/2017</a:t>
+              <a:t>3/6/2017</a:t>
             </a:fld>
             <a:endParaRPr lang="en-US"/>
           </a:p>
@@ -1235,7 +1236,7 @@
           <a:p>
             <a:fld id="{BC09DC50-E35C-4067-872A-09A9CC66B9DA}" type="datetimeFigureOut">
               <a:rPr lang="en-US" smtClean="0"/>
-              <a:t>2/23/2017</a:t>
+              <a:t>3/6/2017</a:t>
             </a:fld>
             <a:endParaRPr lang="en-US"/>
           </a:p>
@@ -1599,7 +1600,7 @@
           <a:p>
             <a:fld id="{BC09DC50-E35C-4067-872A-09A9CC66B9DA}" type="datetimeFigureOut">
               <a:rPr lang="en-US" smtClean="0"/>
-              <a:t>2/23/2017</a:t>
+              <a:t>3/6/2017</a:t>
             </a:fld>
             <a:endParaRPr lang="en-US"/>
           </a:p>
@@ -1716,7 +1717,7 @@
           <a:p>
             <a:fld id="{BC09DC50-E35C-4067-872A-09A9CC66B9DA}" type="datetimeFigureOut">
               <a:rPr lang="en-US" smtClean="0"/>
-              <a:t>2/23/2017</a:t>
+              <a:t>3/6/2017</a:t>
             </a:fld>
             <a:endParaRPr lang="en-US"/>
           </a:p>
@@ -1811,7 +1812,7 @@
           <a:p>
             <a:fld id="{BC09DC50-E35C-4067-872A-09A9CC66B9DA}" type="datetimeFigureOut">
               <a:rPr lang="en-US" smtClean="0"/>
-              <a:t>2/23/2017</a:t>
+              <a:t>3/6/2017</a:t>
             </a:fld>
             <a:endParaRPr lang="en-US"/>
           </a:p>
@@ -2086,7 +2087,7 @@
           <a:p>
             <a:fld id="{BC09DC50-E35C-4067-872A-09A9CC66B9DA}" type="datetimeFigureOut">
               <a:rPr lang="en-US" smtClean="0"/>
-              <a:t>2/23/2017</a:t>
+              <a:t>3/6/2017</a:t>
             </a:fld>
             <a:endParaRPr lang="en-US"/>
           </a:p>
@@ -2338,7 +2339,7 @@
           <a:p>
             <a:fld id="{BC09DC50-E35C-4067-872A-09A9CC66B9DA}" type="datetimeFigureOut">
               <a:rPr lang="en-US" smtClean="0"/>
-              <a:t>2/23/2017</a:t>
+              <a:t>3/6/2017</a:t>
             </a:fld>
             <a:endParaRPr lang="en-US"/>
           </a:p>
@@ -2549,7 +2550,7 @@
           <a:p>
             <a:fld id="{BC09DC50-E35C-4067-872A-09A9CC66B9DA}" type="datetimeFigureOut">
               <a:rPr lang="en-US" smtClean="0"/>
-              <a:t>2/23/2017</a:t>
+              <a:t>3/6/2017</a:t>
             </a:fld>
             <a:endParaRPr lang="en-US"/>
           </a:p>
@@ -13217,404 +13218,113 @@
           <a:chExt cx="0" cy="0"/>
         </a:xfrm>
       </p:grpSpPr>
-      <p:cxnSp>
-        <p:nvCxnSpPr>
-          <p:cNvPr id="88" name="Straight Connector 87"/>
-          <p:cNvCxnSpPr/>
-          <p:nvPr/>
-        </p:nvCxnSpPr>
-        <p:spPr>
-          <a:xfrm>
-            <a:off x="8892540" y="4163391"/>
-            <a:ext cx="0" cy="1008183"/>
-          </a:xfrm>
-          <a:prstGeom prst="line">
-            <a:avLst/>
-          </a:prstGeom>
-          <a:ln w="19050">
-            <a:solidFill>
-              <a:srgbClr val="00B050"/>
-            </a:solidFill>
-          </a:ln>
-        </p:spPr>
-        <p:style>
-          <a:lnRef idx="1">
-            <a:schemeClr val="accent1"/>
+      <p:sp>
+        <p:nvSpPr>
+          <p:cNvPr id="45" name="Flowchart: Process 44"/>
+          <p:cNvSpPr/>
+          <p:nvPr/>
+        </p:nvSpPr>
+        <p:spPr>
+          <a:xfrm>
+            <a:off x="10854171" y="3963070"/>
+            <a:ext cx="1716876" cy="778411"/>
+          </a:xfrm>
+          <a:prstGeom prst="flowChartProcess">
+            <a:avLst/>
+          </a:prstGeom>
+          <a:solidFill>
+            <a:schemeClr val="accent2">
+              <a:lumMod val="40000"/>
+              <a:lumOff val="60000"/>
+            </a:schemeClr>
+          </a:solidFill>
+          <a:ln>
+            <a:noFill/>
+          </a:ln>
+        </p:spPr>
+        <p:style>
+          <a:lnRef idx="0">
+            <a:scrgbClr r="0" g="0" b="0"/>
           </a:lnRef>
           <a:fillRef idx="0">
-            <a:schemeClr val="accent1"/>
-          </a:fillRef>
-          <a:effectRef idx="0">
-            <a:schemeClr val="accent1"/>
-          </a:effectRef>
-          <a:fontRef idx="minor">
-            <a:schemeClr val="tx1"/>
-          </a:fontRef>
-        </p:style>
-      </p:cxnSp>
-      <p:cxnSp>
-        <p:nvCxnSpPr>
-          <p:cNvPr id="87" name="Straight Connector 86"/>
-          <p:cNvCxnSpPr/>
-          <p:nvPr/>
-        </p:nvCxnSpPr>
-        <p:spPr>
-          <a:xfrm>
-            <a:off x="7818120" y="5166360"/>
-            <a:ext cx="0" cy="1348740"/>
-          </a:xfrm>
-          <a:prstGeom prst="line">
-            <a:avLst/>
-          </a:prstGeom>
-          <a:ln w="19050">
-            <a:solidFill>
-              <a:srgbClr val="00B050"/>
-            </a:solidFill>
-          </a:ln>
-        </p:spPr>
-        <p:style>
-          <a:lnRef idx="1">
-            <a:schemeClr val="accent1"/>
-          </a:lnRef>
-          <a:fillRef idx="0">
-            <a:schemeClr val="accent1"/>
-          </a:fillRef>
-          <a:effectRef idx="0">
-            <a:schemeClr val="accent1"/>
-          </a:effectRef>
-          <a:fontRef idx="minor">
-            <a:schemeClr val="tx1"/>
-          </a:fontRef>
-        </p:style>
-      </p:cxnSp>
-      <p:cxnSp>
-        <p:nvCxnSpPr>
-          <p:cNvPr id="3" name="Straight Connector 2"/>
-          <p:cNvCxnSpPr>
-            <a:stCxn id="61" idx="2"/>
-          </p:cNvCxnSpPr>
-          <p:nvPr/>
-        </p:nvCxnSpPr>
-        <p:spPr>
-          <a:xfrm>
-            <a:off x="5043255" y="300172"/>
-            <a:ext cx="20389" cy="4871402"/>
-          </a:xfrm>
-          <a:prstGeom prst="line">
-            <a:avLst/>
-          </a:prstGeom>
-          <a:ln w="41275">
-            <a:solidFill>
-              <a:srgbClr val="00B050"/>
-            </a:solidFill>
-            <a:headEnd type="stealth" w="lg" len="lg"/>
-            <a:tailEnd type="none" w="lg" len="lg"/>
-          </a:ln>
-        </p:spPr>
-        <p:style>
-          <a:lnRef idx="1">
-            <a:schemeClr val="accent1"/>
-          </a:lnRef>
-          <a:fillRef idx="0">
-            <a:schemeClr val="accent1"/>
-          </a:fillRef>
-          <a:effectRef idx="0">
-            <a:schemeClr val="accent1"/>
-          </a:effectRef>
-          <a:fontRef idx="minor">
-            <a:schemeClr val="tx1"/>
-          </a:fontRef>
-        </p:style>
-      </p:cxnSp>
-      <p:cxnSp>
-        <p:nvCxnSpPr>
-          <p:cNvPr id="44" name="Straight Connector 43"/>
-          <p:cNvCxnSpPr>
-            <a:endCxn id="63" idx="1"/>
-          </p:cNvCxnSpPr>
-          <p:nvPr/>
-        </p:nvCxnSpPr>
-        <p:spPr>
-          <a:xfrm>
-            <a:off x="5059978" y="5171574"/>
-            <a:ext cx="5318462" cy="0"/>
-          </a:xfrm>
-          <a:prstGeom prst="line">
-            <a:avLst/>
-          </a:prstGeom>
-          <a:ln w="41275">
-            <a:solidFill>
-              <a:srgbClr val="00B050"/>
-            </a:solidFill>
-            <a:tailEnd type="stealth" w="lg" len="lg"/>
-          </a:ln>
-        </p:spPr>
-        <p:style>
-          <a:lnRef idx="1">
-            <a:schemeClr val="accent1"/>
-          </a:lnRef>
-          <a:fillRef idx="0">
-            <a:schemeClr val="accent1"/>
-          </a:fillRef>
-          <a:effectRef idx="0">
-            <a:schemeClr val="accent1"/>
-          </a:effectRef>
-          <a:fontRef idx="minor">
-            <a:schemeClr val="tx1"/>
-          </a:fontRef>
-        </p:style>
-      </p:cxnSp>
-      <p:sp>
-        <p:nvSpPr>
-          <p:cNvPr id="20" name="Flowchart: Process 19"/>
-          <p:cNvSpPr/>
-          <p:nvPr/>
-        </p:nvSpPr>
-        <p:spPr>
-          <a:xfrm>
-            <a:off x="2669950" y="3514643"/>
-            <a:ext cx="2362273" cy="268606"/>
-          </a:xfrm>
-          <a:prstGeom prst="flowChartProcess">
-            <a:avLst/>
-          </a:prstGeom>
-          <a:solidFill>
-            <a:schemeClr val="accent4">
-              <a:lumMod val="60000"/>
-              <a:lumOff val="40000"/>
-            </a:schemeClr>
-          </a:solidFill>
-          <a:ln>
-            <a:noFill/>
-          </a:ln>
-        </p:spPr>
-        <p:style>
-          <a:lnRef idx="0">
-            <a:scrgbClr r="0" g="0" b="0"/>
-          </a:lnRef>
-          <a:fillRef idx="0">
-            <a:scrgbClr r="0" g="0" b="0"/>
-          </a:fillRef>
-          <a:effectRef idx="0">
-            <a:scrgbClr r="0" g="0" b="0"/>
-          </a:effectRef>
-          <a:fontRef idx="minor">
-            <a:schemeClr val="lt1"/>
-          </a:fontRef>
-        </p:style>
-        <p:txBody>
-          <a:bodyPr rtlCol="1" anchor="ctr"/>
-          <a:lstStyle/>
-          <a:p>
-            <a:r>
-              <a:rPr lang="en-US" sz="1100" dirty="0" err="1">
+            <a:scrgbClr r="0" g="0" b="0"/>
+          </a:fillRef>
+          <a:effectRef idx="0">
+            <a:scrgbClr r="0" g="0" b="0"/>
+          </a:effectRef>
+          <a:fontRef idx="minor">
+            <a:schemeClr val="lt1"/>
+          </a:fontRef>
+        </p:style>
+        <p:txBody>
+          <a:bodyPr rtlCol="1" anchor="t"/>
+          <a:lstStyle/>
+          <a:p>
+            <a:pPr algn="ctr"/>
+            <a:r>
+              <a:rPr lang="en-US" sz="1100" dirty="0">
                 <a:solidFill>
                   <a:schemeClr val="tx1"/>
                 </a:solidFill>
-                <a:latin typeface="Consolas" panose="020B0609020204030204" pitchFamily="49" charset="0"/>
               </a:rPr>
-              <a:t>NWheels.Domains.Security</a:t>
+              <a:t>Product</a:t>
             </a:r>
             <a:endParaRPr lang="he-IL" sz="1100" dirty="0">
               <a:solidFill>
                 <a:schemeClr val="tx1"/>
               </a:solidFill>
-              <a:latin typeface="Consolas" panose="020B0609020204030204" pitchFamily="49" charset="0"/>
             </a:endParaRPr>
           </a:p>
         </p:txBody>
       </p:sp>
-      <p:cxnSp>
-        <p:nvCxnSpPr>
-          <p:cNvPr id="60" name="Straight Connector 59"/>
-          <p:cNvCxnSpPr/>
-          <p:nvPr/>
-        </p:nvCxnSpPr>
-        <p:spPr>
-          <a:xfrm>
-            <a:off x="3976033" y="4754379"/>
-            <a:ext cx="26527" cy="2811780"/>
-          </a:xfrm>
-          <a:prstGeom prst="line">
-            <a:avLst/>
-          </a:prstGeom>
-          <a:ln w="41275">
-            <a:solidFill>
-              <a:schemeClr val="accent2">
-                <a:lumMod val="75000"/>
-              </a:schemeClr>
-            </a:solidFill>
-            <a:headEnd w="lg" len="lg"/>
-            <a:tailEnd type="stealth" w="lg" len="lg"/>
-          </a:ln>
-          <a:scene3d>
-            <a:camera prst="orthographicFront">
-              <a:rot lat="0" lon="0" rev="18900000"/>
-            </a:camera>
-            <a:lightRig rig="threePt" dir="t"/>
-          </a:scene3d>
-        </p:spPr>
-        <p:style>
-          <a:lnRef idx="1">
-            <a:schemeClr val="accent1"/>
+      <p:sp>
+        <p:nvSpPr>
+          <p:cNvPr id="41" name="Flowchart: Process 40"/>
+          <p:cNvSpPr/>
+          <p:nvPr/>
+        </p:nvSpPr>
+        <p:spPr>
+          <a:xfrm>
+            <a:off x="1083397" y="163095"/>
+            <a:ext cx="6235700" cy="1722120"/>
+          </a:xfrm>
+          <a:prstGeom prst="flowChartProcess">
+            <a:avLst/>
+          </a:prstGeom>
+          <a:solidFill>
+            <a:srgbClr val="8FD9B8"/>
+          </a:solidFill>
+          <a:ln>
+            <a:noFill/>
+          </a:ln>
+        </p:spPr>
+        <p:style>
+          <a:lnRef idx="0">
+            <a:scrgbClr r="0" g="0" b="0"/>
           </a:lnRef>
           <a:fillRef idx="0">
-            <a:schemeClr val="accent1"/>
-          </a:fillRef>
-          <a:effectRef idx="0">
-            <a:schemeClr val="accent1"/>
-          </a:effectRef>
-          <a:fontRef idx="minor">
-            <a:schemeClr val="tx1"/>
-          </a:fontRef>
-        </p:style>
-      </p:cxnSp>
-      <p:sp>
-        <p:nvSpPr>
-          <p:cNvPr id="61" name="TextBox 60"/>
-          <p:cNvSpPr txBox="1"/>
-          <p:nvPr/>
-        </p:nvSpPr>
-        <p:spPr>
-          <a:xfrm>
-            <a:off x="4481467" y="-38382"/>
-            <a:ext cx="1123576" cy="338554"/>
-          </a:xfrm>
-          <a:prstGeom prst="rect">
-            <a:avLst/>
-          </a:prstGeom>
-          <a:noFill/>
-        </p:spPr>
-        <p:txBody>
-          <a:bodyPr wrap="none" rtlCol="0">
-            <a:spAutoFit/>
-          </a:bodyPr>
+            <a:scrgbClr r="0" g="0" b="0"/>
+          </a:fillRef>
+          <a:effectRef idx="0">
+            <a:scrgbClr r="0" g="0" b="0"/>
+          </a:effectRef>
+          <a:fontRef idx="minor">
+            <a:schemeClr val="lt1"/>
+          </a:fontRef>
+        </p:style>
+        <p:txBody>
+          <a:bodyPr rtlCol="1" anchor="t"/>
           <a:lstStyle/>
           <a:p>
             <a:pPr algn="ctr"/>
             <a:r>
-              <a:rPr lang="en-US" sz="1600" dirty="0"/>
-              <a:t>Application</a:t>
-            </a:r>
-          </a:p>
-        </p:txBody>
-      </p:sp>
-      <p:sp>
-        <p:nvSpPr>
-          <p:cNvPr id="62" name="TextBox 61"/>
-          <p:cNvSpPr txBox="1"/>
-          <p:nvPr/>
-        </p:nvSpPr>
-        <p:spPr>
-          <a:xfrm>
-            <a:off x="2468960" y="7193315"/>
-            <a:ext cx="1123448" cy="584775"/>
-          </a:xfrm>
-          <a:prstGeom prst="rect">
-            <a:avLst/>
-          </a:prstGeom>
-          <a:noFill/>
-        </p:spPr>
-        <p:txBody>
-          <a:bodyPr wrap="none" rtlCol="0">
-            <a:spAutoFit/>
-          </a:bodyPr>
-          <a:lstStyle/>
-          <a:p>
-            <a:pPr algn="ctr"/>
-            <a:r>
-              <a:rPr lang="en-US" sz="1600" dirty="0"/>
-              <a:t>Technology</a:t>
-            </a:r>
-            <a:br>
-              <a:rPr lang="en-US" sz="1600" dirty="0"/>
-            </a:br>
-            <a:r>
-              <a:rPr lang="en-US" sz="1600" dirty="0"/>
-              <a:t>stack</a:t>
-            </a:r>
-          </a:p>
-        </p:txBody>
-      </p:sp>
-      <p:sp>
-        <p:nvSpPr>
-          <p:cNvPr id="63" name="TextBox 62"/>
-          <p:cNvSpPr txBox="1"/>
-          <p:nvPr/>
-        </p:nvSpPr>
-        <p:spPr>
-          <a:xfrm>
-            <a:off x="10378440" y="4879186"/>
-            <a:ext cx="1447580" cy="584775"/>
-          </a:xfrm>
-          <a:prstGeom prst="rect">
-            <a:avLst/>
-          </a:prstGeom>
-          <a:noFill/>
-        </p:spPr>
-        <p:txBody>
-          <a:bodyPr wrap="square" rtlCol="0">
-            <a:spAutoFit/>
-          </a:bodyPr>
-          <a:lstStyle/>
-          <a:p>
-            <a:pPr algn="ctr"/>
-            <a:r>
-              <a:rPr lang="en-US" sz="1600" dirty="0"/>
-              <a:t>Adaptations &amp;</a:t>
-            </a:r>
-          </a:p>
-          <a:p>
-            <a:pPr algn="ctr"/>
-            <a:r>
-              <a:rPr lang="en-US" sz="1600" dirty="0"/>
-              <a:t>Customizations</a:t>
-            </a:r>
-          </a:p>
-        </p:txBody>
-      </p:sp>
-      <p:sp>
-        <p:nvSpPr>
-          <p:cNvPr id="67" name="Flowchart: Process 66"/>
-          <p:cNvSpPr/>
-          <p:nvPr/>
-        </p:nvSpPr>
-        <p:spPr>
-          <a:xfrm>
-            <a:off x="7984882" y="1725642"/>
-            <a:ext cx="1441936" cy="268606"/>
-          </a:xfrm>
-          <a:prstGeom prst="flowChartProcess">
-            <a:avLst/>
-          </a:prstGeom>
-          <a:solidFill>
-            <a:srgbClr val="00B050">
-              <a:alpha val="50000"/>
-            </a:srgbClr>
-          </a:solidFill>
-          <a:ln>
-            <a:noFill/>
-          </a:ln>
-        </p:spPr>
-        <p:style>
-          <a:lnRef idx="0">
-            <a:scrgbClr r="0" g="0" b="0"/>
-          </a:lnRef>
-          <a:fillRef idx="0">
-            <a:scrgbClr r="0" g="0" b="0"/>
-          </a:fillRef>
-          <a:effectRef idx="0">
-            <a:scrgbClr r="0" g="0" b="0"/>
-          </a:effectRef>
-          <a:fontRef idx="minor">
-            <a:schemeClr val="lt1"/>
-          </a:fontRef>
-        </p:style>
-        <p:txBody>
-          <a:bodyPr rtlCol="1" anchor="ctr"/>
-          <a:lstStyle/>
-          <a:p>
-            <a:pPr algn="ctr"/>
+              <a:rPr lang="en-US" sz="1400" dirty="0">
+                <a:solidFill>
+                  <a:schemeClr val="tx1"/>
+                </a:solidFill>
+              </a:rPr>
+              <a:t>Front-End</a:t>
+            </a:r>
             <a:endParaRPr lang="he-IL" sz="1400" dirty="0">
               <a:solidFill>
                 <a:schemeClr val="tx1"/>
@@ -13625,23 +13335,20 @@
       </p:sp>
       <p:sp>
         <p:nvSpPr>
-          <p:cNvPr id="70" name="Flowchart: Process 69"/>
-          <p:cNvSpPr/>
-          <p:nvPr/>
-        </p:nvSpPr>
-        <p:spPr>
-          <a:xfrm>
-            <a:off x="2669950" y="3825843"/>
-            <a:ext cx="2362273" cy="268606"/>
+          <p:cNvPr id="42" name="Flowchart: Process 41"/>
+          <p:cNvSpPr/>
+          <p:nvPr/>
+        </p:nvSpPr>
+        <p:spPr>
+          <a:xfrm>
+            <a:off x="1083397" y="2085654"/>
+            <a:ext cx="6235700" cy="1714959"/>
           </a:xfrm>
           <a:prstGeom prst="flowChartProcess">
             <a:avLst/>
           </a:prstGeom>
           <a:solidFill>
-            <a:schemeClr val="accent4">
-              <a:lumMod val="60000"/>
-              <a:lumOff val="40000"/>
-            </a:schemeClr>
+            <a:srgbClr val="91BCE3"/>
           </a:solidFill>
           <a:ln>
             <a:noFill/>
@@ -13662,46 +13369,42 @@
           </a:fontRef>
         </p:style>
         <p:txBody>
-          <a:bodyPr rtlCol="1" anchor="ctr"/>
-          <a:lstStyle/>
-          <a:p>
-            <a:r>
-              <a:rPr lang="en-US" sz="1100" dirty="0" err="1">
+          <a:bodyPr rtlCol="1" anchor="t"/>
+          <a:lstStyle/>
+          <a:p>
+            <a:pPr algn="ctr"/>
+            <a:r>
+              <a:rPr lang="en-US" sz="1400" dirty="0">
                 <a:solidFill>
                   <a:schemeClr val="tx1"/>
                 </a:solidFill>
-                <a:latin typeface="Consolas" panose="020B0609020204030204" pitchFamily="49" charset="0"/>
               </a:rPr>
-              <a:t>NWheels.Domains.DevOps</a:t>
-            </a:r>
-            <a:endParaRPr lang="he-IL" sz="1100" dirty="0">
+              <a:t>Syntax Tree</a:t>
+            </a:r>
+            <a:endParaRPr lang="he-IL" sz="1400" dirty="0">
               <a:solidFill>
                 <a:schemeClr val="tx1"/>
               </a:solidFill>
-              <a:latin typeface="Consolas" panose="020B0609020204030204" pitchFamily="49" charset="0"/>
             </a:endParaRPr>
           </a:p>
         </p:txBody>
       </p:sp>
       <p:sp>
         <p:nvSpPr>
-          <p:cNvPr id="71" name="Flowchart: Process 70"/>
-          <p:cNvSpPr/>
-          <p:nvPr/>
-        </p:nvSpPr>
-        <p:spPr>
-          <a:xfrm>
-            <a:off x="2671965" y="2899901"/>
-            <a:ext cx="2360257" cy="268606"/>
+          <p:cNvPr id="43" name="Flowchart: Process 42"/>
+          <p:cNvSpPr/>
+          <p:nvPr/>
+        </p:nvSpPr>
+        <p:spPr>
+          <a:xfrm>
+            <a:off x="7731777" y="4080238"/>
+            <a:ext cx="2362273" cy="358962"/>
           </a:xfrm>
           <a:prstGeom prst="flowChartProcess">
             <a:avLst/>
           </a:prstGeom>
           <a:solidFill>
-            <a:schemeClr val="accent4">
-              <a:lumMod val="60000"/>
-              <a:lumOff val="40000"/>
-            </a:schemeClr>
+            <a:srgbClr val="F9724D"/>
           </a:solidFill>
           <a:ln>
             <a:noFill/>
@@ -13725,1037 +13428,39 @@
           <a:bodyPr rtlCol="1" anchor="ctr"/>
           <a:lstStyle/>
           <a:p>
-            <a:r>
-              <a:rPr lang="en-US" sz="1100" dirty="0" err="1">
-                <a:solidFill>
-                  <a:schemeClr val="tx1"/>
-                </a:solidFill>
-                <a:latin typeface="Consolas" panose="020B0609020204030204" pitchFamily="49" charset="0"/>
-              </a:rPr>
-              <a:t>NWheels.Domains.Payments</a:t>
-            </a:r>
-            <a:endParaRPr lang="he-IL" sz="1100" dirty="0">
-              <a:solidFill>
-                <a:schemeClr val="tx1"/>
-              </a:solidFill>
-              <a:latin typeface="Consolas" panose="020B0609020204030204" pitchFamily="49" charset="0"/>
-            </a:endParaRPr>
-          </a:p>
-        </p:txBody>
-      </p:sp>
-      <p:sp>
-        <p:nvSpPr>
-          <p:cNvPr id="75" name="Flowchart: Process 74"/>
-          <p:cNvSpPr/>
-          <p:nvPr/>
-        </p:nvSpPr>
-        <p:spPr>
-          <a:xfrm>
-            <a:off x="2669950" y="3207267"/>
-            <a:ext cx="2362273" cy="268606"/>
-          </a:xfrm>
-          <a:prstGeom prst="flowChartProcess">
-            <a:avLst/>
-          </a:prstGeom>
-          <a:solidFill>
-            <a:schemeClr val="accent4">
-              <a:lumMod val="60000"/>
-              <a:lumOff val="40000"/>
-            </a:schemeClr>
-          </a:solidFill>
-          <a:ln>
-            <a:noFill/>
-          </a:ln>
-        </p:spPr>
-        <p:style>
-          <a:lnRef idx="0">
-            <a:scrgbClr r="0" g="0" b="0"/>
-          </a:lnRef>
-          <a:fillRef idx="0">
-            <a:scrgbClr r="0" g="0" b="0"/>
-          </a:fillRef>
-          <a:effectRef idx="0">
-            <a:scrgbClr r="0" g="0" b="0"/>
-          </a:effectRef>
-          <a:fontRef idx="minor">
-            <a:schemeClr val="lt1"/>
-          </a:fontRef>
-        </p:style>
-        <p:txBody>
-          <a:bodyPr rtlCol="1" anchor="ctr"/>
-          <a:lstStyle/>
-          <a:p>
-            <a:r>
-              <a:rPr lang="en-US" sz="1100" dirty="0" err="1">
-                <a:solidFill>
-                  <a:schemeClr val="tx1"/>
-                </a:solidFill>
-                <a:latin typeface="Consolas" panose="020B0609020204030204" pitchFamily="49" charset="0"/>
-              </a:rPr>
-              <a:t>NWheels.Domains.ShoppingCart</a:t>
-            </a:r>
-            <a:endParaRPr lang="he-IL" sz="1100" dirty="0">
-              <a:solidFill>
-                <a:schemeClr val="tx1"/>
-              </a:solidFill>
-              <a:latin typeface="Consolas" panose="020B0609020204030204" pitchFamily="49" charset="0"/>
-            </a:endParaRPr>
-          </a:p>
-        </p:txBody>
-      </p:sp>
-      <p:sp>
-        <p:nvSpPr>
-          <p:cNvPr id="82" name="Flowchart: Process 81"/>
-          <p:cNvSpPr/>
-          <p:nvPr/>
-        </p:nvSpPr>
-        <p:spPr>
-          <a:xfrm>
-            <a:off x="2671966" y="2587858"/>
-            <a:ext cx="2360257" cy="268606"/>
-          </a:xfrm>
-          <a:prstGeom prst="flowChartProcess">
-            <a:avLst/>
-          </a:prstGeom>
-          <a:solidFill>
-            <a:schemeClr val="accent4">
-              <a:lumMod val="60000"/>
-              <a:lumOff val="40000"/>
-            </a:schemeClr>
-          </a:solidFill>
-          <a:ln>
-            <a:noFill/>
-          </a:ln>
-        </p:spPr>
-        <p:style>
-          <a:lnRef idx="0">
-            <a:scrgbClr r="0" g="0" b="0"/>
-          </a:lnRef>
-          <a:fillRef idx="0">
-            <a:scrgbClr r="0" g="0" b="0"/>
-          </a:fillRef>
-          <a:effectRef idx="0">
-            <a:scrgbClr r="0" g="0" b="0"/>
-          </a:effectRef>
-          <a:fontRef idx="minor">
-            <a:schemeClr val="lt1"/>
-          </a:fontRef>
-        </p:style>
-        <p:txBody>
-          <a:bodyPr rtlCol="1" anchor="ctr"/>
-          <a:lstStyle/>
-          <a:p>
-            <a:r>
-              <a:rPr lang="en-US" sz="1100" dirty="0" err="1">
-                <a:solidFill>
-                  <a:schemeClr val="tx1"/>
-                </a:solidFill>
-                <a:latin typeface="Consolas" panose="020B0609020204030204" pitchFamily="49" charset="0"/>
-              </a:rPr>
-              <a:t>NWheels.Domains.Booking</a:t>
-            </a:r>
-            <a:endParaRPr lang="he-IL" sz="1100" dirty="0">
-              <a:solidFill>
-                <a:schemeClr val="tx1"/>
-              </a:solidFill>
-              <a:latin typeface="Consolas" panose="020B0609020204030204" pitchFamily="49" charset="0"/>
-            </a:endParaRPr>
-          </a:p>
-        </p:txBody>
-      </p:sp>
-      <p:sp>
-        <p:nvSpPr>
-          <p:cNvPr id="83" name="Flowchart: Process 82"/>
-          <p:cNvSpPr/>
-          <p:nvPr/>
-        </p:nvSpPr>
-        <p:spPr>
-          <a:xfrm>
-            <a:off x="2671967" y="2282387"/>
-            <a:ext cx="2360256" cy="268606"/>
-          </a:xfrm>
-          <a:prstGeom prst="flowChartProcess">
-            <a:avLst/>
-          </a:prstGeom>
-          <a:solidFill>
-            <a:schemeClr val="accent4">
-              <a:lumMod val="60000"/>
-              <a:lumOff val="40000"/>
-            </a:schemeClr>
-          </a:solidFill>
-          <a:ln>
-            <a:noFill/>
-          </a:ln>
-        </p:spPr>
-        <p:style>
-          <a:lnRef idx="0">
-            <a:scrgbClr r="0" g="0" b="0"/>
-          </a:lnRef>
-          <a:fillRef idx="0">
-            <a:scrgbClr r="0" g="0" b="0"/>
-          </a:fillRef>
-          <a:effectRef idx="0">
-            <a:scrgbClr r="0" g="0" b="0"/>
-          </a:effectRef>
-          <a:fontRef idx="minor">
-            <a:schemeClr val="lt1"/>
-          </a:fontRef>
-        </p:style>
-        <p:txBody>
-          <a:bodyPr rtlCol="1" anchor="ctr"/>
-          <a:lstStyle/>
-          <a:p>
-            <a:r>
-              <a:rPr lang="en-US" sz="1100" dirty="0" err="1">
-                <a:solidFill>
-                  <a:schemeClr val="tx1"/>
-                </a:solidFill>
-                <a:latin typeface="Consolas" panose="020B0609020204030204" pitchFamily="49" charset="0"/>
-              </a:rPr>
-              <a:t>NWheels.Domains.Crm</a:t>
-            </a:r>
-            <a:endParaRPr lang="he-IL" sz="1100" dirty="0">
-              <a:solidFill>
-                <a:schemeClr val="tx1"/>
-              </a:solidFill>
-              <a:latin typeface="Consolas" panose="020B0609020204030204" pitchFamily="49" charset="0"/>
-            </a:endParaRPr>
-          </a:p>
-        </p:txBody>
-      </p:sp>
-      <p:sp>
-        <p:nvSpPr>
-          <p:cNvPr id="84" name="Flowchart: Process 83"/>
-          <p:cNvSpPr/>
-          <p:nvPr/>
-        </p:nvSpPr>
-        <p:spPr>
-          <a:xfrm>
-            <a:off x="2671967" y="1968449"/>
-            <a:ext cx="2360257" cy="268606"/>
-          </a:xfrm>
-          <a:prstGeom prst="flowChartProcess">
-            <a:avLst/>
-          </a:prstGeom>
-          <a:solidFill>
-            <a:schemeClr val="accent4">
-              <a:lumMod val="60000"/>
-              <a:lumOff val="40000"/>
-            </a:schemeClr>
-          </a:solidFill>
-          <a:ln>
-            <a:noFill/>
-          </a:ln>
-        </p:spPr>
-        <p:style>
-          <a:lnRef idx="0">
-            <a:scrgbClr r="0" g="0" b="0"/>
-          </a:lnRef>
-          <a:fillRef idx="0">
-            <a:scrgbClr r="0" g="0" b="0"/>
-          </a:fillRef>
-          <a:effectRef idx="0">
-            <a:scrgbClr r="0" g="0" b="0"/>
-          </a:effectRef>
-          <a:fontRef idx="minor">
-            <a:schemeClr val="lt1"/>
-          </a:fontRef>
-        </p:style>
-        <p:txBody>
-          <a:bodyPr rtlCol="1" anchor="ctr"/>
-          <a:lstStyle/>
-          <a:p>
-            <a:r>
-              <a:rPr lang="en-US" sz="1100" dirty="0" err="1">
-                <a:solidFill>
-                  <a:schemeClr val="tx1"/>
-                </a:solidFill>
-                <a:latin typeface="Consolas" panose="020B0609020204030204" pitchFamily="49" charset="0"/>
-              </a:rPr>
-              <a:t>NWheels.Domains.Marketing</a:t>
-            </a:r>
-            <a:endParaRPr lang="he-IL" sz="1100" dirty="0">
-              <a:solidFill>
-                <a:schemeClr val="tx1"/>
-              </a:solidFill>
-              <a:latin typeface="Consolas" panose="020B0609020204030204" pitchFamily="49" charset="0"/>
-            </a:endParaRPr>
-          </a:p>
-        </p:txBody>
-      </p:sp>
-      <p:sp>
-        <p:nvSpPr>
-          <p:cNvPr id="85" name="Flowchart: Process 84"/>
-          <p:cNvSpPr/>
-          <p:nvPr/>
-        </p:nvSpPr>
-        <p:spPr>
-          <a:xfrm>
-            <a:off x="2667933" y="1599793"/>
-            <a:ext cx="2363115" cy="268606"/>
-          </a:xfrm>
-          <a:prstGeom prst="flowChartProcess">
-            <a:avLst/>
-          </a:prstGeom>
-          <a:solidFill>
-            <a:srgbClr val="00D661"/>
-          </a:solidFill>
-          <a:ln>
-            <a:noFill/>
-          </a:ln>
-        </p:spPr>
-        <p:style>
-          <a:lnRef idx="0">
-            <a:scrgbClr r="0" g="0" b="0"/>
-          </a:lnRef>
-          <a:fillRef idx="0">
-            <a:scrgbClr r="0" g="0" b="0"/>
-          </a:fillRef>
-          <a:effectRef idx="0">
-            <a:scrgbClr r="0" g="0" b="0"/>
-          </a:effectRef>
-          <a:fontRef idx="minor">
-            <a:schemeClr val="lt1"/>
-          </a:fontRef>
-        </p:style>
-        <p:txBody>
-          <a:bodyPr rtlCol="1" anchor="ctr"/>
-          <a:lstStyle/>
-          <a:p>
-            <a:r>
-              <a:rPr lang="en-US" sz="1100" dirty="0" err="1">
-                <a:solidFill>
-                  <a:schemeClr val="tx1"/>
-                </a:solidFill>
-                <a:latin typeface="Consolas" panose="020B0609020204030204" pitchFamily="49" charset="0"/>
-              </a:rPr>
-              <a:t>TixDown.Core</a:t>
-            </a:r>
-            <a:endParaRPr lang="he-IL" sz="1100" dirty="0">
-              <a:solidFill>
-                <a:schemeClr val="tx1"/>
-              </a:solidFill>
-              <a:latin typeface="Consolas" panose="020B0609020204030204" pitchFamily="49" charset="0"/>
-            </a:endParaRPr>
-          </a:p>
-        </p:txBody>
-      </p:sp>
-      <p:sp>
-        <p:nvSpPr>
-          <p:cNvPr id="86" name="Flowchart: Process 85"/>
-          <p:cNvSpPr/>
-          <p:nvPr/>
-        </p:nvSpPr>
-        <p:spPr>
-          <a:xfrm>
-            <a:off x="2667933" y="1285855"/>
-            <a:ext cx="2363116" cy="268606"/>
-          </a:xfrm>
-          <a:prstGeom prst="flowChartProcess">
-            <a:avLst/>
-          </a:prstGeom>
-          <a:solidFill>
-            <a:srgbClr val="00D661"/>
-          </a:solidFill>
-          <a:ln>
-            <a:noFill/>
-          </a:ln>
-        </p:spPr>
-        <p:style>
-          <a:lnRef idx="0">
-            <a:scrgbClr r="0" g="0" b="0"/>
-          </a:lnRef>
-          <a:fillRef idx="0">
-            <a:scrgbClr r="0" g="0" b="0"/>
-          </a:fillRef>
-          <a:effectRef idx="0">
-            <a:scrgbClr r="0" g="0" b="0"/>
-          </a:effectRef>
-          <a:fontRef idx="minor">
-            <a:schemeClr val="lt1"/>
-          </a:fontRef>
-        </p:style>
-        <p:txBody>
-          <a:bodyPr rtlCol="1" anchor="ctr"/>
-          <a:lstStyle/>
-          <a:p>
-            <a:r>
-              <a:rPr lang="en-US" sz="1100" dirty="0" err="1">
-                <a:solidFill>
-                  <a:schemeClr val="tx1"/>
-                </a:solidFill>
-                <a:latin typeface="Consolas" panose="020B0609020204030204" pitchFamily="49" charset="0"/>
-              </a:rPr>
-              <a:t>TixDown.Kiosk</a:t>
-            </a:r>
-            <a:endParaRPr lang="he-IL" sz="1100" dirty="0">
-              <a:solidFill>
-                <a:schemeClr val="tx1"/>
-              </a:solidFill>
-              <a:latin typeface="Consolas" panose="020B0609020204030204" pitchFamily="49" charset="0"/>
-            </a:endParaRPr>
-          </a:p>
-        </p:txBody>
-      </p:sp>
-      <p:sp>
-        <p:nvSpPr>
-          <p:cNvPr id="19" name="Flowchart: Process 18"/>
-          <p:cNvSpPr/>
-          <p:nvPr/>
-        </p:nvSpPr>
-        <p:spPr>
-          <a:xfrm>
-            <a:off x="2667933" y="971917"/>
-            <a:ext cx="2363116" cy="268606"/>
-          </a:xfrm>
-          <a:prstGeom prst="flowChartProcess">
-            <a:avLst/>
-          </a:prstGeom>
-          <a:solidFill>
-            <a:srgbClr val="00D661"/>
-          </a:solidFill>
-          <a:ln>
-            <a:noFill/>
-          </a:ln>
-        </p:spPr>
-        <p:style>
-          <a:lnRef idx="0">
-            <a:scrgbClr r="0" g="0" b="0"/>
-          </a:lnRef>
-          <a:fillRef idx="0">
-            <a:scrgbClr r="0" g="0" b="0"/>
-          </a:fillRef>
-          <a:effectRef idx="0">
-            <a:scrgbClr r="0" g="0" b="0"/>
-          </a:effectRef>
-          <a:fontRef idx="minor">
-            <a:schemeClr val="lt1"/>
-          </a:fontRef>
-        </p:style>
-        <p:txBody>
-          <a:bodyPr rtlCol="1" anchor="ctr"/>
-          <a:lstStyle/>
-          <a:p>
-            <a:r>
-              <a:rPr lang="en-US" sz="1100" dirty="0" err="1">
-                <a:solidFill>
-                  <a:schemeClr val="tx1"/>
-                </a:solidFill>
-                <a:latin typeface="Consolas" panose="020B0609020204030204" pitchFamily="49" charset="0"/>
-              </a:rPr>
-              <a:t>TixDown.Front</a:t>
-            </a:r>
-            <a:endParaRPr lang="he-IL" sz="1100" dirty="0">
-              <a:solidFill>
-                <a:schemeClr val="tx1"/>
-              </a:solidFill>
-              <a:latin typeface="Consolas" panose="020B0609020204030204" pitchFamily="49" charset="0"/>
-            </a:endParaRPr>
-          </a:p>
-        </p:txBody>
-      </p:sp>
-      <p:sp>
-        <p:nvSpPr>
-          <p:cNvPr id="21" name="Flowchart: Process 20"/>
-          <p:cNvSpPr/>
-          <p:nvPr/>
-        </p:nvSpPr>
-        <p:spPr>
-          <a:xfrm>
-            <a:off x="2667933" y="655895"/>
-            <a:ext cx="2363116" cy="268606"/>
-          </a:xfrm>
-          <a:prstGeom prst="flowChartProcess">
-            <a:avLst/>
-          </a:prstGeom>
-          <a:solidFill>
-            <a:srgbClr val="00D661"/>
-          </a:solidFill>
-          <a:ln>
-            <a:noFill/>
-          </a:ln>
-        </p:spPr>
-        <p:style>
-          <a:lnRef idx="0">
-            <a:scrgbClr r="0" g="0" b="0"/>
-          </a:lnRef>
-          <a:fillRef idx="0">
-            <a:scrgbClr r="0" g="0" b="0"/>
-          </a:fillRef>
-          <a:effectRef idx="0">
-            <a:scrgbClr r="0" g="0" b="0"/>
-          </a:effectRef>
-          <a:fontRef idx="minor">
-            <a:schemeClr val="lt1"/>
-          </a:fontRef>
-        </p:style>
-        <p:txBody>
-          <a:bodyPr rtlCol="1" anchor="ctr"/>
-          <a:lstStyle/>
-          <a:p>
-            <a:r>
-              <a:rPr lang="en-US" sz="1100" dirty="0" err="1">
-                <a:solidFill>
-                  <a:schemeClr val="tx1"/>
-                </a:solidFill>
-                <a:latin typeface="Consolas" panose="020B0609020204030204" pitchFamily="49" charset="0"/>
-              </a:rPr>
-              <a:t>TixDown.Gate</a:t>
-            </a:r>
-            <a:endParaRPr lang="he-IL" sz="1100" dirty="0">
-              <a:solidFill>
-                <a:schemeClr val="tx1"/>
-              </a:solidFill>
-              <a:latin typeface="Consolas" panose="020B0609020204030204" pitchFamily="49" charset="0"/>
-            </a:endParaRPr>
-          </a:p>
-        </p:txBody>
-      </p:sp>
-      <p:sp>
-        <p:nvSpPr>
-          <p:cNvPr id="24" name="Flowchart: Process 23"/>
-          <p:cNvSpPr/>
-          <p:nvPr/>
-        </p:nvSpPr>
-        <p:spPr>
-          <a:xfrm>
-            <a:off x="6810308" y="5378728"/>
-            <a:ext cx="2024029" cy="268606"/>
-          </a:xfrm>
-          <a:prstGeom prst="flowChartProcess">
-            <a:avLst/>
-          </a:prstGeom>
-          <a:solidFill>
-            <a:srgbClr val="00D661"/>
-          </a:solidFill>
-          <a:ln>
-            <a:noFill/>
-          </a:ln>
-        </p:spPr>
-        <p:style>
-          <a:lnRef idx="0">
-            <a:scrgbClr r="0" g="0" b="0"/>
-          </a:lnRef>
-          <a:fillRef idx="0">
-            <a:scrgbClr r="0" g="0" b="0"/>
-          </a:fillRef>
-          <a:effectRef idx="0">
-            <a:scrgbClr r="0" g="0" b="0"/>
-          </a:effectRef>
-          <a:fontRef idx="minor">
-            <a:schemeClr val="lt1"/>
-          </a:fontRef>
-        </p:style>
-        <p:txBody>
-          <a:bodyPr rtlCol="1" anchor="ctr"/>
-          <a:lstStyle/>
-          <a:p>
-            <a:r>
-              <a:rPr lang="en-US" sz="1100" dirty="0" err="1">
-                <a:solidFill>
-                  <a:schemeClr val="tx1"/>
-                </a:solidFill>
-                <a:latin typeface="Consolas" panose="020B0609020204030204" pitchFamily="49" charset="0"/>
-              </a:rPr>
-              <a:t>TixDown.Vertical.Sports</a:t>
-            </a:r>
-            <a:endParaRPr lang="he-IL" sz="1100" dirty="0">
-              <a:solidFill>
-                <a:schemeClr val="tx1"/>
-              </a:solidFill>
-              <a:latin typeface="Consolas" panose="020B0609020204030204" pitchFamily="49" charset="0"/>
-            </a:endParaRPr>
-          </a:p>
-        </p:txBody>
-      </p:sp>
-      <p:sp>
-        <p:nvSpPr>
-          <p:cNvPr id="25" name="Flowchart: Process 24"/>
-          <p:cNvSpPr/>
-          <p:nvPr/>
-        </p:nvSpPr>
-        <p:spPr>
-          <a:xfrm>
-            <a:off x="6810307" y="5725134"/>
-            <a:ext cx="2024029" cy="268606"/>
-          </a:xfrm>
-          <a:prstGeom prst="flowChartProcess">
-            <a:avLst/>
-          </a:prstGeom>
-          <a:solidFill>
-            <a:srgbClr val="00D661"/>
-          </a:solidFill>
-          <a:ln>
-            <a:noFill/>
-          </a:ln>
-        </p:spPr>
-        <p:style>
-          <a:lnRef idx="0">
-            <a:scrgbClr r="0" g="0" b="0"/>
-          </a:lnRef>
-          <a:fillRef idx="0">
-            <a:scrgbClr r="0" g="0" b="0"/>
-          </a:fillRef>
-          <a:effectRef idx="0">
-            <a:scrgbClr r="0" g="0" b="0"/>
-          </a:effectRef>
-          <a:fontRef idx="minor">
-            <a:schemeClr val="lt1"/>
-          </a:fontRef>
-        </p:style>
-        <p:txBody>
-          <a:bodyPr rtlCol="1" anchor="ctr"/>
-          <a:lstStyle/>
-          <a:p>
-            <a:r>
-              <a:rPr lang="en-US" sz="1100" dirty="0" err="1">
-                <a:solidFill>
-                  <a:schemeClr val="tx1"/>
-                </a:solidFill>
-                <a:latin typeface="Consolas" panose="020B0609020204030204" pitchFamily="49" charset="0"/>
-              </a:rPr>
-              <a:t>TixDown.Vertical.Theatre</a:t>
-            </a:r>
-            <a:endParaRPr lang="he-IL" sz="1100" dirty="0">
-              <a:solidFill>
-                <a:schemeClr val="tx1"/>
-              </a:solidFill>
-              <a:latin typeface="Consolas" panose="020B0609020204030204" pitchFamily="49" charset="0"/>
-            </a:endParaRPr>
-          </a:p>
-        </p:txBody>
-      </p:sp>
-      <p:sp>
-        <p:nvSpPr>
-          <p:cNvPr id="26" name="Flowchart: Process 25"/>
-          <p:cNvSpPr/>
-          <p:nvPr/>
-        </p:nvSpPr>
-        <p:spPr>
-          <a:xfrm>
-            <a:off x="6810307" y="6064822"/>
-            <a:ext cx="2024029" cy="268606"/>
-          </a:xfrm>
-          <a:prstGeom prst="flowChartProcess">
-            <a:avLst/>
-          </a:prstGeom>
-          <a:solidFill>
-            <a:srgbClr val="00D661"/>
-          </a:solidFill>
-          <a:ln>
-            <a:noFill/>
-          </a:ln>
-        </p:spPr>
-        <p:style>
-          <a:lnRef idx="0">
-            <a:scrgbClr r="0" g="0" b="0"/>
-          </a:lnRef>
-          <a:fillRef idx="0">
-            <a:scrgbClr r="0" g="0" b="0"/>
-          </a:fillRef>
-          <a:effectRef idx="0">
-            <a:scrgbClr r="0" g="0" b="0"/>
-          </a:effectRef>
-          <a:fontRef idx="minor">
-            <a:schemeClr val="lt1"/>
-          </a:fontRef>
-        </p:style>
-        <p:txBody>
-          <a:bodyPr rtlCol="1" anchor="ctr"/>
-          <a:lstStyle/>
-          <a:p>
-            <a:r>
-              <a:rPr lang="en-US" sz="1100" dirty="0" err="1">
-                <a:solidFill>
-                  <a:schemeClr val="tx1"/>
-                </a:solidFill>
-                <a:latin typeface="Consolas" panose="020B0609020204030204" pitchFamily="49" charset="0"/>
-              </a:rPr>
-              <a:t>TixDown.Vertical.Cinema</a:t>
-            </a:r>
-            <a:endParaRPr lang="he-IL" sz="1100" dirty="0">
-              <a:solidFill>
-                <a:schemeClr val="tx1"/>
-              </a:solidFill>
-              <a:latin typeface="Consolas" panose="020B0609020204030204" pitchFamily="49" charset="0"/>
-            </a:endParaRPr>
-          </a:p>
-        </p:txBody>
-      </p:sp>
-      <p:sp>
-        <p:nvSpPr>
-          <p:cNvPr id="27" name="TextBox 26"/>
-          <p:cNvSpPr txBox="1"/>
-          <p:nvPr/>
-        </p:nvSpPr>
-        <p:spPr>
-          <a:xfrm>
-            <a:off x="1636998" y="2557191"/>
-            <a:ext cx="938290" cy="738664"/>
-          </a:xfrm>
-          <a:prstGeom prst="rect">
-            <a:avLst/>
-          </a:prstGeom>
-          <a:noFill/>
-        </p:spPr>
-        <p:txBody>
-          <a:bodyPr wrap="square" rtlCol="0">
-            <a:spAutoFit/>
-          </a:bodyPr>
-          <a:lstStyle/>
-          <a:p>
             <a:pPr algn="ctr"/>
             <a:r>
-              <a:rPr lang="en-US" sz="1400" dirty="0"/>
-              <a:t>Building block domains</a:t>
-            </a:r>
-          </a:p>
-        </p:txBody>
-      </p:sp>
-      <p:cxnSp>
-        <p:nvCxnSpPr>
-          <p:cNvPr id="6" name="Straight Connector 5"/>
-          <p:cNvCxnSpPr/>
-          <p:nvPr/>
-        </p:nvCxnSpPr>
-        <p:spPr>
-          <a:xfrm>
-            <a:off x="1685888" y="4134783"/>
-            <a:ext cx="889400" cy="0"/>
-          </a:xfrm>
-          <a:prstGeom prst="line">
-            <a:avLst/>
-          </a:prstGeom>
-          <a:ln>
-            <a:prstDash val="lgDash"/>
-          </a:ln>
-        </p:spPr>
-        <p:style>
-          <a:lnRef idx="1">
-            <a:schemeClr val="accent1"/>
-          </a:lnRef>
-          <a:fillRef idx="0">
-            <a:schemeClr val="accent1"/>
-          </a:fillRef>
-          <a:effectRef idx="0">
-            <a:schemeClr val="accent1"/>
-          </a:effectRef>
-          <a:fontRef idx="minor">
-            <a:schemeClr val="tx1"/>
-          </a:fontRef>
-        </p:style>
-      </p:cxnSp>
-      <p:cxnSp>
-        <p:nvCxnSpPr>
-          <p:cNvPr id="30" name="Straight Connector 29"/>
-          <p:cNvCxnSpPr/>
-          <p:nvPr/>
-        </p:nvCxnSpPr>
-        <p:spPr>
-          <a:xfrm>
-            <a:off x="1685888" y="1951033"/>
-            <a:ext cx="889400" cy="0"/>
-          </a:xfrm>
-          <a:prstGeom prst="line">
-            <a:avLst/>
-          </a:prstGeom>
-          <a:ln>
-            <a:prstDash val="lgDash"/>
-          </a:ln>
-        </p:spPr>
-        <p:style>
-          <a:lnRef idx="1">
-            <a:schemeClr val="accent1"/>
-          </a:lnRef>
-          <a:fillRef idx="0">
-            <a:schemeClr val="accent1"/>
-          </a:fillRef>
-          <a:effectRef idx="0">
-            <a:schemeClr val="accent1"/>
-          </a:effectRef>
-          <a:fontRef idx="minor">
-            <a:schemeClr val="tx1"/>
-          </a:fontRef>
-        </p:style>
-      </p:cxnSp>
-      <p:cxnSp>
-        <p:nvCxnSpPr>
-          <p:cNvPr id="31" name="Straight Connector 30"/>
-          <p:cNvCxnSpPr/>
-          <p:nvPr/>
-        </p:nvCxnSpPr>
-        <p:spPr>
-          <a:xfrm>
-            <a:off x="2110178" y="1988241"/>
-            <a:ext cx="1" cy="508610"/>
-          </a:xfrm>
-          <a:prstGeom prst="line">
-            <a:avLst/>
-          </a:prstGeom>
-          <a:ln>
-            <a:prstDash val="lgDash"/>
-            <a:headEnd type="arrow"/>
-          </a:ln>
-        </p:spPr>
-        <p:style>
-          <a:lnRef idx="1">
-            <a:schemeClr val="accent1"/>
-          </a:lnRef>
-          <a:fillRef idx="0">
-            <a:schemeClr val="accent1"/>
-          </a:fillRef>
-          <a:effectRef idx="0">
-            <a:schemeClr val="accent1"/>
-          </a:effectRef>
-          <a:fontRef idx="minor">
-            <a:schemeClr val="tx1"/>
-          </a:fontRef>
-        </p:style>
-      </p:cxnSp>
-      <p:cxnSp>
-        <p:nvCxnSpPr>
-          <p:cNvPr id="38" name="Straight Connector 37"/>
-          <p:cNvCxnSpPr>
-            <a:stCxn id="27" idx="2"/>
-          </p:cNvCxnSpPr>
-          <p:nvPr/>
-        </p:nvCxnSpPr>
-        <p:spPr>
-          <a:xfrm>
-            <a:off x="2106143" y="3295855"/>
-            <a:ext cx="2019" cy="810053"/>
-          </a:xfrm>
-          <a:prstGeom prst="line">
-            <a:avLst/>
-          </a:prstGeom>
-          <a:ln>
-            <a:prstDash val="lgDash"/>
-            <a:headEnd w="lg" len="lg"/>
-            <a:tailEnd type="arrow"/>
-          </a:ln>
-        </p:spPr>
-        <p:style>
-          <a:lnRef idx="1">
-            <a:schemeClr val="accent1"/>
-          </a:lnRef>
-          <a:fillRef idx="0">
-            <a:schemeClr val="accent1"/>
-          </a:fillRef>
-          <a:effectRef idx="0">
-            <a:schemeClr val="accent1"/>
-          </a:effectRef>
-          <a:fontRef idx="minor">
-            <a:schemeClr val="tx1"/>
-          </a:fontRef>
-        </p:style>
-      </p:cxnSp>
-      <p:cxnSp>
-        <p:nvCxnSpPr>
-          <p:cNvPr id="42" name="Straight Connector 41"/>
-          <p:cNvCxnSpPr/>
-          <p:nvPr/>
-        </p:nvCxnSpPr>
-        <p:spPr>
-          <a:xfrm>
-            <a:off x="1683870" y="641569"/>
-            <a:ext cx="935505" cy="0"/>
-          </a:xfrm>
-          <a:prstGeom prst="line">
-            <a:avLst/>
-          </a:prstGeom>
-          <a:ln>
-            <a:prstDash val="lgDash"/>
-          </a:ln>
-        </p:spPr>
-        <p:style>
-          <a:lnRef idx="1">
-            <a:schemeClr val="accent1"/>
-          </a:lnRef>
-          <a:fillRef idx="0">
-            <a:schemeClr val="accent1"/>
-          </a:fillRef>
-          <a:effectRef idx="0">
-            <a:schemeClr val="accent1"/>
-          </a:effectRef>
-          <a:fontRef idx="minor">
-            <a:schemeClr val="tx1"/>
-          </a:fontRef>
-        </p:style>
-      </p:cxnSp>
-      <p:cxnSp>
-        <p:nvCxnSpPr>
-          <p:cNvPr id="43" name="Straight Connector 42"/>
-          <p:cNvCxnSpPr/>
-          <p:nvPr/>
-        </p:nvCxnSpPr>
-        <p:spPr>
-          <a:xfrm>
-            <a:off x="2108161" y="679450"/>
-            <a:ext cx="0" cy="431737"/>
-          </a:xfrm>
-          <a:prstGeom prst="line">
-            <a:avLst/>
-          </a:prstGeom>
-          <a:ln>
-            <a:prstDash val="lgDash"/>
-            <a:headEnd type="arrow"/>
-          </a:ln>
-        </p:spPr>
-        <p:style>
-          <a:lnRef idx="1">
-            <a:schemeClr val="accent1"/>
-          </a:lnRef>
-          <a:fillRef idx="0">
-            <a:schemeClr val="accent1"/>
-          </a:fillRef>
-          <a:effectRef idx="0">
-            <a:schemeClr val="accent1"/>
-          </a:effectRef>
-          <a:fontRef idx="minor">
-            <a:schemeClr val="tx1"/>
-          </a:fontRef>
-        </p:style>
-      </p:cxnSp>
-      <p:cxnSp>
-        <p:nvCxnSpPr>
-          <p:cNvPr id="45" name="Straight Connector 44"/>
-          <p:cNvCxnSpPr/>
-          <p:nvPr/>
-        </p:nvCxnSpPr>
-        <p:spPr>
-          <a:xfrm>
-            <a:off x="2106144" y="1554461"/>
-            <a:ext cx="0" cy="383933"/>
-          </a:xfrm>
-          <a:prstGeom prst="line">
-            <a:avLst/>
-          </a:prstGeom>
-          <a:ln>
-            <a:prstDash val="lgDash"/>
-            <a:headEnd w="lg" len="lg"/>
-            <a:tailEnd type="arrow"/>
-          </a:ln>
-        </p:spPr>
-        <p:style>
-          <a:lnRef idx="1">
-            <a:schemeClr val="accent1"/>
-          </a:lnRef>
-          <a:fillRef idx="0">
-            <a:schemeClr val="accent1"/>
-          </a:fillRef>
-          <a:effectRef idx="0">
-            <a:schemeClr val="accent1"/>
-          </a:effectRef>
-          <a:fontRef idx="minor">
-            <a:schemeClr val="tx1"/>
-          </a:fontRef>
-        </p:style>
-      </p:cxnSp>
-      <p:sp>
-        <p:nvSpPr>
-          <p:cNvPr id="46" name="TextBox 45"/>
-          <p:cNvSpPr txBox="1"/>
-          <p:nvPr/>
-        </p:nvSpPr>
-        <p:spPr>
-          <a:xfrm>
-            <a:off x="1517248" y="1079095"/>
-            <a:ext cx="1202205" cy="523220"/>
-          </a:xfrm>
-          <a:prstGeom prst="rect">
-            <a:avLst/>
-          </a:prstGeom>
-          <a:noFill/>
-        </p:spPr>
-        <p:txBody>
-          <a:bodyPr wrap="square" rtlCol="0">
-            <a:spAutoFit/>
-          </a:bodyPr>
-          <a:lstStyle/>
-          <a:p>
-            <a:pPr algn="ctr"/>
-            <a:r>
-              <a:rPr lang="en-US" sz="1400" dirty="0"/>
-              <a:t>Application modules</a:t>
-            </a:r>
-          </a:p>
-        </p:txBody>
-      </p:sp>
-      <p:sp>
-        <p:nvSpPr>
-          <p:cNvPr id="53" name="Flowchart: Process 52"/>
-          <p:cNvSpPr/>
-          <p:nvPr/>
-        </p:nvSpPr>
-        <p:spPr>
-          <a:xfrm>
-            <a:off x="2677558" y="4498672"/>
-            <a:ext cx="2362273" cy="268606"/>
-          </a:xfrm>
-          <a:prstGeom prst="flowChartProcess">
-            <a:avLst/>
-          </a:prstGeom>
-          <a:solidFill>
-            <a:schemeClr val="accent5">
-              <a:lumMod val="75000"/>
-            </a:schemeClr>
-          </a:solidFill>
-          <a:ln>
-            <a:noFill/>
-          </a:ln>
-        </p:spPr>
-        <p:style>
-          <a:lnRef idx="0">
-            <a:scrgbClr r="0" g="0" b="0"/>
-          </a:lnRef>
-          <a:fillRef idx="0">
-            <a:scrgbClr r="0" g="0" b="0"/>
-          </a:fillRef>
-          <a:effectRef idx="0">
-            <a:scrgbClr r="0" g="0" b="0"/>
-          </a:effectRef>
-          <a:fontRef idx="minor">
-            <a:schemeClr val="lt1"/>
-          </a:fontRef>
-        </p:style>
-        <p:txBody>
-          <a:bodyPr rtlCol="1" anchor="ctr"/>
-          <a:lstStyle/>
-          <a:p>
-            <a:r>
-              <a:rPr lang="en-US" sz="1100" dirty="0" err="1">
+              <a:rPr lang="en-US" sz="1100" dirty="0">
                 <a:solidFill>
                   <a:schemeClr val="bg1"/>
                 </a:solidFill>
-                <a:latin typeface="Consolas" panose="020B0609020204030204" pitchFamily="49" charset="0"/>
               </a:rPr>
-              <a:t>NWheels.Frameworks.Saga</a:t>
+              <a:t>Back End</a:t>
             </a:r>
             <a:endParaRPr lang="he-IL" sz="1100" dirty="0">
               <a:solidFill>
                 <a:schemeClr val="bg1"/>
               </a:solidFill>
-              <a:latin typeface="Consolas" panose="020B0609020204030204" pitchFamily="49" charset="0"/>
             </a:endParaRPr>
           </a:p>
         </p:txBody>
       </p:sp>
       <p:sp>
         <p:nvSpPr>
-          <p:cNvPr id="54" name="Flowchart: Process 53"/>
-          <p:cNvSpPr/>
-          <p:nvPr/>
-        </p:nvSpPr>
-        <p:spPr>
-          <a:xfrm>
-            <a:off x="2677558" y="4802252"/>
-            <a:ext cx="2362273" cy="268606"/>
+          <p:cNvPr id="44" name="Flowchart: Process 43"/>
+          <p:cNvSpPr/>
+          <p:nvPr/>
+        </p:nvSpPr>
+        <p:spPr>
+          <a:xfrm>
+            <a:off x="11469417" y="4322399"/>
+            <a:ext cx="959016" cy="268606"/>
           </a:xfrm>
           <a:prstGeom prst="flowChartProcess">
             <a:avLst/>
           </a:prstGeom>
           <a:solidFill>
-            <a:schemeClr val="accent5">
+            <a:schemeClr val="accent2">
               <a:lumMod val="75000"/>
             </a:schemeClr>
           </a:solidFill>
@@ -14781,34 +13486,33 @@
           <a:bodyPr rtlCol="1" anchor="ctr"/>
           <a:lstStyle/>
           <a:p>
-            <a:r>
-              <a:rPr lang="en-US" sz="1100" dirty="0" err="1">
+            <a:pPr algn="ctr"/>
+            <a:r>
+              <a:rPr lang="en-US" sz="1100" dirty="0">
                 <a:solidFill>
                   <a:schemeClr val="bg1"/>
                 </a:solidFill>
-                <a:latin typeface="Consolas" panose="020B0609020204030204" pitchFamily="49" charset="0"/>
               </a:rPr>
-              <a:t>NWheels.Frameworks.Ddd</a:t>
+              <a:t>Artifact</a:t>
             </a:r>
             <a:endParaRPr lang="he-IL" sz="1100" dirty="0">
               <a:solidFill>
                 <a:schemeClr val="bg1"/>
               </a:solidFill>
-              <a:latin typeface="Consolas" panose="020B0609020204030204" pitchFamily="49" charset="0"/>
             </a:endParaRPr>
           </a:p>
         </p:txBody>
       </p:sp>
       <p:sp>
         <p:nvSpPr>
-          <p:cNvPr id="55" name="Flowchart: Process 54"/>
-          <p:cNvSpPr/>
-          <p:nvPr/>
-        </p:nvSpPr>
-        <p:spPr>
-          <a:xfrm>
-            <a:off x="2677558" y="4183676"/>
-            <a:ext cx="2362273" cy="268606"/>
+          <p:cNvPr id="46" name="Flowchart: Process 45"/>
+          <p:cNvSpPr/>
+          <p:nvPr/>
+        </p:nvSpPr>
+        <p:spPr>
+          <a:xfrm>
+            <a:off x="1260294" y="2270287"/>
+            <a:ext cx="687578" cy="193956"/>
           </a:xfrm>
           <a:prstGeom prst="flowChartProcess">
             <a:avLst/>
@@ -14837,43 +13541,342 @@
           </a:fontRef>
         </p:style>
         <p:txBody>
-          <a:bodyPr rtlCol="1" anchor="ctr"/>
-          <a:lstStyle/>
-          <a:p>
-            <a:r>
-              <a:rPr lang="en-US" sz="1100" dirty="0" err="1">
+          <a:bodyPr lIns="0" tIns="0" rIns="0" bIns="0" rtlCol="1" anchor="t"/>
+          <a:lstStyle/>
+          <a:p>
+            <a:pPr algn="ctr"/>
+            <a:r>
+              <a:rPr lang="en-US" sz="1100" dirty="0">
                 <a:solidFill>
                   <a:schemeClr val="bg1"/>
                 </a:solidFill>
-                <a:latin typeface="Consolas" panose="020B0609020204030204" pitchFamily="49" charset="0"/>
               </a:rPr>
-              <a:t>NWheels.Frameworks.Uidl</a:t>
+              <a:t>CLASS-TYPE</a:t>
             </a:r>
             <a:endParaRPr lang="he-IL" sz="1100" dirty="0">
               <a:solidFill>
                 <a:schemeClr val="bg1"/>
               </a:solidFill>
-              <a:latin typeface="Consolas" panose="020B0609020204030204" pitchFamily="49" charset="0"/>
+            </a:endParaRPr>
+          </a:p>
+        </p:txBody>
+      </p:sp>
+      <p:sp>
+        <p:nvSpPr>
+          <p:cNvPr id="47" name="Flowchart: Process 46"/>
+          <p:cNvSpPr/>
+          <p:nvPr/>
+        </p:nvSpPr>
+        <p:spPr>
+          <a:xfrm>
+            <a:off x="1469538" y="2580639"/>
+            <a:ext cx="691772" cy="193956"/>
+          </a:xfrm>
+          <a:prstGeom prst="flowChartProcess">
+            <a:avLst/>
+          </a:prstGeom>
+          <a:solidFill>
+            <a:schemeClr val="accent5">
+              <a:lumMod val="75000"/>
+            </a:schemeClr>
+          </a:solidFill>
+          <a:ln>
+            <a:noFill/>
+          </a:ln>
+        </p:spPr>
+        <p:style>
+          <a:lnRef idx="0">
+            <a:scrgbClr r="0" g="0" b="0"/>
+          </a:lnRef>
+          <a:fillRef idx="0">
+            <a:scrgbClr r="0" g="0" b="0"/>
+          </a:fillRef>
+          <a:effectRef idx="0">
+            <a:scrgbClr r="0" g="0" b="0"/>
+          </a:effectRef>
+          <a:fontRef idx="minor">
+            <a:schemeClr val="lt1"/>
+          </a:fontRef>
+        </p:style>
+        <p:txBody>
+          <a:bodyPr lIns="0" tIns="0" rIns="0" bIns="0" rtlCol="1" anchor="t"/>
+          <a:lstStyle/>
+          <a:p>
+            <a:pPr algn="ctr"/>
+            <a:r>
+              <a:rPr lang="en-US" sz="1100" dirty="0">
+                <a:solidFill>
+                  <a:schemeClr val="bg1"/>
+                </a:solidFill>
+              </a:rPr>
+              <a:t>ATTRIBUTE</a:t>
+            </a:r>
+            <a:endParaRPr lang="he-IL" sz="1100" dirty="0">
+              <a:solidFill>
+                <a:schemeClr val="bg1"/>
+              </a:solidFill>
+            </a:endParaRPr>
+          </a:p>
+        </p:txBody>
+      </p:sp>
+      <p:sp>
+        <p:nvSpPr>
+          <p:cNvPr id="48" name="Flowchart: Process 47"/>
+          <p:cNvSpPr/>
+          <p:nvPr/>
+        </p:nvSpPr>
+        <p:spPr>
+          <a:xfrm>
+            <a:off x="3436174" y="2580639"/>
+            <a:ext cx="400050" cy="193956"/>
+          </a:xfrm>
+          <a:prstGeom prst="flowChartProcess">
+            <a:avLst/>
+          </a:prstGeom>
+          <a:solidFill>
+            <a:schemeClr val="accent5">
+              <a:lumMod val="75000"/>
+            </a:schemeClr>
+          </a:solidFill>
+          <a:ln>
+            <a:noFill/>
+          </a:ln>
+        </p:spPr>
+        <p:style>
+          <a:lnRef idx="0">
+            <a:scrgbClr r="0" g="0" b="0"/>
+          </a:lnRef>
+          <a:fillRef idx="0">
+            <a:scrgbClr r="0" g="0" b="0"/>
+          </a:fillRef>
+          <a:effectRef idx="0">
+            <a:scrgbClr r="0" g="0" b="0"/>
+          </a:effectRef>
+          <a:fontRef idx="minor">
+            <a:schemeClr val="lt1"/>
+          </a:fontRef>
+        </p:style>
+        <p:txBody>
+          <a:bodyPr lIns="0" tIns="0" rIns="0" bIns="0" rtlCol="1" anchor="t"/>
+          <a:lstStyle/>
+          <a:p>
+            <a:pPr algn="ctr"/>
+            <a:r>
+              <a:rPr lang="en-US" sz="1100" dirty="0">
+                <a:solidFill>
+                  <a:schemeClr val="bg1"/>
+                </a:solidFill>
+              </a:rPr>
+              <a:t>FIELD</a:t>
+            </a:r>
+            <a:endParaRPr lang="he-IL" sz="1100" dirty="0">
+              <a:solidFill>
+                <a:schemeClr val="bg1"/>
+              </a:solidFill>
+            </a:endParaRPr>
+          </a:p>
+        </p:txBody>
+      </p:sp>
+      <p:sp>
+        <p:nvSpPr>
+          <p:cNvPr id="50" name="Flowchart: Process 49"/>
+          <p:cNvSpPr/>
+          <p:nvPr/>
+        </p:nvSpPr>
+        <p:spPr>
+          <a:xfrm>
+            <a:off x="3894492" y="2580639"/>
+            <a:ext cx="629136" cy="193956"/>
+          </a:xfrm>
+          <a:prstGeom prst="flowChartProcess">
+            <a:avLst/>
+          </a:prstGeom>
+          <a:solidFill>
+            <a:schemeClr val="accent5">
+              <a:lumMod val="75000"/>
+            </a:schemeClr>
+          </a:solidFill>
+          <a:ln>
+            <a:noFill/>
+          </a:ln>
+        </p:spPr>
+        <p:style>
+          <a:lnRef idx="0">
+            <a:scrgbClr r="0" g="0" b="0"/>
+          </a:lnRef>
+          <a:fillRef idx="0">
+            <a:scrgbClr r="0" g="0" b="0"/>
+          </a:fillRef>
+          <a:effectRef idx="0">
+            <a:scrgbClr r="0" g="0" b="0"/>
+          </a:effectRef>
+          <a:fontRef idx="minor">
+            <a:schemeClr val="lt1"/>
+          </a:fontRef>
+        </p:style>
+        <p:txBody>
+          <a:bodyPr lIns="0" tIns="0" rIns="0" bIns="0" rtlCol="1" anchor="t"/>
+          <a:lstStyle/>
+          <a:p>
+            <a:pPr algn="ctr"/>
+            <a:r>
+              <a:rPr lang="en-US" sz="1100" dirty="0">
+                <a:solidFill>
+                  <a:schemeClr val="bg1"/>
+                </a:solidFill>
+              </a:rPr>
+              <a:t>PROPERTY</a:t>
+            </a:r>
+            <a:endParaRPr lang="he-IL" sz="1100" dirty="0">
+              <a:solidFill>
+                <a:schemeClr val="bg1"/>
+              </a:solidFill>
+            </a:endParaRPr>
+          </a:p>
+        </p:txBody>
+      </p:sp>
+      <p:sp>
+        <p:nvSpPr>
+          <p:cNvPr id="55" name="Flowchart: Process 54"/>
+          <p:cNvSpPr/>
+          <p:nvPr/>
+        </p:nvSpPr>
+        <p:spPr>
+          <a:xfrm>
+            <a:off x="13853324" y="3990923"/>
+            <a:ext cx="694759" cy="193956"/>
+          </a:xfrm>
+          <a:prstGeom prst="flowChartProcess">
+            <a:avLst/>
+          </a:prstGeom>
+          <a:solidFill>
+            <a:schemeClr val="accent5">
+              <a:lumMod val="75000"/>
+            </a:schemeClr>
+          </a:solidFill>
+          <a:ln>
+            <a:noFill/>
+          </a:ln>
+        </p:spPr>
+        <p:style>
+          <a:lnRef idx="0">
+            <a:scrgbClr r="0" g="0" b="0"/>
+          </a:lnRef>
+          <a:fillRef idx="0">
+            <a:scrgbClr r="0" g="0" b="0"/>
+          </a:fillRef>
+          <a:effectRef idx="0">
+            <a:scrgbClr r="0" g="0" b="0"/>
+          </a:effectRef>
+          <a:fontRef idx="minor">
+            <a:schemeClr val="lt1"/>
+          </a:fontRef>
+        </p:style>
+        <p:txBody>
+          <a:bodyPr lIns="0" tIns="0" rIns="0" bIns="0" rtlCol="1" anchor="t"/>
+          <a:lstStyle/>
+          <a:p>
+            <a:pPr algn="ctr"/>
+            <a:r>
+              <a:rPr lang="en-US" sz="1100" dirty="0">
+                <a:solidFill>
+                  <a:schemeClr val="bg1"/>
+                </a:solidFill>
+              </a:rPr>
+              <a:t>SIGNATURE</a:t>
+            </a:r>
+            <a:endParaRPr lang="he-IL" sz="1100" dirty="0">
+              <a:solidFill>
+                <a:schemeClr val="bg1"/>
+              </a:solidFill>
+            </a:endParaRPr>
+          </a:p>
+        </p:txBody>
+      </p:sp>
+      <p:sp>
+        <p:nvSpPr>
+          <p:cNvPr id="56" name="Flowchart: Process 55"/>
+          <p:cNvSpPr/>
+          <p:nvPr/>
+        </p:nvSpPr>
+        <p:spPr>
+          <a:xfrm>
+            <a:off x="13333898" y="3990697"/>
+            <a:ext cx="372770" cy="193956"/>
+          </a:xfrm>
+          <a:prstGeom prst="flowChartProcess">
+            <a:avLst/>
+          </a:prstGeom>
+          <a:solidFill>
+            <a:schemeClr val="accent5">
+              <a:lumMod val="75000"/>
+            </a:schemeClr>
+          </a:solidFill>
+          <a:ln>
+            <a:noFill/>
+          </a:ln>
+        </p:spPr>
+        <p:style>
+          <a:lnRef idx="0">
+            <a:scrgbClr r="0" g="0" b="0"/>
+          </a:lnRef>
+          <a:fillRef idx="0">
+            <a:scrgbClr r="0" g="0" b="0"/>
+          </a:fillRef>
+          <a:effectRef idx="0">
+            <a:scrgbClr r="0" g="0" b="0"/>
+          </a:effectRef>
+          <a:fontRef idx="minor">
+            <a:schemeClr val="lt1"/>
+          </a:fontRef>
+        </p:style>
+        <p:txBody>
+          <a:bodyPr lIns="0" tIns="0" rIns="0" bIns="0" rtlCol="1" anchor="t"/>
+          <a:lstStyle/>
+          <a:p>
+            <a:pPr algn="ctr"/>
+            <a:r>
+              <a:rPr lang="en-US" sz="1100" dirty="0">
+                <a:solidFill>
+                  <a:schemeClr val="bg1"/>
+                </a:solidFill>
+              </a:rPr>
+              <a:t>BODY</a:t>
+            </a:r>
+            <a:endParaRPr lang="he-IL" sz="1100" dirty="0">
+              <a:solidFill>
+                <a:schemeClr val="bg1"/>
+              </a:solidFill>
             </a:endParaRPr>
           </a:p>
         </p:txBody>
       </p:sp>
       <p:cxnSp>
         <p:nvCxnSpPr>
-          <p:cNvPr id="57" name="Straight Connector 56"/>
-          <p:cNvCxnSpPr/>
+          <p:cNvPr id="61" name="Connector: Elbow 60"/>
+          <p:cNvCxnSpPr>
+            <a:cxnSpLocks/>
+            <a:stCxn id="46" idx="2"/>
+            <a:endCxn id="48" idx="0"/>
+          </p:cNvCxnSpPr>
           <p:nvPr/>
         </p:nvCxnSpPr>
         <p:spPr>
-          <a:xfrm>
-            <a:off x="1685888" y="5117784"/>
-            <a:ext cx="889400" cy="0"/>
-          </a:xfrm>
-          <a:prstGeom prst="line">
-            <a:avLst/>
-          </a:prstGeom>
-          <a:ln>
-            <a:prstDash val="lgDash"/>
+          <a:xfrm rot="16200000" flipH="1">
+            <a:off x="2561943" y="1506383"/>
+            <a:ext cx="116396" cy="2032116"/>
+          </a:xfrm>
+          <a:prstGeom prst="bentConnector3">
+            <a:avLst>
+              <a:gd name="adj1" fmla="val 50000"/>
+            </a:avLst>
+          </a:prstGeom>
+          <a:ln w="12700">
+            <a:solidFill>
+              <a:schemeClr val="accent5">
+                <a:lumMod val="50000"/>
+              </a:schemeClr>
+            </a:solidFill>
           </a:ln>
         </p:spPr>
         <p:style>
@@ -14893,23 +13896,188 @@
       </p:cxnSp>
       <p:cxnSp>
         <p:nvCxnSpPr>
-          <p:cNvPr id="58" name="Straight Connector 57"/>
+          <p:cNvPr id="64" name="Connector: Elbow 63"/>
           <p:cNvCxnSpPr>
-            <a:endCxn id="64" idx="0"/>
+            <a:cxnSpLocks/>
+            <a:stCxn id="46" idx="2"/>
+            <a:endCxn id="47" idx="0"/>
           </p:cNvCxnSpPr>
           <p:nvPr/>
         </p:nvCxnSpPr>
         <p:spPr>
-          <a:xfrm>
-            <a:off x="2108161" y="4163391"/>
-            <a:ext cx="10190" cy="311051"/>
-          </a:xfrm>
-          <a:prstGeom prst="line">
-            <a:avLst/>
-          </a:prstGeom>
-          <a:ln>
-            <a:prstDash val="lgDash"/>
-            <a:headEnd type="arrow"/>
+          <a:xfrm rot="16200000" flipH="1">
+            <a:off x="1651555" y="2416770"/>
+            <a:ext cx="116396" cy="211341"/>
+          </a:xfrm>
+          <a:prstGeom prst="bentConnector3">
+            <a:avLst>
+              <a:gd name="adj1" fmla="val 50000"/>
+            </a:avLst>
+          </a:prstGeom>
+          <a:ln w="12700">
+            <a:solidFill>
+              <a:schemeClr val="accent5">
+                <a:lumMod val="50000"/>
+              </a:schemeClr>
+            </a:solidFill>
+          </a:ln>
+        </p:spPr>
+        <p:style>
+          <a:lnRef idx="1">
+            <a:schemeClr val="accent1"/>
+          </a:lnRef>
+          <a:fillRef idx="0">
+            <a:schemeClr val="accent1"/>
+          </a:fillRef>
+          <a:effectRef idx="0">
+            <a:schemeClr val="accent1"/>
+          </a:effectRef>
+          <a:fontRef idx="minor">
+            <a:schemeClr val="tx1"/>
+          </a:fontRef>
+        </p:style>
+      </p:cxnSp>
+      <p:sp>
+        <p:nvSpPr>
+          <p:cNvPr id="69" name="Flowchart: Process 68"/>
+          <p:cNvSpPr/>
+          <p:nvPr/>
+        </p:nvSpPr>
+        <p:spPr>
+          <a:xfrm>
+            <a:off x="3675785" y="2914374"/>
+            <a:ext cx="521621" cy="193956"/>
+          </a:xfrm>
+          <a:prstGeom prst="flowChartProcess">
+            <a:avLst/>
+          </a:prstGeom>
+          <a:solidFill>
+            <a:schemeClr val="accent5">
+              <a:lumMod val="75000"/>
+            </a:schemeClr>
+          </a:solidFill>
+          <a:ln>
+            <a:noFill/>
+          </a:ln>
+        </p:spPr>
+        <p:style>
+          <a:lnRef idx="0">
+            <a:scrgbClr r="0" g="0" b="0"/>
+          </a:lnRef>
+          <a:fillRef idx="0">
+            <a:scrgbClr r="0" g="0" b="0"/>
+          </a:fillRef>
+          <a:effectRef idx="0">
+            <a:scrgbClr r="0" g="0" b="0"/>
+          </a:effectRef>
+          <a:fontRef idx="minor">
+            <a:schemeClr val="lt1"/>
+          </a:fontRef>
+        </p:style>
+        <p:txBody>
+          <a:bodyPr lIns="0" tIns="0" rIns="0" bIns="0" rtlCol="1" anchor="t"/>
+          <a:lstStyle/>
+          <a:p>
+            <a:pPr algn="ctr"/>
+            <a:r>
+              <a:rPr lang="en-US" sz="1100" dirty="0">
+                <a:solidFill>
+                  <a:schemeClr val="bg1"/>
+                </a:solidFill>
+              </a:rPr>
+              <a:t>GETTER</a:t>
+            </a:r>
+            <a:endParaRPr lang="he-IL" sz="1100" dirty="0">
+              <a:solidFill>
+                <a:schemeClr val="bg1"/>
+              </a:solidFill>
+            </a:endParaRPr>
+          </a:p>
+        </p:txBody>
+      </p:sp>
+      <p:sp>
+        <p:nvSpPr>
+          <p:cNvPr id="70" name="Flowchart: Process 69"/>
+          <p:cNvSpPr/>
+          <p:nvPr/>
+        </p:nvSpPr>
+        <p:spPr>
+          <a:xfrm>
+            <a:off x="4239510" y="2914374"/>
+            <a:ext cx="539111" cy="193956"/>
+          </a:xfrm>
+          <a:prstGeom prst="flowChartProcess">
+            <a:avLst/>
+          </a:prstGeom>
+          <a:solidFill>
+            <a:schemeClr val="accent5">
+              <a:lumMod val="75000"/>
+            </a:schemeClr>
+          </a:solidFill>
+          <a:ln>
+            <a:noFill/>
+          </a:ln>
+        </p:spPr>
+        <p:style>
+          <a:lnRef idx="0">
+            <a:scrgbClr r="0" g="0" b="0"/>
+          </a:lnRef>
+          <a:fillRef idx="0">
+            <a:scrgbClr r="0" g="0" b="0"/>
+          </a:fillRef>
+          <a:effectRef idx="0">
+            <a:scrgbClr r="0" g="0" b="0"/>
+          </a:effectRef>
+          <a:fontRef idx="minor">
+            <a:schemeClr val="lt1"/>
+          </a:fontRef>
+        </p:style>
+        <p:txBody>
+          <a:bodyPr lIns="0" tIns="0" rIns="0" bIns="0" rtlCol="1" anchor="t"/>
+          <a:lstStyle/>
+          <a:p>
+            <a:pPr algn="ctr"/>
+            <a:r>
+              <a:rPr lang="en-US" sz="1100" dirty="0">
+                <a:solidFill>
+                  <a:schemeClr val="bg1"/>
+                </a:solidFill>
+              </a:rPr>
+              <a:t>SETTER</a:t>
+            </a:r>
+            <a:endParaRPr lang="he-IL" sz="1100" dirty="0">
+              <a:solidFill>
+                <a:schemeClr val="bg1"/>
+              </a:solidFill>
+            </a:endParaRPr>
+          </a:p>
+        </p:txBody>
+      </p:sp>
+      <p:cxnSp>
+        <p:nvCxnSpPr>
+          <p:cNvPr id="71" name="Connector: Elbow 70"/>
+          <p:cNvCxnSpPr>
+            <a:cxnSpLocks/>
+            <a:endCxn id="55" idx="0"/>
+          </p:cNvCxnSpPr>
+          <p:nvPr/>
+        </p:nvCxnSpPr>
+        <p:spPr>
+          <a:xfrm rot="16200000" flipH="1">
+            <a:off x="13968113" y="3758331"/>
+            <a:ext cx="130503" cy="334680"/>
+          </a:xfrm>
+          <a:prstGeom prst="bentConnector3">
+            <a:avLst>
+              <a:gd name="adj1" fmla="val 50000"/>
+            </a:avLst>
+          </a:prstGeom>
+          <a:ln>
+            <a:solidFill>
+              <a:schemeClr val="accent5">
+                <a:lumMod val="50000"/>
+              </a:schemeClr>
+            </a:solidFill>
           </a:ln>
         </p:spPr>
         <p:style>
@@ -14929,22 +14097,29 @@
       </p:cxnSp>
       <p:cxnSp>
         <p:nvCxnSpPr>
-          <p:cNvPr id="59" name="Straight Connector 58"/>
-          <p:cNvCxnSpPr/>
+          <p:cNvPr id="74" name="Connector: Elbow 73"/>
+          <p:cNvCxnSpPr>
+            <a:cxnSpLocks/>
+            <a:endCxn id="56" idx="0"/>
+          </p:cNvCxnSpPr>
           <p:nvPr/>
         </p:nvCxnSpPr>
         <p:spPr>
-          <a:xfrm>
-            <a:off x="2118351" y="4754379"/>
-            <a:ext cx="0" cy="316241"/>
-          </a:xfrm>
-          <a:prstGeom prst="line">
-            <a:avLst/>
-          </a:prstGeom>
-          <a:ln>
-            <a:prstDash val="lgDash"/>
-            <a:headEnd w="lg" len="lg"/>
-            <a:tailEnd type="arrow"/>
+          <a:xfrm rot="5400000">
+            <a:off x="13628016" y="3752688"/>
+            <a:ext cx="130277" cy="345741"/>
+          </a:xfrm>
+          <a:prstGeom prst="bentConnector3">
+            <a:avLst>
+              <a:gd name="adj1" fmla="val 50000"/>
+            </a:avLst>
+          </a:prstGeom>
+          <a:ln>
+            <a:solidFill>
+              <a:schemeClr val="accent5">
+                <a:lumMod val="50000"/>
+              </a:schemeClr>
+            </a:solidFill>
           </a:ln>
         </p:spPr>
         <p:style>
@@ -14962,52 +14137,543 @@
           </a:fontRef>
         </p:style>
       </p:cxnSp>
-      <p:sp>
-        <p:nvSpPr>
-          <p:cNvPr id="64" name="TextBox 63"/>
-          <p:cNvSpPr txBox="1"/>
-          <p:nvPr/>
-        </p:nvSpPr>
-        <p:spPr>
-          <a:xfrm>
-            <a:off x="1517248" y="4474442"/>
-            <a:ext cx="1202205" cy="307777"/>
-          </a:xfrm>
-          <a:prstGeom prst="rect">
-            <a:avLst/>
-          </a:prstGeom>
-          <a:noFill/>
-        </p:spPr>
-        <p:txBody>
-          <a:bodyPr wrap="square" rtlCol="0">
-            <a:spAutoFit/>
-          </a:bodyPr>
+      <p:cxnSp>
+        <p:nvCxnSpPr>
+          <p:cNvPr id="92" name="Connector: Elbow 91"/>
+          <p:cNvCxnSpPr>
+            <a:cxnSpLocks/>
+            <a:stCxn id="50" idx="2"/>
+            <a:endCxn id="69" idx="0"/>
+          </p:cNvCxnSpPr>
+          <p:nvPr/>
+        </p:nvCxnSpPr>
+        <p:spPr>
+          <a:xfrm rot="5400000">
+            <a:off x="4002939" y="2708252"/>
+            <a:ext cx="139779" cy="272464"/>
+          </a:xfrm>
+          <a:prstGeom prst="bentConnector3">
+            <a:avLst>
+              <a:gd name="adj1" fmla="val 50000"/>
+            </a:avLst>
+          </a:prstGeom>
+          <a:ln w="12700">
+            <a:solidFill>
+              <a:schemeClr val="accent5">
+                <a:lumMod val="50000"/>
+              </a:schemeClr>
+            </a:solidFill>
+          </a:ln>
+        </p:spPr>
+        <p:style>
+          <a:lnRef idx="1">
+            <a:schemeClr val="accent1"/>
+          </a:lnRef>
+          <a:fillRef idx="0">
+            <a:schemeClr val="accent1"/>
+          </a:fillRef>
+          <a:effectRef idx="0">
+            <a:schemeClr val="accent1"/>
+          </a:effectRef>
+          <a:fontRef idx="minor">
+            <a:schemeClr val="tx1"/>
+          </a:fontRef>
+        </p:style>
+      </p:cxnSp>
+      <p:cxnSp>
+        <p:nvCxnSpPr>
+          <p:cNvPr id="95" name="Connector: Elbow 94"/>
+          <p:cNvCxnSpPr>
+            <a:cxnSpLocks/>
+            <a:stCxn id="50" idx="2"/>
+            <a:endCxn id="70" idx="0"/>
+          </p:cNvCxnSpPr>
+          <p:nvPr/>
+        </p:nvCxnSpPr>
+        <p:spPr>
+          <a:xfrm rot="16200000" flipH="1">
+            <a:off x="4289174" y="2694481"/>
+            <a:ext cx="139779" cy="300006"/>
+          </a:xfrm>
+          <a:prstGeom prst="bentConnector3">
+            <a:avLst>
+              <a:gd name="adj1" fmla="val 50000"/>
+            </a:avLst>
+          </a:prstGeom>
+          <a:ln w="12700">
+            <a:solidFill>
+              <a:schemeClr val="accent5">
+                <a:lumMod val="50000"/>
+              </a:schemeClr>
+            </a:solidFill>
+          </a:ln>
+        </p:spPr>
+        <p:style>
+          <a:lnRef idx="1">
+            <a:schemeClr val="accent1"/>
+          </a:lnRef>
+          <a:fillRef idx="0">
+            <a:schemeClr val="accent1"/>
+          </a:fillRef>
+          <a:effectRef idx="0">
+            <a:schemeClr val="accent1"/>
+          </a:effectRef>
+          <a:fontRef idx="minor">
+            <a:schemeClr val="tx1"/>
+          </a:fontRef>
+        </p:style>
+      </p:cxnSp>
+      <p:cxnSp>
+        <p:nvCxnSpPr>
+          <p:cNvPr id="98" name="Connector: Elbow 97"/>
+          <p:cNvCxnSpPr>
+            <a:cxnSpLocks/>
+            <a:stCxn id="46" idx="2"/>
+            <a:endCxn id="50" idx="0"/>
+          </p:cNvCxnSpPr>
+          <p:nvPr/>
+        </p:nvCxnSpPr>
+        <p:spPr>
+          <a:xfrm rot="16200000" flipH="1">
+            <a:off x="2848373" y="1219952"/>
+            <a:ext cx="116396" cy="2604977"/>
+          </a:xfrm>
+          <a:prstGeom prst="bentConnector3">
+            <a:avLst>
+              <a:gd name="adj1" fmla="val 50000"/>
+            </a:avLst>
+          </a:prstGeom>
+          <a:ln w="12700">
+            <a:solidFill>
+              <a:schemeClr val="accent5">
+                <a:lumMod val="50000"/>
+              </a:schemeClr>
+            </a:solidFill>
+          </a:ln>
+        </p:spPr>
+        <p:style>
+          <a:lnRef idx="1">
+            <a:schemeClr val="accent1"/>
+          </a:lnRef>
+          <a:fillRef idx="0">
+            <a:schemeClr val="accent1"/>
+          </a:fillRef>
+          <a:effectRef idx="0">
+            <a:schemeClr val="accent1"/>
+          </a:effectRef>
+          <a:fontRef idx="minor">
+            <a:schemeClr val="tx1"/>
+          </a:fontRef>
+        </p:style>
+      </p:cxnSp>
+      <p:cxnSp>
+        <p:nvCxnSpPr>
+          <p:cNvPr id="104" name="Connector: Elbow 103"/>
+          <p:cNvCxnSpPr>
+            <a:cxnSpLocks/>
+            <a:stCxn id="69" idx="2"/>
+            <a:endCxn id="153" idx="0"/>
+          </p:cNvCxnSpPr>
+          <p:nvPr/>
+        </p:nvCxnSpPr>
+        <p:spPr>
+          <a:xfrm rot="5400000">
+            <a:off x="3541916" y="2844516"/>
+            <a:ext cx="130866" cy="658494"/>
+          </a:xfrm>
+          <a:prstGeom prst="bentConnector3">
+            <a:avLst>
+              <a:gd name="adj1" fmla="val 50000"/>
+            </a:avLst>
+          </a:prstGeom>
+          <a:ln w="12700">
+            <a:solidFill>
+              <a:schemeClr val="accent5">
+                <a:lumMod val="50000"/>
+              </a:schemeClr>
+            </a:solidFill>
+          </a:ln>
+        </p:spPr>
+        <p:style>
+          <a:lnRef idx="1">
+            <a:schemeClr val="accent1"/>
+          </a:lnRef>
+          <a:fillRef idx="0">
+            <a:schemeClr val="accent1"/>
+          </a:fillRef>
+          <a:effectRef idx="0">
+            <a:schemeClr val="accent1"/>
+          </a:effectRef>
+          <a:fontRef idx="minor">
+            <a:schemeClr val="tx1"/>
+          </a:fontRef>
+        </p:style>
+      </p:cxnSp>
+      <p:cxnSp>
+        <p:nvCxnSpPr>
+          <p:cNvPr id="105" name="Connector: Elbow 104"/>
+          <p:cNvCxnSpPr>
+            <a:cxnSpLocks/>
+            <a:stCxn id="69" idx="2"/>
+            <a:endCxn id="152" idx="0"/>
+          </p:cNvCxnSpPr>
+          <p:nvPr/>
+        </p:nvCxnSpPr>
+        <p:spPr>
+          <a:xfrm rot="5400000">
+            <a:off x="3825377" y="3127977"/>
+            <a:ext cx="130866" cy="91572"/>
+          </a:xfrm>
+          <a:prstGeom prst="bentConnector3">
+            <a:avLst>
+              <a:gd name="adj1" fmla="val 50000"/>
+            </a:avLst>
+          </a:prstGeom>
+          <a:ln w="12700">
+            <a:solidFill>
+              <a:schemeClr val="accent5">
+                <a:lumMod val="50000"/>
+              </a:schemeClr>
+            </a:solidFill>
+          </a:ln>
+        </p:spPr>
+        <p:style>
+          <a:lnRef idx="1">
+            <a:schemeClr val="accent1"/>
+          </a:lnRef>
+          <a:fillRef idx="0">
+            <a:schemeClr val="accent1"/>
+          </a:fillRef>
+          <a:effectRef idx="0">
+            <a:schemeClr val="accent1"/>
+          </a:effectRef>
+          <a:fontRef idx="minor">
+            <a:schemeClr val="tx1"/>
+          </a:fontRef>
+        </p:style>
+      </p:cxnSp>
+      <p:cxnSp>
+        <p:nvCxnSpPr>
+          <p:cNvPr id="106" name="Connector: Elbow 105"/>
+          <p:cNvCxnSpPr>
+            <a:cxnSpLocks/>
+            <a:stCxn id="70" idx="2"/>
+            <a:endCxn id="168" idx="0"/>
+          </p:cNvCxnSpPr>
+          <p:nvPr/>
+        </p:nvCxnSpPr>
+        <p:spPr>
+          <a:xfrm rot="5400000">
+            <a:off x="4415039" y="3145169"/>
+            <a:ext cx="130866" cy="57188"/>
+          </a:xfrm>
+          <a:prstGeom prst="bentConnector3">
+            <a:avLst>
+              <a:gd name="adj1" fmla="val 50000"/>
+            </a:avLst>
+          </a:prstGeom>
+          <a:ln w="12700">
+            <a:solidFill>
+              <a:schemeClr val="accent5">
+                <a:lumMod val="50000"/>
+              </a:schemeClr>
+            </a:solidFill>
+          </a:ln>
+        </p:spPr>
+        <p:style>
+          <a:lnRef idx="1">
+            <a:schemeClr val="accent1"/>
+          </a:lnRef>
+          <a:fillRef idx="0">
+            <a:schemeClr val="accent1"/>
+          </a:fillRef>
+          <a:effectRef idx="0">
+            <a:schemeClr val="accent1"/>
+          </a:effectRef>
+          <a:fontRef idx="minor">
+            <a:schemeClr val="tx1"/>
+          </a:fontRef>
+        </p:style>
+      </p:cxnSp>
+      <p:cxnSp>
+        <p:nvCxnSpPr>
+          <p:cNvPr id="107" name="Connector: Elbow 106"/>
+          <p:cNvCxnSpPr>
+            <a:cxnSpLocks/>
+            <a:stCxn id="70" idx="2"/>
+            <a:endCxn id="166" idx="0"/>
+          </p:cNvCxnSpPr>
+          <p:nvPr/>
+        </p:nvCxnSpPr>
+        <p:spPr>
+          <a:xfrm rot="16200000" flipH="1">
+            <a:off x="4700882" y="2916513"/>
+            <a:ext cx="130866" cy="514499"/>
+          </a:xfrm>
+          <a:prstGeom prst="bentConnector3">
+            <a:avLst>
+              <a:gd name="adj1" fmla="val 50000"/>
+            </a:avLst>
+          </a:prstGeom>
+          <a:ln w="12700">
+            <a:solidFill>
+              <a:schemeClr val="accent5">
+                <a:lumMod val="50000"/>
+              </a:schemeClr>
+            </a:solidFill>
+          </a:ln>
+        </p:spPr>
+        <p:style>
+          <a:lnRef idx="1">
+            <a:schemeClr val="accent1"/>
+          </a:lnRef>
+          <a:fillRef idx="0">
+            <a:schemeClr val="accent1"/>
+          </a:fillRef>
+          <a:effectRef idx="0">
+            <a:schemeClr val="accent1"/>
+          </a:effectRef>
+          <a:fontRef idx="minor">
+            <a:schemeClr val="tx1"/>
+          </a:fontRef>
+        </p:style>
+      </p:cxnSp>
+      <p:cxnSp>
+        <p:nvCxnSpPr>
+          <p:cNvPr id="108" name="Connector: Elbow 107"/>
+          <p:cNvCxnSpPr>
+            <a:cxnSpLocks/>
+          </p:cNvCxnSpPr>
+          <p:nvPr/>
+        </p:nvCxnSpPr>
+        <p:spPr>
+          <a:xfrm rot="5400000">
+            <a:off x="13361747" y="4153009"/>
+            <a:ext cx="139779" cy="164214"/>
+          </a:xfrm>
+          <a:prstGeom prst="bentConnector3">
+            <a:avLst>
+              <a:gd name="adj1" fmla="val 50000"/>
+            </a:avLst>
+          </a:prstGeom>
+          <a:ln>
+            <a:solidFill>
+              <a:schemeClr val="accent5">
+                <a:lumMod val="50000"/>
+              </a:schemeClr>
+            </a:solidFill>
+          </a:ln>
+        </p:spPr>
+        <p:style>
+          <a:lnRef idx="1">
+            <a:schemeClr val="accent1"/>
+          </a:lnRef>
+          <a:fillRef idx="0">
+            <a:schemeClr val="accent1"/>
+          </a:fillRef>
+          <a:effectRef idx="0">
+            <a:schemeClr val="accent1"/>
+          </a:effectRef>
+          <a:fontRef idx="minor">
+            <a:schemeClr val="tx1"/>
+          </a:fontRef>
+        </p:style>
+      </p:cxnSp>
+      <p:cxnSp>
+        <p:nvCxnSpPr>
+          <p:cNvPr id="109" name="Connector: Elbow 108"/>
+          <p:cNvCxnSpPr>
+            <a:cxnSpLocks/>
+          </p:cNvCxnSpPr>
+          <p:nvPr/>
+        </p:nvCxnSpPr>
+        <p:spPr>
+          <a:xfrm rot="16200000" flipH="1">
+            <a:off x="13524858" y="4154112"/>
+            <a:ext cx="139779" cy="162008"/>
+          </a:xfrm>
+          <a:prstGeom prst="bentConnector3">
+            <a:avLst>
+              <a:gd name="adj1" fmla="val 50000"/>
+            </a:avLst>
+          </a:prstGeom>
+          <a:ln>
+            <a:solidFill>
+              <a:schemeClr val="accent5">
+                <a:lumMod val="50000"/>
+              </a:schemeClr>
+            </a:solidFill>
+          </a:ln>
+        </p:spPr>
+        <p:style>
+          <a:lnRef idx="1">
+            <a:schemeClr val="accent1"/>
+          </a:lnRef>
+          <a:fillRef idx="0">
+            <a:schemeClr val="accent1"/>
+          </a:fillRef>
+          <a:effectRef idx="0">
+            <a:schemeClr val="accent1"/>
+          </a:effectRef>
+          <a:fontRef idx="minor">
+            <a:schemeClr val="tx1"/>
+          </a:fontRef>
+        </p:style>
+      </p:cxnSp>
+      <p:cxnSp>
+        <p:nvCxnSpPr>
+          <p:cNvPr id="110" name="Connector: Elbow 109"/>
+          <p:cNvCxnSpPr>
+            <a:cxnSpLocks/>
+          </p:cNvCxnSpPr>
+          <p:nvPr/>
+        </p:nvCxnSpPr>
+        <p:spPr>
+          <a:xfrm rot="5400000">
+            <a:off x="14048339" y="4172055"/>
+            <a:ext cx="139779" cy="164214"/>
+          </a:xfrm>
+          <a:prstGeom prst="bentConnector3">
+            <a:avLst>
+              <a:gd name="adj1" fmla="val 50000"/>
+            </a:avLst>
+          </a:prstGeom>
+          <a:ln>
+            <a:solidFill>
+              <a:schemeClr val="accent5">
+                <a:lumMod val="50000"/>
+              </a:schemeClr>
+            </a:solidFill>
+          </a:ln>
+        </p:spPr>
+        <p:style>
+          <a:lnRef idx="1">
+            <a:schemeClr val="accent1"/>
+          </a:lnRef>
+          <a:fillRef idx="0">
+            <a:schemeClr val="accent1"/>
+          </a:fillRef>
+          <a:effectRef idx="0">
+            <a:schemeClr val="accent1"/>
+          </a:effectRef>
+          <a:fontRef idx="minor">
+            <a:schemeClr val="tx1"/>
+          </a:fontRef>
+        </p:style>
+      </p:cxnSp>
+      <p:cxnSp>
+        <p:nvCxnSpPr>
+          <p:cNvPr id="111" name="Connector: Elbow 110"/>
+          <p:cNvCxnSpPr>
+            <a:cxnSpLocks/>
+          </p:cNvCxnSpPr>
+          <p:nvPr/>
+        </p:nvCxnSpPr>
+        <p:spPr>
+          <a:xfrm rot="16200000" flipH="1">
+            <a:off x="14211450" y="4173158"/>
+            <a:ext cx="139779" cy="162008"/>
+          </a:xfrm>
+          <a:prstGeom prst="bentConnector3">
+            <a:avLst>
+              <a:gd name="adj1" fmla="val 50000"/>
+            </a:avLst>
+          </a:prstGeom>
+          <a:ln>
+            <a:solidFill>
+              <a:schemeClr val="accent5">
+                <a:lumMod val="50000"/>
+              </a:schemeClr>
+            </a:solidFill>
+          </a:ln>
+        </p:spPr>
+        <p:style>
+          <a:lnRef idx="1">
+            <a:schemeClr val="accent1"/>
+          </a:lnRef>
+          <a:fillRef idx="0">
+            <a:schemeClr val="accent1"/>
+          </a:fillRef>
+          <a:effectRef idx="0">
+            <a:schemeClr val="accent1"/>
+          </a:effectRef>
+          <a:fontRef idx="minor">
+            <a:schemeClr val="tx1"/>
+          </a:fontRef>
+        </p:style>
+      </p:cxnSp>
+      <p:sp>
+        <p:nvSpPr>
+          <p:cNvPr id="112" name="Flowchart: Process 111"/>
+          <p:cNvSpPr/>
+          <p:nvPr/>
+        </p:nvSpPr>
+        <p:spPr>
+          <a:xfrm>
+            <a:off x="1260294" y="375539"/>
+            <a:ext cx="1185027" cy="1351926"/>
+          </a:xfrm>
+          <a:prstGeom prst="flowChartProcess">
+            <a:avLst/>
+          </a:prstGeom>
+          <a:solidFill>
+            <a:srgbClr val="318F64"/>
+          </a:solidFill>
+          <a:ln>
+            <a:noFill/>
+          </a:ln>
+        </p:spPr>
+        <p:style>
+          <a:lnRef idx="0">
+            <a:scrgbClr r="0" g="0" b="0"/>
+          </a:lnRef>
+          <a:fillRef idx="0">
+            <a:scrgbClr r="0" g="0" b="0"/>
+          </a:fillRef>
+          <a:effectRef idx="0">
+            <a:scrgbClr r="0" g="0" b="0"/>
+          </a:effectRef>
+          <a:fontRef idx="minor">
+            <a:schemeClr val="lt1"/>
+          </a:fontRef>
+        </p:style>
+        <p:txBody>
+          <a:bodyPr lIns="0" tIns="0" rIns="0" bIns="0" rtlCol="1" anchor="t"/>
           <a:lstStyle/>
           <a:p>
             <a:pPr algn="ctr"/>
             <a:r>
-              <a:rPr lang="en-US" sz="1400" dirty="0"/>
-              <a:t>Frameworks</a:t>
-            </a:r>
-          </a:p>
-        </p:txBody>
-      </p:sp>
-      <p:sp>
-        <p:nvSpPr>
-          <p:cNvPr id="76" name="Flowchart: Process 75"/>
-          <p:cNvSpPr/>
-          <p:nvPr/>
-        </p:nvSpPr>
-        <p:spPr>
-          <a:xfrm>
-            <a:off x="7962846" y="4698429"/>
-            <a:ext cx="1859333" cy="268606"/>
+              <a:rPr lang="en-US" sz="1400" dirty="0">
+                <a:solidFill>
+                  <a:schemeClr val="bg1"/>
+                </a:solidFill>
+              </a:rPr>
+              <a:t>A type factory</a:t>
+            </a:r>
+            <a:endParaRPr lang="he-IL" sz="1400" dirty="0">
+              <a:solidFill>
+                <a:schemeClr val="bg1"/>
+              </a:solidFill>
+            </a:endParaRPr>
+          </a:p>
+        </p:txBody>
+      </p:sp>
+      <p:sp>
+        <p:nvSpPr>
+          <p:cNvPr id="113" name="Flowchart: Process 112"/>
+          <p:cNvSpPr/>
+          <p:nvPr/>
+        </p:nvSpPr>
+        <p:spPr>
+          <a:xfrm>
+            <a:off x="1371657" y="696495"/>
+            <a:ext cx="984470" cy="212406"/>
           </a:xfrm>
           <a:prstGeom prst="flowChartProcess">
             <a:avLst/>
           </a:prstGeom>
           <a:solidFill>
-            <a:srgbClr val="00D661"/>
+            <a:srgbClr val="70CEA3"/>
           </a:solidFill>
           <a:ln>
             <a:noFill/>
@@ -15028,43 +14694,42 @@
           </a:fontRef>
         </p:style>
         <p:txBody>
-          <a:bodyPr rtlCol="1" anchor="ctr"/>
-          <a:lstStyle/>
-          <a:p>
-            <a:r>
-              <a:rPr lang="en-US" sz="1100" dirty="0">
+          <a:bodyPr lIns="0" tIns="0" rIns="0" bIns="0" rtlCol="1" anchor="ctr"/>
+          <a:lstStyle/>
+          <a:p>
+            <a:pPr algn="ctr"/>
+            <a:r>
+              <a:rPr lang="en-US" sz="1050" dirty="0">
                 <a:solidFill>
                   <a:schemeClr val="tx1"/>
                 </a:solidFill>
-                <a:latin typeface="Consolas" panose="020B0609020204030204" pitchFamily="49" charset="0"/>
               </a:rPr>
-              <a:t>TixDown.Regions.EU</a:t>
-            </a:r>
-            <a:endParaRPr lang="he-IL" sz="1100" dirty="0">
+              <a:t>Convention 1</a:t>
+            </a:r>
+            <a:endParaRPr lang="he-IL" sz="1050" dirty="0">
               <a:solidFill>
                 <a:schemeClr val="tx1"/>
               </a:solidFill>
-              <a:latin typeface="Consolas" panose="020B0609020204030204" pitchFamily="49" charset="0"/>
             </a:endParaRPr>
           </a:p>
         </p:txBody>
       </p:sp>
       <p:sp>
         <p:nvSpPr>
-          <p:cNvPr id="77" name="Flowchart: Process 76"/>
-          <p:cNvSpPr/>
-          <p:nvPr/>
-        </p:nvSpPr>
-        <p:spPr>
-          <a:xfrm>
-            <a:off x="7962847" y="4359862"/>
-            <a:ext cx="1859332" cy="268606"/>
+          <p:cNvPr id="117" name="Flowchart: Process 116"/>
+          <p:cNvSpPr/>
+          <p:nvPr/>
+        </p:nvSpPr>
+        <p:spPr>
+          <a:xfrm>
+            <a:off x="1371657" y="931346"/>
+            <a:ext cx="984470" cy="212406"/>
           </a:xfrm>
           <a:prstGeom prst="flowChartProcess">
             <a:avLst/>
           </a:prstGeom>
           <a:solidFill>
-            <a:srgbClr val="00D661"/>
+            <a:srgbClr val="70CEA3"/>
           </a:solidFill>
           <a:ln>
             <a:noFill/>
@@ -15085,135 +14750,98 @@
           </a:fontRef>
         </p:style>
         <p:txBody>
-          <a:bodyPr rtlCol="1" anchor="ctr"/>
-          <a:lstStyle/>
-          <a:p>
-            <a:r>
-              <a:rPr lang="en-US" sz="1100" dirty="0" err="1">
+          <a:bodyPr lIns="0" tIns="0" rIns="0" bIns="0" rtlCol="1" anchor="ctr"/>
+          <a:lstStyle/>
+          <a:p>
+            <a:pPr algn="ctr"/>
+            <a:r>
+              <a:rPr lang="en-US" sz="1050" dirty="0">
                 <a:solidFill>
                   <a:schemeClr val="tx1"/>
                 </a:solidFill>
-                <a:latin typeface="Consolas" panose="020B0609020204030204" pitchFamily="49" charset="0"/>
               </a:rPr>
-              <a:t>TixDown.Regions.Asia</a:t>
-            </a:r>
-            <a:endParaRPr lang="he-IL" sz="1100" dirty="0">
+              <a:t>Convention 2</a:t>
+            </a:r>
+            <a:endParaRPr lang="he-IL" sz="1050" dirty="0">
               <a:solidFill>
                 <a:schemeClr val="tx1"/>
               </a:solidFill>
-              <a:latin typeface="Consolas" panose="020B0609020204030204" pitchFamily="49" charset="0"/>
             </a:endParaRPr>
           </a:p>
         </p:txBody>
       </p:sp>
-      <p:cxnSp>
-        <p:nvCxnSpPr>
-          <p:cNvPr id="66" name="Straight Connector 65"/>
-          <p:cNvCxnSpPr/>
-          <p:nvPr/>
-        </p:nvCxnSpPr>
-        <p:spPr>
-          <a:xfrm>
-            <a:off x="6537960" y="4163391"/>
-            <a:ext cx="0" cy="1008183"/>
-          </a:xfrm>
-          <a:prstGeom prst="line">
-            <a:avLst/>
-          </a:prstGeom>
-          <a:ln w="19050">
-            <a:solidFill>
-              <a:srgbClr val="00B050"/>
-            </a:solidFill>
-          </a:ln>
-        </p:spPr>
-        <p:style>
-          <a:lnRef idx="1">
-            <a:schemeClr val="accent1"/>
+      <p:sp>
+        <p:nvSpPr>
+          <p:cNvPr id="118" name="Flowchart: Process 117"/>
+          <p:cNvSpPr/>
+          <p:nvPr/>
+        </p:nvSpPr>
+        <p:spPr>
+          <a:xfrm>
+            <a:off x="1371657" y="1401667"/>
+            <a:ext cx="984470" cy="212406"/>
+          </a:xfrm>
+          <a:prstGeom prst="flowChartProcess">
+            <a:avLst/>
+          </a:prstGeom>
+          <a:solidFill>
+            <a:srgbClr val="70CEA3"/>
+          </a:solidFill>
+          <a:ln>
+            <a:noFill/>
+          </a:ln>
+        </p:spPr>
+        <p:style>
+          <a:lnRef idx="0">
+            <a:scrgbClr r="0" g="0" b="0"/>
           </a:lnRef>
           <a:fillRef idx="0">
-            <a:schemeClr val="accent1"/>
-          </a:fillRef>
-          <a:effectRef idx="0">
-            <a:schemeClr val="accent1"/>
-          </a:effectRef>
-          <a:fontRef idx="minor">
-            <a:schemeClr val="tx1"/>
-          </a:fontRef>
-        </p:style>
-      </p:cxnSp>
-      <p:sp>
-        <p:nvSpPr>
-          <p:cNvPr id="22" name="Flowchart: Process 21"/>
-          <p:cNvSpPr/>
-          <p:nvPr/>
-        </p:nvSpPr>
-        <p:spPr>
-          <a:xfrm>
-            <a:off x="5423456" y="4709835"/>
-            <a:ext cx="2238374" cy="268606"/>
-          </a:xfrm>
-          <a:prstGeom prst="flowChartProcess">
-            <a:avLst/>
-          </a:prstGeom>
-          <a:solidFill>
-            <a:srgbClr val="00D661"/>
-          </a:solidFill>
-          <a:ln>
-            <a:noFill/>
-          </a:ln>
-        </p:spPr>
-        <p:style>
-          <a:lnRef idx="0">
-            <a:scrgbClr r="0" g="0" b="0"/>
-          </a:lnRef>
-          <a:fillRef idx="0">
-            <a:scrgbClr r="0" g="0" b="0"/>
-          </a:fillRef>
-          <a:effectRef idx="0">
-            <a:scrgbClr r="0" g="0" b="0"/>
-          </a:effectRef>
-          <a:fontRef idx="minor">
-            <a:schemeClr val="lt1"/>
-          </a:fontRef>
-        </p:style>
-        <p:txBody>
-          <a:bodyPr rtlCol="1" anchor="ctr"/>
-          <a:lstStyle/>
-          <a:p>
-            <a:r>
-              <a:rPr lang="en-US" sz="1100" dirty="0" err="1">
+            <a:scrgbClr r="0" g="0" b="0"/>
+          </a:fillRef>
+          <a:effectRef idx="0">
+            <a:scrgbClr r="0" g="0" b="0"/>
+          </a:effectRef>
+          <a:fontRef idx="minor">
+            <a:schemeClr val="lt1"/>
+          </a:fontRef>
+        </p:style>
+        <p:txBody>
+          <a:bodyPr lIns="0" tIns="0" rIns="0" bIns="0" rtlCol="1" anchor="ctr"/>
+          <a:lstStyle/>
+          <a:p>
+            <a:pPr algn="ctr"/>
+            <a:r>
+              <a:rPr lang="en-US" sz="1050" dirty="0">
                 <a:solidFill>
                   <a:schemeClr val="tx1"/>
                 </a:solidFill>
-                <a:latin typeface="Consolas" panose="020B0609020204030204" pitchFamily="49" charset="0"/>
               </a:rPr>
-              <a:t>TixDown.Vertical.Profit</a:t>
-            </a:r>
-            <a:endParaRPr lang="he-IL" sz="1100" dirty="0">
+              <a:t>Convention N</a:t>
+            </a:r>
+            <a:endParaRPr lang="he-IL" sz="1050" dirty="0">
               <a:solidFill>
                 <a:schemeClr val="tx1"/>
               </a:solidFill>
-              <a:latin typeface="Consolas" panose="020B0609020204030204" pitchFamily="49" charset="0"/>
             </a:endParaRPr>
           </a:p>
         </p:txBody>
       </p:sp>
       <p:sp>
         <p:nvSpPr>
-          <p:cNvPr id="23" name="Flowchart: Process 22"/>
-          <p:cNvSpPr/>
-          <p:nvPr/>
-        </p:nvSpPr>
-        <p:spPr>
-          <a:xfrm>
-            <a:off x="5423456" y="4364369"/>
-            <a:ext cx="2238375" cy="268606"/>
+          <p:cNvPr id="119" name="Flowchart: Process 118"/>
+          <p:cNvSpPr/>
+          <p:nvPr/>
+        </p:nvSpPr>
+        <p:spPr>
+          <a:xfrm>
+            <a:off x="1371657" y="1164808"/>
+            <a:ext cx="984470" cy="212406"/>
           </a:xfrm>
           <a:prstGeom prst="flowChartProcess">
             <a:avLst/>
           </a:prstGeom>
           <a:solidFill>
-            <a:srgbClr val="00D661"/>
+            <a:srgbClr val="70CEA3"/>
           </a:solidFill>
           <a:ln>
             <a:noFill/>
@@ -15234,31 +14862,3077 @@
           </a:fontRef>
         </p:style>
         <p:txBody>
-          <a:bodyPr rtlCol="1" anchor="ctr"/>
-          <a:lstStyle/>
-          <a:p>
-            <a:r>
-              <a:rPr lang="en-US" sz="1100" dirty="0" err="1">
+          <a:bodyPr lIns="0" tIns="0" rIns="0" bIns="0" rtlCol="1" anchor="ctr"/>
+          <a:lstStyle/>
+          <a:p>
+            <a:pPr algn="ctr"/>
+            <a:r>
+              <a:rPr lang="en-US" sz="900" dirty="0">
                 <a:solidFill>
                   <a:schemeClr val="tx1"/>
                 </a:solidFill>
-                <a:latin typeface="Consolas" panose="020B0609020204030204" pitchFamily="49" charset="0"/>
               </a:rPr>
-              <a:t>TixDown.Vertical.NonProfit</a:t>
-            </a:r>
-            <a:endParaRPr lang="he-IL" sz="1100" dirty="0">
+              <a:t>. . .</a:t>
+            </a:r>
+            <a:endParaRPr lang="he-IL" sz="900" dirty="0">
               <a:solidFill>
                 <a:schemeClr val="tx1"/>
               </a:solidFill>
+            </a:endParaRPr>
+          </a:p>
+        </p:txBody>
+      </p:sp>
+      <p:sp>
+        <p:nvSpPr>
+          <p:cNvPr id="57" name="TextBox 56"/>
+          <p:cNvSpPr txBox="1"/>
+          <p:nvPr/>
+        </p:nvSpPr>
+        <p:spPr>
+          <a:xfrm>
+            <a:off x="2696584" y="622350"/>
+            <a:ext cx="3118002" cy="1077218"/>
+          </a:xfrm>
+          <a:prstGeom prst="rect">
+            <a:avLst/>
+          </a:prstGeom>
+          <a:noFill/>
+        </p:spPr>
+        <p:txBody>
+          <a:bodyPr wrap="square" lIns="0" tIns="0" rIns="0" bIns="0" rtlCol="1">
+            <a:spAutoFit/>
+          </a:bodyPr>
+          <a:lstStyle/>
+          <a:p>
+            <a:r>
+              <a:rPr lang="en-US" sz="1000" dirty="0">
+                <a:latin typeface="Consolas" panose="020B0609020204030204" pitchFamily="49" charset="0"/>
+              </a:rPr>
+              <a:t>class1.PUBLIC.OVERRIDE.TYPE&lt;bool&gt;().METHOD(</a:t>
+            </a:r>
+          </a:p>
+          <a:p>
+            <a:r>
+              <a:rPr lang="en-US" sz="1000" dirty="0">
+                <a:latin typeface="Consolas" panose="020B0609020204030204" pitchFamily="49" charset="0"/>
+              </a:rPr>
+              <a:t>    </a:t>
+            </a:r>
+            <a:r>
+              <a:rPr lang="en-US" sz="1000" dirty="0" err="1">
+                <a:latin typeface="Consolas" panose="020B0609020204030204" pitchFamily="49" charset="0"/>
+              </a:rPr>
+              <a:t>nameof</a:t>
+            </a:r>
+            <a:r>
+              <a:rPr lang="en-US" sz="1000" dirty="0">
+                <a:latin typeface="Consolas" panose="020B0609020204030204" pitchFamily="49" charset="0"/>
+              </a:rPr>
+              <a:t>(</a:t>
+            </a:r>
+            <a:r>
+              <a:rPr lang="en-US" sz="1000" dirty="0" err="1">
+                <a:latin typeface="Consolas" panose="020B0609020204030204" pitchFamily="49" charset="0"/>
+              </a:rPr>
+              <a:t>object.Equals</a:t>
+            </a:r>
+            <a:r>
+              <a:rPr lang="en-US" sz="1000" dirty="0">
+                <a:latin typeface="Consolas" panose="020B0609020204030204" pitchFamily="49" charset="0"/>
+              </a:rPr>
+              <a:t>)</a:t>
+            </a:r>
+          </a:p>
+          <a:p>
+            <a:r>
+              <a:rPr lang="en-US" sz="1000" dirty="0">
+                <a:latin typeface="Consolas" panose="020B0609020204030204" pitchFamily="49" charset="0"/>
+              </a:rPr>
+              <a:t>).BODY1((Generator G, PARAMETER other) =&gt; {</a:t>
+            </a:r>
+          </a:p>
+          <a:p>
+            <a:r>
+              <a:rPr lang="en-US" sz="1000" dirty="0">
+                <a:latin typeface="Consolas" panose="020B0609020204030204" pitchFamily="49" charset="0"/>
+              </a:rPr>
+              <a:t>    G.IF(</a:t>
+            </a:r>
+            <a:r>
+              <a:rPr lang="en-US" sz="1000" dirty="0" err="1">
+                <a:latin typeface="Consolas" panose="020B0609020204030204" pitchFamily="49" charset="0"/>
+              </a:rPr>
+              <a:t>other.ISNULL</a:t>
+            </a:r>
+            <a:r>
+              <a:rPr lang="en-US" sz="1000" dirty="0">
+                <a:latin typeface="Consolas" panose="020B0609020204030204" pitchFamily="49" charset="0"/>
+              </a:rPr>
+              <a:t>).THEN(() =&gt; {</a:t>
+            </a:r>
+          </a:p>
+          <a:p>
+            <a:r>
+              <a:rPr lang="en-US" sz="1000" dirty="0">
+                <a:latin typeface="Consolas" panose="020B0609020204030204" pitchFamily="49" charset="0"/>
+              </a:rPr>
+              <a:t>        G.RETURN(false);</a:t>
+            </a:r>
+          </a:p>
+          <a:p>
+            <a:r>
+              <a:rPr lang="en-US" sz="1000" dirty="0">
+                <a:latin typeface="Consolas" panose="020B0609020204030204" pitchFamily="49" charset="0"/>
+              </a:rPr>
+              <a:t>    });</a:t>
+            </a:r>
+          </a:p>
+          <a:p>
+            <a:r>
+              <a:rPr lang="en-US" sz="1000" dirty="0">
+                <a:latin typeface="Consolas" panose="020B0609020204030204" pitchFamily="49" charset="0"/>
+              </a:rPr>
+              <a:t>    ......</a:t>
+            </a:r>
+            <a:endParaRPr lang="he-IL" sz="1000" dirty="0">
               <a:latin typeface="Consolas" panose="020B0609020204030204" pitchFamily="49" charset="0"/>
             </a:endParaRPr>
+          </a:p>
+        </p:txBody>
+      </p:sp>
+      <p:sp>
+        <p:nvSpPr>
+          <p:cNvPr id="58" name="Left Brace 57"/>
+          <p:cNvSpPr/>
+          <p:nvPr/>
+        </p:nvSpPr>
+        <p:spPr>
+          <a:xfrm>
+            <a:off x="2340625" y="569495"/>
+            <a:ext cx="350437" cy="1157970"/>
+          </a:xfrm>
+          <a:prstGeom prst="leftBrace">
+            <a:avLst>
+              <a:gd name="adj1" fmla="val 23902"/>
+              <a:gd name="adj2" fmla="val 41226"/>
+            </a:avLst>
+          </a:prstGeom>
+        </p:spPr>
+        <p:style>
+          <a:lnRef idx="1">
+            <a:schemeClr val="dk1"/>
+          </a:lnRef>
+          <a:fillRef idx="0">
+            <a:schemeClr val="dk1"/>
+          </a:fillRef>
+          <a:effectRef idx="0">
+            <a:schemeClr val="dk1"/>
+          </a:effectRef>
+          <a:fontRef idx="minor">
+            <a:schemeClr val="tx1"/>
+          </a:fontRef>
+        </p:style>
+        <p:txBody>
+          <a:bodyPr rtlCol="1" anchor="ctr"/>
+          <a:lstStyle/>
+          <a:p>
+            <a:pPr algn="ctr"/>
+            <a:endParaRPr lang="he-IL"/>
+          </a:p>
+        </p:txBody>
+      </p:sp>
+      <p:sp>
+        <p:nvSpPr>
+          <p:cNvPr id="125" name="Flowchart: Process 124"/>
+          <p:cNvSpPr/>
+          <p:nvPr/>
+        </p:nvSpPr>
+        <p:spPr>
+          <a:xfrm>
+            <a:off x="6359940" y="375539"/>
+            <a:ext cx="815647" cy="1351926"/>
+          </a:xfrm>
+          <a:prstGeom prst="flowChartProcess">
+            <a:avLst/>
+          </a:prstGeom>
+          <a:solidFill>
+            <a:srgbClr val="318F64"/>
+          </a:solidFill>
+          <a:ln>
+            <a:noFill/>
+          </a:ln>
+        </p:spPr>
+        <p:style>
+          <a:lnRef idx="0">
+            <a:scrgbClr r="0" g="0" b="0"/>
+          </a:lnRef>
+          <a:fillRef idx="0">
+            <a:scrgbClr r="0" g="0" b="0"/>
+          </a:fillRef>
+          <a:effectRef idx="0">
+            <a:scrgbClr r="0" g="0" b="0"/>
+          </a:effectRef>
+          <a:fontRef idx="minor">
+            <a:schemeClr val="lt1"/>
+          </a:fontRef>
+        </p:style>
+        <p:txBody>
+          <a:bodyPr lIns="0" tIns="0" rIns="0" bIns="0" rtlCol="1" anchor="ctr"/>
+          <a:lstStyle/>
+          <a:p>
+            <a:pPr algn="ctr"/>
+            <a:r>
+              <a:rPr lang="en-US" sz="1400" dirty="0">
+                <a:solidFill>
+                  <a:schemeClr val="bg1"/>
+                </a:solidFill>
+              </a:rPr>
+              <a:t>Code</a:t>
+            </a:r>
+            <a:br>
+              <a:rPr lang="en-US" sz="1400" dirty="0">
+                <a:solidFill>
+                  <a:schemeClr val="bg1"/>
+                </a:solidFill>
+              </a:rPr>
+            </a:br>
+            <a:r>
+              <a:rPr lang="en-US" sz="1400" dirty="0">
+                <a:solidFill>
+                  <a:schemeClr val="bg1"/>
+                </a:solidFill>
+              </a:rPr>
+              <a:t>Model</a:t>
+            </a:r>
+          </a:p>
+          <a:p>
+            <a:pPr algn="ctr"/>
+            <a:r>
+              <a:rPr lang="en-US" sz="1400" dirty="0">
+                <a:solidFill>
+                  <a:schemeClr val="bg1"/>
+                </a:solidFill>
+              </a:rPr>
+              <a:t>fluent</a:t>
+            </a:r>
+            <a:br>
+              <a:rPr lang="en-US" sz="1400" dirty="0">
+                <a:solidFill>
+                  <a:schemeClr val="bg1"/>
+                </a:solidFill>
+              </a:rPr>
+            </a:br>
+            <a:r>
+              <a:rPr lang="en-US" sz="1400" dirty="0">
+                <a:solidFill>
+                  <a:schemeClr val="bg1"/>
+                </a:solidFill>
+              </a:rPr>
+              <a:t>API</a:t>
+            </a:r>
+            <a:endParaRPr lang="he-IL" sz="1400" dirty="0">
+              <a:solidFill>
+                <a:schemeClr val="bg1"/>
+              </a:solidFill>
+            </a:endParaRPr>
+          </a:p>
+        </p:txBody>
+      </p:sp>
+      <p:sp>
+        <p:nvSpPr>
+          <p:cNvPr id="59" name="Circle: Hollow 58"/>
+          <p:cNvSpPr/>
+          <p:nvPr/>
+        </p:nvSpPr>
+        <p:spPr>
+          <a:xfrm>
+            <a:off x="6086596" y="1066541"/>
+            <a:ext cx="146050" cy="146050"/>
+          </a:xfrm>
+          <a:prstGeom prst="donut">
+            <a:avLst/>
+          </a:prstGeom>
+          <a:solidFill>
+            <a:srgbClr val="318F64"/>
+          </a:solidFill>
+          <a:ln>
+            <a:noFill/>
+          </a:ln>
+        </p:spPr>
+        <p:style>
+          <a:lnRef idx="2">
+            <a:schemeClr val="accent1">
+              <a:shade val="50000"/>
+            </a:schemeClr>
+          </a:lnRef>
+          <a:fillRef idx="1">
+            <a:schemeClr val="accent1"/>
+          </a:fillRef>
+          <a:effectRef idx="0">
+            <a:schemeClr val="accent1"/>
+          </a:effectRef>
+          <a:fontRef idx="minor">
+            <a:schemeClr val="lt1"/>
+          </a:fontRef>
+        </p:style>
+        <p:txBody>
+          <a:bodyPr rtlCol="1" anchor="ctr"/>
+          <a:lstStyle/>
+          <a:p>
+            <a:pPr algn="ctr"/>
+            <a:endParaRPr lang="he-IL">
+              <a:solidFill>
+                <a:schemeClr val="tx1"/>
+              </a:solidFill>
+            </a:endParaRPr>
+          </a:p>
+        </p:txBody>
+      </p:sp>
+      <p:cxnSp>
+        <p:nvCxnSpPr>
+          <p:cNvPr id="62" name="Straight Connector 61"/>
+          <p:cNvCxnSpPr>
+            <a:cxnSpLocks/>
+            <a:stCxn id="59" idx="6"/>
+          </p:cNvCxnSpPr>
+          <p:nvPr/>
+        </p:nvCxnSpPr>
+        <p:spPr>
+          <a:xfrm>
+            <a:off x="6232646" y="1139566"/>
+            <a:ext cx="127601" cy="0"/>
+          </a:xfrm>
+          <a:prstGeom prst="line">
+            <a:avLst/>
+          </a:prstGeom>
+          <a:ln w="28575">
+            <a:solidFill>
+              <a:srgbClr val="318F64"/>
+            </a:solidFill>
+          </a:ln>
+        </p:spPr>
+        <p:style>
+          <a:lnRef idx="1">
+            <a:schemeClr val="accent1"/>
+          </a:lnRef>
+          <a:fillRef idx="0">
+            <a:schemeClr val="accent1"/>
+          </a:fillRef>
+          <a:effectRef idx="0">
+            <a:schemeClr val="accent1"/>
+          </a:effectRef>
+          <a:fontRef idx="minor">
+            <a:schemeClr val="tx1"/>
+          </a:fontRef>
+        </p:style>
+      </p:cxnSp>
+      <p:sp>
+        <p:nvSpPr>
+          <p:cNvPr id="131" name="Flowchart: Process 130"/>
+          <p:cNvSpPr/>
+          <p:nvPr/>
+        </p:nvSpPr>
+        <p:spPr>
+          <a:xfrm>
+            <a:off x="10992125" y="4322399"/>
+            <a:ext cx="426492" cy="268606"/>
+          </a:xfrm>
+          <a:prstGeom prst="flowChartProcess">
+            <a:avLst/>
+          </a:prstGeom>
+          <a:solidFill>
+            <a:schemeClr val="accent2">
+              <a:lumMod val="75000"/>
+            </a:schemeClr>
+          </a:solidFill>
+          <a:ln>
+            <a:noFill/>
+          </a:ln>
+        </p:spPr>
+        <p:style>
+          <a:lnRef idx="0">
+            <a:scrgbClr r="0" g="0" b="0"/>
+          </a:lnRef>
+          <a:fillRef idx="0">
+            <a:scrgbClr r="0" g="0" b="0"/>
+          </a:fillRef>
+          <a:effectRef idx="0">
+            <a:scrgbClr r="0" g="0" b="0"/>
+          </a:effectRef>
+          <a:fontRef idx="minor">
+            <a:schemeClr val="lt1"/>
+          </a:fontRef>
+        </p:style>
+        <p:txBody>
+          <a:bodyPr rtlCol="1" anchor="ctr"/>
+          <a:lstStyle/>
+          <a:p>
+            <a:pPr algn="ctr"/>
+            <a:r>
+              <a:rPr lang="en-US" sz="1100" dirty="0">
+                <a:solidFill>
+                  <a:schemeClr val="bg1"/>
+                </a:solidFill>
+              </a:rPr>
+              <a:t>Key</a:t>
+            </a:r>
+            <a:endParaRPr lang="he-IL" sz="1100" dirty="0">
+              <a:solidFill>
+                <a:schemeClr val="bg1"/>
+              </a:solidFill>
+            </a:endParaRPr>
+          </a:p>
+        </p:txBody>
+      </p:sp>
+      <p:sp>
+        <p:nvSpPr>
+          <p:cNvPr id="258" name="Right Brace 257"/>
+          <p:cNvSpPr/>
+          <p:nvPr/>
+        </p:nvSpPr>
+        <p:spPr>
+          <a:xfrm>
+            <a:off x="5775954" y="564767"/>
+            <a:ext cx="305120" cy="1157970"/>
+          </a:xfrm>
+          <a:prstGeom prst="rightBrace">
+            <a:avLst>
+              <a:gd name="adj1" fmla="val 27063"/>
+              <a:gd name="adj2" fmla="val 50000"/>
+            </a:avLst>
+          </a:prstGeom>
+          <a:ln>
+            <a:solidFill>
+              <a:schemeClr val="tx1"/>
+            </a:solidFill>
+          </a:ln>
+        </p:spPr>
+        <p:style>
+          <a:lnRef idx="1">
+            <a:schemeClr val="accent1"/>
+          </a:lnRef>
+          <a:fillRef idx="0">
+            <a:schemeClr val="accent1"/>
+          </a:fillRef>
+          <a:effectRef idx="0">
+            <a:schemeClr val="accent1"/>
+          </a:effectRef>
+          <a:fontRef idx="minor">
+            <a:schemeClr val="tx1"/>
+          </a:fontRef>
+        </p:style>
+        <p:txBody>
+          <a:bodyPr rtlCol="1" anchor="ctr"/>
+          <a:lstStyle/>
+          <a:p>
+            <a:pPr algn="ctr"/>
+            <a:endParaRPr lang="he-IL"/>
+          </a:p>
+        </p:txBody>
+      </p:sp>
+      <p:sp>
+        <p:nvSpPr>
+          <p:cNvPr id="138" name="Flowchart: Process 137"/>
+          <p:cNvSpPr/>
+          <p:nvPr/>
+        </p:nvSpPr>
+        <p:spPr>
+          <a:xfrm>
+            <a:off x="2225034" y="2580639"/>
+            <a:ext cx="688753" cy="193956"/>
+          </a:xfrm>
+          <a:prstGeom prst="flowChartProcess">
+            <a:avLst/>
+          </a:prstGeom>
+          <a:solidFill>
+            <a:schemeClr val="accent5">
+              <a:lumMod val="75000"/>
+            </a:schemeClr>
+          </a:solidFill>
+          <a:ln>
+            <a:noFill/>
+          </a:ln>
+        </p:spPr>
+        <p:style>
+          <a:lnRef idx="0">
+            <a:scrgbClr r="0" g="0" b="0"/>
+          </a:lnRef>
+          <a:fillRef idx="0">
+            <a:scrgbClr r="0" g="0" b="0"/>
+          </a:fillRef>
+          <a:effectRef idx="0">
+            <a:scrgbClr r="0" g="0" b="0"/>
+          </a:effectRef>
+          <a:fontRef idx="minor">
+            <a:schemeClr val="lt1"/>
+          </a:fontRef>
+        </p:style>
+        <p:txBody>
+          <a:bodyPr lIns="0" tIns="0" rIns="0" bIns="0" rtlCol="1" anchor="t"/>
+          <a:lstStyle/>
+          <a:p>
+            <a:pPr algn="ctr"/>
+            <a:r>
+              <a:rPr lang="en-US" sz="1100" dirty="0">
+                <a:solidFill>
+                  <a:schemeClr val="bg1"/>
+                </a:solidFill>
+              </a:rPr>
+              <a:t>ATTRIBUTE</a:t>
+            </a:r>
+            <a:endParaRPr lang="he-IL" sz="1100" dirty="0">
+              <a:solidFill>
+                <a:schemeClr val="bg1"/>
+              </a:solidFill>
+            </a:endParaRPr>
+          </a:p>
+        </p:txBody>
+      </p:sp>
+      <p:cxnSp>
+        <p:nvCxnSpPr>
+          <p:cNvPr id="141" name="Connector: Elbow 140"/>
+          <p:cNvCxnSpPr>
+            <a:cxnSpLocks/>
+            <a:stCxn id="46" idx="2"/>
+            <a:endCxn id="138" idx="0"/>
+          </p:cNvCxnSpPr>
+          <p:nvPr/>
+        </p:nvCxnSpPr>
+        <p:spPr>
+          <a:xfrm rot="16200000" flipH="1">
+            <a:off x="2028549" y="2039777"/>
+            <a:ext cx="116396" cy="965328"/>
+          </a:xfrm>
+          <a:prstGeom prst="bentConnector3">
+            <a:avLst>
+              <a:gd name="adj1" fmla="val 50000"/>
+            </a:avLst>
+          </a:prstGeom>
+          <a:ln w="12700">
+            <a:solidFill>
+              <a:schemeClr val="accent5">
+                <a:lumMod val="50000"/>
+              </a:schemeClr>
+            </a:solidFill>
+          </a:ln>
+        </p:spPr>
+        <p:style>
+          <a:lnRef idx="1">
+            <a:schemeClr val="accent1"/>
+          </a:lnRef>
+          <a:fillRef idx="0">
+            <a:schemeClr val="accent1"/>
+          </a:fillRef>
+          <a:effectRef idx="0">
+            <a:schemeClr val="accent1"/>
+          </a:effectRef>
+          <a:fontRef idx="minor">
+            <a:schemeClr val="tx1"/>
+          </a:fontRef>
+        </p:style>
+      </p:cxnSp>
+      <p:sp>
+        <p:nvSpPr>
+          <p:cNvPr id="147" name="Flowchart: Process 146"/>
+          <p:cNvSpPr/>
+          <p:nvPr/>
+        </p:nvSpPr>
+        <p:spPr>
+          <a:xfrm>
+            <a:off x="2978060" y="2582367"/>
+            <a:ext cx="400050" cy="193956"/>
+          </a:xfrm>
+          <a:prstGeom prst="flowChartProcess">
+            <a:avLst/>
+          </a:prstGeom>
+          <a:solidFill>
+            <a:schemeClr val="accent5">
+              <a:lumMod val="75000"/>
+            </a:schemeClr>
+          </a:solidFill>
+          <a:ln>
+            <a:noFill/>
+          </a:ln>
+        </p:spPr>
+        <p:style>
+          <a:lnRef idx="0">
+            <a:scrgbClr r="0" g="0" b="0"/>
+          </a:lnRef>
+          <a:fillRef idx="0">
+            <a:scrgbClr r="0" g="0" b="0"/>
+          </a:fillRef>
+          <a:effectRef idx="0">
+            <a:scrgbClr r="0" g="0" b="0"/>
+          </a:effectRef>
+          <a:fontRef idx="minor">
+            <a:schemeClr val="lt1"/>
+          </a:fontRef>
+        </p:style>
+        <p:txBody>
+          <a:bodyPr lIns="0" tIns="0" rIns="0" bIns="0" rtlCol="1" anchor="t"/>
+          <a:lstStyle/>
+          <a:p>
+            <a:pPr algn="ctr"/>
+            <a:r>
+              <a:rPr lang="en-US" sz="1100" dirty="0">
+                <a:solidFill>
+                  <a:schemeClr val="bg1"/>
+                </a:solidFill>
+              </a:rPr>
+              <a:t>FIELD</a:t>
+            </a:r>
+            <a:endParaRPr lang="he-IL" sz="1100" dirty="0">
+              <a:solidFill>
+                <a:schemeClr val="bg1"/>
+              </a:solidFill>
+            </a:endParaRPr>
+          </a:p>
+        </p:txBody>
+      </p:sp>
+      <p:cxnSp>
+        <p:nvCxnSpPr>
+          <p:cNvPr id="148" name="Connector: Elbow 147"/>
+          <p:cNvCxnSpPr>
+            <a:cxnSpLocks/>
+            <a:stCxn id="46" idx="2"/>
+            <a:endCxn id="147" idx="0"/>
+          </p:cNvCxnSpPr>
+          <p:nvPr/>
+        </p:nvCxnSpPr>
+        <p:spPr>
+          <a:xfrm rot="16200000" flipH="1">
+            <a:off x="2332022" y="1736304"/>
+            <a:ext cx="118124" cy="1574002"/>
+          </a:xfrm>
+          <a:prstGeom prst="bentConnector3">
+            <a:avLst>
+              <a:gd name="adj1" fmla="val 50000"/>
+            </a:avLst>
+          </a:prstGeom>
+          <a:ln w="12700">
+            <a:solidFill>
+              <a:schemeClr val="accent5">
+                <a:lumMod val="50000"/>
+              </a:schemeClr>
+            </a:solidFill>
+          </a:ln>
+        </p:spPr>
+        <p:style>
+          <a:lnRef idx="1">
+            <a:schemeClr val="accent1"/>
+          </a:lnRef>
+          <a:fillRef idx="0">
+            <a:schemeClr val="accent1"/>
+          </a:fillRef>
+          <a:effectRef idx="0">
+            <a:schemeClr val="accent1"/>
+          </a:effectRef>
+          <a:fontRef idx="minor">
+            <a:schemeClr val="tx1"/>
+          </a:fontRef>
+        </p:style>
+      </p:cxnSp>
+      <p:sp>
+        <p:nvSpPr>
+          <p:cNvPr id="152" name="Flowchart: Process 151"/>
+          <p:cNvSpPr/>
+          <p:nvPr/>
+        </p:nvSpPr>
+        <p:spPr>
+          <a:xfrm>
+            <a:off x="3497644" y="3239196"/>
+            <a:ext cx="694759" cy="193956"/>
+          </a:xfrm>
+          <a:prstGeom prst="flowChartProcess">
+            <a:avLst/>
+          </a:prstGeom>
+          <a:solidFill>
+            <a:schemeClr val="accent5">
+              <a:lumMod val="75000"/>
+            </a:schemeClr>
+          </a:solidFill>
+          <a:ln>
+            <a:noFill/>
+          </a:ln>
+        </p:spPr>
+        <p:style>
+          <a:lnRef idx="0">
+            <a:scrgbClr r="0" g="0" b="0"/>
+          </a:lnRef>
+          <a:fillRef idx="0">
+            <a:scrgbClr r="0" g="0" b="0"/>
+          </a:fillRef>
+          <a:effectRef idx="0">
+            <a:scrgbClr r="0" g="0" b="0"/>
+          </a:effectRef>
+          <a:fontRef idx="minor">
+            <a:schemeClr val="lt1"/>
+          </a:fontRef>
+        </p:style>
+        <p:txBody>
+          <a:bodyPr lIns="0" tIns="0" rIns="0" bIns="0" rtlCol="1" anchor="t"/>
+          <a:lstStyle/>
+          <a:p>
+            <a:pPr algn="ctr"/>
+            <a:r>
+              <a:rPr lang="en-US" sz="1100" dirty="0">
+                <a:solidFill>
+                  <a:schemeClr val="bg1"/>
+                </a:solidFill>
+              </a:rPr>
+              <a:t>SIGNATURE</a:t>
+            </a:r>
+            <a:endParaRPr lang="he-IL" sz="1100" dirty="0">
+              <a:solidFill>
+                <a:schemeClr val="bg1"/>
+              </a:solidFill>
+            </a:endParaRPr>
+          </a:p>
+        </p:txBody>
+      </p:sp>
+      <p:sp>
+        <p:nvSpPr>
+          <p:cNvPr id="153" name="Flowchart: Process 152"/>
+          <p:cNvSpPr/>
+          <p:nvPr/>
+        </p:nvSpPr>
+        <p:spPr>
+          <a:xfrm>
+            <a:off x="3091717" y="3239196"/>
+            <a:ext cx="372770" cy="193956"/>
+          </a:xfrm>
+          <a:prstGeom prst="flowChartProcess">
+            <a:avLst/>
+          </a:prstGeom>
+          <a:solidFill>
+            <a:schemeClr val="accent5">
+              <a:lumMod val="75000"/>
+            </a:schemeClr>
+          </a:solidFill>
+          <a:ln>
+            <a:noFill/>
+          </a:ln>
+        </p:spPr>
+        <p:style>
+          <a:lnRef idx="0">
+            <a:scrgbClr r="0" g="0" b="0"/>
+          </a:lnRef>
+          <a:fillRef idx="0">
+            <a:scrgbClr r="0" g="0" b="0"/>
+          </a:fillRef>
+          <a:effectRef idx="0">
+            <a:scrgbClr r="0" g="0" b="0"/>
+          </a:effectRef>
+          <a:fontRef idx="minor">
+            <a:schemeClr val="lt1"/>
+          </a:fontRef>
+        </p:style>
+        <p:txBody>
+          <a:bodyPr lIns="0" tIns="0" rIns="0" bIns="0" rtlCol="1" anchor="t"/>
+          <a:lstStyle/>
+          <a:p>
+            <a:pPr algn="ctr"/>
+            <a:r>
+              <a:rPr lang="en-US" sz="1100" dirty="0">
+                <a:solidFill>
+                  <a:schemeClr val="bg1"/>
+                </a:solidFill>
+              </a:rPr>
+              <a:t>BODY</a:t>
+            </a:r>
+            <a:endParaRPr lang="he-IL" sz="1100" dirty="0">
+              <a:solidFill>
+                <a:schemeClr val="bg1"/>
+              </a:solidFill>
+            </a:endParaRPr>
+          </a:p>
+        </p:txBody>
+      </p:sp>
+      <p:sp>
+        <p:nvSpPr>
+          <p:cNvPr id="166" name="Flowchart: Process 165"/>
+          <p:cNvSpPr/>
+          <p:nvPr/>
+        </p:nvSpPr>
+        <p:spPr>
+          <a:xfrm>
+            <a:off x="4676185" y="3239196"/>
+            <a:ext cx="694759" cy="193956"/>
+          </a:xfrm>
+          <a:prstGeom prst="flowChartProcess">
+            <a:avLst/>
+          </a:prstGeom>
+          <a:solidFill>
+            <a:schemeClr val="accent5">
+              <a:lumMod val="75000"/>
+            </a:schemeClr>
+          </a:solidFill>
+          <a:ln>
+            <a:noFill/>
+          </a:ln>
+        </p:spPr>
+        <p:style>
+          <a:lnRef idx="0">
+            <a:scrgbClr r="0" g="0" b="0"/>
+          </a:lnRef>
+          <a:fillRef idx="0">
+            <a:scrgbClr r="0" g="0" b="0"/>
+          </a:fillRef>
+          <a:effectRef idx="0">
+            <a:scrgbClr r="0" g="0" b="0"/>
+          </a:effectRef>
+          <a:fontRef idx="minor">
+            <a:schemeClr val="lt1"/>
+          </a:fontRef>
+        </p:style>
+        <p:txBody>
+          <a:bodyPr lIns="0" tIns="0" rIns="0" bIns="0" rtlCol="1" anchor="t"/>
+          <a:lstStyle/>
+          <a:p>
+            <a:pPr algn="ctr"/>
+            <a:r>
+              <a:rPr lang="en-US" sz="1100" dirty="0">
+                <a:solidFill>
+                  <a:schemeClr val="bg1"/>
+                </a:solidFill>
+              </a:rPr>
+              <a:t>SIGNATURE</a:t>
+            </a:r>
+            <a:endParaRPr lang="he-IL" sz="1100" dirty="0">
+              <a:solidFill>
+                <a:schemeClr val="bg1"/>
+              </a:solidFill>
+            </a:endParaRPr>
+          </a:p>
+        </p:txBody>
+      </p:sp>
+      <p:sp>
+        <p:nvSpPr>
+          <p:cNvPr id="168" name="Flowchart: Process 167"/>
+          <p:cNvSpPr/>
+          <p:nvPr/>
+        </p:nvSpPr>
+        <p:spPr>
+          <a:xfrm>
+            <a:off x="4265493" y="3239196"/>
+            <a:ext cx="372770" cy="193956"/>
+          </a:xfrm>
+          <a:prstGeom prst="flowChartProcess">
+            <a:avLst/>
+          </a:prstGeom>
+          <a:solidFill>
+            <a:schemeClr val="accent5">
+              <a:lumMod val="75000"/>
+            </a:schemeClr>
+          </a:solidFill>
+          <a:ln>
+            <a:noFill/>
+          </a:ln>
+        </p:spPr>
+        <p:style>
+          <a:lnRef idx="0">
+            <a:scrgbClr r="0" g="0" b="0"/>
+          </a:lnRef>
+          <a:fillRef idx="0">
+            <a:scrgbClr r="0" g="0" b="0"/>
+          </a:fillRef>
+          <a:effectRef idx="0">
+            <a:scrgbClr r="0" g="0" b="0"/>
+          </a:effectRef>
+          <a:fontRef idx="minor">
+            <a:schemeClr val="lt1"/>
+          </a:fontRef>
+        </p:style>
+        <p:txBody>
+          <a:bodyPr lIns="0" tIns="0" rIns="0" bIns="0" rtlCol="1" anchor="t"/>
+          <a:lstStyle/>
+          <a:p>
+            <a:pPr algn="ctr"/>
+            <a:r>
+              <a:rPr lang="en-US" sz="1100" dirty="0">
+                <a:solidFill>
+                  <a:schemeClr val="bg1"/>
+                </a:solidFill>
+              </a:rPr>
+              <a:t>BODY</a:t>
+            </a:r>
+            <a:endParaRPr lang="he-IL" sz="1100" dirty="0">
+              <a:solidFill>
+                <a:schemeClr val="bg1"/>
+              </a:solidFill>
+            </a:endParaRPr>
+          </a:p>
+        </p:txBody>
+      </p:sp>
+      <p:sp>
+        <p:nvSpPr>
+          <p:cNvPr id="171" name="Flowchart: Process 170"/>
+          <p:cNvSpPr/>
+          <p:nvPr/>
+        </p:nvSpPr>
+        <p:spPr>
+          <a:xfrm>
+            <a:off x="5666463" y="2580638"/>
+            <a:ext cx="629136" cy="193956"/>
+          </a:xfrm>
+          <a:prstGeom prst="flowChartProcess">
+            <a:avLst/>
+          </a:prstGeom>
+          <a:solidFill>
+            <a:schemeClr val="accent5">
+              <a:lumMod val="75000"/>
+            </a:schemeClr>
+          </a:solidFill>
+          <a:ln>
+            <a:noFill/>
+          </a:ln>
+        </p:spPr>
+        <p:style>
+          <a:lnRef idx="0">
+            <a:scrgbClr r="0" g="0" b="0"/>
+          </a:lnRef>
+          <a:fillRef idx="0">
+            <a:scrgbClr r="0" g="0" b="0"/>
+          </a:fillRef>
+          <a:effectRef idx="0">
+            <a:scrgbClr r="0" g="0" b="0"/>
+          </a:effectRef>
+          <a:fontRef idx="minor">
+            <a:schemeClr val="lt1"/>
+          </a:fontRef>
+        </p:style>
+        <p:txBody>
+          <a:bodyPr lIns="0" tIns="0" rIns="0" bIns="0" rtlCol="1" anchor="t"/>
+          <a:lstStyle/>
+          <a:p>
+            <a:pPr algn="ctr"/>
+            <a:r>
+              <a:rPr lang="en-US" sz="1100" dirty="0">
+                <a:solidFill>
+                  <a:schemeClr val="bg1"/>
+                </a:solidFill>
+              </a:rPr>
+              <a:t>METHOD</a:t>
+            </a:r>
+            <a:endParaRPr lang="he-IL" sz="1100" dirty="0">
+              <a:solidFill>
+                <a:schemeClr val="bg1"/>
+              </a:solidFill>
+            </a:endParaRPr>
+          </a:p>
+        </p:txBody>
+      </p:sp>
+      <p:cxnSp>
+        <p:nvCxnSpPr>
+          <p:cNvPr id="172" name="Connector: Elbow 171"/>
+          <p:cNvCxnSpPr>
+            <a:cxnSpLocks/>
+            <a:stCxn id="46" idx="2"/>
+            <a:endCxn id="171" idx="0"/>
+          </p:cNvCxnSpPr>
+          <p:nvPr/>
+        </p:nvCxnSpPr>
+        <p:spPr>
+          <a:xfrm rot="16200000" flipH="1">
+            <a:off x="3734360" y="333966"/>
+            <a:ext cx="116395" cy="4376948"/>
+          </a:xfrm>
+          <a:prstGeom prst="bentConnector3">
+            <a:avLst>
+              <a:gd name="adj1" fmla="val 50000"/>
+            </a:avLst>
+          </a:prstGeom>
+          <a:ln w="12700">
+            <a:solidFill>
+              <a:schemeClr val="accent5">
+                <a:lumMod val="50000"/>
+              </a:schemeClr>
+            </a:solidFill>
+          </a:ln>
+        </p:spPr>
+        <p:style>
+          <a:lnRef idx="1">
+            <a:schemeClr val="accent1"/>
+          </a:lnRef>
+          <a:fillRef idx="0">
+            <a:schemeClr val="accent1"/>
+          </a:fillRef>
+          <a:effectRef idx="0">
+            <a:schemeClr val="accent1"/>
+          </a:effectRef>
+          <a:fontRef idx="minor">
+            <a:schemeClr val="tx1"/>
+          </a:fontRef>
+        </p:style>
+      </p:cxnSp>
+      <p:sp>
+        <p:nvSpPr>
+          <p:cNvPr id="177" name="Flowchart: Process 176"/>
+          <p:cNvSpPr/>
+          <p:nvPr/>
+        </p:nvSpPr>
+        <p:spPr>
+          <a:xfrm>
+            <a:off x="3561828" y="3512929"/>
+            <a:ext cx="566389" cy="193956"/>
+          </a:xfrm>
+          <a:prstGeom prst="flowChartProcess">
+            <a:avLst/>
+          </a:prstGeom>
+          <a:solidFill>
+            <a:schemeClr val="accent5">
+              <a:lumMod val="75000"/>
+            </a:schemeClr>
+          </a:solidFill>
+          <a:ln>
+            <a:noFill/>
+          </a:ln>
+        </p:spPr>
+        <p:style>
+          <a:lnRef idx="0">
+            <a:scrgbClr r="0" g="0" b="0"/>
+          </a:lnRef>
+          <a:fillRef idx="0">
+            <a:scrgbClr r="0" g="0" b="0"/>
+          </a:fillRef>
+          <a:effectRef idx="0">
+            <a:scrgbClr r="0" g="0" b="0"/>
+          </a:effectRef>
+          <a:fontRef idx="minor">
+            <a:schemeClr val="lt1"/>
+          </a:fontRef>
+        </p:style>
+        <p:txBody>
+          <a:bodyPr lIns="0" tIns="0" rIns="0" bIns="0" rtlCol="1" anchor="t"/>
+          <a:lstStyle/>
+          <a:p>
+            <a:pPr algn="ctr"/>
+            <a:r>
+              <a:rPr lang="en-US" sz="1100" dirty="0">
+                <a:solidFill>
+                  <a:schemeClr val="bg1"/>
+                </a:solidFill>
+              </a:rPr>
+              <a:t>RET VAL</a:t>
+            </a:r>
+            <a:endParaRPr lang="he-IL" sz="1100" dirty="0">
+              <a:solidFill>
+                <a:schemeClr val="bg1"/>
+              </a:solidFill>
+            </a:endParaRPr>
+          </a:p>
+        </p:txBody>
+      </p:sp>
+      <p:sp>
+        <p:nvSpPr>
+          <p:cNvPr id="178" name="Flowchart: Process 177"/>
+          <p:cNvSpPr/>
+          <p:nvPr/>
+        </p:nvSpPr>
+        <p:spPr>
+          <a:xfrm>
+            <a:off x="4780635" y="3511402"/>
+            <a:ext cx="485858" cy="193956"/>
+          </a:xfrm>
+          <a:prstGeom prst="flowChartProcess">
+            <a:avLst/>
+          </a:prstGeom>
+          <a:solidFill>
+            <a:schemeClr val="accent5">
+              <a:lumMod val="75000"/>
+            </a:schemeClr>
+          </a:solidFill>
+          <a:ln>
+            <a:noFill/>
+          </a:ln>
+        </p:spPr>
+        <p:style>
+          <a:lnRef idx="0">
+            <a:scrgbClr r="0" g="0" b="0"/>
+          </a:lnRef>
+          <a:fillRef idx="0">
+            <a:scrgbClr r="0" g="0" b="0"/>
+          </a:fillRef>
+          <a:effectRef idx="0">
+            <a:scrgbClr r="0" g="0" b="0"/>
+          </a:effectRef>
+          <a:fontRef idx="minor">
+            <a:schemeClr val="lt1"/>
+          </a:fontRef>
+        </p:style>
+        <p:txBody>
+          <a:bodyPr lIns="0" tIns="0" rIns="0" bIns="0" rtlCol="1" anchor="t"/>
+          <a:lstStyle/>
+          <a:p>
+            <a:pPr algn="ctr"/>
+            <a:r>
+              <a:rPr lang="en-US" sz="1100" dirty="0">
+                <a:solidFill>
+                  <a:schemeClr val="bg1"/>
+                </a:solidFill>
+              </a:rPr>
+              <a:t>PARAM</a:t>
+            </a:r>
+            <a:endParaRPr lang="he-IL" sz="1100" dirty="0">
+              <a:solidFill>
+                <a:schemeClr val="bg1"/>
+              </a:solidFill>
+            </a:endParaRPr>
+          </a:p>
+        </p:txBody>
+      </p:sp>
+      <p:cxnSp>
+        <p:nvCxnSpPr>
+          <p:cNvPr id="179" name="Connector: Elbow 178"/>
+          <p:cNvCxnSpPr>
+            <a:cxnSpLocks/>
+            <a:stCxn id="166" idx="2"/>
+            <a:endCxn id="178" idx="0"/>
+          </p:cNvCxnSpPr>
+          <p:nvPr/>
+        </p:nvCxnSpPr>
+        <p:spPr>
+          <a:xfrm rot="5400000">
+            <a:off x="4984440" y="3472277"/>
+            <a:ext cx="78250" cy="1"/>
+          </a:xfrm>
+          <a:prstGeom prst="bentConnector3">
+            <a:avLst>
+              <a:gd name="adj1" fmla="val 50000"/>
+            </a:avLst>
+          </a:prstGeom>
+          <a:ln w="12700">
+            <a:solidFill>
+              <a:schemeClr val="accent5">
+                <a:lumMod val="50000"/>
+              </a:schemeClr>
+            </a:solidFill>
+          </a:ln>
+        </p:spPr>
+        <p:style>
+          <a:lnRef idx="1">
+            <a:schemeClr val="accent1"/>
+          </a:lnRef>
+          <a:fillRef idx="0">
+            <a:schemeClr val="accent1"/>
+          </a:fillRef>
+          <a:effectRef idx="0">
+            <a:schemeClr val="accent1"/>
+          </a:effectRef>
+          <a:fontRef idx="minor">
+            <a:schemeClr val="tx1"/>
+          </a:fontRef>
+        </p:style>
+      </p:cxnSp>
+      <p:cxnSp>
+        <p:nvCxnSpPr>
+          <p:cNvPr id="182" name="Connector: Elbow 181"/>
+          <p:cNvCxnSpPr>
+            <a:cxnSpLocks/>
+            <a:stCxn id="152" idx="2"/>
+            <a:endCxn id="177" idx="0"/>
+          </p:cNvCxnSpPr>
+          <p:nvPr/>
+        </p:nvCxnSpPr>
+        <p:spPr>
+          <a:xfrm rot="5400000">
+            <a:off x="3805136" y="3473040"/>
+            <a:ext cx="79777" cy="1"/>
+          </a:xfrm>
+          <a:prstGeom prst="bentConnector3">
+            <a:avLst>
+              <a:gd name="adj1" fmla="val 50000"/>
+            </a:avLst>
+          </a:prstGeom>
+          <a:ln w="12700">
+            <a:solidFill>
+              <a:schemeClr val="accent5">
+                <a:lumMod val="50000"/>
+              </a:schemeClr>
+            </a:solidFill>
+          </a:ln>
+        </p:spPr>
+        <p:style>
+          <a:lnRef idx="1">
+            <a:schemeClr val="accent1"/>
+          </a:lnRef>
+          <a:fillRef idx="0">
+            <a:schemeClr val="accent1"/>
+          </a:fillRef>
+          <a:effectRef idx="0">
+            <a:schemeClr val="accent1"/>
+          </a:effectRef>
+          <a:fontRef idx="minor">
+            <a:schemeClr val="tx1"/>
+          </a:fontRef>
+        </p:style>
+      </p:cxnSp>
+      <p:cxnSp>
+        <p:nvCxnSpPr>
+          <p:cNvPr id="185" name="Connector: Elbow 184"/>
+          <p:cNvCxnSpPr>
+            <a:cxnSpLocks/>
+          </p:cNvCxnSpPr>
+          <p:nvPr/>
+        </p:nvCxnSpPr>
+        <p:spPr>
+          <a:xfrm rot="5400000">
+            <a:off x="3122170" y="3426632"/>
+            <a:ext cx="139779" cy="164214"/>
+          </a:xfrm>
+          <a:prstGeom prst="bentConnector3">
+            <a:avLst>
+              <a:gd name="adj1" fmla="val 50000"/>
+            </a:avLst>
+          </a:prstGeom>
+          <a:ln>
+            <a:solidFill>
+              <a:schemeClr val="accent5">
+                <a:lumMod val="50000"/>
+              </a:schemeClr>
+            </a:solidFill>
+          </a:ln>
+        </p:spPr>
+        <p:style>
+          <a:lnRef idx="1">
+            <a:schemeClr val="accent1"/>
+          </a:lnRef>
+          <a:fillRef idx="0">
+            <a:schemeClr val="accent1"/>
+          </a:fillRef>
+          <a:effectRef idx="0">
+            <a:schemeClr val="accent1"/>
+          </a:effectRef>
+          <a:fontRef idx="minor">
+            <a:schemeClr val="tx1"/>
+          </a:fontRef>
+        </p:style>
+      </p:cxnSp>
+      <p:cxnSp>
+        <p:nvCxnSpPr>
+          <p:cNvPr id="186" name="Connector: Elbow 185"/>
+          <p:cNvCxnSpPr>
+            <a:cxnSpLocks/>
+          </p:cNvCxnSpPr>
+          <p:nvPr/>
+        </p:nvCxnSpPr>
+        <p:spPr>
+          <a:xfrm rot="16200000" flipH="1">
+            <a:off x="3285281" y="3427735"/>
+            <a:ext cx="139779" cy="162008"/>
+          </a:xfrm>
+          <a:prstGeom prst="bentConnector3">
+            <a:avLst>
+              <a:gd name="adj1" fmla="val 50000"/>
+            </a:avLst>
+          </a:prstGeom>
+          <a:ln>
+            <a:solidFill>
+              <a:schemeClr val="accent5">
+                <a:lumMod val="50000"/>
+              </a:schemeClr>
+            </a:solidFill>
+          </a:ln>
+        </p:spPr>
+        <p:style>
+          <a:lnRef idx="1">
+            <a:schemeClr val="accent1"/>
+          </a:lnRef>
+          <a:fillRef idx="0">
+            <a:schemeClr val="accent1"/>
+          </a:fillRef>
+          <a:effectRef idx="0">
+            <a:schemeClr val="accent1"/>
+          </a:effectRef>
+          <a:fontRef idx="minor">
+            <a:schemeClr val="tx1"/>
+          </a:fontRef>
+        </p:style>
+      </p:cxnSp>
+      <p:cxnSp>
+        <p:nvCxnSpPr>
+          <p:cNvPr id="198" name="Connector: Elbow 197"/>
+          <p:cNvCxnSpPr>
+            <a:cxnSpLocks/>
+          </p:cNvCxnSpPr>
+          <p:nvPr/>
+        </p:nvCxnSpPr>
+        <p:spPr>
+          <a:xfrm rot="5400000">
+            <a:off x="4243709" y="3422794"/>
+            <a:ext cx="139779" cy="164214"/>
+          </a:xfrm>
+          <a:prstGeom prst="bentConnector3">
+            <a:avLst>
+              <a:gd name="adj1" fmla="val 50000"/>
+            </a:avLst>
+          </a:prstGeom>
+          <a:ln>
+            <a:solidFill>
+              <a:schemeClr val="accent5">
+                <a:lumMod val="50000"/>
+              </a:schemeClr>
+            </a:solidFill>
+          </a:ln>
+        </p:spPr>
+        <p:style>
+          <a:lnRef idx="1">
+            <a:schemeClr val="accent1"/>
+          </a:lnRef>
+          <a:fillRef idx="0">
+            <a:schemeClr val="accent1"/>
+          </a:fillRef>
+          <a:effectRef idx="0">
+            <a:schemeClr val="accent1"/>
+          </a:effectRef>
+          <a:fontRef idx="minor">
+            <a:schemeClr val="tx1"/>
+          </a:fontRef>
+        </p:style>
+      </p:cxnSp>
+      <p:cxnSp>
+        <p:nvCxnSpPr>
+          <p:cNvPr id="199" name="Connector: Elbow 198"/>
+          <p:cNvCxnSpPr>
+            <a:cxnSpLocks/>
+          </p:cNvCxnSpPr>
+          <p:nvPr/>
+        </p:nvCxnSpPr>
+        <p:spPr>
+          <a:xfrm rot="16200000" flipH="1">
+            <a:off x="4406820" y="3423897"/>
+            <a:ext cx="139779" cy="162008"/>
+          </a:xfrm>
+          <a:prstGeom prst="bentConnector3">
+            <a:avLst>
+              <a:gd name="adj1" fmla="val 50000"/>
+            </a:avLst>
+          </a:prstGeom>
+          <a:ln>
+            <a:solidFill>
+              <a:schemeClr val="accent5">
+                <a:lumMod val="50000"/>
+              </a:schemeClr>
+            </a:solidFill>
+          </a:ln>
+        </p:spPr>
+        <p:style>
+          <a:lnRef idx="1">
+            <a:schemeClr val="accent1"/>
+          </a:lnRef>
+          <a:fillRef idx="0">
+            <a:schemeClr val="accent1"/>
+          </a:fillRef>
+          <a:effectRef idx="0">
+            <a:schemeClr val="accent1"/>
+          </a:effectRef>
+          <a:fontRef idx="minor">
+            <a:schemeClr val="tx1"/>
+          </a:fontRef>
+        </p:style>
+      </p:cxnSp>
+      <p:sp>
+        <p:nvSpPr>
+          <p:cNvPr id="200" name="Flowchart: Process 199"/>
+          <p:cNvSpPr/>
+          <p:nvPr/>
+        </p:nvSpPr>
+        <p:spPr>
+          <a:xfrm>
+            <a:off x="5630370" y="3234934"/>
+            <a:ext cx="485858" cy="193956"/>
+          </a:xfrm>
+          <a:prstGeom prst="flowChartProcess">
+            <a:avLst/>
+          </a:prstGeom>
+          <a:solidFill>
+            <a:schemeClr val="accent5">
+              <a:lumMod val="75000"/>
+            </a:schemeClr>
+          </a:solidFill>
+          <a:ln>
+            <a:noFill/>
+          </a:ln>
+        </p:spPr>
+        <p:style>
+          <a:lnRef idx="0">
+            <a:scrgbClr r="0" g="0" b="0"/>
+          </a:lnRef>
+          <a:fillRef idx="0">
+            <a:scrgbClr r="0" g="0" b="0"/>
+          </a:fillRef>
+          <a:effectRef idx="0">
+            <a:scrgbClr r="0" g="0" b="0"/>
+          </a:effectRef>
+          <a:fontRef idx="minor">
+            <a:schemeClr val="lt1"/>
+          </a:fontRef>
+        </p:style>
+        <p:txBody>
+          <a:bodyPr lIns="0" tIns="0" rIns="0" bIns="0" rtlCol="1" anchor="t"/>
+          <a:lstStyle/>
+          <a:p>
+            <a:pPr algn="ctr"/>
+            <a:r>
+              <a:rPr lang="en-US" sz="1100" dirty="0">
+                <a:solidFill>
+                  <a:schemeClr val="bg1"/>
+                </a:solidFill>
+              </a:rPr>
+              <a:t>PARAM</a:t>
+            </a:r>
+            <a:endParaRPr lang="he-IL" sz="1100" dirty="0">
+              <a:solidFill>
+                <a:schemeClr val="bg1"/>
+              </a:solidFill>
+            </a:endParaRPr>
+          </a:p>
+        </p:txBody>
+      </p:sp>
+      <p:sp>
+        <p:nvSpPr>
+          <p:cNvPr id="201" name="Flowchart: Process 200"/>
+          <p:cNvSpPr/>
+          <p:nvPr/>
+        </p:nvSpPr>
+        <p:spPr>
+          <a:xfrm>
+            <a:off x="5630370" y="3498670"/>
+            <a:ext cx="485858" cy="193956"/>
+          </a:xfrm>
+          <a:prstGeom prst="flowChartProcess">
+            <a:avLst/>
+          </a:prstGeom>
+          <a:solidFill>
+            <a:schemeClr val="accent5">
+              <a:lumMod val="75000"/>
+            </a:schemeClr>
+          </a:solidFill>
+          <a:ln>
+            <a:noFill/>
+          </a:ln>
+        </p:spPr>
+        <p:style>
+          <a:lnRef idx="0">
+            <a:scrgbClr r="0" g="0" b="0"/>
+          </a:lnRef>
+          <a:fillRef idx="0">
+            <a:scrgbClr r="0" g="0" b="0"/>
+          </a:fillRef>
+          <a:effectRef idx="0">
+            <a:scrgbClr r="0" g="0" b="0"/>
+          </a:effectRef>
+          <a:fontRef idx="minor">
+            <a:schemeClr val="lt1"/>
+          </a:fontRef>
+        </p:style>
+        <p:txBody>
+          <a:bodyPr lIns="0" tIns="0" rIns="0" bIns="0" rtlCol="1" anchor="t"/>
+          <a:lstStyle/>
+          <a:p>
+            <a:pPr algn="ctr"/>
+            <a:r>
+              <a:rPr lang="en-US" sz="1100" dirty="0">
+                <a:solidFill>
+                  <a:schemeClr val="bg1"/>
+                </a:solidFill>
+              </a:rPr>
+              <a:t>PARAM</a:t>
+            </a:r>
+            <a:endParaRPr lang="he-IL" sz="1100" dirty="0">
+              <a:solidFill>
+                <a:schemeClr val="bg1"/>
+              </a:solidFill>
+            </a:endParaRPr>
+          </a:p>
+        </p:txBody>
+      </p:sp>
+      <p:sp>
+        <p:nvSpPr>
+          <p:cNvPr id="202" name="Flowchart: Process 201"/>
+          <p:cNvSpPr/>
+          <p:nvPr/>
+        </p:nvSpPr>
+        <p:spPr>
+          <a:xfrm>
+            <a:off x="6401334" y="3234934"/>
+            <a:ext cx="731041" cy="193956"/>
+          </a:xfrm>
+          <a:prstGeom prst="flowChartProcess">
+            <a:avLst/>
+          </a:prstGeom>
+          <a:solidFill>
+            <a:schemeClr val="accent5">
+              <a:lumMod val="75000"/>
+            </a:schemeClr>
+          </a:solidFill>
+          <a:ln>
+            <a:noFill/>
+          </a:ln>
+        </p:spPr>
+        <p:style>
+          <a:lnRef idx="0">
+            <a:scrgbClr r="0" g="0" b="0"/>
+          </a:lnRef>
+          <a:fillRef idx="0">
+            <a:scrgbClr r="0" g="0" b="0"/>
+          </a:fillRef>
+          <a:effectRef idx="0">
+            <a:scrgbClr r="0" g="0" b="0"/>
+          </a:effectRef>
+          <a:fontRef idx="minor">
+            <a:schemeClr val="lt1"/>
+          </a:fontRef>
+        </p:style>
+        <p:txBody>
+          <a:bodyPr lIns="0" tIns="0" rIns="0" bIns="0" rtlCol="1" anchor="t"/>
+          <a:lstStyle/>
+          <a:p>
+            <a:pPr algn="ctr"/>
+            <a:r>
+              <a:rPr lang="en-US" sz="1100" dirty="0">
+                <a:solidFill>
+                  <a:schemeClr val="bg1"/>
+                </a:solidFill>
+              </a:rPr>
+              <a:t>STATEMENT</a:t>
+            </a:r>
+            <a:endParaRPr lang="he-IL" sz="1100" dirty="0">
+              <a:solidFill>
+                <a:schemeClr val="bg1"/>
+              </a:solidFill>
+            </a:endParaRPr>
+          </a:p>
+        </p:txBody>
+      </p:sp>
+      <p:sp>
+        <p:nvSpPr>
+          <p:cNvPr id="206" name="Flowchart: Process 205"/>
+          <p:cNvSpPr/>
+          <p:nvPr/>
+        </p:nvSpPr>
+        <p:spPr>
+          <a:xfrm>
+            <a:off x="6401334" y="3500416"/>
+            <a:ext cx="731041" cy="193956"/>
+          </a:xfrm>
+          <a:prstGeom prst="flowChartProcess">
+            <a:avLst/>
+          </a:prstGeom>
+          <a:solidFill>
+            <a:schemeClr val="accent5">
+              <a:lumMod val="75000"/>
+            </a:schemeClr>
+          </a:solidFill>
+          <a:ln>
+            <a:noFill/>
+          </a:ln>
+        </p:spPr>
+        <p:style>
+          <a:lnRef idx="0">
+            <a:scrgbClr r="0" g="0" b="0"/>
+          </a:lnRef>
+          <a:fillRef idx="0">
+            <a:scrgbClr r="0" g="0" b="0"/>
+          </a:fillRef>
+          <a:effectRef idx="0">
+            <a:scrgbClr r="0" g="0" b="0"/>
+          </a:effectRef>
+          <a:fontRef idx="minor">
+            <a:schemeClr val="lt1"/>
+          </a:fontRef>
+        </p:style>
+        <p:txBody>
+          <a:bodyPr lIns="0" tIns="0" rIns="0" bIns="0" rtlCol="1" anchor="t"/>
+          <a:lstStyle/>
+          <a:p>
+            <a:pPr algn="ctr"/>
+            <a:r>
+              <a:rPr lang="en-US" sz="1100" dirty="0">
+                <a:solidFill>
+                  <a:schemeClr val="bg1"/>
+                </a:solidFill>
+              </a:rPr>
+              <a:t>STATEMENT</a:t>
+            </a:r>
+            <a:endParaRPr lang="he-IL" sz="1100" dirty="0">
+              <a:solidFill>
+                <a:schemeClr val="bg1"/>
+              </a:solidFill>
+            </a:endParaRPr>
+          </a:p>
+        </p:txBody>
+      </p:sp>
+      <p:cxnSp>
+        <p:nvCxnSpPr>
+          <p:cNvPr id="207" name="Connector: Elbow 206"/>
+          <p:cNvCxnSpPr>
+            <a:cxnSpLocks/>
+            <a:stCxn id="234" idx="2"/>
+            <a:endCxn id="201" idx="1"/>
+          </p:cNvCxnSpPr>
+          <p:nvPr/>
+        </p:nvCxnSpPr>
+        <p:spPr>
+          <a:xfrm rot="5400000">
+            <a:off x="5398894" y="3311961"/>
+            <a:ext cx="515164" cy="52211"/>
+          </a:xfrm>
+          <a:prstGeom prst="bentConnector4">
+            <a:avLst>
+              <a:gd name="adj1" fmla="val 15319"/>
+              <a:gd name="adj2" fmla="val 294587"/>
+            </a:avLst>
+          </a:prstGeom>
+          <a:ln w="12700">
+            <a:solidFill>
+              <a:schemeClr val="accent5">
+                <a:lumMod val="50000"/>
+              </a:schemeClr>
+            </a:solidFill>
+          </a:ln>
+        </p:spPr>
+        <p:style>
+          <a:lnRef idx="1">
+            <a:schemeClr val="accent1"/>
+          </a:lnRef>
+          <a:fillRef idx="0">
+            <a:schemeClr val="accent1"/>
+          </a:fillRef>
+          <a:effectRef idx="0">
+            <a:schemeClr val="accent1"/>
+          </a:effectRef>
+          <a:fontRef idx="minor">
+            <a:schemeClr val="tx1"/>
+          </a:fontRef>
+        </p:style>
+      </p:cxnSp>
+      <p:cxnSp>
+        <p:nvCxnSpPr>
+          <p:cNvPr id="212" name="Connector: Elbow 211"/>
+          <p:cNvCxnSpPr>
+            <a:cxnSpLocks/>
+            <a:stCxn id="234" idx="2"/>
+            <a:endCxn id="200" idx="1"/>
+          </p:cNvCxnSpPr>
+          <p:nvPr/>
+        </p:nvCxnSpPr>
+        <p:spPr>
+          <a:xfrm rot="5400000">
+            <a:off x="5530762" y="3180093"/>
+            <a:ext cx="251428" cy="52211"/>
+          </a:xfrm>
+          <a:prstGeom prst="bentConnector4">
+            <a:avLst>
+              <a:gd name="adj1" fmla="val 30715"/>
+              <a:gd name="adj2" fmla="val 294587"/>
+            </a:avLst>
+          </a:prstGeom>
+          <a:ln w="12700">
+            <a:solidFill>
+              <a:schemeClr val="accent5">
+                <a:lumMod val="50000"/>
+              </a:schemeClr>
+            </a:solidFill>
+          </a:ln>
+        </p:spPr>
+        <p:style>
+          <a:lnRef idx="1">
+            <a:schemeClr val="accent1"/>
+          </a:lnRef>
+          <a:fillRef idx="0">
+            <a:schemeClr val="accent1"/>
+          </a:fillRef>
+          <a:effectRef idx="0">
+            <a:schemeClr val="accent1"/>
+          </a:effectRef>
+          <a:fontRef idx="minor">
+            <a:schemeClr val="tx1"/>
+          </a:fontRef>
+        </p:style>
+      </p:cxnSp>
+      <p:cxnSp>
+        <p:nvCxnSpPr>
+          <p:cNvPr id="220" name="Connector: Elbow 219"/>
+          <p:cNvCxnSpPr>
+            <a:cxnSpLocks/>
+            <a:stCxn id="240" idx="2"/>
+            <a:endCxn id="202" idx="1"/>
+          </p:cNvCxnSpPr>
+          <p:nvPr/>
+        </p:nvCxnSpPr>
+        <p:spPr>
+          <a:xfrm rot="16200000" flipH="1">
+            <a:off x="6219367" y="3149945"/>
+            <a:ext cx="251428" cy="112505"/>
+          </a:xfrm>
+          <a:prstGeom prst="bentConnector2">
+            <a:avLst/>
+          </a:prstGeom>
+          <a:ln w="12700">
+            <a:solidFill>
+              <a:schemeClr val="accent5">
+                <a:lumMod val="50000"/>
+              </a:schemeClr>
+            </a:solidFill>
+          </a:ln>
+        </p:spPr>
+        <p:style>
+          <a:lnRef idx="1">
+            <a:schemeClr val="accent1"/>
+          </a:lnRef>
+          <a:fillRef idx="0">
+            <a:schemeClr val="accent1"/>
+          </a:fillRef>
+          <a:effectRef idx="0">
+            <a:schemeClr val="accent1"/>
+          </a:effectRef>
+          <a:fontRef idx="minor">
+            <a:schemeClr val="tx1"/>
+          </a:fontRef>
+        </p:style>
+      </p:cxnSp>
+      <p:cxnSp>
+        <p:nvCxnSpPr>
+          <p:cNvPr id="224" name="Connector: Elbow 223"/>
+          <p:cNvCxnSpPr>
+            <a:cxnSpLocks/>
+            <a:stCxn id="240" idx="2"/>
+            <a:endCxn id="206" idx="1"/>
+          </p:cNvCxnSpPr>
+          <p:nvPr/>
+        </p:nvCxnSpPr>
+        <p:spPr>
+          <a:xfrm rot="16200000" flipH="1">
+            <a:off x="6086626" y="3282686"/>
+            <a:ext cx="516910" cy="112505"/>
+          </a:xfrm>
+          <a:prstGeom prst="bentConnector2">
+            <a:avLst/>
+          </a:prstGeom>
+          <a:ln w="12700">
+            <a:solidFill>
+              <a:schemeClr val="accent5">
+                <a:lumMod val="50000"/>
+              </a:schemeClr>
+            </a:solidFill>
+          </a:ln>
+        </p:spPr>
+        <p:style>
+          <a:lnRef idx="1">
+            <a:schemeClr val="accent1"/>
+          </a:lnRef>
+          <a:fillRef idx="0">
+            <a:schemeClr val="accent1"/>
+          </a:fillRef>
+          <a:effectRef idx="0">
+            <a:schemeClr val="accent1"/>
+          </a:effectRef>
+          <a:fontRef idx="minor">
+            <a:schemeClr val="tx1"/>
+          </a:fontRef>
+        </p:style>
+      </p:cxnSp>
+      <p:sp>
+        <p:nvSpPr>
+          <p:cNvPr id="234" name="Flowchart: Process 233"/>
+          <p:cNvSpPr/>
+          <p:nvPr/>
+        </p:nvSpPr>
+        <p:spPr>
+          <a:xfrm>
+            <a:off x="5332431" y="2886528"/>
+            <a:ext cx="700300" cy="193956"/>
+          </a:xfrm>
+          <a:prstGeom prst="flowChartProcess">
+            <a:avLst/>
+          </a:prstGeom>
+          <a:solidFill>
+            <a:schemeClr val="accent5">
+              <a:lumMod val="75000"/>
+            </a:schemeClr>
+          </a:solidFill>
+          <a:ln>
+            <a:noFill/>
+          </a:ln>
+        </p:spPr>
+        <p:style>
+          <a:lnRef idx="0">
+            <a:scrgbClr r="0" g="0" b="0"/>
+          </a:lnRef>
+          <a:fillRef idx="0">
+            <a:scrgbClr r="0" g="0" b="0"/>
+          </a:fillRef>
+          <a:effectRef idx="0">
+            <a:scrgbClr r="0" g="0" b="0"/>
+          </a:effectRef>
+          <a:fontRef idx="minor">
+            <a:schemeClr val="lt1"/>
+          </a:fontRef>
+        </p:style>
+        <p:txBody>
+          <a:bodyPr lIns="0" tIns="0" rIns="0" bIns="0" rtlCol="1" anchor="t"/>
+          <a:lstStyle/>
+          <a:p>
+            <a:pPr algn="ctr"/>
+            <a:r>
+              <a:rPr lang="en-US" sz="1100" dirty="0">
+                <a:solidFill>
+                  <a:schemeClr val="bg1"/>
+                </a:solidFill>
+              </a:rPr>
+              <a:t>SIGNATURE</a:t>
+            </a:r>
+            <a:endParaRPr lang="he-IL" sz="1100" dirty="0">
+              <a:solidFill>
+                <a:schemeClr val="bg1"/>
+              </a:solidFill>
+            </a:endParaRPr>
+          </a:p>
+        </p:txBody>
+      </p:sp>
+      <p:sp>
+        <p:nvSpPr>
+          <p:cNvPr id="240" name="Flowchart: Process 239"/>
+          <p:cNvSpPr/>
+          <p:nvPr/>
+        </p:nvSpPr>
+        <p:spPr>
+          <a:xfrm>
+            <a:off x="6081074" y="2886528"/>
+            <a:ext cx="415510" cy="193956"/>
+          </a:xfrm>
+          <a:prstGeom prst="flowChartProcess">
+            <a:avLst/>
+          </a:prstGeom>
+          <a:solidFill>
+            <a:schemeClr val="accent5">
+              <a:lumMod val="75000"/>
+            </a:schemeClr>
+          </a:solidFill>
+          <a:ln>
+            <a:noFill/>
+          </a:ln>
+        </p:spPr>
+        <p:style>
+          <a:lnRef idx="0">
+            <a:scrgbClr r="0" g="0" b="0"/>
+          </a:lnRef>
+          <a:fillRef idx="0">
+            <a:scrgbClr r="0" g="0" b="0"/>
+          </a:fillRef>
+          <a:effectRef idx="0">
+            <a:scrgbClr r="0" g="0" b="0"/>
+          </a:effectRef>
+          <a:fontRef idx="minor">
+            <a:schemeClr val="lt1"/>
+          </a:fontRef>
+        </p:style>
+        <p:txBody>
+          <a:bodyPr lIns="0" tIns="0" rIns="0" bIns="0" rtlCol="1" anchor="t"/>
+          <a:lstStyle/>
+          <a:p>
+            <a:pPr algn="ctr"/>
+            <a:r>
+              <a:rPr lang="en-US" sz="1100" dirty="0">
+                <a:solidFill>
+                  <a:schemeClr val="bg1"/>
+                </a:solidFill>
+              </a:rPr>
+              <a:t>BODY</a:t>
+            </a:r>
+            <a:endParaRPr lang="he-IL" sz="1100" dirty="0">
+              <a:solidFill>
+                <a:schemeClr val="bg1"/>
+              </a:solidFill>
+            </a:endParaRPr>
+          </a:p>
+        </p:txBody>
+      </p:sp>
+      <p:cxnSp>
+        <p:nvCxnSpPr>
+          <p:cNvPr id="243" name="Connector: Elbow 242"/>
+          <p:cNvCxnSpPr>
+            <a:cxnSpLocks/>
+            <a:stCxn id="171" idx="2"/>
+            <a:endCxn id="234" idx="0"/>
+          </p:cNvCxnSpPr>
+          <p:nvPr/>
+        </p:nvCxnSpPr>
+        <p:spPr>
+          <a:xfrm rot="5400000">
+            <a:off x="5775839" y="2681336"/>
+            <a:ext cx="111934" cy="298450"/>
+          </a:xfrm>
+          <a:prstGeom prst="bentConnector3">
+            <a:avLst>
+              <a:gd name="adj1" fmla="val 50000"/>
+            </a:avLst>
+          </a:prstGeom>
+          <a:ln w="12700">
+            <a:solidFill>
+              <a:schemeClr val="accent5">
+                <a:lumMod val="50000"/>
+              </a:schemeClr>
+            </a:solidFill>
+          </a:ln>
+        </p:spPr>
+        <p:style>
+          <a:lnRef idx="1">
+            <a:schemeClr val="accent1"/>
+          </a:lnRef>
+          <a:fillRef idx="0">
+            <a:schemeClr val="accent1"/>
+          </a:fillRef>
+          <a:effectRef idx="0">
+            <a:schemeClr val="accent1"/>
+          </a:effectRef>
+          <a:fontRef idx="minor">
+            <a:schemeClr val="tx1"/>
+          </a:fontRef>
+        </p:style>
+      </p:cxnSp>
+      <p:cxnSp>
+        <p:nvCxnSpPr>
+          <p:cNvPr id="246" name="Connector: Elbow 245"/>
+          <p:cNvCxnSpPr>
+            <a:cxnSpLocks/>
+            <a:stCxn id="171" idx="2"/>
+            <a:endCxn id="240" idx="0"/>
+          </p:cNvCxnSpPr>
+          <p:nvPr/>
+        </p:nvCxnSpPr>
+        <p:spPr>
+          <a:xfrm rot="16200000" flipH="1">
+            <a:off x="6078963" y="2676662"/>
+            <a:ext cx="111934" cy="307798"/>
+          </a:xfrm>
+          <a:prstGeom prst="bentConnector3">
+            <a:avLst>
+              <a:gd name="adj1" fmla="val 50000"/>
+            </a:avLst>
+          </a:prstGeom>
+          <a:ln w="12700">
+            <a:solidFill>
+              <a:schemeClr val="accent5">
+                <a:lumMod val="50000"/>
+              </a:schemeClr>
+            </a:solidFill>
+          </a:ln>
+        </p:spPr>
+        <p:style>
+          <a:lnRef idx="1">
+            <a:schemeClr val="accent1"/>
+          </a:lnRef>
+          <a:fillRef idx="0">
+            <a:schemeClr val="accent1"/>
+          </a:fillRef>
+          <a:effectRef idx="0">
+            <a:schemeClr val="accent1"/>
+          </a:effectRef>
+          <a:fontRef idx="minor">
+            <a:schemeClr val="tx1"/>
+          </a:fontRef>
+        </p:style>
+      </p:cxnSp>
+      <p:sp>
+        <p:nvSpPr>
+          <p:cNvPr id="232" name="Arrow: Down 231"/>
+          <p:cNvSpPr/>
+          <p:nvPr/>
+        </p:nvSpPr>
+        <p:spPr>
+          <a:xfrm>
+            <a:off x="6661062" y="1719312"/>
+            <a:ext cx="280392" cy="377714"/>
+          </a:xfrm>
+          <a:prstGeom prst="downArrow">
+            <a:avLst/>
+          </a:prstGeom>
+          <a:solidFill>
+            <a:srgbClr val="318F64"/>
+          </a:solidFill>
+          <a:ln>
+            <a:noFill/>
+          </a:ln>
+        </p:spPr>
+        <p:style>
+          <a:lnRef idx="2">
+            <a:schemeClr val="accent1">
+              <a:shade val="50000"/>
+            </a:schemeClr>
+          </a:lnRef>
+          <a:fillRef idx="1">
+            <a:schemeClr val="accent1"/>
+          </a:fillRef>
+          <a:effectRef idx="0">
+            <a:schemeClr val="accent1"/>
+          </a:effectRef>
+          <a:fontRef idx="minor">
+            <a:schemeClr val="lt1"/>
+          </a:fontRef>
+        </p:style>
+        <p:txBody>
+          <a:bodyPr rtlCol="1" anchor="ctr"/>
+          <a:lstStyle/>
+          <a:p>
+            <a:pPr algn="ctr"/>
+            <a:endParaRPr lang="he-IL"/>
+          </a:p>
+        </p:txBody>
+      </p:sp>
+      <p:sp>
+        <p:nvSpPr>
+          <p:cNvPr id="252" name="Flowchart: Process 251"/>
+          <p:cNvSpPr/>
+          <p:nvPr/>
+        </p:nvSpPr>
+        <p:spPr>
+          <a:xfrm>
+            <a:off x="1073173" y="4000959"/>
+            <a:ext cx="6238460" cy="1104680"/>
+          </a:xfrm>
+          <a:prstGeom prst="flowChartProcess">
+            <a:avLst/>
+          </a:prstGeom>
+          <a:solidFill>
+            <a:srgbClr val="FBE2D1"/>
+          </a:solidFill>
+          <a:ln>
+            <a:noFill/>
+          </a:ln>
+        </p:spPr>
+        <p:style>
+          <a:lnRef idx="0">
+            <a:scrgbClr r="0" g="0" b="0"/>
+          </a:lnRef>
+          <a:fillRef idx="0">
+            <a:scrgbClr r="0" g="0" b="0"/>
+          </a:fillRef>
+          <a:effectRef idx="0">
+            <a:scrgbClr r="0" g="0" b="0"/>
+          </a:effectRef>
+          <a:fontRef idx="minor">
+            <a:schemeClr val="lt1"/>
+          </a:fontRef>
+        </p:style>
+        <p:txBody>
+          <a:bodyPr rtlCol="1" anchor="t"/>
+          <a:lstStyle/>
+          <a:p>
+            <a:pPr algn="ctr"/>
+            <a:r>
+              <a:rPr lang="en-US" sz="1400" dirty="0">
+                <a:solidFill>
+                  <a:schemeClr val="tx1"/>
+                </a:solidFill>
+              </a:rPr>
+              <a:t>Type Library</a:t>
+            </a:r>
+            <a:endParaRPr lang="he-IL" sz="1400" dirty="0">
+              <a:solidFill>
+                <a:schemeClr val="tx1"/>
+              </a:solidFill>
+            </a:endParaRPr>
+          </a:p>
+        </p:txBody>
+      </p:sp>
+      <p:sp>
+        <p:nvSpPr>
+          <p:cNvPr id="233" name="TextBox 232"/>
+          <p:cNvSpPr txBox="1"/>
+          <p:nvPr/>
+        </p:nvSpPr>
+        <p:spPr>
+          <a:xfrm>
+            <a:off x="5663054" y="4097520"/>
+            <a:ext cx="1265090" cy="261610"/>
+          </a:xfrm>
+          <a:prstGeom prst="rect">
+            <a:avLst/>
+          </a:prstGeom>
+          <a:noFill/>
+        </p:spPr>
+        <p:txBody>
+          <a:bodyPr wrap="none" rtlCol="1">
+            <a:spAutoFit/>
+          </a:bodyPr>
+          <a:lstStyle/>
+          <a:p>
+            <a:r>
+              <a:rPr lang="en-US" sz="1100" dirty="0"/>
+              <a:t>Compiled products</a:t>
+            </a:r>
+            <a:endParaRPr lang="he-IL" sz="1100" dirty="0"/>
+          </a:p>
+        </p:txBody>
+      </p:sp>
+      <p:sp>
+        <p:nvSpPr>
+          <p:cNvPr id="254" name="TextBox 253"/>
+          <p:cNvSpPr txBox="1"/>
+          <p:nvPr/>
+        </p:nvSpPr>
+        <p:spPr>
+          <a:xfrm>
+            <a:off x="1406262" y="4103980"/>
+            <a:ext cx="1035861" cy="261610"/>
+          </a:xfrm>
+          <a:prstGeom prst="rect">
+            <a:avLst/>
+          </a:prstGeom>
+          <a:noFill/>
+        </p:spPr>
+        <p:txBody>
+          <a:bodyPr wrap="none" rtlCol="1">
+            <a:spAutoFit/>
+          </a:bodyPr>
+          <a:lstStyle/>
+          <a:p>
+            <a:r>
+              <a:rPr lang="en-US" sz="1100" dirty="0"/>
+              <a:t>Declared types</a:t>
+            </a:r>
+            <a:endParaRPr lang="he-IL" sz="1100" dirty="0"/>
+          </a:p>
+        </p:txBody>
+      </p:sp>
+      <p:sp>
+        <p:nvSpPr>
+          <p:cNvPr id="320" name="Flowchart: Process 319"/>
+          <p:cNvSpPr/>
+          <p:nvPr/>
+        </p:nvSpPr>
+        <p:spPr>
+          <a:xfrm>
+            <a:off x="1947872" y="4354439"/>
+            <a:ext cx="988502" cy="180373"/>
+          </a:xfrm>
+          <a:prstGeom prst="flowChartProcess">
+            <a:avLst/>
+          </a:prstGeom>
+          <a:solidFill>
+            <a:srgbClr val="EF8D4B"/>
+          </a:solidFill>
+          <a:ln>
+            <a:noFill/>
+          </a:ln>
+        </p:spPr>
+        <p:style>
+          <a:lnRef idx="0">
+            <a:scrgbClr r="0" g="0" b="0"/>
+          </a:lnRef>
+          <a:fillRef idx="0">
+            <a:scrgbClr r="0" g="0" b="0"/>
+          </a:fillRef>
+          <a:effectRef idx="0">
+            <a:scrgbClr r="0" g="0" b="0"/>
+          </a:effectRef>
+          <a:fontRef idx="minor">
+            <a:schemeClr val="lt1"/>
+          </a:fontRef>
+        </p:style>
+        <p:txBody>
+          <a:bodyPr lIns="0" tIns="0" rIns="0" bIns="0" rtlCol="1" anchor="ctr"/>
+          <a:lstStyle/>
+          <a:p>
+            <a:pPr algn="ctr"/>
+            <a:r>
+              <a:rPr lang="en-US" sz="1100" dirty="0">
+                <a:solidFill>
+                  <a:schemeClr val="accent2">
+                    <a:lumMod val="50000"/>
+                  </a:schemeClr>
+                </a:solidFill>
+              </a:rPr>
+              <a:t>Type 4</a:t>
+            </a:r>
+            <a:endParaRPr lang="he-IL" sz="1100" dirty="0">
+              <a:solidFill>
+                <a:schemeClr val="accent2">
+                  <a:lumMod val="50000"/>
+                </a:schemeClr>
+              </a:solidFill>
+            </a:endParaRPr>
+          </a:p>
+        </p:txBody>
+      </p:sp>
+      <p:sp>
+        <p:nvSpPr>
+          <p:cNvPr id="321" name="Flowchart: Process 320"/>
+          <p:cNvSpPr/>
+          <p:nvPr/>
+        </p:nvSpPr>
+        <p:spPr>
+          <a:xfrm>
+            <a:off x="1509592" y="4354439"/>
+            <a:ext cx="426492" cy="180373"/>
+          </a:xfrm>
+          <a:prstGeom prst="flowChartProcess">
+            <a:avLst/>
+          </a:prstGeom>
+          <a:solidFill>
+            <a:schemeClr val="accent2">
+              <a:lumMod val="75000"/>
+            </a:schemeClr>
+          </a:solidFill>
+          <a:ln>
+            <a:noFill/>
+          </a:ln>
+        </p:spPr>
+        <p:style>
+          <a:lnRef idx="0">
+            <a:scrgbClr r="0" g="0" b="0"/>
+          </a:lnRef>
+          <a:fillRef idx="0">
+            <a:scrgbClr r="0" g="0" b="0"/>
+          </a:fillRef>
+          <a:effectRef idx="0">
+            <a:scrgbClr r="0" g="0" b="0"/>
+          </a:effectRef>
+          <a:fontRef idx="minor">
+            <a:schemeClr val="lt1"/>
+          </a:fontRef>
+        </p:style>
+        <p:txBody>
+          <a:bodyPr lIns="0" tIns="0" rIns="0" bIns="0" rtlCol="1" anchor="ctr"/>
+          <a:lstStyle/>
+          <a:p>
+            <a:pPr algn="ctr"/>
+            <a:r>
+              <a:rPr lang="en-US" sz="1100" dirty="0">
+                <a:solidFill>
+                  <a:schemeClr val="bg1"/>
+                </a:solidFill>
+              </a:rPr>
+              <a:t>Key 4</a:t>
+            </a:r>
+            <a:endParaRPr lang="he-IL" sz="1100" dirty="0">
+              <a:solidFill>
+                <a:schemeClr val="bg1"/>
+              </a:solidFill>
+            </a:endParaRPr>
+          </a:p>
+        </p:txBody>
+      </p:sp>
+      <p:sp>
+        <p:nvSpPr>
+          <p:cNvPr id="322" name="Flowchart: Process 321"/>
+          <p:cNvSpPr/>
+          <p:nvPr/>
+        </p:nvSpPr>
+        <p:spPr>
+          <a:xfrm>
+            <a:off x="5845227" y="4354439"/>
+            <a:ext cx="988502" cy="180373"/>
+          </a:xfrm>
+          <a:prstGeom prst="flowChartProcess">
+            <a:avLst/>
+          </a:prstGeom>
+          <a:solidFill>
+            <a:schemeClr val="accent2">
+              <a:lumMod val="75000"/>
+            </a:schemeClr>
+          </a:solidFill>
+          <a:ln>
+            <a:noFill/>
+          </a:ln>
+        </p:spPr>
+        <p:style>
+          <a:lnRef idx="0">
+            <a:scrgbClr r="0" g="0" b="0"/>
+          </a:lnRef>
+          <a:fillRef idx="0">
+            <a:scrgbClr r="0" g="0" b="0"/>
+          </a:fillRef>
+          <a:effectRef idx="0">
+            <a:scrgbClr r="0" g="0" b="0"/>
+          </a:effectRef>
+          <a:fontRef idx="minor">
+            <a:schemeClr val="lt1"/>
+          </a:fontRef>
+        </p:style>
+        <p:txBody>
+          <a:bodyPr lIns="0" tIns="0" rIns="0" bIns="0" rtlCol="1" anchor="ctr"/>
+          <a:lstStyle/>
+          <a:p>
+            <a:pPr algn="ctr"/>
+            <a:r>
+              <a:rPr lang="en-US" sz="1100" dirty="0">
+                <a:solidFill>
+                  <a:schemeClr val="bg1"/>
+                </a:solidFill>
+              </a:rPr>
+              <a:t>Product 1</a:t>
+            </a:r>
+            <a:endParaRPr lang="he-IL" sz="1100" dirty="0">
+              <a:solidFill>
+                <a:schemeClr val="bg1"/>
+              </a:solidFill>
+            </a:endParaRPr>
+          </a:p>
+        </p:txBody>
+      </p:sp>
+      <p:sp>
+        <p:nvSpPr>
+          <p:cNvPr id="323" name="Flowchart: Process 322"/>
+          <p:cNvSpPr/>
+          <p:nvPr/>
+        </p:nvSpPr>
+        <p:spPr>
+          <a:xfrm>
+            <a:off x="5406947" y="4354439"/>
+            <a:ext cx="426492" cy="180373"/>
+          </a:xfrm>
+          <a:prstGeom prst="flowChartProcess">
+            <a:avLst/>
+          </a:prstGeom>
+          <a:solidFill>
+            <a:schemeClr val="accent2">
+              <a:lumMod val="75000"/>
+            </a:schemeClr>
+          </a:solidFill>
+          <a:ln>
+            <a:noFill/>
+          </a:ln>
+        </p:spPr>
+        <p:style>
+          <a:lnRef idx="0">
+            <a:scrgbClr r="0" g="0" b="0"/>
+          </a:lnRef>
+          <a:fillRef idx="0">
+            <a:scrgbClr r="0" g="0" b="0"/>
+          </a:fillRef>
+          <a:effectRef idx="0">
+            <a:scrgbClr r="0" g="0" b="0"/>
+          </a:effectRef>
+          <a:fontRef idx="minor">
+            <a:schemeClr val="lt1"/>
+          </a:fontRef>
+        </p:style>
+        <p:txBody>
+          <a:bodyPr lIns="0" tIns="0" rIns="0" bIns="0" rtlCol="1" anchor="ctr"/>
+          <a:lstStyle/>
+          <a:p>
+            <a:pPr algn="ctr"/>
+            <a:r>
+              <a:rPr lang="en-US" sz="1100" dirty="0">
+                <a:solidFill>
+                  <a:schemeClr val="bg1"/>
+                </a:solidFill>
+              </a:rPr>
+              <a:t>Key 1</a:t>
+            </a:r>
+            <a:endParaRPr lang="he-IL" sz="1100" dirty="0">
+              <a:solidFill>
+                <a:schemeClr val="bg1"/>
+              </a:solidFill>
+            </a:endParaRPr>
+          </a:p>
+        </p:txBody>
+      </p:sp>
+      <p:sp>
+        <p:nvSpPr>
+          <p:cNvPr id="324" name="Flowchart: Process 323"/>
+          <p:cNvSpPr/>
+          <p:nvPr/>
+        </p:nvSpPr>
+        <p:spPr>
+          <a:xfrm>
+            <a:off x="5845227" y="4547052"/>
+            <a:ext cx="988502" cy="180373"/>
+          </a:xfrm>
+          <a:prstGeom prst="flowChartProcess">
+            <a:avLst/>
+          </a:prstGeom>
+          <a:solidFill>
+            <a:schemeClr val="accent2">
+              <a:lumMod val="75000"/>
+            </a:schemeClr>
+          </a:solidFill>
+          <a:ln>
+            <a:noFill/>
+          </a:ln>
+        </p:spPr>
+        <p:style>
+          <a:lnRef idx="0">
+            <a:scrgbClr r="0" g="0" b="0"/>
+          </a:lnRef>
+          <a:fillRef idx="0">
+            <a:scrgbClr r="0" g="0" b="0"/>
+          </a:fillRef>
+          <a:effectRef idx="0">
+            <a:scrgbClr r="0" g="0" b="0"/>
+          </a:effectRef>
+          <a:fontRef idx="minor">
+            <a:schemeClr val="lt1"/>
+          </a:fontRef>
+        </p:style>
+        <p:txBody>
+          <a:bodyPr lIns="0" tIns="0" rIns="0" bIns="0" rtlCol="1" anchor="ctr"/>
+          <a:lstStyle/>
+          <a:p>
+            <a:pPr algn="ctr"/>
+            <a:r>
+              <a:rPr lang="en-US" sz="1100" dirty="0">
+                <a:solidFill>
+                  <a:schemeClr val="bg1"/>
+                </a:solidFill>
+              </a:rPr>
+              <a:t>Product 2</a:t>
+            </a:r>
+            <a:endParaRPr lang="he-IL" sz="1100" dirty="0">
+              <a:solidFill>
+                <a:schemeClr val="bg1"/>
+              </a:solidFill>
+            </a:endParaRPr>
+          </a:p>
+        </p:txBody>
+      </p:sp>
+      <p:sp>
+        <p:nvSpPr>
+          <p:cNvPr id="325" name="Flowchart: Process 324"/>
+          <p:cNvSpPr/>
+          <p:nvPr/>
+        </p:nvSpPr>
+        <p:spPr>
+          <a:xfrm>
+            <a:off x="5406947" y="4547052"/>
+            <a:ext cx="426492" cy="180373"/>
+          </a:xfrm>
+          <a:prstGeom prst="flowChartProcess">
+            <a:avLst/>
+          </a:prstGeom>
+          <a:solidFill>
+            <a:schemeClr val="accent2">
+              <a:lumMod val="75000"/>
+            </a:schemeClr>
+          </a:solidFill>
+          <a:ln>
+            <a:noFill/>
+          </a:ln>
+        </p:spPr>
+        <p:style>
+          <a:lnRef idx="0">
+            <a:scrgbClr r="0" g="0" b="0"/>
+          </a:lnRef>
+          <a:fillRef idx="0">
+            <a:scrgbClr r="0" g="0" b="0"/>
+          </a:fillRef>
+          <a:effectRef idx="0">
+            <a:scrgbClr r="0" g="0" b="0"/>
+          </a:effectRef>
+          <a:fontRef idx="minor">
+            <a:schemeClr val="lt1"/>
+          </a:fontRef>
+        </p:style>
+        <p:txBody>
+          <a:bodyPr lIns="0" tIns="0" rIns="0" bIns="0" rtlCol="1" anchor="ctr"/>
+          <a:lstStyle/>
+          <a:p>
+            <a:pPr algn="ctr"/>
+            <a:r>
+              <a:rPr lang="en-US" sz="1100" dirty="0">
+                <a:solidFill>
+                  <a:schemeClr val="bg1"/>
+                </a:solidFill>
+              </a:rPr>
+              <a:t>Key 2</a:t>
+            </a:r>
+            <a:endParaRPr lang="he-IL" sz="1100" dirty="0">
+              <a:solidFill>
+                <a:schemeClr val="bg1"/>
+              </a:solidFill>
+            </a:endParaRPr>
+          </a:p>
+        </p:txBody>
+      </p:sp>
+      <p:sp>
+        <p:nvSpPr>
+          <p:cNvPr id="326" name="Flowchart: Process 325"/>
+          <p:cNvSpPr/>
+          <p:nvPr/>
+        </p:nvSpPr>
+        <p:spPr>
+          <a:xfrm>
+            <a:off x="5845227" y="4739106"/>
+            <a:ext cx="988502" cy="180373"/>
+          </a:xfrm>
+          <a:prstGeom prst="flowChartProcess">
+            <a:avLst/>
+          </a:prstGeom>
+          <a:solidFill>
+            <a:schemeClr val="accent2">
+              <a:lumMod val="75000"/>
+            </a:schemeClr>
+          </a:solidFill>
+          <a:ln>
+            <a:noFill/>
+          </a:ln>
+        </p:spPr>
+        <p:style>
+          <a:lnRef idx="0">
+            <a:scrgbClr r="0" g="0" b="0"/>
+          </a:lnRef>
+          <a:fillRef idx="0">
+            <a:scrgbClr r="0" g="0" b="0"/>
+          </a:fillRef>
+          <a:effectRef idx="0">
+            <a:scrgbClr r="0" g="0" b="0"/>
+          </a:effectRef>
+          <a:fontRef idx="minor">
+            <a:schemeClr val="lt1"/>
+          </a:fontRef>
+        </p:style>
+        <p:txBody>
+          <a:bodyPr lIns="0" tIns="0" rIns="0" bIns="0" rtlCol="1" anchor="ctr"/>
+          <a:lstStyle/>
+          <a:p>
+            <a:pPr algn="ctr"/>
+            <a:r>
+              <a:rPr lang="en-US" sz="1100" dirty="0">
+                <a:solidFill>
+                  <a:schemeClr val="bg1"/>
+                </a:solidFill>
+              </a:rPr>
+              <a:t>Product 3</a:t>
+            </a:r>
+            <a:endParaRPr lang="he-IL" sz="1100" dirty="0">
+              <a:solidFill>
+                <a:schemeClr val="bg1"/>
+              </a:solidFill>
+            </a:endParaRPr>
+          </a:p>
+        </p:txBody>
+      </p:sp>
+      <p:sp>
+        <p:nvSpPr>
+          <p:cNvPr id="327" name="Flowchart: Process 326"/>
+          <p:cNvSpPr/>
+          <p:nvPr/>
+        </p:nvSpPr>
+        <p:spPr>
+          <a:xfrm>
+            <a:off x="5406947" y="4739106"/>
+            <a:ext cx="426492" cy="180373"/>
+          </a:xfrm>
+          <a:prstGeom prst="flowChartProcess">
+            <a:avLst/>
+          </a:prstGeom>
+          <a:solidFill>
+            <a:schemeClr val="accent2">
+              <a:lumMod val="75000"/>
+            </a:schemeClr>
+          </a:solidFill>
+          <a:ln>
+            <a:noFill/>
+          </a:ln>
+        </p:spPr>
+        <p:style>
+          <a:lnRef idx="0">
+            <a:scrgbClr r="0" g="0" b="0"/>
+          </a:lnRef>
+          <a:fillRef idx="0">
+            <a:scrgbClr r="0" g="0" b="0"/>
+          </a:fillRef>
+          <a:effectRef idx="0">
+            <a:scrgbClr r="0" g="0" b="0"/>
+          </a:effectRef>
+          <a:fontRef idx="minor">
+            <a:schemeClr val="lt1"/>
+          </a:fontRef>
+        </p:style>
+        <p:txBody>
+          <a:bodyPr lIns="0" tIns="0" rIns="0" bIns="0" rtlCol="1" anchor="ctr"/>
+          <a:lstStyle/>
+          <a:p>
+            <a:pPr algn="ctr"/>
+            <a:r>
+              <a:rPr lang="en-US" sz="1100" dirty="0">
+                <a:solidFill>
+                  <a:schemeClr val="bg1"/>
+                </a:solidFill>
+              </a:rPr>
+              <a:t>Key 3</a:t>
+            </a:r>
+            <a:endParaRPr lang="he-IL" sz="1100" dirty="0">
+              <a:solidFill>
+                <a:schemeClr val="bg1"/>
+              </a:solidFill>
+            </a:endParaRPr>
+          </a:p>
+        </p:txBody>
+      </p:sp>
+      <p:sp>
+        <p:nvSpPr>
+          <p:cNvPr id="328" name="Flowchart: Process 327"/>
+          <p:cNvSpPr/>
+          <p:nvPr/>
+        </p:nvSpPr>
+        <p:spPr>
+          <a:xfrm>
+            <a:off x="1947872" y="4547726"/>
+            <a:ext cx="988502" cy="180373"/>
+          </a:xfrm>
+          <a:prstGeom prst="flowChartProcess">
+            <a:avLst/>
+          </a:prstGeom>
+          <a:solidFill>
+            <a:srgbClr val="EF8D4B"/>
+          </a:solidFill>
+          <a:ln>
+            <a:noFill/>
+          </a:ln>
+        </p:spPr>
+        <p:style>
+          <a:lnRef idx="0">
+            <a:scrgbClr r="0" g="0" b="0"/>
+          </a:lnRef>
+          <a:fillRef idx="0">
+            <a:scrgbClr r="0" g="0" b="0"/>
+          </a:fillRef>
+          <a:effectRef idx="0">
+            <a:scrgbClr r="0" g="0" b="0"/>
+          </a:effectRef>
+          <a:fontRef idx="minor">
+            <a:schemeClr val="lt1"/>
+          </a:fontRef>
+        </p:style>
+        <p:txBody>
+          <a:bodyPr lIns="0" tIns="0" rIns="0" bIns="0" rtlCol="1" anchor="ctr"/>
+          <a:lstStyle/>
+          <a:p>
+            <a:pPr algn="ctr"/>
+            <a:r>
+              <a:rPr lang="en-US" sz="1100" dirty="0">
+                <a:solidFill>
+                  <a:schemeClr val="accent2">
+                    <a:lumMod val="50000"/>
+                  </a:schemeClr>
+                </a:solidFill>
+              </a:rPr>
+              <a:t>Type 5</a:t>
+            </a:r>
+            <a:endParaRPr lang="he-IL" sz="1100" dirty="0">
+              <a:solidFill>
+                <a:schemeClr val="accent2">
+                  <a:lumMod val="50000"/>
+                </a:schemeClr>
+              </a:solidFill>
+            </a:endParaRPr>
+          </a:p>
+        </p:txBody>
+      </p:sp>
+      <p:sp>
+        <p:nvSpPr>
+          <p:cNvPr id="329" name="Flowchart: Process 328"/>
+          <p:cNvSpPr/>
+          <p:nvPr/>
+        </p:nvSpPr>
+        <p:spPr>
+          <a:xfrm>
+            <a:off x="1509592" y="4547726"/>
+            <a:ext cx="426492" cy="180373"/>
+          </a:xfrm>
+          <a:prstGeom prst="flowChartProcess">
+            <a:avLst/>
+          </a:prstGeom>
+          <a:solidFill>
+            <a:schemeClr val="accent2">
+              <a:lumMod val="75000"/>
+            </a:schemeClr>
+          </a:solidFill>
+          <a:ln>
+            <a:noFill/>
+          </a:ln>
+        </p:spPr>
+        <p:style>
+          <a:lnRef idx="0">
+            <a:scrgbClr r="0" g="0" b="0"/>
+          </a:lnRef>
+          <a:fillRef idx="0">
+            <a:scrgbClr r="0" g="0" b="0"/>
+          </a:fillRef>
+          <a:effectRef idx="0">
+            <a:scrgbClr r="0" g="0" b="0"/>
+          </a:effectRef>
+          <a:fontRef idx="minor">
+            <a:schemeClr val="lt1"/>
+          </a:fontRef>
+        </p:style>
+        <p:txBody>
+          <a:bodyPr lIns="0" tIns="0" rIns="0" bIns="0" rtlCol="1" anchor="ctr"/>
+          <a:lstStyle/>
+          <a:p>
+            <a:pPr algn="ctr"/>
+            <a:r>
+              <a:rPr lang="en-US" sz="1100" dirty="0">
+                <a:solidFill>
+                  <a:schemeClr val="bg1"/>
+                </a:solidFill>
+              </a:rPr>
+              <a:t>Key 5</a:t>
+            </a:r>
+            <a:endParaRPr lang="he-IL" sz="1100" dirty="0">
+              <a:solidFill>
+                <a:schemeClr val="bg1"/>
+              </a:solidFill>
+            </a:endParaRPr>
+          </a:p>
+        </p:txBody>
+      </p:sp>
+      <p:sp>
+        <p:nvSpPr>
+          <p:cNvPr id="330" name="Flowchart: Process 329"/>
+          <p:cNvSpPr/>
+          <p:nvPr/>
+        </p:nvSpPr>
+        <p:spPr>
+          <a:xfrm>
+            <a:off x="1947872" y="4739106"/>
+            <a:ext cx="988502" cy="180373"/>
+          </a:xfrm>
+          <a:prstGeom prst="flowChartProcess">
+            <a:avLst/>
+          </a:prstGeom>
+          <a:solidFill>
+            <a:srgbClr val="EF8D4B"/>
+          </a:solidFill>
+          <a:ln>
+            <a:noFill/>
+          </a:ln>
+        </p:spPr>
+        <p:style>
+          <a:lnRef idx="0">
+            <a:scrgbClr r="0" g="0" b="0"/>
+          </a:lnRef>
+          <a:fillRef idx="0">
+            <a:scrgbClr r="0" g="0" b="0"/>
+          </a:fillRef>
+          <a:effectRef idx="0">
+            <a:scrgbClr r="0" g="0" b="0"/>
+          </a:effectRef>
+          <a:fontRef idx="minor">
+            <a:schemeClr val="lt1"/>
+          </a:fontRef>
+        </p:style>
+        <p:txBody>
+          <a:bodyPr lIns="0" tIns="0" rIns="0" bIns="0" rtlCol="1" anchor="ctr"/>
+          <a:lstStyle/>
+          <a:p>
+            <a:pPr algn="ctr"/>
+            <a:r>
+              <a:rPr lang="en-US" sz="1100" dirty="0">
+                <a:solidFill>
+                  <a:schemeClr val="accent2">
+                    <a:lumMod val="50000"/>
+                  </a:schemeClr>
+                </a:solidFill>
+              </a:rPr>
+              <a:t>Type 6</a:t>
+            </a:r>
+            <a:endParaRPr lang="he-IL" sz="1100" dirty="0">
+              <a:solidFill>
+                <a:schemeClr val="accent2">
+                  <a:lumMod val="50000"/>
+                </a:schemeClr>
+              </a:solidFill>
+            </a:endParaRPr>
+          </a:p>
+        </p:txBody>
+      </p:sp>
+      <p:sp>
+        <p:nvSpPr>
+          <p:cNvPr id="331" name="Flowchart: Process 330"/>
+          <p:cNvSpPr/>
+          <p:nvPr/>
+        </p:nvSpPr>
+        <p:spPr>
+          <a:xfrm>
+            <a:off x="1509592" y="4739106"/>
+            <a:ext cx="426492" cy="180373"/>
+          </a:xfrm>
+          <a:prstGeom prst="flowChartProcess">
+            <a:avLst/>
+          </a:prstGeom>
+          <a:solidFill>
+            <a:schemeClr val="accent2">
+              <a:lumMod val="75000"/>
+            </a:schemeClr>
+          </a:solidFill>
+          <a:ln>
+            <a:noFill/>
+          </a:ln>
+        </p:spPr>
+        <p:style>
+          <a:lnRef idx="0">
+            <a:scrgbClr r="0" g="0" b="0"/>
+          </a:lnRef>
+          <a:fillRef idx="0">
+            <a:scrgbClr r="0" g="0" b="0"/>
+          </a:fillRef>
+          <a:effectRef idx="0">
+            <a:scrgbClr r="0" g="0" b="0"/>
+          </a:effectRef>
+          <a:fontRef idx="minor">
+            <a:schemeClr val="lt1"/>
+          </a:fontRef>
+        </p:style>
+        <p:txBody>
+          <a:bodyPr lIns="0" tIns="0" rIns="0" bIns="0" rtlCol="1" anchor="ctr"/>
+          <a:lstStyle/>
+          <a:p>
+            <a:pPr algn="ctr"/>
+            <a:r>
+              <a:rPr lang="en-US" sz="1100" dirty="0">
+                <a:solidFill>
+                  <a:schemeClr val="bg1"/>
+                </a:solidFill>
+              </a:rPr>
+              <a:t>Key 6</a:t>
+            </a:r>
+            <a:endParaRPr lang="he-IL" sz="1100" dirty="0">
+              <a:solidFill>
+                <a:schemeClr val="bg1"/>
+              </a:solidFill>
+            </a:endParaRPr>
+          </a:p>
+        </p:txBody>
+      </p:sp>
+      <p:cxnSp>
+        <p:nvCxnSpPr>
+          <p:cNvPr id="236" name="Straight Connector 235"/>
+          <p:cNvCxnSpPr/>
+          <p:nvPr/>
+        </p:nvCxnSpPr>
+        <p:spPr>
+          <a:xfrm>
+            <a:off x="4192403" y="4348285"/>
+            <a:ext cx="0" cy="616914"/>
+          </a:xfrm>
+          <a:prstGeom prst="line">
+            <a:avLst/>
+          </a:prstGeom>
+          <a:ln w="12700">
+            <a:solidFill>
+              <a:srgbClr val="EF8D4B"/>
+            </a:solidFill>
+            <a:prstDash val="sysDot"/>
+          </a:ln>
+        </p:spPr>
+        <p:style>
+          <a:lnRef idx="1">
+            <a:schemeClr val="accent1"/>
+          </a:lnRef>
+          <a:fillRef idx="0">
+            <a:schemeClr val="accent1"/>
+          </a:fillRef>
+          <a:effectRef idx="0">
+            <a:schemeClr val="accent1"/>
+          </a:effectRef>
+          <a:fontRef idx="minor">
+            <a:schemeClr val="tx1"/>
+          </a:fontRef>
+        </p:style>
+      </p:cxnSp>
+      <p:sp>
+        <p:nvSpPr>
+          <p:cNvPr id="332" name="Arrow: Down 331"/>
+          <p:cNvSpPr/>
+          <p:nvPr/>
+        </p:nvSpPr>
+        <p:spPr>
+          <a:xfrm>
+            <a:off x="2442123" y="3801487"/>
+            <a:ext cx="280392" cy="458232"/>
+          </a:xfrm>
+          <a:prstGeom prst="downArrow">
+            <a:avLst/>
+          </a:prstGeom>
+          <a:solidFill>
+            <a:srgbClr val="91BCE3"/>
+          </a:solidFill>
+          <a:ln>
+            <a:noFill/>
+          </a:ln>
+        </p:spPr>
+        <p:style>
+          <a:lnRef idx="2">
+            <a:schemeClr val="accent1">
+              <a:shade val="50000"/>
+            </a:schemeClr>
+          </a:lnRef>
+          <a:fillRef idx="1">
+            <a:schemeClr val="accent1"/>
+          </a:fillRef>
+          <a:effectRef idx="0">
+            <a:schemeClr val="accent1"/>
+          </a:effectRef>
+          <a:fontRef idx="minor">
+            <a:schemeClr val="lt1"/>
+          </a:fontRef>
+        </p:style>
+        <p:txBody>
+          <a:bodyPr rtlCol="1" anchor="ctr"/>
+          <a:lstStyle/>
+          <a:p>
+            <a:pPr algn="ctr"/>
+            <a:endParaRPr lang="he-IL"/>
+          </a:p>
+        </p:txBody>
+      </p:sp>
+      <p:sp>
+        <p:nvSpPr>
+          <p:cNvPr id="333" name="Flowchart: Process 332"/>
+          <p:cNvSpPr/>
+          <p:nvPr/>
+        </p:nvSpPr>
+        <p:spPr>
+          <a:xfrm>
+            <a:off x="1073173" y="5312526"/>
+            <a:ext cx="6238460" cy="398868"/>
+          </a:xfrm>
+          <a:prstGeom prst="flowChartProcess">
+            <a:avLst/>
+          </a:prstGeom>
+          <a:solidFill>
+            <a:srgbClr val="FF9F9F"/>
+          </a:solidFill>
+          <a:ln>
+            <a:noFill/>
+          </a:ln>
+        </p:spPr>
+        <p:style>
+          <a:lnRef idx="0">
+            <a:scrgbClr r="0" g="0" b="0"/>
+          </a:lnRef>
+          <a:fillRef idx="0">
+            <a:scrgbClr r="0" g="0" b="0"/>
+          </a:fillRef>
+          <a:effectRef idx="0">
+            <a:scrgbClr r="0" g="0" b="0"/>
+          </a:effectRef>
+          <a:fontRef idx="minor">
+            <a:schemeClr val="lt1"/>
+          </a:fontRef>
+        </p:style>
+        <p:txBody>
+          <a:bodyPr rtlCol="1" anchor="ctr"/>
+          <a:lstStyle/>
+          <a:p>
+            <a:pPr algn="ctr"/>
+            <a:r>
+              <a:rPr lang="en-US" sz="1400" dirty="0">
+                <a:solidFill>
+                  <a:schemeClr val="tx1"/>
+                </a:solidFill>
+              </a:rPr>
+              <a:t>Back-End</a:t>
+            </a:r>
+            <a:endParaRPr lang="he-IL" sz="1400" dirty="0">
+              <a:solidFill>
+                <a:schemeClr val="tx1"/>
+              </a:solidFill>
+            </a:endParaRPr>
+          </a:p>
+        </p:txBody>
+      </p:sp>
+      <p:sp>
+        <p:nvSpPr>
+          <p:cNvPr id="334" name="Arrow: Down 333"/>
+          <p:cNvSpPr/>
+          <p:nvPr/>
+        </p:nvSpPr>
+        <p:spPr>
+          <a:xfrm>
+            <a:off x="2112867" y="4945380"/>
+            <a:ext cx="280392" cy="395478"/>
+          </a:xfrm>
+          <a:prstGeom prst="downArrow">
+            <a:avLst/>
+          </a:prstGeom>
+          <a:solidFill>
+            <a:srgbClr val="EF8D4B"/>
+          </a:solidFill>
+          <a:ln>
+            <a:noFill/>
+          </a:ln>
+        </p:spPr>
+        <p:style>
+          <a:lnRef idx="2">
+            <a:schemeClr val="accent1">
+              <a:shade val="50000"/>
+            </a:schemeClr>
+          </a:lnRef>
+          <a:fillRef idx="1">
+            <a:schemeClr val="accent1"/>
+          </a:fillRef>
+          <a:effectRef idx="0">
+            <a:schemeClr val="accent1"/>
+          </a:effectRef>
+          <a:fontRef idx="minor">
+            <a:schemeClr val="lt1"/>
+          </a:fontRef>
+        </p:style>
+        <p:txBody>
+          <a:bodyPr rtlCol="1" anchor="ctr"/>
+          <a:lstStyle/>
+          <a:p>
+            <a:pPr algn="ctr"/>
+            <a:endParaRPr lang="he-IL"/>
+          </a:p>
+        </p:txBody>
+      </p:sp>
+      <p:sp>
+        <p:nvSpPr>
+          <p:cNvPr id="335" name="Arrow: Down 334"/>
+          <p:cNvSpPr/>
+          <p:nvPr/>
+        </p:nvSpPr>
+        <p:spPr>
+          <a:xfrm rot="10800000">
+            <a:off x="6116228" y="4919581"/>
+            <a:ext cx="280392" cy="395478"/>
+          </a:xfrm>
+          <a:prstGeom prst="downArrow">
+            <a:avLst/>
+          </a:prstGeom>
+          <a:solidFill>
+            <a:srgbClr val="FF9F9F"/>
+          </a:solidFill>
+          <a:ln>
+            <a:noFill/>
+          </a:ln>
+        </p:spPr>
+        <p:style>
+          <a:lnRef idx="2">
+            <a:schemeClr val="accent1">
+              <a:shade val="50000"/>
+            </a:schemeClr>
+          </a:lnRef>
+          <a:fillRef idx="1">
+            <a:schemeClr val="accent1"/>
+          </a:fillRef>
+          <a:effectRef idx="0">
+            <a:schemeClr val="accent1"/>
+          </a:effectRef>
+          <a:fontRef idx="minor">
+            <a:schemeClr val="lt1"/>
+          </a:fontRef>
+        </p:style>
+        <p:txBody>
+          <a:bodyPr rtlCol="1" anchor="ctr"/>
+          <a:lstStyle/>
+          <a:p>
+            <a:pPr algn="ctr"/>
+            <a:endParaRPr lang="he-IL"/>
           </a:p>
         </p:txBody>
       </p:sp>
     </p:spTree>
     <p:extLst>
       <p:ext uri="{BB962C8B-B14F-4D97-AF65-F5344CB8AC3E}">
-        <p14:creationId xmlns:p14="http://schemas.microsoft.com/office/powerpoint/2010/main" val="182945506"/>
+        <p14:creationId xmlns:p14="http://schemas.microsoft.com/office/powerpoint/2010/main" val="1414095989"/>
       </p:ext>
     </p:extLst>
   </p:cSld>
@@ -15285,6 +17959,2074 @@
           <a:chExt cx="0" cy="0"/>
         </a:xfrm>
       </p:grpSpPr>
+      <p:cxnSp>
+        <p:nvCxnSpPr>
+          <p:cNvPr id="88" name="Straight Connector 87"/>
+          <p:cNvCxnSpPr/>
+          <p:nvPr/>
+        </p:nvCxnSpPr>
+        <p:spPr>
+          <a:xfrm>
+            <a:off x="8892540" y="4163391"/>
+            <a:ext cx="0" cy="1008183"/>
+          </a:xfrm>
+          <a:prstGeom prst="line">
+            <a:avLst/>
+          </a:prstGeom>
+          <a:ln w="19050">
+            <a:solidFill>
+              <a:srgbClr val="00B050"/>
+            </a:solidFill>
+          </a:ln>
+        </p:spPr>
+        <p:style>
+          <a:lnRef idx="1">
+            <a:schemeClr val="accent1"/>
+          </a:lnRef>
+          <a:fillRef idx="0">
+            <a:schemeClr val="accent1"/>
+          </a:fillRef>
+          <a:effectRef idx="0">
+            <a:schemeClr val="accent1"/>
+          </a:effectRef>
+          <a:fontRef idx="minor">
+            <a:schemeClr val="tx1"/>
+          </a:fontRef>
+        </p:style>
+      </p:cxnSp>
+      <p:cxnSp>
+        <p:nvCxnSpPr>
+          <p:cNvPr id="87" name="Straight Connector 86"/>
+          <p:cNvCxnSpPr/>
+          <p:nvPr/>
+        </p:nvCxnSpPr>
+        <p:spPr>
+          <a:xfrm>
+            <a:off x="7818120" y="5166360"/>
+            <a:ext cx="0" cy="1348740"/>
+          </a:xfrm>
+          <a:prstGeom prst="line">
+            <a:avLst/>
+          </a:prstGeom>
+          <a:ln w="19050">
+            <a:solidFill>
+              <a:srgbClr val="00B050"/>
+            </a:solidFill>
+          </a:ln>
+        </p:spPr>
+        <p:style>
+          <a:lnRef idx="1">
+            <a:schemeClr val="accent1"/>
+          </a:lnRef>
+          <a:fillRef idx="0">
+            <a:schemeClr val="accent1"/>
+          </a:fillRef>
+          <a:effectRef idx="0">
+            <a:schemeClr val="accent1"/>
+          </a:effectRef>
+          <a:fontRef idx="minor">
+            <a:schemeClr val="tx1"/>
+          </a:fontRef>
+        </p:style>
+      </p:cxnSp>
+      <p:cxnSp>
+        <p:nvCxnSpPr>
+          <p:cNvPr id="3" name="Straight Connector 2"/>
+          <p:cNvCxnSpPr>
+            <a:stCxn id="61" idx="2"/>
+          </p:cNvCxnSpPr>
+          <p:nvPr/>
+        </p:nvCxnSpPr>
+        <p:spPr>
+          <a:xfrm>
+            <a:off x="5043255" y="300172"/>
+            <a:ext cx="20389" cy="4871402"/>
+          </a:xfrm>
+          <a:prstGeom prst="line">
+            <a:avLst/>
+          </a:prstGeom>
+          <a:ln w="41275">
+            <a:solidFill>
+              <a:srgbClr val="00B050"/>
+            </a:solidFill>
+            <a:headEnd type="stealth" w="lg" len="lg"/>
+            <a:tailEnd type="none" w="lg" len="lg"/>
+          </a:ln>
+        </p:spPr>
+        <p:style>
+          <a:lnRef idx="1">
+            <a:schemeClr val="accent1"/>
+          </a:lnRef>
+          <a:fillRef idx="0">
+            <a:schemeClr val="accent1"/>
+          </a:fillRef>
+          <a:effectRef idx="0">
+            <a:schemeClr val="accent1"/>
+          </a:effectRef>
+          <a:fontRef idx="minor">
+            <a:schemeClr val="tx1"/>
+          </a:fontRef>
+        </p:style>
+      </p:cxnSp>
+      <p:cxnSp>
+        <p:nvCxnSpPr>
+          <p:cNvPr id="44" name="Straight Connector 43"/>
+          <p:cNvCxnSpPr>
+            <a:endCxn id="63" idx="1"/>
+          </p:cNvCxnSpPr>
+          <p:nvPr/>
+        </p:nvCxnSpPr>
+        <p:spPr>
+          <a:xfrm>
+            <a:off x="5059978" y="5171574"/>
+            <a:ext cx="5318462" cy="0"/>
+          </a:xfrm>
+          <a:prstGeom prst="line">
+            <a:avLst/>
+          </a:prstGeom>
+          <a:ln w="41275">
+            <a:solidFill>
+              <a:srgbClr val="00B050"/>
+            </a:solidFill>
+            <a:tailEnd type="stealth" w="lg" len="lg"/>
+          </a:ln>
+        </p:spPr>
+        <p:style>
+          <a:lnRef idx="1">
+            <a:schemeClr val="accent1"/>
+          </a:lnRef>
+          <a:fillRef idx="0">
+            <a:schemeClr val="accent1"/>
+          </a:fillRef>
+          <a:effectRef idx="0">
+            <a:schemeClr val="accent1"/>
+          </a:effectRef>
+          <a:fontRef idx="minor">
+            <a:schemeClr val="tx1"/>
+          </a:fontRef>
+        </p:style>
+      </p:cxnSp>
+      <p:sp>
+        <p:nvSpPr>
+          <p:cNvPr id="20" name="Flowchart: Process 19"/>
+          <p:cNvSpPr/>
+          <p:nvPr/>
+        </p:nvSpPr>
+        <p:spPr>
+          <a:xfrm>
+            <a:off x="2669950" y="3514643"/>
+            <a:ext cx="2362273" cy="268606"/>
+          </a:xfrm>
+          <a:prstGeom prst="flowChartProcess">
+            <a:avLst/>
+          </a:prstGeom>
+          <a:solidFill>
+            <a:schemeClr val="accent4">
+              <a:lumMod val="60000"/>
+              <a:lumOff val="40000"/>
+            </a:schemeClr>
+          </a:solidFill>
+          <a:ln>
+            <a:noFill/>
+          </a:ln>
+        </p:spPr>
+        <p:style>
+          <a:lnRef idx="0">
+            <a:scrgbClr r="0" g="0" b="0"/>
+          </a:lnRef>
+          <a:fillRef idx="0">
+            <a:scrgbClr r="0" g="0" b="0"/>
+          </a:fillRef>
+          <a:effectRef idx="0">
+            <a:scrgbClr r="0" g="0" b="0"/>
+          </a:effectRef>
+          <a:fontRef idx="minor">
+            <a:schemeClr val="lt1"/>
+          </a:fontRef>
+        </p:style>
+        <p:txBody>
+          <a:bodyPr rtlCol="1" anchor="ctr"/>
+          <a:lstStyle/>
+          <a:p>
+            <a:r>
+              <a:rPr lang="en-US" sz="1100" dirty="0" err="1">
+                <a:solidFill>
+                  <a:schemeClr val="tx1"/>
+                </a:solidFill>
+                <a:latin typeface="Consolas" panose="020B0609020204030204" pitchFamily="49" charset="0"/>
+              </a:rPr>
+              <a:t>NWheels.Domains.Security</a:t>
+            </a:r>
+            <a:endParaRPr lang="he-IL" sz="1100" dirty="0">
+              <a:solidFill>
+                <a:schemeClr val="tx1"/>
+              </a:solidFill>
+              <a:latin typeface="Consolas" panose="020B0609020204030204" pitchFamily="49" charset="0"/>
+            </a:endParaRPr>
+          </a:p>
+        </p:txBody>
+      </p:sp>
+      <p:cxnSp>
+        <p:nvCxnSpPr>
+          <p:cNvPr id="60" name="Straight Connector 59"/>
+          <p:cNvCxnSpPr/>
+          <p:nvPr/>
+        </p:nvCxnSpPr>
+        <p:spPr>
+          <a:xfrm>
+            <a:off x="3976033" y="4754379"/>
+            <a:ext cx="26527" cy="2811780"/>
+          </a:xfrm>
+          <a:prstGeom prst="line">
+            <a:avLst/>
+          </a:prstGeom>
+          <a:ln w="41275">
+            <a:solidFill>
+              <a:schemeClr val="accent2">
+                <a:lumMod val="75000"/>
+              </a:schemeClr>
+            </a:solidFill>
+            <a:headEnd w="lg" len="lg"/>
+            <a:tailEnd type="stealth" w="lg" len="lg"/>
+          </a:ln>
+          <a:scene3d>
+            <a:camera prst="orthographicFront">
+              <a:rot lat="0" lon="0" rev="18900000"/>
+            </a:camera>
+            <a:lightRig rig="threePt" dir="t"/>
+          </a:scene3d>
+        </p:spPr>
+        <p:style>
+          <a:lnRef idx="1">
+            <a:schemeClr val="accent1"/>
+          </a:lnRef>
+          <a:fillRef idx="0">
+            <a:schemeClr val="accent1"/>
+          </a:fillRef>
+          <a:effectRef idx="0">
+            <a:schemeClr val="accent1"/>
+          </a:effectRef>
+          <a:fontRef idx="minor">
+            <a:schemeClr val="tx1"/>
+          </a:fontRef>
+        </p:style>
+      </p:cxnSp>
+      <p:sp>
+        <p:nvSpPr>
+          <p:cNvPr id="61" name="TextBox 60"/>
+          <p:cNvSpPr txBox="1"/>
+          <p:nvPr/>
+        </p:nvSpPr>
+        <p:spPr>
+          <a:xfrm>
+            <a:off x="4481467" y="-38382"/>
+            <a:ext cx="1123576" cy="338554"/>
+          </a:xfrm>
+          <a:prstGeom prst="rect">
+            <a:avLst/>
+          </a:prstGeom>
+          <a:noFill/>
+        </p:spPr>
+        <p:txBody>
+          <a:bodyPr wrap="none" rtlCol="0">
+            <a:spAutoFit/>
+          </a:bodyPr>
+          <a:lstStyle/>
+          <a:p>
+            <a:pPr algn="ctr"/>
+            <a:r>
+              <a:rPr lang="en-US" sz="1600" dirty="0"/>
+              <a:t>Application</a:t>
+            </a:r>
+          </a:p>
+        </p:txBody>
+      </p:sp>
+      <p:sp>
+        <p:nvSpPr>
+          <p:cNvPr id="62" name="TextBox 61"/>
+          <p:cNvSpPr txBox="1"/>
+          <p:nvPr/>
+        </p:nvSpPr>
+        <p:spPr>
+          <a:xfrm>
+            <a:off x="2468960" y="7193315"/>
+            <a:ext cx="1123448" cy="584775"/>
+          </a:xfrm>
+          <a:prstGeom prst="rect">
+            <a:avLst/>
+          </a:prstGeom>
+          <a:noFill/>
+        </p:spPr>
+        <p:txBody>
+          <a:bodyPr wrap="none" rtlCol="0">
+            <a:spAutoFit/>
+          </a:bodyPr>
+          <a:lstStyle/>
+          <a:p>
+            <a:pPr algn="ctr"/>
+            <a:r>
+              <a:rPr lang="en-US" sz="1600" dirty="0"/>
+              <a:t>Technology</a:t>
+            </a:r>
+            <a:br>
+              <a:rPr lang="en-US" sz="1600" dirty="0"/>
+            </a:br>
+            <a:r>
+              <a:rPr lang="en-US" sz="1600" dirty="0"/>
+              <a:t>stack</a:t>
+            </a:r>
+          </a:p>
+        </p:txBody>
+      </p:sp>
+      <p:sp>
+        <p:nvSpPr>
+          <p:cNvPr id="63" name="TextBox 62"/>
+          <p:cNvSpPr txBox="1"/>
+          <p:nvPr/>
+        </p:nvSpPr>
+        <p:spPr>
+          <a:xfrm>
+            <a:off x="10378440" y="4879186"/>
+            <a:ext cx="1447580" cy="584775"/>
+          </a:xfrm>
+          <a:prstGeom prst="rect">
+            <a:avLst/>
+          </a:prstGeom>
+          <a:noFill/>
+        </p:spPr>
+        <p:txBody>
+          <a:bodyPr wrap="square" rtlCol="0">
+            <a:spAutoFit/>
+          </a:bodyPr>
+          <a:lstStyle/>
+          <a:p>
+            <a:pPr algn="ctr"/>
+            <a:r>
+              <a:rPr lang="en-US" sz="1600" dirty="0"/>
+              <a:t>Adaptations &amp;</a:t>
+            </a:r>
+          </a:p>
+          <a:p>
+            <a:pPr algn="ctr"/>
+            <a:r>
+              <a:rPr lang="en-US" sz="1600" dirty="0"/>
+              <a:t>Customizations</a:t>
+            </a:r>
+          </a:p>
+        </p:txBody>
+      </p:sp>
+      <p:sp>
+        <p:nvSpPr>
+          <p:cNvPr id="67" name="Flowchart: Process 66"/>
+          <p:cNvSpPr/>
+          <p:nvPr/>
+        </p:nvSpPr>
+        <p:spPr>
+          <a:xfrm>
+            <a:off x="7984882" y="1725642"/>
+            <a:ext cx="1441936" cy="268606"/>
+          </a:xfrm>
+          <a:prstGeom prst="flowChartProcess">
+            <a:avLst/>
+          </a:prstGeom>
+          <a:solidFill>
+            <a:srgbClr val="00B050">
+              <a:alpha val="50000"/>
+            </a:srgbClr>
+          </a:solidFill>
+          <a:ln>
+            <a:noFill/>
+          </a:ln>
+        </p:spPr>
+        <p:style>
+          <a:lnRef idx="0">
+            <a:scrgbClr r="0" g="0" b="0"/>
+          </a:lnRef>
+          <a:fillRef idx="0">
+            <a:scrgbClr r="0" g="0" b="0"/>
+          </a:fillRef>
+          <a:effectRef idx="0">
+            <a:scrgbClr r="0" g="0" b="0"/>
+          </a:effectRef>
+          <a:fontRef idx="minor">
+            <a:schemeClr val="lt1"/>
+          </a:fontRef>
+        </p:style>
+        <p:txBody>
+          <a:bodyPr rtlCol="1" anchor="ctr"/>
+          <a:lstStyle/>
+          <a:p>
+            <a:pPr algn="ctr"/>
+            <a:endParaRPr lang="he-IL" sz="1400" dirty="0">
+              <a:solidFill>
+                <a:schemeClr val="tx1"/>
+              </a:solidFill>
+            </a:endParaRPr>
+          </a:p>
+        </p:txBody>
+      </p:sp>
+      <p:sp>
+        <p:nvSpPr>
+          <p:cNvPr id="70" name="Flowchart: Process 69"/>
+          <p:cNvSpPr/>
+          <p:nvPr/>
+        </p:nvSpPr>
+        <p:spPr>
+          <a:xfrm>
+            <a:off x="2669950" y="3825843"/>
+            <a:ext cx="2362273" cy="268606"/>
+          </a:xfrm>
+          <a:prstGeom prst="flowChartProcess">
+            <a:avLst/>
+          </a:prstGeom>
+          <a:solidFill>
+            <a:schemeClr val="accent4">
+              <a:lumMod val="60000"/>
+              <a:lumOff val="40000"/>
+            </a:schemeClr>
+          </a:solidFill>
+          <a:ln>
+            <a:noFill/>
+          </a:ln>
+        </p:spPr>
+        <p:style>
+          <a:lnRef idx="0">
+            <a:scrgbClr r="0" g="0" b="0"/>
+          </a:lnRef>
+          <a:fillRef idx="0">
+            <a:scrgbClr r="0" g="0" b="0"/>
+          </a:fillRef>
+          <a:effectRef idx="0">
+            <a:scrgbClr r="0" g="0" b="0"/>
+          </a:effectRef>
+          <a:fontRef idx="minor">
+            <a:schemeClr val="lt1"/>
+          </a:fontRef>
+        </p:style>
+        <p:txBody>
+          <a:bodyPr rtlCol="1" anchor="ctr"/>
+          <a:lstStyle/>
+          <a:p>
+            <a:r>
+              <a:rPr lang="en-US" sz="1100" dirty="0" err="1">
+                <a:solidFill>
+                  <a:schemeClr val="tx1"/>
+                </a:solidFill>
+                <a:latin typeface="Consolas" panose="020B0609020204030204" pitchFamily="49" charset="0"/>
+              </a:rPr>
+              <a:t>NWheels.Domains.DevOps</a:t>
+            </a:r>
+            <a:endParaRPr lang="he-IL" sz="1100" dirty="0">
+              <a:solidFill>
+                <a:schemeClr val="tx1"/>
+              </a:solidFill>
+              <a:latin typeface="Consolas" panose="020B0609020204030204" pitchFamily="49" charset="0"/>
+            </a:endParaRPr>
+          </a:p>
+        </p:txBody>
+      </p:sp>
+      <p:sp>
+        <p:nvSpPr>
+          <p:cNvPr id="71" name="Flowchart: Process 70"/>
+          <p:cNvSpPr/>
+          <p:nvPr/>
+        </p:nvSpPr>
+        <p:spPr>
+          <a:xfrm>
+            <a:off x="2671965" y="2899901"/>
+            <a:ext cx="2360257" cy="268606"/>
+          </a:xfrm>
+          <a:prstGeom prst="flowChartProcess">
+            <a:avLst/>
+          </a:prstGeom>
+          <a:solidFill>
+            <a:schemeClr val="accent4">
+              <a:lumMod val="60000"/>
+              <a:lumOff val="40000"/>
+            </a:schemeClr>
+          </a:solidFill>
+          <a:ln>
+            <a:noFill/>
+          </a:ln>
+        </p:spPr>
+        <p:style>
+          <a:lnRef idx="0">
+            <a:scrgbClr r="0" g="0" b="0"/>
+          </a:lnRef>
+          <a:fillRef idx="0">
+            <a:scrgbClr r="0" g="0" b="0"/>
+          </a:fillRef>
+          <a:effectRef idx="0">
+            <a:scrgbClr r="0" g="0" b="0"/>
+          </a:effectRef>
+          <a:fontRef idx="minor">
+            <a:schemeClr val="lt1"/>
+          </a:fontRef>
+        </p:style>
+        <p:txBody>
+          <a:bodyPr rtlCol="1" anchor="ctr"/>
+          <a:lstStyle/>
+          <a:p>
+            <a:r>
+              <a:rPr lang="en-US" sz="1100" dirty="0" err="1">
+                <a:solidFill>
+                  <a:schemeClr val="tx1"/>
+                </a:solidFill>
+                <a:latin typeface="Consolas" panose="020B0609020204030204" pitchFamily="49" charset="0"/>
+              </a:rPr>
+              <a:t>NWheels.Domains.Payments</a:t>
+            </a:r>
+            <a:endParaRPr lang="he-IL" sz="1100" dirty="0">
+              <a:solidFill>
+                <a:schemeClr val="tx1"/>
+              </a:solidFill>
+              <a:latin typeface="Consolas" panose="020B0609020204030204" pitchFamily="49" charset="0"/>
+            </a:endParaRPr>
+          </a:p>
+        </p:txBody>
+      </p:sp>
+      <p:sp>
+        <p:nvSpPr>
+          <p:cNvPr id="75" name="Flowchart: Process 74"/>
+          <p:cNvSpPr/>
+          <p:nvPr/>
+        </p:nvSpPr>
+        <p:spPr>
+          <a:xfrm>
+            <a:off x="2669950" y="3207267"/>
+            <a:ext cx="2362273" cy="268606"/>
+          </a:xfrm>
+          <a:prstGeom prst="flowChartProcess">
+            <a:avLst/>
+          </a:prstGeom>
+          <a:solidFill>
+            <a:schemeClr val="accent4">
+              <a:lumMod val="60000"/>
+              <a:lumOff val="40000"/>
+            </a:schemeClr>
+          </a:solidFill>
+          <a:ln>
+            <a:noFill/>
+          </a:ln>
+        </p:spPr>
+        <p:style>
+          <a:lnRef idx="0">
+            <a:scrgbClr r="0" g="0" b="0"/>
+          </a:lnRef>
+          <a:fillRef idx="0">
+            <a:scrgbClr r="0" g="0" b="0"/>
+          </a:fillRef>
+          <a:effectRef idx="0">
+            <a:scrgbClr r="0" g="0" b="0"/>
+          </a:effectRef>
+          <a:fontRef idx="minor">
+            <a:schemeClr val="lt1"/>
+          </a:fontRef>
+        </p:style>
+        <p:txBody>
+          <a:bodyPr rtlCol="1" anchor="ctr"/>
+          <a:lstStyle/>
+          <a:p>
+            <a:r>
+              <a:rPr lang="en-US" sz="1100" dirty="0" err="1">
+                <a:solidFill>
+                  <a:schemeClr val="tx1"/>
+                </a:solidFill>
+                <a:latin typeface="Consolas" panose="020B0609020204030204" pitchFamily="49" charset="0"/>
+              </a:rPr>
+              <a:t>NWheels.Domains.ShoppingCart</a:t>
+            </a:r>
+            <a:endParaRPr lang="he-IL" sz="1100" dirty="0">
+              <a:solidFill>
+                <a:schemeClr val="tx1"/>
+              </a:solidFill>
+              <a:latin typeface="Consolas" panose="020B0609020204030204" pitchFamily="49" charset="0"/>
+            </a:endParaRPr>
+          </a:p>
+        </p:txBody>
+      </p:sp>
+      <p:sp>
+        <p:nvSpPr>
+          <p:cNvPr id="82" name="Flowchart: Process 81"/>
+          <p:cNvSpPr/>
+          <p:nvPr/>
+        </p:nvSpPr>
+        <p:spPr>
+          <a:xfrm>
+            <a:off x="2671966" y="2587858"/>
+            <a:ext cx="2360257" cy="268606"/>
+          </a:xfrm>
+          <a:prstGeom prst="flowChartProcess">
+            <a:avLst/>
+          </a:prstGeom>
+          <a:solidFill>
+            <a:schemeClr val="accent4">
+              <a:lumMod val="60000"/>
+              <a:lumOff val="40000"/>
+            </a:schemeClr>
+          </a:solidFill>
+          <a:ln>
+            <a:noFill/>
+          </a:ln>
+        </p:spPr>
+        <p:style>
+          <a:lnRef idx="0">
+            <a:scrgbClr r="0" g="0" b="0"/>
+          </a:lnRef>
+          <a:fillRef idx="0">
+            <a:scrgbClr r="0" g="0" b="0"/>
+          </a:fillRef>
+          <a:effectRef idx="0">
+            <a:scrgbClr r="0" g="0" b="0"/>
+          </a:effectRef>
+          <a:fontRef idx="minor">
+            <a:schemeClr val="lt1"/>
+          </a:fontRef>
+        </p:style>
+        <p:txBody>
+          <a:bodyPr rtlCol="1" anchor="ctr"/>
+          <a:lstStyle/>
+          <a:p>
+            <a:r>
+              <a:rPr lang="en-US" sz="1100" dirty="0" err="1">
+                <a:solidFill>
+                  <a:schemeClr val="tx1"/>
+                </a:solidFill>
+                <a:latin typeface="Consolas" panose="020B0609020204030204" pitchFamily="49" charset="0"/>
+              </a:rPr>
+              <a:t>NWheels.Domains.Booking</a:t>
+            </a:r>
+            <a:endParaRPr lang="he-IL" sz="1100" dirty="0">
+              <a:solidFill>
+                <a:schemeClr val="tx1"/>
+              </a:solidFill>
+              <a:latin typeface="Consolas" panose="020B0609020204030204" pitchFamily="49" charset="0"/>
+            </a:endParaRPr>
+          </a:p>
+        </p:txBody>
+      </p:sp>
+      <p:sp>
+        <p:nvSpPr>
+          <p:cNvPr id="83" name="Flowchart: Process 82"/>
+          <p:cNvSpPr/>
+          <p:nvPr/>
+        </p:nvSpPr>
+        <p:spPr>
+          <a:xfrm>
+            <a:off x="2671967" y="2282387"/>
+            <a:ext cx="2360256" cy="268606"/>
+          </a:xfrm>
+          <a:prstGeom prst="flowChartProcess">
+            <a:avLst/>
+          </a:prstGeom>
+          <a:solidFill>
+            <a:schemeClr val="accent4">
+              <a:lumMod val="60000"/>
+              <a:lumOff val="40000"/>
+            </a:schemeClr>
+          </a:solidFill>
+          <a:ln>
+            <a:noFill/>
+          </a:ln>
+        </p:spPr>
+        <p:style>
+          <a:lnRef idx="0">
+            <a:scrgbClr r="0" g="0" b="0"/>
+          </a:lnRef>
+          <a:fillRef idx="0">
+            <a:scrgbClr r="0" g="0" b="0"/>
+          </a:fillRef>
+          <a:effectRef idx="0">
+            <a:scrgbClr r="0" g="0" b="0"/>
+          </a:effectRef>
+          <a:fontRef idx="minor">
+            <a:schemeClr val="lt1"/>
+          </a:fontRef>
+        </p:style>
+        <p:txBody>
+          <a:bodyPr rtlCol="1" anchor="ctr"/>
+          <a:lstStyle/>
+          <a:p>
+            <a:r>
+              <a:rPr lang="en-US" sz="1100" dirty="0" err="1">
+                <a:solidFill>
+                  <a:schemeClr val="tx1"/>
+                </a:solidFill>
+                <a:latin typeface="Consolas" panose="020B0609020204030204" pitchFamily="49" charset="0"/>
+              </a:rPr>
+              <a:t>NWheels.Domains.Crm</a:t>
+            </a:r>
+            <a:endParaRPr lang="he-IL" sz="1100" dirty="0">
+              <a:solidFill>
+                <a:schemeClr val="tx1"/>
+              </a:solidFill>
+              <a:latin typeface="Consolas" panose="020B0609020204030204" pitchFamily="49" charset="0"/>
+            </a:endParaRPr>
+          </a:p>
+        </p:txBody>
+      </p:sp>
+      <p:sp>
+        <p:nvSpPr>
+          <p:cNvPr id="84" name="Flowchart: Process 83"/>
+          <p:cNvSpPr/>
+          <p:nvPr/>
+        </p:nvSpPr>
+        <p:spPr>
+          <a:xfrm>
+            <a:off x="2671967" y="1968449"/>
+            <a:ext cx="2360257" cy="268606"/>
+          </a:xfrm>
+          <a:prstGeom prst="flowChartProcess">
+            <a:avLst/>
+          </a:prstGeom>
+          <a:solidFill>
+            <a:schemeClr val="accent4">
+              <a:lumMod val="60000"/>
+              <a:lumOff val="40000"/>
+            </a:schemeClr>
+          </a:solidFill>
+          <a:ln>
+            <a:noFill/>
+          </a:ln>
+        </p:spPr>
+        <p:style>
+          <a:lnRef idx="0">
+            <a:scrgbClr r="0" g="0" b="0"/>
+          </a:lnRef>
+          <a:fillRef idx="0">
+            <a:scrgbClr r="0" g="0" b="0"/>
+          </a:fillRef>
+          <a:effectRef idx="0">
+            <a:scrgbClr r="0" g="0" b="0"/>
+          </a:effectRef>
+          <a:fontRef idx="minor">
+            <a:schemeClr val="lt1"/>
+          </a:fontRef>
+        </p:style>
+        <p:txBody>
+          <a:bodyPr rtlCol="1" anchor="ctr"/>
+          <a:lstStyle/>
+          <a:p>
+            <a:r>
+              <a:rPr lang="en-US" sz="1100" dirty="0" err="1">
+                <a:solidFill>
+                  <a:schemeClr val="tx1"/>
+                </a:solidFill>
+                <a:latin typeface="Consolas" panose="020B0609020204030204" pitchFamily="49" charset="0"/>
+              </a:rPr>
+              <a:t>NWheels.Domains.Marketing</a:t>
+            </a:r>
+            <a:endParaRPr lang="he-IL" sz="1100" dirty="0">
+              <a:solidFill>
+                <a:schemeClr val="tx1"/>
+              </a:solidFill>
+              <a:latin typeface="Consolas" panose="020B0609020204030204" pitchFamily="49" charset="0"/>
+            </a:endParaRPr>
+          </a:p>
+        </p:txBody>
+      </p:sp>
+      <p:sp>
+        <p:nvSpPr>
+          <p:cNvPr id="85" name="Flowchart: Process 84"/>
+          <p:cNvSpPr/>
+          <p:nvPr/>
+        </p:nvSpPr>
+        <p:spPr>
+          <a:xfrm>
+            <a:off x="2667933" y="1599793"/>
+            <a:ext cx="2363115" cy="268606"/>
+          </a:xfrm>
+          <a:prstGeom prst="flowChartProcess">
+            <a:avLst/>
+          </a:prstGeom>
+          <a:solidFill>
+            <a:srgbClr val="00D661"/>
+          </a:solidFill>
+          <a:ln>
+            <a:noFill/>
+          </a:ln>
+        </p:spPr>
+        <p:style>
+          <a:lnRef idx="0">
+            <a:scrgbClr r="0" g="0" b="0"/>
+          </a:lnRef>
+          <a:fillRef idx="0">
+            <a:scrgbClr r="0" g="0" b="0"/>
+          </a:fillRef>
+          <a:effectRef idx="0">
+            <a:scrgbClr r="0" g="0" b="0"/>
+          </a:effectRef>
+          <a:fontRef idx="minor">
+            <a:schemeClr val="lt1"/>
+          </a:fontRef>
+        </p:style>
+        <p:txBody>
+          <a:bodyPr rtlCol="1" anchor="ctr"/>
+          <a:lstStyle/>
+          <a:p>
+            <a:r>
+              <a:rPr lang="en-US" sz="1100" dirty="0" err="1">
+                <a:solidFill>
+                  <a:schemeClr val="tx1"/>
+                </a:solidFill>
+                <a:latin typeface="Consolas" panose="020B0609020204030204" pitchFamily="49" charset="0"/>
+              </a:rPr>
+              <a:t>TixDown.Core</a:t>
+            </a:r>
+            <a:endParaRPr lang="he-IL" sz="1100" dirty="0">
+              <a:solidFill>
+                <a:schemeClr val="tx1"/>
+              </a:solidFill>
+              <a:latin typeface="Consolas" panose="020B0609020204030204" pitchFamily="49" charset="0"/>
+            </a:endParaRPr>
+          </a:p>
+        </p:txBody>
+      </p:sp>
+      <p:sp>
+        <p:nvSpPr>
+          <p:cNvPr id="86" name="Flowchart: Process 85"/>
+          <p:cNvSpPr/>
+          <p:nvPr/>
+        </p:nvSpPr>
+        <p:spPr>
+          <a:xfrm>
+            <a:off x="2667933" y="1285855"/>
+            <a:ext cx="2363116" cy="268606"/>
+          </a:xfrm>
+          <a:prstGeom prst="flowChartProcess">
+            <a:avLst/>
+          </a:prstGeom>
+          <a:solidFill>
+            <a:srgbClr val="00D661"/>
+          </a:solidFill>
+          <a:ln>
+            <a:noFill/>
+          </a:ln>
+        </p:spPr>
+        <p:style>
+          <a:lnRef idx="0">
+            <a:scrgbClr r="0" g="0" b="0"/>
+          </a:lnRef>
+          <a:fillRef idx="0">
+            <a:scrgbClr r="0" g="0" b="0"/>
+          </a:fillRef>
+          <a:effectRef idx="0">
+            <a:scrgbClr r="0" g="0" b="0"/>
+          </a:effectRef>
+          <a:fontRef idx="minor">
+            <a:schemeClr val="lt1"/>
+          </a:fontRef>
+        </p:style>
+        <p:txBody>
+          <a:bodyPr rtlCol="1" anchor="ctr"/>
+          <a:lstStyle/>
+          <a:p>
+            <a:r>
+              <a:rPr lang="en-US" sz="1100" dirty="0" err="1">
+                <a:solidFill>
+                  <a:schemeClr val="tx1"/>
+                </a:solidFill>
+                <a:latin typeface="Consolas" panose="020B0609020204030204" pitchFamily="49" charset="0"/>
+              </a:rPr>
+              <a:t>TixDown.Kiosk</a:t>
+            </a:r>
+            <a:endParaRPr lang="he-IL" sz="1100" dirty="0">
+              <a:solidFill>
+                <a:schemeClr val="tx1"/>
+              </a:solidFill>
+              <a:latin typeface="Consolas" panose="020B0609020204030204" pitchFamily="49" charset="0"/>
+            </a:endParaRPr>
+          </a:p>
+        </p:txBody>
+      </p:sp>
+      <p:sp>
+        <p:nvSpPr>
+          <p:cNvPr id="19" name="Flowchart: Process 18"/>
+          <p:cNvSpPr/>
+          <p:nvPr/>
+        </p:nvSpPr>
+        <p:spPr>
+          <a:xfrm>
+            <a:off x="2667933" y="971917"/>
+            <a:ext cx="2363116" cy="268606"/>
+          </a:xfrm>
+          <a:prstGeom prst="flowChartProcess">
+            <a:avLst/>
+          </a:prstGeom>
+          <a:solidFill>
+            <a:srgbClr val="00D661"/>
+          </a:solidFill>
+          <a:ln>
+            <a:noFill/>
+          </a:ln>
+        </p:spPr>
+        <p:style>
+          <a:lnRef idx="0">
+            <a:scrgbClr r="0" g="0" b="0"/>
+          </a:lnRef>
+          <a:fillRef idx="0">
+            <a:scrgbClr r="0" g="0" b="0"/>
+          </a:fillRef>
+          <a:effectRef idx="0">
+            <a:scrgbClr r="0" g="0" b="0"/>
+          </a:effectRef>
+          <a:fontRef idx="minor">
+            <a:schemeClr val="lt1"/>
+          </a:fontRef>
+        </p:style>
+        <p:txBody>
+          <a:bodyPr rtlCol="1" anchor="ctr"/>
+          <a:lstStyle/>
+          <a:p>
+            <a:r>
+              <a:rPr lang="en-US" sz="1100" dirty="0" err="1">
+                <a:solidFill>
+                  <a:schemeClr val="tx1"/>
+                </a:solidFill>
+                <a:latin typeface="Consolas" panose="020B0609020204030204" pitchFamily="49" charset="0"/>
+              </a:rPr>
+              <a:t>TixDown.Front</a:t>
+            </a:r>
+            <a:endParaRPr lang="he-IL" sz="1100" dirty="0">
+              <a:solidFill>
+                <a:schemeClr val="tx1"/>
+              </a:solidFill>
+              <a:latin typeface="Consolas" panose="020B0609020204030204" pitchFamily="49" charset="0"/>
+            </a:endParaRPr>
+          </a:p>
+        </p:txBody>
+      </p:sp>
+      <p:sp>
+        <p:nvSpPr>
+          <p:cNvPr id="21" name="Flowchart: Process 20"/>
+          <p:cNvSpPr/>
+          <p:nvPr/>
+        </p:nvSpPr>
+        <p:spPr>
+          <a:xfrm>
+            <a:off x="2667933" y="655895"/>
+            <a:ext cx="2363116" cy="268606"/>
+          </a:xfrm>
+          <a:prstGeom prst="flowChartProcess">
+            <a:avLst/>
+          </a:prstGeom>
+          <a:solidFill>
+            <a:srgbClr val="00D661"/>
+          </a:solidFill>
+          <a:ln>
+            <a:noFill/>
+          </a:ln>
+        </p:spPr>
+        <p:style>
+          <a:lnRef idx="0">
+            <a:scrgbClr r="0" g="0" b="0"/>
+          </a:lnRef>
+          <a:fillRef idx="0">
+            <a:scrgbClr r="0" g="0" b="0"/>
+          </a:fillRef>
+          <a:effectRef idx="0">
+            <a:scrgbClr r="0" g="0" b="0"/>
+          </a:effectRef>
+          <a:fontRef idx="minor">
+            <a:schemeClr val="lt1"/>
+          </a:fontRef>
+        </p:style>
+        <p:txBody>
+          <a:bodyPr rtlCol="1" anchor="ctr"/>
+          <a:lstStyle/>
+          <a:p>
+            <a:r>
+              <a:rPr lang="en-US" sz="1100" dirty="0" err="1">
+                <a:solidFill>
+                  <a:schemeClr val="tx1"/>
+                </a:solidFill>
+                <a:latin typeface="Consolas" panose="020B0609020204030204" pitchFamily="49" charset="0"/>
+              </a:rPr>
+              <a:t>TixDown.Gate</a:t>
+            </a:r>
+            <a:endParaRPr lang="he-IL" sz="1100" dirty="0">
+              <a:solidFill>
+                <a:schemeClr val="tx1"/>
+              </a:solidFill>
+              <a:latin typeface="Consolas" panose="020B0609020204030204" pitchFamily="49" charset="0"/>
+            </a:endParaRPr>
+          </a:p>
+        </p:txBody>
+      </p:sp>
+      <p:sp>
+        <p:nvSpPr>
+          <p:cNvPr id="24" name="Flowchart: Process 23"/>
+          <p:cNvSpPr/>
+          <p:nvPr/>
+        </p:nvSpPr>
+        <p:spPr>
+          <a:xfrm>
+            <a:off x="6810308" y="5378728"/>
+            <a:ext cx="2024029" cy="268606"/>
+          </a:xfrm>
+          <a:prstGeom prst="flowChartProcess">
+            <a:avLst/>
+          </a:prstGeom>
+          <a:solidFill>
+            <a:srgbClr val="00D661"/>
+          </a:solidFill>
+          <a:ln>
+            <a:noFill/>
+          </a:ln>
+        </p:spPr>
+        <p:style>
+          <a:lnRef idx="0">
+            <a:scrgbClr r="0" g="0" b="0"/>
+          </a:lnRef>
+          <a:fillRef idx="0">
+            <a:scrgbClr r="0" g="0" b="0"/>
+          </a:fillRef>
+          <a:effectRef idx="0">
+            <a:scrgbClr r="0" g="0" b="0"/>
+          </a:effectRef>
+          <a:fontRef idx="minor">
+            <a:schemeClr val="lt1"/>
+          </a:fontRef>
+        </p:style>
+        <p:txBody>
+          <a:bodyPr rtlCol="1" anchor="ctr"/>
+          <a:lstStyle/>
+          <a:p>
+            <a:r>
+              <a:rPr lang="en-US" sz="1100" dirty="0" err="1">
+                <a:solidFill>
+                  <a:schemeClr val="tx1"/>
+                </a:solidFill>
+                <a:latin typeface="Consolas" panose="020B0609020204030204" pitchFamily="49" charset="0"/>
+              </a:rPr>
+              <a:t>TixDown.Vertical.Sports</a:t>
+            </a:r>
+            <a:endParaRPr lang="he-IL" sz="1100" dirty="0">
+              <a:solidFill>
+                <a:schemeClr val="tx1"/>
+              </a:solidFill>
+              <a:latin typeface="Consolas" panose="020B0609020204030204" pitchFamily="49" charset="0"/>
+            </a:endParaRPr>
+          </a:p>
+        </p:txBody>
+      </p:sp>
+      <p:sp>
+        <p:nvSpPr>
+          <p:cNvPr id="25" name="Flowchart: Process 24"/>
+          <p:cNvSpPr/>
+          <p:nvPr/>
+        </p:nvSpPr>
+        <p:spPr>
+          <a:xfrm>
+            <a:off x="6810307" y="5725134"/>
+            <a:ext cx="2024029" cy="268606"/>
+          </a:xfrm>
+          <a:prstGeom prst="flowChartProcess">
+            <a:avLst/>
+          </a:prstGeom>
+          <a:solidFill>
+            <a:srgbClr val="00D661"/>
+          </a:solidFill>
+          <a:ln>
+            <a:noFill/>
+          </a:ln>
+        </p:spPr>
+        <p:style>
+          <a:lnRef idx="0">
+            <a:scrgbClr r="0" g="0" b="0"/>
+          </a:lnRef>
+          <a:fillRef idx="0">
+            <a:scrgbClr r="0" g="0" b="0"/>
+          </a:fillRef>
+          <a:effectRef idx="0">
+            <a:scrgbClr r="0" g="0" b="0"/>
+          </a:effectRef>
+          <a:fontRef idx="minor">
+            <a:schemeClr val="lt1"/>
+          </a:fontRef>
+        </p:style>
+        <p:txBody>
+          <a:bodyPr rtlCol="1" anchor="ctr"/>
+          <a:lstStyle/>
+          <a:p>
+            <a:r>
+              <a:rPr lang="en-US" sz="1100" dirty="0" err="1">
+                <a:solidFill>
+                  <a:schemeClr val="tx1"/>
+                </a:solidFill>
+                <a:latin typeface="Consolas" panose="020B0609020204030204" pitchFamily="49" charset="0"/>
+              </a:rPr>
+              <a:t>TixDown.Vertical.Theatre</a:t>
+            </a:r>
+            <a:endParaRPr lang="he-IL" sz="1100" dirty="0">
+              <a:solidFill>
+                <a:schemeClr val="tx1"/>
+              </a:solidFill>
+              <a:latin typeface="Consolas" panose="020B0609020204030204" pitchFamily="49" charset="0"/>
+            </a:endParaRPr>
+          </a:p>
+        </p:txBody>
+      </p:sp>
+      <p:sp>
+        <p:nvSpPr>
+          <p:cNvPr id="26" name="Flowchart: Process 25"/>
+          <p:cNvSpPr/>
+          <p:nvPr/>
+        </p:nvSpPr>
+        <p:spPr>
+          <a:xfrm>
+            <a:off x="6810307" y="6064822"/>
+            <a:ext cx="2024029" cy="268606"/>
+          </a:xfrm>
+          <a:prstGeom prst="flowChartProcess">
+            <a:avLst/>
+          </a:prstGeom>
+          <a:solidFill>
+            <a:srgbClr val="00D661"/>
+          </a:solidFill>
+          <a:ln>
+            <a:noFill/>
+          </a:ln>
+        </p:spPr>
+        <p:style>
+          <a:lnRef idx="0">
+            <a:scrgbClr r="0" g="0" b="0"/>
+          </a:lnRef>
+          <a:fillRef idx="0">
+            <a:scrgbClr r="0" g="0" b="0"/>
+          </a:fillRef>
+          <a:effectRef idx="0">
+            <a:scrgbClr r="0" g="0" b="0"/>
+          </a:effectRef>
+          <a:fontRef idx="minor">
+            <a:schemeClr val="lt1"/>
+          </a:fontRef>
+        </p:style>
+        <p:txBody>
+          <a:bodyPr rtlCol="1" anchor="ctr"/>
+          <a:lstStyle/>
+          <a:p>
+            <a:r>
+              <a:rPr lang="en-US" sz="1100" dirty="0" err="1">
+                <a:solidFill>
+                  <a:schemeClr val="tx1"/>
+                </a:solidFill>
+                <a:latin typeface="Consolas" panose="020B0609020204030204" pitchFamily="49" charset="0"/>
+              </a:rPr>
+              <a:t>TixDown.Vertical.Cinema</a:t>
+            </a:r>
+            <a:endParaRPr lang="he-IL" sz="1100" dirty="0">
+              <a:solidFill>
+                <a:schemeClr val="tx1"/>
+              </a:solidFill>
+              <a:latin typeface="Consolas" panose="020B0609020204030204" pitchFamily="49" charset="0"/>
+            </a:endParaRPr>
+          </a:p>
+        </p:txBody>
+      </p:sp>
+      <p:sp>
+        <p:nvSpPr>
+          <p:cNvPr id="27" name="TextBox 26"/>
+          <p:cNvSpPr txBox="1"/>
+          <p:nvPr/>
+        </p:nvSpPr>
+        <p:spPr>
+          <a:xfrm>
+            <a:off x="1636998" y="2557191"/>
+            <a:ext cx="938290" cy="738664"/>
+          </a:xfrm>
+          <a:prstGeom prst="rect">
+            <a:avLst/>
+          </a:prstGeom>
+          <a:noFill/>
+        </p:spPr>
+        <p:txBody>
+          <a:bodyPr wrap="square" rtlCol="0">
+            <a:spAutoFit/>
+          </a:bodyPr>
+          <a:lstStyle/>
+          <a:p>
+            <a:pPr algn="ctr"/>
+            <a:r>
+              <a:rPr lang="en-US" sz="1400" dirty="0"/>
+              <a:t>Building block domains</a:t>
+            </a:r>
+          </a:p>
+        </p:txBody>
+      </p:sp>
+      <p:cxnSp>
+        <p:nvCxnSpPr>
+          <p:cNvPr id="6" name="Straight Connector 5"/>
+          <p:cNvCxnSpPr/>
+          <p:nvPr/>
+        </p:nvCxnSpPr>
+        <p:spPr>
+          <a:xfrm>
+            <a:off x="1685888" y="4134783"/>
+            <a:ext cx="889400" cy="0"/>
+          </a:xfrm>
+          <a:prstGeom prst="line">
+            <a:avLst/>
+          </a:prstGeom>
+          <a:ln>
+            <a:prstDash val="lgDash"/>
+          </a:ln>
+        </p:spPr>
+        <p:style>
+          <a:lnRef idx="1">
+            <a:schemeClr val="accent1"/>
+          </a:lnRef>
+          <a:fillRef idx="0">
+            <a:schemeClr val="accent1"/>
+          </a:fillRef>
+          <a:effectRef idx="0">
+            <a:schemeClr val="accent1"/>
+          </a:effectRef>
+          <a:fontRef idx="minor">
+            <a:schemeClr val="tx1"/>
+          </a:fontRef>
+        </p:style>
+      </p:cxnSp>
+      <p:cxnSp>
+        <p:nvCxnSpPr>
+          <p:cNvPr id="30" name="Straight Connector 29"/>
+          <p:cNvCxnSpPr/>
+          <p:nvPr/>
+        </p:nvCxnSpPr>
+        <p:spPr>
+          <a:xfrm>
+            <a:off x="1685888" y="1951033"/>
+            <a:ext cx="889400" cy="0"/>
+          </a:xfrm>
+          <a:prstGeom prst="line">
+            <a:avLst/>
+          </a:prstGeom>
+          <a:ln>
+            <a:prstDash val="lgDash"/>
+          </a:ln>
+        </p:spPr>
+        <p:style>
+          <a:lnRef idx="1">
+            <a:schemeClr val="accent1"/>
+          </a:lnRef>
+          <a:fillRef idx="0">
+            <a:schemeClr val="accent1"/>
+          </a:fillRef>
+          <a:effectRef idx="0">
+            <a:schemeClr val="accent1"/>
+          </a:effectRef>
+          <a:fontRef idx="minor">
+            <a:schemeClr val="tx1"/>
+          </a:fontRef>
+        </p:style>
+      </p:cxnSp>
+      <p:cxnSp>
+        <p:nvCxnSpPr>
+          <p:cNvPr id="31" name="Straight Connector 30"/>
+          <p:cNvCxnSpPr/>
+          <p:nvPr/>
+        </p:nvCxnSpPr>
+        <p:spPr>
+          <a:xfrm>
+            <a:off x="2110178" y="1988241"/>
+            <a:ext cx="1" cy="508610"/>
+          </a:xfrm>
+          <a:prstGeom prst="line">
+            <a:avLst/>
+          </a:prstGeom>
+          <a:ln>
+            <a:prstDash val="lgDash"/>
+            <a:headEnd type="arrow"/>
+          </a:ln>
+        </p:spPr>
+        <p:style>
+          <a:lnRef idx="1">
+            <a:schemeClr val="accent1"/>
+          </a:lnRef>
+          <a:fillRef idx="0">
+            <a:schemeClr val="accent1"/>
+          </a:fillRef>
+          <a:effectRef idx="0">
+            <a:schemeClr val="accent1"/>
+          </a:effectRef>
+          <a:fontRef idx="minor">
+            <a:schemeClr val="tx1"/>
+          </a:fontRef>
+        </p:style>
+      </p:cxnSp>
+      <p:cxnSp>
+        <p:nvCxnSpPr>
+          <p:cNvPr id="38" name="Straight Connector 37"/>
+          <p:cNvCxnSpPr>
+            <a:stCxn id="27" idx="2"/>
+          </p:cNvCxnSpPr>
+          <p:nvPr/>
+        </p:nvCxnSpPr>
+        <p:spPr>
+          <a:xfrm>
+            <a:off x="2106143" y="3295855"/>
+            <a:ext cx="2019" cy="810053"/>
+          </a:xfrm>
+          <a:prstGeom prst="line">
+            <a:avLst/>
+          </a:prstGeom>
+          <a:ln>
+            <a:prstDash val="lgDash"/>
+            <a:headEnd w="lg" len="lg"/>
+            <a:tailEnd type="arrow"/>
+          </a:ln>
+        </p:spPr>
+        <p:style>
+          <a:lnRef idx="1">
+            <a:schemeClr val="accent1"/>
+          </a:lnRef>
+          <a:fillRef idx="0">
+            <a:schemeClr val="accent1"/>
+          </a:fillRef>
+          <a:effectRef idx="0">
+            <a:schemeClr val="accent1"/>
+          </a:effectRef>
+          <a:fontRef idx="minor">
+            <a:schemeClr val="tx1"/>
+          </a:fontRef>
+        </p:style>
+      </p:cxnSp>
+      <p:cxnSp>
+        <p:nvCxnSpPr>
+          <p:cNvPr id="42" name="Straight Connector 41"/>
+          <p:cNvCxnSpPr/>
+          <p:nvPr/>
+        </p:nvCxnSpPr>
+        <p:spPr>
+          <a:xfrm>
+            <a:off x="1683870" y="641569"/>
+            <a:ext cx="935505" cy="0"/>
+          </a:xfrm>
+          <a:prstGeom prst="line">
+            <a:avLst/>
+          </a:prstGeom>
+          <a:ln>
+            <a:prstDash val="lgDash"/>
+          </a:ln>
+        </p:spPr>
+        <p:style>
+          <a:lnRef idx="1">
+            <a:schemeClr val="accent1"/>
+          </a:lnRef>
+          <a:fillRef idx="0">
+            <a:schemeClr val="accent1"/>
+          </a:fillRef>
+          <a:effectRef idx="0">
+            <a:schemeClr val="accent1"/>
+          </a:effectRef>
+          <a:fontRef idx="minor">
+            <a:schemeClr val="tx1"/>
+          </a:fontRef>
+        </p:style>
+      </p:cxnSp>
+      <p:cxnSp>
+        <p:nvCxnSpPr>
+          <p:cNvPr id="43" name="Straight Connector 42"/>
+          <p:cNvCxnSpPr/>
+          <p:nvPr/>
+        </p:nvCxnSpPr>
+        <p:spPr>
+          <a:xfrm>
+            <a:off x="2108161" y="679450"/>
+            <a:ext cx="0" cy="431737"/>
+          </a:xfrm>
+          <a:prstGeom prst="line">
+            <a:avLst/>
+          </a:prstGeom>
+          <a:ln>
+            <a:prstDash val="lgDash"/>
+            <a:headEnd type="arrow"/>
+          </a:ln>
+        </p:spPr>
+        <p:style>
+          <a:lnRef idx="1">
+            <a:schemeClr val="accent1"/>
+          </a:lnRef>
+          <a:fillRef idx="0">
+            <a:schemeClr val="accent1"/>
+          </a:fillRef>
+          <a:effectRef idx="0">
+            <a:schemeClr val="accent1"/>
+          </a:effectRef>
+          <a:fontRef idx="minor">
+            <a:schemeClr val="tx1"/>
+          </a:fontRef>
+        </p:style>
+      </p:cxnSp>
+      <p:cxnSp>
+        <p:nvCxnSpPr>
+          <p:cNvPr id="45" name="Straight Connector 44"/>
+          <p:cNvCxnSpPr/>
+          <p:nvPr/>
+        </p:nvCxnSpPr>
+        <p:spPr>
+          <a:xfrm>
+            <a:off x="2106144" y="1554461"/>
+            <a:ext cx="0" cy="383933"/>
+          </a:xfrm>
+          <a:prstGeom prst="line">
+            <a:avLst/>
+          </a:prstGeom>
+          <a:ln>
+            <a:prstDash val="lgDash"/>
+            <a:headEnd w="lg" len="lg"/>
+            <a:tailEnd type="arrow"/>
+          </a:ln>
+        </p:spPr>
+        <p:style>
+          <a:lnRef idx="1">
+            <a:schemeClr val="accent1"/>
+          </a:lnRef>
+          <a:fillRef idx="0">
+            <a:schemeClr val="accent1"/>
+          </a:fillRef>
+          <a:effectRef idx="0">
+            <a:schemeClr val="accent1"/>
+          </a:effectRef>
+          <a:fontRef idx="minor">
+            <a:schemeClr val="tx1"/>
+          </a:fontRef>
+        </p:style>
+      </p:cxnSp>
+      <p:sp>
+        <p:nvSpPr>
+          <p:cNvPr id="46" name="TextBox 45"/>
+          <p:cNvSpPr txBox="1"/>
+          <p:nvPr/>
+        </p:nvSpPr>
+        <p:spPr>
+          <a:xfrm>
+            <a:off x="1517248" y="1079095"/>
+            <a:ext cx="1202205" cy="523220"/>
+          </a:xfrm>
+          <a:prstGeom prst="rect">
+            <a:avLst/>
+          </a:prstGeom>
+          <a:noFill/>
+        </p:spPr>
+        <p:txBody>
+          <a:bodyPr wrap="square" rtlCol="0">
+            <a:spAutoFit/>
+          </a:bodyPr>
+          <a:lstStyle/>
+          <a:p>
+            <a:pPr algn="ctr"/>
+            <a:r>
+              <a:rPr lang="en-US" sz="1400" dirty="0"/>
+              <a:t>Application modules</a:t>
+            </a:r>
+          </a:p>
+        </p:txBody>
+      </p:sp>
+      <p:sp>
+        <p:nvSpPr>
+          <p:cNvPr id="53" name="Flowchart: Process 52"/>
+          <p:cNvSpPr/>
+          <p:nvPr/>
+        </p:nvSpPr>
+        <p:spPr>
+          <a:xfrm>
+            <a:off x="2677558" y="4498672"/>
+            <a:ext cx="2362273" cy="268606"/>
+          </a:xfrm>
+          <a:prstGeom prst="flowChartProcess">
+            <a:avLst/>
+          </a:prstGeom>
+          <a:solidFill>
+            <a:schemeClr val="accent5">
+              <a:lumMod val="75000"/>
+            </a:schemeClr>
+          </a:solidFill>
+          <a:ln>
+            <a:noFill/>
+          </a:ln>
+        </p:spPr>
+        <p:style>
+          <a:lnRef idx="0">
+            <a:scrgbClr r="0" g="0" b="0"/>
+          </a:lnRef>
+          <a:fillRef idx="0">
+            <a:scrgbClr r="0" g="0" b="0"/>
+          </a:fillRef>
+          <a:effectRef idx="0">
+            <a:scrgbClr r="0" g="0" b="0"/>
+          </a:effectRef>
+          <a:fontRef idx="minor">
+            <a:schemeClr val="lt1"/>
+          </a:fontRef>
+        </p:style>
+        <p:txBody>
+          <a:bodyPr rtlCol="1" anchor="ctr"/>
+          <a:lstStyle/>
+          <a:p>
+            <a:r>
+              <a:rPr lang="en-US" sz="1100" dirty="0" err="1">
+                <a:solidFill>
+                  <a:schemeClr val="bg1"/>
+                </a:solidFill>
+                <a:latin typeface="Consolas" panose="020B0609020204030204" pitchFamily="49" charset="0"/>
+              </a:rPr>
+              <a:t>NWheels.Frameworks.Saga</a:t>
+            </a:r>
+            <a:endParaRPr lang="he-IL" sz="1100" dirty="0">
+              <a:solidFill>
+                <a:schemeClr val="bg1"/>
+              </a:solidFill>
+              <a:latin typeface="Consolas" panose="020B0609020204030204" pitchFamily="49" charset="0"/>
+            </a:endParaRPr>
+          </a:p>
+        </p:txBody>
+      </p:sp>
+      <p:sp>
+        <p:nvSpPr>
+          <p:cNvPr id="54" name="Flowchart: Process 53"/>
+          <p:cNvSpPr/>
+          <p:nvPr/>
+        </p:nvSpPr>
+        <p:spPr>
+          <a:xfrm>
+            <a:off x="2677558" y="4802252"/>
+            <a:ext cx="2362273" cy="268606"/>
+          </a:xfrm>
+          <a:prstGeom prst="flowChartProcess">
+            <a:avLst/>
+          </a:prstGeom>
+          <a:solidFill>
+            <a:schemeClr val="accent5">
+              <a:lumMod val="75000"/>
+            </a:schemeClr>
+          </a:solidFill>
+          <a:ln>
+            <a:noFill/>
+          </a:ln>
+        </p:spPr>
+        <p:style>
+          <a:lnRef idx="0">
+            <a:scrgbClr r="0" g="0" b="0"/>
+          </a:lnRef>
+          <a:fillRef idx="0">
+            <a:scrgbClr r="0" g="0" b="0"/>
+          </a:fillRef>
+          <a:effectRef idx="0">
+            <a:scrgbClr r="0" g="0" b="0"/>
+          </a:effectRef>
+          <a:fontRef idx="minor">
+            <a:schemeClr val="lt1"/>
+          </a:fontRef>
+        </p:style>
+        <p:txBody>
+          <a:bodyPr rtlCol="1" anchor="ctr"/>
+          <a:lstStyle/>
+          <a:p>
+            <a:r>
+              <a:rPr lang="en-US" sz="1100" dirty="0" err="1">
+                <a:solidFill>
+                  <a:schemeClr val="bg1"/>
+                </a:solidFill>
+                <a:latin typeface="Consolas" panose="020B0609020204030204" pitchFamily="49" charset="0"/>
+              </a:rPr>
+              <a:t>NWheels.Frameworks.Ddd</a:t>
+            </a:r>
+            <a:endParaRPr lang="he-IL" sz="1100" dirty="0">
+              <a:solidFill>
+                <a:schemeClr val="bg1"/>
+              </a:solidFill>
+              <a:latin typeface="Consolas" panose="020B0609020204030204" pitchFamily="49" charset="0"/>
+            </a:endParaRPr>
+          </a:p>
+        </p:txBody>
+      </p:sp>
+      <p:sp>
+        <p:nvSpPr>
+          <p:cNvPr id="55" name="Flowchart: Process 54"/>
+          <p:cNvSpPr/>
+          <p:nvPr/>
+        </p:nvSpPr>
+        <p:spPr>
+          <a:xfrm>
+            <a:off x="2677558" y="4183676"/>
+            <a:ext cx="2362273" cy="268606"/>
+          </a:xfrm>
+          <a:prstGeom prst="flowChartProcess">
+            <a:avLst/>
+          </a:prstGeom>
+          <a:solidFill>
+            <a:schemeClr val="accent5">
+              <a:lumMod val="75000"/>
+            </a:schemeClr>
+          </a:solidFill>
+          <a:ln>
+            <a:noFill/>
+          </a:ln>
+        </p:spPr>
+        <p:style>
+          <a:lnRef idx="0">
+            <a:scrgbClr r="0" g="0" b="0"/>
+          </a:lnRef>
+          <a:fillRef idx="0">
+            <a:scrgbClr r="0" g="0" b="0"/>
+          </a:fillRef>
+          <a:effectRef idx="0">
+            <a:scrgbClr r="0" g="0" b="0"/>
+          </a:effectRef>
+          <a:fontRef idx="minor">
+            <a:schemeClr val="lt1"/>
+          </a:fontRef>
+        </p:style>
+        <p:txBody>
+          <a:bodyPr rtlCol="1" anchor="ctr"/>
+          <a:lstStyle/>
+          <a:p>
+            <a:r>
+              <a:rPr lang="en-US" sz="1100" dirty="0" err="1">
+                <a:solidFill>
+                  <a:schemeClr val="bg1"/>
+                </a:solidFill>
+                <a:latin typeface="Consolas" panose="020B0609020204030204" pitchFamily="49" charset="0"/>
+              </a:rPr>
+              <a:t>NWheels.Frameworks.Uidl</a:t>
+            </a:r>
+            <a:endParaRPr lang="he-IL" sz="1100" dirty="0">
+              <a:solidFill>
+                <a:schemeClr val="bg1"/>
+              </a:solidFill>
+              <a:latin typeface="Consolas" panose="020B0609020204030204" pitchFamily="49" charset="0"/>
+            </a:endParaRPr>
+          </a:p>
+        </p:txBody>
+      </p:sp>
+      <p:cxnSp>
+        <p:nvCxnSpPr>
+          <p:cNvPr id="57" name="Straight Connector 56"/>
+          <p:cNvCxnSpPr/>
+          <p:nvPr/>
+        </p:nvCxnSpPr>
+        <p:spPr>
+          <a:xfrm>
+            <a:off x="1685888" y="5117784"/>
+            <a:ext cx="889400" cy="0"/>
+          </a:xfrm>
+          <a:prstGeom prst="line">
+            <a:avLst/>
+          </a:prstGeom>
+          <a:ln>
+            <a:prstDash val="lgDash"/>
+          </a:ln>
+        </p:spPr>
+        <p:style>
+          <a:lnRef idx="1">
+            <a:schemeClr val="accent1"/>
+          </a:lnRef>
+          <a:fillRef idx="0">
+            <a:schemeClr val="accent1"/>
+          </a:fillRef>
+          <a:effectRef idx="0">
+            <a:schemeClr val="accent1"/>
+          </a:effectRef>
+          <a:fontRef idx="minor">
+            <a:schemeClr val="tx1"/>
+          </a:fontRef>
+        </p:style>
+      </p:cxnSp>
+      <p:cxnSp>
+        <p:nvCxnSpPr>
+          <p:cNvPr id="58" name="Straight Connector 57"/>
+          <p:cNvCxnSpPr>
+            <a:endCxn id="64" idx="0"/>
+          </p:cNvCxnSpPr>
+          <p:nvPr/>
+        </p:nvCxnSpPr>
+        <p:spPr>
+          <a:xfrm>
+            <a:off x="2108161" y="4163391"/>
+            <a:ext cx="10190" cy="311051"/>
+          </a:xfrm>
+          <a:prstGeom prst="line">
+            <a:avLst/>
+          </a:prstGeom>
+          <a:ln>
+            <a:prstDash val="lgDash"/>
+            <a:headEnd type="arrow"/>
+          </a:ln>
+        </p:spPr>
+        <p:style>
+          <a:lnRef idx="1">
+            <a:schemeClr val="accent1"/>
+          </a:lnRef>
+          <a:fillRef idx="0">
+            <a:schemeClr val="accent1"/>
+          </a:fillRef>
+          <a:effectRef idx="0">
+            <a:schemeClr val="accent1"/>
+          </a:effectRef>
+          <a:fontRef idx="minor">
+            <a:schemeClr val="tx1"/>
+          </a:fontRef>
+        </p:style>
+      </p:cxnSp>
+      <p:cxnSp>
+        <p:nvCxnSpPr>
+          <p:cNvPr id="59" name="Straight Connector 58"/>
+          <p:cNvCxnSpPr/>
+          <p:nvPr/>
+        </p:nvCxnSpPr>
+        <p:spPr>
+          <a:xfrm>
+            <a:off x="2118351" y="4754379"/>
+            <a:ext cx="0" cy="316241"/>
+          </a:xfrm>
+          <a:prstGeom prst="line">
+            <a:avLst/>
+          </a:prstGeom>
+          <a:ln>
+            <a:prstDash val="lgDash"/>
+            <a:headEnd w="lg" len="lg"/>
+            <a:tailEnd type="arrow"/>
+          </a:ln>
+        </p:spPr>
+        <p:style>
+          <a:lnRef idx="1">
+            <a:schemeClr val="accent1"/>
+          </a:lnRef>
+          <a:fillRef idx="0">
+            <a:schemeClr val="accent1"/>
+          </a:fillRef>
+          <a:effectRef idx="0">
+            <a:schemeClr val="accent1"/>
+          </a:effectRef>
+          <a:fontRef idx="minor">
+            <a:schemeClr val="tx1"/>
+          </a:fontRef>
+        </p:style>
+      </p:cxnSp>
+      <p:sp>
+        <p:nvSpPr>
+          <p:cNvPr id="64" name="TextBox 63"/>
+          <p:cNvSpPr txBox="1"/>
+          <p:nvPr/>
+        </p:nvSpPr>
+        <p:spPr>
+          <a:xfrm>
+            <a:off x="1517248" y="4474442"/>
+            <a:ext cx="1202205" cy="307777"/>
+          </a:xfrm>
+          <a:prstGeom prst="rect">
+            <a:avLst/>
+          </a:prstGeom>
+          <a:noFill/>
+        </p:spPr>
+        <p:txBody>
+          <a:bodyPr wrap="square" rtlCol="0">
+            <a:spAutoFit/>
+          </a:bodyPr>
+          <a:lstStyle/>
+          <a:p>
+            <a:pPr algn="ctr"/>
+            <a:r>
+              <a:rPr lang="en-US" sz="1400" dirty="0"/>
+              <a:t>Frameworks</a:t>
+            </a:r>
+          </a:p>
+        </p:txBody>
+      </p:sp>
+      <p:sp>
+        <p:nvSpPr>
+          <p:cNvPr id="76" name="Flowchart: Process 75"/>
+          <p:cNvSpPr/>
+          <p:nvPr/>
+        </p:nvSpPr>
+        <p:spPr>
+          <a:xfrm>
+            <a:off x="7962846" y="4698429"/>
+            <a:ext cx="1859333" cy="268606"/>
+          </a:xfrm>
+          <a:prstGeom prst="flowChartProcess">
+            <a:avLst/>
+          </a:prstGeom>
+          <a:solidFill>
+            <a:srgbClr val="00D661"/>
+          </a:solidFill>
+          <a:ln>
+            <a:noFill/>
+          </a:ln>
+        </p:spPr>
+        <p:style>
+          <a:lnRef idx="0">
+            <a:scrgbClr r="0" g="0" b="0"/>
+          </a:lnRef>
+          <a:fillRef idx="0">
+            <a:scrgbClr r="0" g="0" b="0"/>
+          </a:fillRef>
+          <a:effectRef idx="0">
+            <a:scrgbClr r="0" g="0" b="0"/>
+          </a:effectRef>
+          <a:fontRef idx="minor">
+            <a:schemeClr val="lt1"/>
+          </a:fontRef>
+        </p:style>
+        <p:txBody>
+          <a:bodyPr rtlCol="1" anchor="ctr"/>
+          <a:lstStyle/>
+          <a:p>
+            <a:r>
+              <a:rPr lang="en-US" sz="1100" dirty="0">
+                <a:solidFill>
+                  <a:schemeClr val="tx1"/>
+                </a:solidFill>
+                <a:latin typeface="Consolas" panose="020B0609020204030204" pitchFamily="49" charset="0"/>
+              </a:rPr>
+              <a:t>TixDown.Regions.EU</a:t>
+            </a:r>
+            <a:endParaRPr lang="he-IL" sz="1100" dirty="0">
+              <a:solidFill>
+                <a:schemeClr val="tx1"/>
+              </a:solidFill>
+              <a:latin typeface="Consolas" panose="020B0609020204030204" pitchFamily="49" charset="0"/>
+            </a:endParaRPr>
+          </a:p>
+        </p:txBody>
+      </p:sp>
+      <p:sp>
+        <p:nvSpPr>
+          <p:cNvPr id="77" name="Flowchart: Process 76"/>
+          <p:cNvSpPr/>
+          <p:nvPr/>
+        </p:nvSpPr>
+        <p:spPr>
+          <a:xfrm>
+            <a:off x="7962847" y="4359862"/>
+            <a:ext cx="1859332" cy="268606"/>
+          </a:xfrm>
+          <a:prstGeom prst="flowChartProcess">
+            <a:avLst/>
+          </a:prstGeom>
+          <a:solidFill>
+            <a:srgbClr val="00D661"/>
+          </a:solidFill>
+          <a:ln>
+            <a:noFill/>
+          </a:ln>
+        </p:spPr>
+        <p:style>
+          <a:lnRef idx="0">
+            <a:scrgbClr r="0" g="0" b="0"/>
+          </a:lnRef>
+          <a:fillRef idx="0">
+            <a:scrgbClr r="0" g="0" b="0"/>
+          </a:fillRef>
+          <a:effectRef idx="0">
+            <a:scrgbClr r="0" g="0" b="0"/>
+          </a:effectRef>
+          <a:fontRef idx="minor">
+            <a:schemeClr val="lt1"/>
+          </a:fontRef>
+        </p:style>
+        <p:txBody>
+          <a:bodyPr rtlCol="1" anchor="ctr"/>
+          <a:lstStyle/>
+          <a:p>
+            <a:r>
+              <a:rPr lang="en-US" sz="1100" dirty="0" err="1">
+                <a:solidFill>
+                  <a:schemeClr val="tx1"/>
+                </a:solidFill>
+                <a:latin typeface="Consolas" panose="020B0609020204030204" pitchFamily="49" charset="0"/>
+              </a:rPr>
+              <a:t>TixDown.Regions.Asia</a:t>
+            </a:r>
+            <a:endParaRPr lang="he-IL" sz="1100" dirty="0">
+              <a:solidFill>
+                <a:schemeClr val="tx1"/>
+              </a:solidFill>
+              <a:latin typeface="Consolas" panose="020B0609020204030204" pitchFamily="49" charset="0"/>
+            </a:endParaRPr>
+          </a:p>
+        </p:txBody>
+      </p:sp>
+      <p:cxnSp>
+        <p:nvCxnSpPr>
+          <p:cNvPr id="66" name="Straight Connector 65"/>
+          <p:cNvCxnSpPr/>
+          <p:nvPr/>
+        </p:nvCxnSpPr>
+        <p:spPr>
+          <a:xfrm>
+            <a:off x="6537960" y="4163391"/>
+            <a:ext cx="0" cy="1008183"/>
+          </a:xfrm>
+          <a:prstGeom prst="line">
+            <a:avLst/>
+          </a:prstGeom>
+          <a:ln w="19050">
+            <a:solidFill>
+              <a:srgbClr val="00B050"/>
+            </a:solidFill>
+          </a:ln>
+        </p:spPr>
+        <p:style>
+          <a:lnRef idx="1">
+            <a:schemeClr val="accent1"/>
+          </a:lnRef>
+          <a:fillRef idx="0">
+            <a:schemeClr val="accent1"/>
+          </a:fillRef>
+          <a:effectRef idx="0">
+            <a:schemeClr val="accent1"/>
+          </a:effectRef>
+          <a:fontRef idx="minor">
+            <a:schemeClr val="tx1"/>
+          </a:fontRef>
+        </p:style>
+      </p:cxnSp>
+      <p:sp>
+        <p:nvSpPr>
+          <p:cNvPr id="22" name="Flowchart: Process 21"/>
+          <p:cNvSpPr/>
+          <p:nvPr/>
+        </p:nvSpPr>
+        <p:spPr>
+          <a:xfrm>
+            <a:off x="5423456" y="4709835"/>
+            <a:ext cx="2238374" cy="268606"/>
+          </a:xfrm>
+          <a:prstGeom prst="flowChartProcess">
+            <a:avLst/>
+          </a:prstGeom>
+          <a:solidFill>
+            <a:srgbClr val="00D661"/>
+          </a:solidFill>
+          <a:ln>
+            <a:noFill/>
+          </a:ln>
+        </p:spPr>
+        <p:style>
+          <a:lnRef idx="0">
+            <a:scrgbClr r="0" g="0" b="0"/>
+          </a:lnRef>
+          <a:fillRef idx="0">
+            <a:scrgbClr r="0" g="0" b="0"/>
+          </a:fillRef>
+          <a:effectRef idx="0">
+            <a:scrgbClr r="0" g="0" b="0"/>
+          </a:effectRef>
+          <a:fontRef idx="minor">
+            <a:schemeClr val="lt1"/>
+          </a:fontRef>
+        </p:style>
+        <p:txBody>
+          <a:bodyPr rtlCol="1" anchor="ctr"/>
+          <a:lstStyle/>
+          <a:p>
+            <a:r>
+              <a:rPr lang="en-US" sz="1100" dirty="0" err="1">
+                <a:solidFill>
+                  <a:schemeClr val="tx1"/>
+                </a:solidFill>
+                <a:latin typeface="Consolas" panose="020B0609020204030204" pitchFamily="49" charset="0"/>
+              </a:rPr>
+              <a:t>TixDown.Vertical.Profit</a:t>
+            </a:r>
+            <a:endParaRPr lang="he-IL" sz="1100" dirty="0">
+              <a:solidFill>
+                <a:schemeClr val="tx1"/>
+              </a:solidFill>
+              <a:latin typeface="Consolas" panose="020B0609020204030204" pitchFamily="49" charset="0"/>
+            </a:endParaRPr>
+          </a:p>
+        </p:txBody>
+      </p:sp>
+      <p:sp>
+        <p:nvSpPr>
+          <p:cNvPr id="23" name="Flowchart: Process 22"/>
+          <p:cNvSpPr/>
+          <p:nvPr/>
+        </p:nvSpPr>
+        <p:spPr>
+          <a:xfrm>
+            <a:off x="5423456" y="4364369"/>
+            <a:ext cx="2238375" cy="268606"/>
+          </a:xfrm>
+          <a:prstGeom prst="flowChartProcess">
+            <a:avLst/>
+          </a:prstGeom>
+          <a:solidFill>
+            <a:srgbClr val="00D661"/>
+          </a:solidFill>
+          <a:ln>
+            <a:noFill/>
+          </a:ln>
+        </p:spPr>
+        <p:style>
+          <a:lnRef idx="0">
+            <a:scrgbClr r="0" g="0" b="0"/>
+          </a:lnRef>
+          <a:fillRef idx="0">
+            <a:scrgbClr r="0" g="0" b="0"/>
+          </a:fillRef>
+          <a:effectRef idx="0">
+            <a:scrgbClr r="0" g="0" b="0"/>
+          </a:effectRef>
+          <a:fontRef idx="minor">
+            <a:schemeClr val="lt1"/>
+          </a:fontRef>
+        </p:style>
+        <p:txBody>
+          <a:bodyPr rtlCol="1" anchor="ctr"/>
+          <a:lstStyle/>
+          <a:p>
+            <a:r>
+              <a:rPr lang="en-US" sz="1100" dirty="0" err="1">
+                <a:solidFill>
+                  <a:schemeClr val="tx1"/>
+                </a:solidFill>
+                <a:latin typeface="Consolas" panose="020B0609020204030204" pitchFamily="49" charset="0"/>
+              </a:rPr>
+              <a:t>TixDown.Vertical.NonProfit</a:t>
+            </a:r>
+            <a:endParaRPr lang="he-IL" sz="1100" dirty="0">
+              <a:solidFill>
+                <a:schemeClr val="tx1"/>
+              </a:solidFill>
+              <a:latin typeface="Consolas" panose="020B0609020204030204" pitchFamily="49" charset="0"/>
+            </a:endParaRPr>
+          </a:p>
+        </p:txBody>
+      </p:sp>
+    </p:spTree>
+    <p:extLst>
+      <p:ext uri="{BB962C8B-B14F-4D97-AF65-F5344CB8AC3E}">
+        <p14:creationId xmlns:p14="http://schemas.microsoft.com/office/powerpoint/2010/main" val="182945506"/>
+      </p:ext>
+    </p:extLst>
+  </p:cSld>
+  <p:clrMapOvr>
+    <a:masterClrMapping/>
+  </p:clrMapOvr>
+</p:sld>
+</file>
+
+<file path=ppt/slides/slide7.xml><?xml version="1.0" encoding="utf-8"?>
+<p:sld xmlns:a="http://schemas.openxmlformats.org/drawingml/2006/main" xmlns:r="http://schemas.openxmlformats.org/officeDocument/2006/relationships" xmlns:p="http://schemas.openxmlformats.org/presentationml/2006/main">
+  <p:cSld>
+    <p:spTree>
+      <p:nvGrpSpPr>
+        <p:cNvPr id="1" name=""/>
+        <p:cNvGrpSpPr/>
+        <p:nvPr/>
+      </p:nvGrpSpPr>
+      <p:grpSpPr>
+        <a:xfrm>
+          <a:off x="0" y="0"/>
+          <a:ext cx="0" cy="0"/>
+          <a:chOff x="0" y="0"/>
+          <a:chExt cx="0" cy="0"/>
+        </a:xfrm>
+      </p:grpSpPr>
       <p:sp>
         <p:nvSpPr>
           <p:cNvPr id="5" name="Rectangle 4"/>
@@ -16979,7 +21721,7 @@
 </p:sld>
 </file>
 
-<file path=ppt/slides/slide7.xml><?xml version="1.0" encoding="utf-8"?>
+<file path=ppt/slides/slide8.xml><?xml version="1.0" encoding="utf-8"?>
 <p:sld xmlns:a="http://schemas.openxmlformats.org/drawingml/2006/main" xmlns:r="http://schemas.openxmlformats.org/officeDocument/2006/relationships" xmlns:p="http://schemas.openxmlformats.org/presentationml/2006/main">
   <p:cSld>
     <p:spTree>

--- a/Docs/HighLevelArchitecture.pptx
+++ b/Docs/HighLevelArchitecture.pptx
@@ -249,7 +249,7 @@
           <a:p>
             <a:fld id="{BC09DC50-E35C-4067-872A-09A9CC66B9DA}" type="datetimeFigureOut">
               <a:rPr lang="en-US" smtClean="0"/>
-              <a:t>9/20/2017</a:t>
+              <a:t>9/23/2017</a:t>
             </a:fld>
             <a:endParaRPr lang="en-US"/>
           </a:p>
@@ -417,7 +417,7 @@
           <a:p>
             <a:fld id="{BC09DC50-E35C-4067-872A-09A9CC66B9DA}" type="datetimeFigureOut">
               <a:rPr lang="en-US" smtClean="0"/>
-              <a:t>9/20/2017</a:t>
+              <a:t>9/23/2017</a:t>
             </a:fld>
             <a:endParaRPr lang="en-US"/>
           </a:p>
@@ -595,7 +595,7 @@
           <a:p>
             <a:fld id="{BC09DC50-E35C-4067-872A-09A9CC66B9DA}" type="datetimeFigureOut">
               <a:rPr lang="en-US" smtClean="0"/>
-              <a:t>9/20/2017</a:t>
+              <a:t>9/23/2017</a:t>
             </a:fld>
             <a:endParaRPr lang="en-US"/>
           </a:p>
@@ -763,7 +763,7 @@
           <a:p>
             <a:fld id="{BC09DC50-E35C-4067-872A-09A9CC66B9DA}" type="datetimeFigureOut">
               <a:rPr lang="en-US" smtClean="0"/>
-              <a:t>9/20/2017</a:t>
+              <a:t>9/23/2017</a:t>
             </a:fld>
             <a:endParaRPr lang="en-US"/>
           </a:p>
@@ -1008,7 +1008,7 @@
           <a:p>
             <a:fld id="{BC09DC50-E35C-4067-872A-09A9CC66B9DA}" type="datetimeFigureOut">
               <a:rPr lang="en-US" smtClean="0"/>
-              <a:t>9/20/2017</a:t>
+              <a:t>9/23/2017</a:t>
             </a:fld>
             <a:endParaRPr lang="en-US"/>
           </a:p>
@@ -1237,7 +1237,7 @@
           <a:p>
             <a:fld id="{BC09DC50-E35C-4067-872A-09A9CC66B9DA}" type="datetimeFigureOut">
               <a:rPr lang="en-US" smtClean="0"/>
-              <a:t>9/20/2017</a:t>
+              <a:t>9/23/2017</a:t>
             </a:fld>
             <a:endParaRPr lang="en-US"/>
           </a:p>
@@ -1601,7 +1601,7 @@
           <a:p>
             <a:fld id="{BC09DC50-E35C-4067-872A-09A9CC66B9DA}" type="datetimeFigureOut">
               <a:rPr lang="en-US" smtClean="0"/>
-              <a:t>9/20/2017</a:t>
+              <a:t>9/23/2017</a:t>
             </a:fld>
             <a:endParaRPr lang="en-US"/>
           </a:p>
@@ -1718,7 +1718,7 @@
           <a:p>
             <a:fld id="{BC09DC50-E35C-4067-872A-09A9CC66B9DA}" type="datetimeFigureOut">
               <a:rPr lang="en-US" smtClean="0"/>
-              <a:t>9/20/2017</a:t>
+              <a:t>9/23/2017</a:t>
             </a:fld>
             <a:endParaRPr lang="en-US"/>
           </a:p>
@@ -1813,7 +1813,7 @@
           <a:p>
             <a:fld id="{BC09DC50-E35C-4067-872A-09A9CC66B9DA}" type="datetimeFigureOut">
               <a:rPr lang="en-US" smtClean="0"/>
-              <a:t>9/20/2017</a:t>
+              <a:t>9/23/2017</a:t>
             </a:fld>
             <a:endParaRPr lang="en-US"/>
           </a:p>
@@ -2088,7 +2088,7 @@
           <a:p>
             <a:fld id="{BC09DC50-E35C-4067-872A-09A9CC66B9DA}" type="datetimeFigureOut">
               <a:rPr lang="en-US" smtClean="0"/>
-              <a:t>9/20/2017</a:t>
+              <a:t>9/23/2017</a:t>
             </a:fld>
             <a:endParaRPr lang="en-US"/>
           </a:p>
@@ -2340,7 +2340,7 @@
           <a:p>
             <a:fld id="{BC09DC50-E35C-4067-872A-09A9CC66B9DA}" type="datetimeFigureOut">
               <a:rPr lang="en-US" smtClean="0"/>
-              <a:t>9/20/2017</a:t>
+              <a:t>9/23/2017</a:t>
             </a:fld>
             <a:endParaRPr lang="en-US"/>
           </a:p>
@@ -2551,7 +2551,7 @@
           <a:p>
             <a:fld id="{BC09DC50-E35C-4067-872A-09A9CC66B9DA}" type="datetimeFigureOut">
               <a:rPr lang="en-US" smtClean="0"/>
-              <a:t>9/20/2017</a:t>
+              <a:t>9/23/2017</a:t>
             </a:fld>
             <a:endParaRPr lang="en-US"/>
           </a:p>
@@ -3207,7 +3207,7 @@
           <a:p>
             <a:pPr algn="ctr"/>
             <a:r>
-              <a:rPr lang="en-US" sz="1100" b="1" dirty="0">
+              <a:rPr lang="en-US" sz="1100" b="1" dirty="0" smtClean="0">
                 <a:solidFill>
                   <a:schemeClr val="accent2">
                     <a:lumMod val="50000"/>
@@ -3271,7 +3271,7 @@
           <a:p>
             <a:pPr algn="ctr"/>
             <a:r>
-              <a:rPr lang="en-US" sz="1100" b="1" dirty="0">
+              <a:rPr lang="en-US" sz="1100" b="1" dirty="0" smtClean="0">
                 <a:solidFill>
                   <a:srgbClr val="00B050"/>
                 </a:solidFill>
